--- a/presentation/Moiseyenko_presentation_cut.pptx
+++ b/presentation/Moiseyenko_presentation_cut.pptx
@@ -5,7 +5,7 @@
     <p:sldMasterId id="2147485548" r:id="rId1"/>
   </p:sldMasterIdLst>
   <p:notesMasterIdLst>
-    <p:notesMasterId r:id="rId15"/>
+    <p:notesMasterId r:id="rId11"/>
   </p:notesMasterIdLst>
   <p:sldIdLst>
     <p:sldId id="256" r:id="rId2"/>
@@ -13,14 +13,10 @@
     <p:sldId id="261" r:id="rId4"/>
     <p:sldId id="262" r:id="rId5"/>
     <p:sldId id="266" r:id="rId6"/>
-    <p:sldId id="284" r:id="rId7"/>
+    <p:sldId id="269" r:id="rId7"/>
     <p:sldId id="267" r:id="rId8"/>
-    <p:sldId id="272" r:id="rId9"/>
-    <p:sldId id="269" r:id="rId10"/>
-    <p:sldId id="276" r:id="rId11"/>
-    <p:sldId id="282" r:id="rId12"/>
-    <p:sldId id="283" r:id="rId13"/>
-    <p:sldId id="278" r:id="rId14"/>
+    <p:sldId id="276" r:id="rId9"/>
+    <p:sldId id="278" r:id="rId10"/>
   </p:sldIdLst>
   <p:sldSz cx="9144000" cy="6858000" type="screen4x3"/>
   <p:notesSz cx="6858000" cy="9144000"/>
@@ -4209,49 +4205,97 @@
           <a:p>
             <a:pPr algn="ctr"/>
             <a:r>
-              <a:rPr lang="ru-RU" sz="4000" b="1" dirty="0"/>
+              <a:rPr lang="ru-RU" sz="4000" b="1" dirty="0">
+                <a:latin typeface="Tahoma" charset="0"/>
+                <a:ea typeface="Tahoma" charset="0"/>
+                <a:cs typeface="Tahoma" charset="0"/>
+              </a:rPr>
               <a:t>РАЗРАБОТКА ПРОГРАММНОГО ОБЕСПЕЧЕНИЯ </a:t>
             </a:r>
             <a:r>
-              <a:rPr lang="en-US" sz="4000" b="1" dirty="0" smtClean="0"/>
+              <a:rPr lang="en-US" sz="4000" b="1" dirty="0" smtClean="0">
+                <a:latin typeface="Tahoma" charset="0"/>
+                <a:ea typeface="Tahoma" charset="0"/>
+                <a:cs typeface="Tahoma" charset="0"/>
+              </a:rPr>
               <a:t/>
             </a:r>
             <a:br>
-              <a:rPr lang="en-US" sz="4000" b="1" dirty="0" smtClean="0"/>
+              <a:rPr lang="en-US" sz="4000" b="1" dirty="0" smtClean="0">
+                <a:latin typeface="Tahoma" charset="0"/>
+                <a:ea typeface="Tahoma" charset="0"/>
+                <a:cs typeface="Tahoma" charset="0"/>
+              </a:rPr>
             </a:br>
             <a:r>
-              <a:rPr lang="ru-RU" sz="4000" b="1" dirty="0" smtClean="0"/>
+              <a:rPr lang="ru-RU" sz="4000" b="1" dirty="0" smtClean="0">
+                <a:latin typeface="Tahoma" charset="0"/>
+                <a:ea typeface="Tahoma" charset="0"/>
+                <a:cs typeface="Tahoma" charset="0"/>
+              </a:rPr>
               <a:t>ДЛЯ ПАРСИНГА</a:t>
             </a:r>
             <a:r>
-              <a:rPr lang="en-US" sz="4000" b="1" dirty="0" smtClean="0"/>
+              <a:rPr lang="en-US" sz="4000" b="1" dirty="0" smtClean="0">
+                <a:latin typeface="Tahoma" charset="0"/>
+                <a:ea typeface="Tahoma" charset="0"/>
+                <a:cs typeface="Tahoma" charset="0"/>
+              </a:rPr>
               <a:t> </a:t>
             </a:r>
             <a:r>
-              <a:rPr lang="ru-RU" sz="4000" b="1" dirty="0" smtClean="0"/>
+              <a:rPr lang="ru-RU" sz="4000" b="1" dirty="0" smtClean="0">
+                <a:latin typeface="Tahoma" charset="0"/>
+                <a:ea typeface="Tahoma" charset="0"/>
+                <a:cs typeface="Tahoma" charset="0"/>
+              </a:rPr>
               <a:t>ТЕКСТОВ </a:t>
             </a:r>
             <a:br>
-              <a:rPr lang="ru-RU" sz="4000" b="1" dirty="0" smtClean="0"/>
+              <a:rPr lang="ru-RU" sz="4000" b="1" dirty="0" smtClean="0">
+                <a:latin typeface="Tahoma" charset="0"/>
+                <a:ea typeface="Tahoma" charset="0"/>
+                <a:cs typeface="Tahoma" charset="0"/>
+              </a:rPr>
             </a:br>
             <a:r>
-              <a:rPr lang="ru-RU" sz="4000" b="1" dirty="0" smtClean="0"/>
+              <a:rPr lang="ru-RU" sz="4000" b="1" dirty="0" smtClean="0">
+                <a:latin typeface="Tahoma" charset="0"/>
+                <a:ea typeface="Tahoma" charset="0"/>
+                <a:cs typeface="Tahoma" charset="0"/>
+              </a:rPr>
               <a:t>И</a:t>
             </a:r>
             <a:r>
-              <a:rPr lang="en-US" sz="4000" dirty="0" smtClean="0"/>
+              <a:rPr lang="en-US" sz="4000" dirty="0" smtClean="0">
+                <a:latin typeface="Tahoma" charset="0"/>
+                <a:ea typeface="Tahoma" charset="0"/>
+                <a:cs typeface="Tahoma" charset="0"/>
+              </a:rPr>
               <a:t> </a:t>
             </a:r>
             <a:r>
-              <a:rPr lang="ru-RU" sz="4000" b="1" dirty="0" smtClean="0"/>
+              <a:rPr lang="ru-RU" sz="4000" b="1" dirty="0" smtClean="0">
+                <a:latin typeface="Tahoma" charset="0"/>
+                <a:ea typeface="Tahoma" charset="0"/>
+                <a:cs typeface="Tahoma" charset="0"/>
+              </a:rPr>
               <a:t>ГЕНЕРАЦИИ </a:t>
             </a:r>
             <a:r>
-              <a:rPr lang="ru-RU" sz="4000" b="1" dirty="0"/>
+              <a:rPr lang="ru-RU" sz="4000" b="1" dirty="0">
+                <a:latin typeface="Tahoma" charset="0"/>
+                <a:ea typeface="Tahoma" charset="0"/>
+                <a:cs typeface="Tahoma" charset="0"/>
+              </a:rPr>
               <a:t>UML МОДЕЛЕЙ</a:t>
             </a:r>
             <a:r>
-              <a:rPr lang="ru-RU" sz="4000" dirty="0"/>
+              <a:rPr lang="ru-RU" sz="4000" dirty="0">
+                <a:latin typeface="Tahoma" charset="0"/>
+                <a:ea typeface="Tahoma" charset="0"/>
+                <a:cs typeface="Tahoma" charset="0"/>
+              </a:rPr>
               <a:t> </a:t>
             </a:r>
           </a:p>
@@ -4265,8 +4309,8 @@
         </p:nvSpPr>
         <p:spPr>
           <a:xfrm>
-            <a:off x="3034145" y="5721744"/>
-            <a:ext cx="5444837" cy="369332"/>
+            <a:off x="3034146" y="5721744"/>
+            <a:ext cx="5306292" cy="369332"/>
           </a:xfrm>
           <a:prstGeom prst="rect">
             <a:avLst/>
@@ -4279,16 +4323,29 @@
           </a:bodyPr>
           <a:lstStyle/>
           <a:p>
-            <a:r>
-              <a:rPr lang="ru-RU" altLang="x-none" dirty="0"/>
+            <a:pPr algn="r"/>
+            <a:r>
+              <a:rPr lang="ru-RU" altLang="x-none" dirty="0">
+                <a:latin typeface="Tahoma" charset="0"/>
+                <a:ea typeface="Tahoma" charset="0"/>
+                <a:cs typeface="Tahoma" charset="0"/>
+              </a:rPr>
               <a:t>руководитель: доц. </a:t>
             </a:r>
             <a:r>
-              <a:rPr lang="ru-RU" altLang="x-none" dirty="0" smtClean="0"/>
+              <a:rPr lang="ru-RU" altLang="x-none" dirty="0" smtClean="0">
+                <a:latin typeface="Tahoma" charset="0"/>
+                <a:ea typeface="Tahoma" charset="0"/>
+                <a:cs typeface="Tahoma" charset="0"/>
+              </a:rPr>
               <a:t>В.А</a:t>
             </a:r>
             <a:r>
-              <a:rPr lang="ru-RU" altLang="x-none" dirty="0"/>
+              <a:rPr lang="ru-RU" altLang="x-none" dirty="0">
+                <a:latin typeface="Tahoma" charset="0"/>
+                <a:ea typeface="Tahoma" charset="0"/>
+                <a:cs typeface="Tahoma" charset="0"/>
+              </a:rPr>
               <a:t>. Ермолаев</a:t>
             </a:r>
           </a:p>
@@ -4303,7 +4360,7 @@
         <p:spPr>
           <a:xfrm>
             <a:off x="3034145" y="5352412"/>
-            <a:ext cx="5444836" cy="369332"/>
+            <a:ext cx="5306292" cy="369332"/>
           </a:xfrm>
           <a:prstGeom prst="rect">
             <a:avLst/>
@@ -4316,23 +4373,44 @@
           </a:bodyPr>
           <a:lstStyle/>
           <a:p>
-            <a:r>
-              <a:rPr lang="ru-RU" altLang="x-none" dirty="0" smtClean="0"/>
-              <a:t>выполнила: Моисеенко Светлана, </a:t>
-            </a:r>
-            <a:r>
-              <a:rPr lang="ru-RU" altLang="x-none" dirty="0"/>
-              <a:t>гр. </a:t>
-            </a:r>
-            <a:r>
-              <a:rPr lang="uk-UA" dirty="0"/>
-              <a:t>7.1226-з</a:t>
-            </a:r>
-            <a:r>
-              <a:rPr lang="en-US" dirty="0"/>
+            <a:pPr algn="r"/>
+            <a:r>
+              <a:rPr lang="ru-RU" altLang="x-none" dirty="0" smtClean="0">
+                <a:latin typeface="Tahoma" charset="0"/>
+                <a:ea typeface="Tahoma" charset="0"/>
+                <a:cs typeface="Tahoma" charset="0"/>
+              </a:rPr>
+              <a:t>выполнила: </a:t>
+            </a:r>
+            <a:r>
+              <a:rPr lang="en-US" altLang="x-none" dirty="0" smtClean="0">
+                <a:latin typeface="Tahoma" charset="0"/>
+                <a:ea typeface="Tahoma" charset="0"/>
+                <a:cs typeface="Tahoma" charset="0"/>
+              </a:rPr>
+              <a:t>C.A. </a:t>
+            </a:r>
+            <a:r>
+              <a:rPr lang="ru-RU" altLang="x-none" dirty="0" smtClean="0">
+                <a:latin typeface="Tahoma" charset="0"/>
+                <a:ea typeface="Tahoma" charset="0"/>
+                <a:cs typeface="Tahoma" charset="0"/>
+              </a:rPr>
+              <a:t>Моисеенко</a:t>
+            </a:r>
+            <a:r>
+              <a:rPr lang="en-US" altLang="x-none" dirty="0" smtClean="0">
+                <a:latin typeface="Tahoma" charset="0"/>
+                <a:ea typeface="Tahoma" charset="0"/>
+                <a:cs typeface="Tahoma" charset="0"/>
+              </a:rPr>
               <a:t> </a:t>
             </a:r>
-            <a:endParaRPr lang="ru-RU" dirty="0" smtClean="0"/>
+            <a:endParaRPr lang="ru-RU" dirty="0" smtClean="0">
+              <a:latin typeface="Tahoma" charset="0"/>
+              <a:ea typeface="Tahoma" charset="0"/>
+              <a:cs typeface="Tahoma" charset="0"/>
+            </a:endParaRPr>
           </a:p>
         </p:txBody>
       </p:sp>
@@ -4340,832 +4418,6 @@
     <p:extLst>
       <p:ext uri="{BB962C8B-B14F-4D97-AF65-F5344CB8AC3E}">
         <p14:creationId xmlns:p14="http://schemas.microsoft.com/office/powerpoint/2010/main" val="1530003194"/>
-      </p:ext>
-    </p:extLst>
-  </p:cSld>
-  <p:clrMapOvr>
-    <a:masterClrMapping/>
-  </p:clrMapOvr>
-  <p:timing>
-    <p:tnLst>
-      <p:par>
-        <p:cTn id="1" dur="indefinite" restart="never" nodeType="tmRoot"/>
-      </p:par>
-    </p:tnLst>
-  </p:timing>
-</p:sld>
-</file>
-
-<file path=ppt/slides/slide10.xml><?xml version="1.0" encoding="utf-8"?>
-<p:sld xmlns:a="http://schemas.openxmlformats.org/drawingml/2006/main" xmlns:r="http://schemas.openxmlformats.org/officeDocument/2006/relationships" xmlns:p="http://schemas.openxmlformats.org/presentationml/2006/main">
-  <p:cSld>
-    <p:spTree>
-      <p:nvGrpSpPr>
-        <p:cNvPr id="1" name=""/>
-        <p:cNvGrpSpPr/>
-        <p:nvPr/>
-      </p:nvGrpSpPr>
-      <p:grpSpPr>
-        <a:xfrm>
-          <a:off x="0" y="0"/>
-          <a:ext cx="0" cy="0"/>
-          <a:chOff x="0" y="0"/>
-          <a:chExt cx="0" cy="0"/>
-        </a:xfrm>
-      </p:grpSpPr>
-      <p:pic>
-        <p:nvPicPr>
-          <p:cNvPr id="4" name="officeArt object"/>
-          <p:cNvPicPr>
-            <a:picLocks noGrp="1"/>
-          </p:cNvPicPr>
-          <p:nvPr>
-            <p:ph idx="1"/>
-          </p:nvPr>
-        </p:nvPicPr>
-        <p:blipFill>
-          <a:blip r:embed="rId2">
-            <a:extLst/>
-          </a:blip>
-          <a:stretch>
-            <a:fillRect/>
-          </a:stretch>
-        </p:blipFill>
-        <p:spPr>
-          <a:xfrm>
-            <a:off x="946150" y="2177865"/>
-            <a:ext cx="6446838" cy="3653208"/>
-          </a:xfrm>
-          <a:prstGeom prst="rect">
-            <a:avLst/>
-          </a:prstGeom>
-          <a:ln w="12700" cap="flat">
-            <a:noFill/>
-            <a:miter lim="400000"/>
-          </a:ln>
-          <a:effectLst/>
-        </p:spPr>
-      </p:pic>
-      <p:sp>
-        <p:nvSpPr>
-          <p:cNvPr id="5" name="TextBox 4"/>
-          <p:cNvSpPr txBox="1"/>
-          <p:nvPr/>
-        </p:nvSpPr>
-        <p:spPr>
-          <a:xfrm>
-            <a:off x="585158" y="293831"/>
-            <a:ext cx="6807830" cy="954107"/>
-          </a:xfrm>
-          <a:prstGeom prst="rect">
-            <a:avLst/>
-          </a:prstGeom>
-          <a:noFill/>
-        </p:spPr>
-        <p:txBody>
-          <a:bodyPr wrap="square" rtlCol="0">
-            <a:spAutoFit/>
-          </a:bodyPr>
-          <a:lstStyle/>
-          <a:p>
-            <a:r>
-              <a:rPr lang="ru-RU" sz="2800" b="1" dirty="0">
-                <a:solidFill>
-                  <a:schemeClr val="accent1"/>
-                </a:solidFill>
-              </a:rPr>
-              <a:t>Текст с орфографическими и синтаксическими ошибками</a:t>
-            </a:r>
-            <a:endParaRPr lang="en-US" sz="2800" b="1" dirty="0">
-              <a:solidFill>
-                <a:schemeClr val="accent1"/>
-              </a:solidFill>
-            </a:endParaRPr>
-          </a:p>
-        </p:txBody>
-      </p:sp>
-    </p:spTree>
-    <p:extLst>
-      <p:ext uri="{BB962C8B-B14F-4D97-AF65-F5344CB8AC3E}">
-        <p14:creationId xmlns:p14="http://schemas.microsoft.com/office/powerpoint/2010/main" val="271638538"/>
-      </p:ext>
-    </p:extLst>
-  </p:cSld>
-  <p:clrMapOvr>
-    <a:masterClrMapping/>
-  </p:clrMapOvr>
-  <p:timing>
-    <p:tnLst>
-      <p:par>
-        <p:cTn id="1" dur="indefinite" restart="never" nodeType="tmRoot"/>
-      </p:par>
-    </p:tnLst>
-  </p:timing>
-</p:sld>
-</file>
-
-<file path=ppt/slides/slide11.xml><?xml version="1.0" encoding="utf-8"?>
-<p:sld xmlns:a="http://schemas.openxmlformats.org/drawingml/2006/main" xmlns:r="http://schemas.openxmlformats.org/officeDocument/2006/relationships" xmlns:p="http://schemas.openxmlformats.org/presentationml/2006/main">
-  <p:cSld>
-    <p:spTree>
-      <p:nvGrpSpPr>
-        <p:cNvPr id="1" name=""/>
-        <p:cNvGrpSpPr/>
-        <p:nvPr/>
-      </p:nvGrpSpPr>
-      <p:grpSpPr>
-        <a:xfrm>
-          <a:off x="0" y="0"/>
-          <a:ext cx="0" cy="0"/>
-          <a:chOff x="0" y="0"/>
-          <a:chExt cx="0" cy="0"/>
-        </a:xfrm>
-      </p:grpSpPr>
-      <p:sp>
-        <p:nvSpPr>
-          <p:cNvPr id="2" name="Title 1"/>
-          <p:cNvSpPr>
-            <a:spLocks noGrp="1"/>
-          </p:cNvSpPr>
-          <p:nvPr>
-            <p:ph type="title"/>
-          </p:nvPr>
-        </p:nvSpPr>
-        <p:spPr>
-          <a:xfrm>
-            <a:off x="946404" y="1054045"/>
-            <a:ext cx="7269480" cy="977378"/>
-          </a:xfrm>
-        </p:spPr>
-        <p:txBody>
-          <a:bodyPr>
-            <a:normAutofit fontScale="90000"/>
-          </a:bodyPr>
-          <a:lstStyle/>
-          <a:p>
-            <a:r>
-              <a:rPr lang="ru-RU" dirty="0"/>
-              <a:t>Преимущества</a:t>
-            </a:r>
-            <a:r>
-              <a:rPr lang="en-US" dirty="0"/>
-              <a:t/>
-            </a:r>
-            <a:br>
-              <a:rPr lang="en-US" dirty="0"/>
-            </a:br>
-            <a:endParaRPr lang="en-US" dirty="0"/>
-          </a:p>
-        </p:txBody>
-      </p:sp>
-      <p:sp>
-        <p:nvSpPr>
-          <p:cNvPr id="3" name="Content Placeholder 2"/>
-          <p:cNvSpPr>
-            <a:spLocks noGrp="1"/>
-          </p:cNvSpPr>
-          <p:nvPr>
-            <p:ph idx="1"/>
-          </p:nvPr>
-        </p:nvSpPr>
-        <p:spPr>
-          <a:xfrm>
-            <a:off x="946404" y="2239241"/>
-            <a:ext cx="6898733" cy="2524991"/>
-          </a:xfrm>
-        </p:spPr>
-        <p:txBody>
-          <a:bodyPr>
-            <a:normAutofit fontScale="92500" lnSpcReduction="10000"/>
-          </a:bodyPr>
-          <a:lstStyle/>
-          <a:p>
-            <a:pPr lvl="0" algn="just"/>
-            <a:r>
-              <a:rPr lang="ru-RU" dirty="0" smtClean="0"/>
-              <a:t>Применение </a:t>
-            </a:r>
-            <a:r>
-              <a:rPr lang="ru-RU" dirty="0"/>
-              <a:t>библиотеки </a:t>
-            </a:r>
-            <a:r>
-              <a:rPr lang="ru-RU" dirty="0" err="1"/>
-              <a:t>Stanford</a:t>
-            </a:r>
-            <a:r>
-              <a:rPr lang="ru-RU" dirty="0"/>
-              <a:t> </a:t>
-            </a:r>
-            <a:r>
-              <a:rPr lang="ru-RU" dirty="0" err="1"/>
-              <a:t>CoreNLP</a:t>
-            </a:r>
-            <a:r>
-              <a:rPr lang="ru-RU" dirty="0"/>
-              <a:t> дает широкие возможности выполнения различных типов </a:t>
-            </a:r>
-            <a:r>
-              <a:rPr lang="ru-RU" dirty="0" err="1"/>
-              <a:t>парсинга</a:t>
-            </a:r>
-            <a:r>
-              <a:rPr lang="ru-RU" dirty="0" smtClean="0"/>
-              <a:t>.</a:t>
-            </a:r>
-            <a:endParaRPr lang="en-US" dirty="0"/>
-          </a:p>
-          <a:p>
-            <a:pPr lvl="0" algn="just"/>
-            <a:r>
-              <a:rPr lang="ru-RU" dirty="0"/>
-              <a:t>Обработка полученного дерева через выделение основных узлов NP и VP без четкой привязки к каждому типу зависимости</a:t>
-            </a:r>
-            <a:r>
-              <a:rPr lang="ru-RU" dirty="0" smtClean="0"/>
-              <a:t>.</a:t>
-            </a:r>
-            <a:endParaRPr lang="en-US" dirty="0"/>
-          </a:p>
-          <a:p>
-            <a:pPr lvl="0" algn="just"/>
-            <a:r>
-              <a:rPr lang="ru-RU" dirty="0" smtClean="0"/>
-              <a:t>Использование</a:t>
-            </a:r>
-            <a:r>
-              <a:rPr lang="en-US" dirty="0" smtClean="0"/>
-              <a:t> </a:t>
-            </a:r>
-            <a:r>
-              <a:rPr lang="ru-RU" dirty="0" smtClean="0"/>
-              <a:t>граф</a:t>
-            </a:r>
-            <a:r>
-              <a:rPr lang="ru-RU" dirty="0"/>
-              <a:t>а</a:t>
-            </a:r>
-            <a:r>
-              <a:rPr lang="ru-RU" dirty="0" smtClean="0"/>
-              <a:t> </a:t>
-            </a:r>
-            <a:r>
-              <a:rPr lang="ru-RU" dirty="0"/>
-              <a:t>как основной структуры данных.</a:t>
-            </a:r>
-            <a:br>
-              <a:rPr lang="ru-RU" dirty="0"/>
-            </a:br>
-            <a:r>
-              <a:rPr lang="ru-RU" dirty="0"/>
-              <a:t>Быстрая обработка небольших объемов текстов</a:t>
-            </a:r>
-            <a:r>
-              <a:rPr lang="ru-RU" dirty="0" smtClean="0"/>
-              <a:t>.</a:t>
-            </a:r>
-            <a:endParaRPr lang="en-US" dirty="0"/>
-          </a:p>
-          <a:p>
-            <a:endParaRPr lang="en-US" dirty="0"/>
-          </a:p>
-        </p:txBody>
-      </p:sp>
-    </p:spTree>
-    <p:extLst>
-      <p:ext uri="{BB962C8B-B14F-4D97-AF65-F5344CB8AC3E}">
-        <p14:creationId xmlns:p14="http://schemas.microsoft.com/office/powerpoint/2010/main" val="923096641"/>
-      </p:ext>
-    </p:extLst>
-  </p:cSld>
-  <p:clrMapOvr>
-    <a:masterClrMapping/>
-  </p:clrMapOvr>
-</p:sld>
-</file>
-
-<file path=ppt/slides/slide12.xml><?xml version="1.0" encoding="utf-8"?>
-<p:sld xmlns:a="http://schemas.openxmlformats.org/drawingml/2006/main" xmlns:r="http://schemas.openxmlformats.org/officeDocument/2006/relationships" xmlns:p="http://schemas.openxmlformats.org/presentationml/2006/main">
-  <p:cSld>
-    <p:spTree>
-      <p:nvGrpSpPr>
-        <p:cNvPr id="1" name=""/>
-        <p:cNvGrpSpPr/>
-        <p:nvPr/>
-      </p:nvGrpSpPr>
-      <p:grpSpPr>
-        <a:xfrm>
-          <a:off x="0" y="0"/>
-          <a:ext cx="0" cy="0"/>
-          <a:chOff x="0" y="0"/>
-          <a:chExt cx="0" cy="0"/>
-        </a:xfrm>
-      </p:grpSpPr>
-      <p:sp>
-        <p:nvSpPr>
-          <p:cNvPr id="2" name="Title 1"/>
-          <p:cNvSpPr>
-            <a:spLocks noGrp="1"/>
-          </p:cNvSpPr>
-          <p:nvPr>
-            <p:ph type="title"/>
-          </p:nvPr>
-        </p:nvSpPr>
-        <p:spPr>
-          <a:xfrm>
-            <a:off x="946404" y="1054045"/>
-            <a:ext cx="7269480" cy="811123"/>
-          </a:xfrm>
-        </p:spPr>
-        <p:txBody>
-          <a:bodyPr>
-            <a:normAutofit fontScale="90000"/>
-          </a:bodyPr>
-          <a:lstStyle/>
-          <a:p>
-            <a:r>
-              <a:rPr lang="ru-RU" dirty="0" smtClean="0"/>
-              <a:t>Недостатки и возможности их решения</a:t>
-            </a:r>
-            <a:endParaRPr lang="en-US" dirty="0"/>
-          </a:p>
-        </p:txBody>
-      </p:sp>
-      <p:sp>
-        <p:nvSpPr>
-          <p:cNvPr id="3" name="Content Placeholder 2"/>
-          <p:cNvSpPr>
-            <a:spLocks noGrp="1"/>
-          </p:cNvSpPr>
-          <p:nvPr>
-            <p:ph idx="1"/>
-          </p:nvPr>
-        </p:nvSpPr>
-        <p:spPr>
-          <a:xfrm>
-            <a:off x="946404" y="2124941"/>
-            <a:ext cx="6929905" cy="3595255"/>
-          </a:xfrm>
-        </p:spPr>
-        <p:txBody>
-          <a:bodyPr>
-            <a:normAutofit fontScale="62500" lnSpcReduction="20000"/>
-          </a:bodyPr>
-          <a:lstStyle/>
-          <a:p>
-            <a:pPr lvl="0" algn="just"/>
-            <a:r>
-              <a:rPr lang="en-US" dirty="0"/>
-              <a:t>Stanford </a:t>
-            </a:r>
-            <a:r>
-              <a:rPr lang="en-US" dirty="0" err="1"/>
-              <a:t>CoreNLP</a:t>
-            </a:r>
-            <a:r>
-              <a:rPr lang="ru-RU" dirty="0"/>
-              <a:t> может показывать непредсказуемые результаты </a:t>
-            </a:r>
-            <a:r>
-              <a:rPr lang="ru-RU" dirty="0" err="1"/>
-              <a:t>парсинга</a:t>
-            </a:r>
-            <a:r>
-              <a:rPr lang="ru-RU" dirty="0"/>
-              <a:t>, это зависит от многих факторов например, ошибки в тексте, неправильно поставленные знаки препинания и другие</a:t>
-            </a:r>
-            <a:r>
-              <a:rPr lang="ru-RU" dirty="0" smtClean="0"/>
-              <a:t>.</a:t>
-            </a:r>
-            <a:endParaRPr lang="en-US" dirty="0"/>
-          </a:p>
-          <a:p>
-            <a:pPr lvl="0" algn="just"/>
-            <a:r>
-              <a:rPr lang="ru-RU" dirty="0"/>
-              <a:t>Так как обработка текстов  может занимать достаточно много времени. В будущем необходимо провести оптимизацию </a:t>
-            </a:r>
-            <a:r>
-              <a:rPr lang="ru-RU" dirty="0" err="1"/>
-              <a:t>парсинга</a:t>
-            </a:r>
-            <a:r>
-              <a:rPr lang="ru-RU" dirty="0"/>
-              <a:t> большого объема текстов</a:t>
-            </a:r>
-            <a:r>
-              <a:rPr lang="ru-RU" dirty="0" smtClean="0"/>
-              <a:t>.</a:t>
-            </a:r>
-            <a:endParaRPr lang="en-US" dirty="0"/>
-          </a:p>
-          <a:p>
-            <a:pPr lvl="0" algn="just"/>
-            <a:r>
-              <a:rPr lang="ru-RU" dirty="0"/>
-              <a:t>Текущий подход к конвертации дерева зависимостей между частями речи хоть и является универсальным, но не является достаточно надежным. В отдельных случаях мы можем получить достаточно непредсказуемые результаты, которые могут очень сильно отличаться от ожидаемых</a:t>
-            </a:r>
-            <a:r>
-              <a:rPr lang="ru-RU" dirty="0" smtClean="0"/>
-              <a:t>.</a:t>
-            </a:r>
-            <a:endParaRPr lang="en-US" dirty="0"/>
-          </a:p>
-          <a:p>
-            <a:pPr lvl="0" algn="just"/>
-            <a:r>
-              <a:rPr lang="ru-RU" dirty="0"/>
-              <a:t>В настоящее время до сих пор не существует четких правил конвертации текста, поэтому довольно трудно вывести успешную формулу для конвертации естественного языка в </a:t>
-            </a:r>
-            <a:r>
-              <a:rPr lang="en-US" dirty="0"/>
-              <a:t>UML</a:t>
-            </a:r>
-            <a:r>
-              <a:rPr lang="ru-RU" dirty="0"/>
-              <a:t> диаграммы</a:t>
-            </a:r>
-            <a:r>
-              <a:rPr lang="ru-RU" dirty="0" smtClean="0"/>
-              <a:t>.</a:t>
-            </a:r>
-            <a:endParaRPr lang="en-US" dirty="0"/>
-          </a:p>
-          <a:p>
-            <a:pPr lvl="0" algn="just"/>
-            <a:r>
-              <a:rPr lang="ru-RU" dirty="0"/>
-              <a:t>Очень большая зависимость от результатов </a:t>
-            </a:r>
-            <a:r>
-              <a:rPr lang="ru-RU" dirty="0" err="1"/>
-              <a:t>парсинга</a:t>
-            </a:r>
-            <a:r>
-              <a:rPr lang="ru-RU" dirty="0"/>
-              <a:t> </a:t>
-            </a:r>
-            <a:r>
-              <a:rPr lang="en-US" dirty="0" err="1"/>
-              <a:t>Stanfrod</a:t>
-            </a:r>
-            <a:r>
-              <a:rPr lang="en-US" dirty="0"/>
-              <a:t> Core NLP</a:t>
-            </a:r>
-            <a:r>
-              <a:rPr lang="ru-RU" dirty="0"/>
-              <a:t>. В будущем можно рассмотреть альтернативное или комплексное решение (например, использование дополнительных библиотек или оптимизацию </a:t>
-            </a:r>
-            <a:r>
-              <a:rPr lang="en-US" dirty="0"/>
-              <a:t>Core NLP)</a:t>
-            </a:r>
-          </a:p>
-          <a:p>
-            <a:endParaRPr lang="en-US" dirty="0"/>
-          </a:p>
-        </p:txBody>
-      </p:sp>
-    </p:spTree>
-    <p:extLst>
-      <p:ext uri="{BB962C8B-B14F-4D97-AF65-F5344CB8AC3E}">
-        <p14:creationId xmlns:p14="http://schemas.microsoft.com/office/powerpoint/2010/main" val="2077263680"/>
-      </p:ext>
-    </p:extLst>
-  </p:cSld>
-  <p:clrMapOvr>
-    <a:masterClrMapping/>
-  </p:clrMapOvr>
-</p:sld>
-</file>
-
-<file path=ppt/slides/slide13.xml><?xml version="1.0" encoding="utf-8"?>
-<p:sld xmlns:a="http://schemas.openxmlformats.org/drawingml/2006/main" xmlns:r="http://schemas.openxmlformats.org/officeDocument/2006/relationships" xmlns:p="http://schemas.openxmlformats.org/presentationml/2006/main">
-  <p:cSld>
-    <p:spTree>
-      <p:nvGrpSpPr>
-        <p:cNvPr id="1" name=""/>
-        <p:cNvGrpSpPr/>
-        <p:nvPr/>
-      </p:nvGrpSpPr>
-      <p:grpSpPr>
-        <a:xfrm>
-          <a:off x="0" y="0"/>
-          <a:ext cx="0" cy="0"/>
-          <a:chOff x="0" y="0"/>
-          <a:chExt cx="0" cy="0"/>
-        </a:xfrm>
-      </p:grpSpPr>
-      <p:sp>
-        <p:nvSpPr>
-          <p:cNvPr id="2" name="Title 1"/>
-          <p:cNvSpPr>
-            <a:spLocks noGrp="1"/>
-          </p:cNvSpPr>
-          <p:nvPr>
-            <p:ph type="title"/>
-          </p:nvPr>
-        </p:nvSpPr>
-        <p:spPr>
-          <a:xfrm>
-            <a:off x="647700" y="1077898"/>
-            <a:ext cx="7568184" cy="541352"/>
-          </a:xfrm>
-        </p:spPr>
-        <p:txBody>
-          <a:bodyPr>
-            <a:normAutofit fontScale="90000"/>
-          </a:bodyPr>
-          <a:lstStyle/>
-          <a:p>
-            <a:r>
-              <a:rPr lang="ru-RU" dirty="0" smtClean="0"/>
-              <a:t>Вывод</a:t>
-            </a:r>
-            <a:endParaRPr lang="en-US" dirty="0"/>
-          </a:p>
-        </p:txBody>
-      </p:sp>
-      <p:sp>
-        <p:nvSpPr>
-          <p:cNvPr id="3" name="Content Placeholder 2"/>
-          <p:cNvSpPr>
-            <a:spLocks noGrp="1"/>
-          </p:cNvSpPr>
-          <p:nvPr>
-            <p:ph idx="1"/>
-          </p:nvPr>
-        </p:nvSpPr>
-        <p:spPr>
-          <a:xfrm>
-            <a:off x="647700" y="1619250"/>
-            <a:ext cx="7670800" cy="3873103"/>
-          </a:xfrm>
-        </p:spPr>
-        <p:txBody>
-          <a:bodyPr>
-            <a:normAutofit fontScale="92500"/>
-          </a:bodyPr>
-          <a:lstStyle/>
-          <a:p>
-            <a:pPr marL="0" indent="0" algn="just">
-              <a:buNone/>
-            </a:pPr>
-            <a:r>
-              <a:rPr lang="ru-RU" dirty="0" smtClean="0"/>
-              <a:t>	</a:t>
-            </a:r>
-            <a:r>
-              <a:rPr lang="ru-RU" sz="2100" dirty="0"/>
-              <a:t/>
-            </a:r>
-            <a:br>
-              <a:rPr lang="ru-RU" sz="2100" dirty="0"/>
-            </a:br>
-            <a:r>
-              <a:rPr lang="ru-RU" sz="2100" dirty="0"/>
-              <a:t>	П</a:t>
-            </a:r>
-            <a:r>
-              <a:rPr lang="en-US" sz="2100" dirty="0" err="1"/>
-              <a:t>рограмма</a:t>
-            </a:r>
-            <a:r>
-              <a:rPr lang="en-US" sz="2100" dirty="0"/>
-              <a:t> </a:t>
-            </a:r>
-            <a:r>
-              <a:rPr lang="en-US" sz="2100" dirty="0" err="1"/>
-              <a:t>парсер</a:t>
-            </a:r>
-            <a:r>
-              <a:rPr lang="en-US" sz="2100" dirty="0"/>
-              <a:t> </a:t>
-            </a:r>
-            <a:r>
-              <a:rPr lang="en-US" sz="2100" dirty="0" err="1"/>
-              <a:t>выполняет</a:t>
-            </a:r>
-            <a:r>
-              <a:rPr lang="en-US" sz="2100" dirty="0"/>
-              <a:t> </a:t>
-            </a:r>
-            <a:r>
-              <a:rPr lang="en-US" sz="2100" dirty="0" err="1"/>
-              <a:t>базовые</a:t>
-            </a:r>
-            <a:r>
-              <a:rPr lang="en-US" sz="2100" dirty="0"/>
-              <a:t> </a:t>
-            </a:r>
-            <a:r>
-              <a:rPr lang="en-US" sz="2100" dirty="0" err="1"/>
-              <a:t>функции</a:t>
-            </a:r>
-            <a:r>
-              <a:rPr lang="en-US" sz="2100" dirty="0"/>
-              <a:t> </a:t>
-            </a:r>
-            <a:r>
-              <a:rPr lang="en-US" sz="2100" dirty="0" err="1"/>
-              <a:t>конвертации</a:t>
-            </a:r>
-            <a:r>
-              <a:rPr lang="en-US" sz="2100" dirty="0"/>
-              <a:t> </a:t>
-            </a:r>
-            <a:r>
-              <a:rPr lang="en-US" sz="2100" dirty="0" err="1"/>
-              <a:t>текста</a:t>
-            </a:r>
-            <a:r>
-              <a:rPr lang="en-US" sz="2100" dirty="0"/>
-              <a:t> </a:t>
-            </a:r>
-            <a:r>
-              <a:rPr lang="en-US" sz="2100" dirty="0" err="1"/>
-              <a:t>на</a:t>
-            </a:r>
-            <a:r>
-              <a:rPr lang="en-US" sz="2100" dirty="0"/>
-              <a:t> </a:t>
-            </a:r>
-            <a:r>
-              <a:rPr lang="en-US" sz="2100" dirty="0" err="1"/>
-              <a:t>естественном</a:t>
-            </a:r>
-            <a:r>
-              <a:rPr lang="en-US" sz="2100" dirty="0"/>
-              <a:t> </a:t>
-            </a:r>
-            <a:r>
-              <a:rPr lang="en-US" sz="2100" dirty="0" err="1"/>
-              <a:t>языке</a:t>
-            </a:r>
-            <a:r>
-              <a:rPr lang="en-US" sz="2100" dirty="0"/>
-              <a:t> </a:t>
-            </a:r>
-            <a:r>
-              <a:rPr lang="en-US" sz="2100" dirty="0" err="1"/>
-              <a:t>в</a:t>
-            </a:r>
-            <a:r>
-              <a:rPr lang="en-US" sz="2100" dirty="0"/>
-              <a:t> UML </a:t>
-            </a:r>
-            <a:r>
-              <a:rPr lang="en-US" sz="2100" dirty="0" err="1"/>
-              <a:t>диаграммы</a:t>
-            </a:r>
-            <a:r>
-              <a:rPr lang="en-US" sz="2100" dirty="0"/>
-              <a:t> </a:t>
-            </a:r>
-            <a:r>
-              <a:rPr lang="en-US" sz="2100" dirty="0" err="1"/>
-              <a:t>согласно</a:t>
-            </a:r>
-            <a:r>
-              <a:rPr lang="en-US" sz="2100" dirty="0"/>
-              <a:t> </a:t>
-            </a:r>
-            <a:r>
-              <a:rPr lang="ru-RU" sz="2100" dirty="0"/>
-              <a:t>разработанным </a:t>
-            </a:r>
-            <a:r>
-              <a:rPr lang="en-US" sz="2100" dirty="0" err="1"/>
-              <a:t>правилам</a:t>
-            </a:r>
-            <a:r>
-              <a:rPr lang="ru-RU" sz="2100" dirty="0"/>
-              <a:t>, однако </a:t>
-            </a:r>
-            <a:r>
-              <a:rPr lang="en-US" sz="2100" dirty="0" err="1"/>
-              <a:t>успешность</a:t>
-            </a:r>
-            <a:r>
-              <a:rPr lang="en-US" sz="2100" dirty="0"/>
-              <a:t> </a:t>
-            </a:r>
-            <a:r>
-              <a:rPr lang="en-US" sz="2100" dirty="0" err="1"/>
-              <a:t>конвертации</a:t>
-            </a:r>
-            <a:r>
-              <a:rPr lang="en-US" sz="2100" dirty="0"/>
-              <a:t> </a:t>
-            </a:r>
-            <a:r>
-              <a:rPr lang="en-US" sz="2100" dirty="0" err="1"/>
-              <a:t>зависит</a:t>
-            </a:r>
-            <a:r>
-              <a:rPr lang="en-US" sz="2100" dirty="0"/>
-              <a:t> </a:t>
-            </a:r>
-            <a:r>
-              <a:rPr lang="en-US" sz="2100" dirty="0" err="1"/>
-              <a:t>от</a:t>
-            </a:r>
-            <a:r>
-              <a:rPr lang="en-US" sz="2100" dirty="0"/>
-              <a:t> </a:t>
-            </a:r>
-            <a:r>
-              <a:rPr lang="en-US" sz="2100" dirty="0" err="1"/>
-              <a:t>многих</a:t>
-            </a:r>
-            <a:r>
-              <a:rPr lang="en-US" sz="2100" dirty="0"/>
-              <a:t> </a:t>
-            </a:r>
-            <a:r>
-              <a:rPr lang="en-US" sz="2100" dirty="0" err="1"/>
-              <a:t>факторов</a:t>
-            </a:r>
-            <a:r>
-              <a:rPr lang="ru-RU" sz="2100" dirty="0"/>
-              <a:t>: </a:t>
-            </a:r>
-          </a:p>
-          <a:p>
-            <a:pPr marL="0" indent="0" algn="just">
-              <a:buNone/>
-            </a:pPr>
-            <a:endParaRPr lang="ru-RU" sz="2100" dirty="0"/>
-          </a:p>
-          <a:p>
-            <a:pPr>
-              <a:buFontTx/>
-              <a:buChar char="-"/>
-            </a:pPr>
-            <a:r>
-              <a:rPr lang="ru-RU" sz="2100" dirty="0"/>
-              <a:t>объем текста;</a:t>
-            </a:r>
-          </a:p>
-          <a:p>
-            <a:pPr>
-              <a:buFontTx/>
-              <a:buChar char="-"/>
-            </a:pPr>
-            <a:r>
-              <a:rPr lang="ru-RU" sz="2100" dirty="0"/>
-              <a:t>его корректность с точки зрения орфографии и семантики; </a:t>
-            </a:r>
-          </a:p>
-          <a:p>
-            <a:pPr>
-              <a:buFontTx/>
-              <a:buChar char="-"/>
-            </a:pPr>
-            <a:r>
-              <a:rPr lang="ru-RU" sz="2100" dirty="0"/>
-              <a:t>результаты </a:t>
-            </a:r>
-            <a:r>
-              <a:rPr lang="ru-RU" sz="2100" dirty="0" err="1"/>
-              <a:t>парсинга</a:t>
-            </a:r>
-            <a:r>
-              <a:rPr lang="ru-RU" sz="2100" dirty="0"/>
-              <a:t> </a:t>
-            </a:r>
-            <a:r>
-              <a:rPr lang="en-US" sz="2100" dirty="0"/>
-              <a:t>Stanford Core NLP;</a:t>
-            </a:r>
-            <a:endParaRPr lang="ru-RU" sz="2100" dirty="0"/>
-          </a:p>
-          <a:p>
-            <a:pPr marL="0" indent="0">
-              <a:buNone/>
-            </a:pPr>
-            <a:r>
-              <a:rPr lang="ru-RU" sz="2100" dirty="0">
-                <a:solidFill>
-                  <a:schemeClr val="accent1"/>
-                </a:solidFill>
-              </a:rPr>
-              <a:t>-</a:t>
-            </a:r>
-            <a:r>
-              <a:rPr lang="ru-RU" sz="2100" dirty="0"/>
-              <a:t> корректность правил конвертации.</a:t>
-            </a:r>
-            <a:endParaRPr lang="en-US" sz="2100" dirty="0"/>
-          </a:p>
-        </p:txBody>
-      </p:sp>
-    </p:spTree>
-    <p:extLst>
-      <p:ext uri="{BB962C8B-B14F-4D97-AF65-F5344CB8AC3E}">
-        <p14:creationId xmlns:p14="http://schemas.microsoft.com/office/powerpoint/2010/main" val="1909838834"/>
       </p:ext>
     </p:extLst>
   </p:cSld>
@@ -5226,6 +4478,9 @@
                 <a:solidFill>
                   <a:schemeClr val="accent1"/>
                 </a:solidFill>
+                <a:latin typeface="Tahoma" charset="0"/>
+                <a:ea typeface="Tahoma" charset="0"/>
+                <a:cs typeface="Tahoma" charset="0"/>
               </a:rPr>
               <a:t>Цель работы</a:t>
             </a:r>
@@ -5234,6 +4489,9 @@
                 <a:solidFill>
                   <a:schemeClr val="accent1"/>
                 </a:solidFill>
+                <a:latin typeface="Tahoma" charset="0"/>
+                <a:ea typeface="Tahoma" charset="0"/>
+                <a:cs typeface="Tahoma" charset="0"/>
               </a:rPr>
               <a:t>:</a:t>
             </a:r>
@@ -5241,6 +4499,9 @@
               <a:solidFill>
                 <a:schemeClr val="accent1"/>
               </a:solidFill>
+              <a:latin typeface="Tahoma" charset="0"/>
+              <a:ea typeface="Tahoma" charset="0"/>
+              <a:cs typeface="Tahoma" charset="0"/>
             </a:endParaRPr>
           </a:p>
         </p:txBody>
@@ -5275,6 +4536,9 @@
                     <a:lumOff val="35000"/>
                   </a:schemeClr>
                 </a:solidFill>
+                <a:latin typeface="Tahoma" charset="0"/>
+                <a:ea typeface="Tahoma" charset="0"/>
+                <a:cs typeface="Tahoma" charset="0"/>
               </a:rPr>
               <a:t>Разработка </a:t>
             </a:r>
@@ -5286,6 +4550,9 @@
                     <a:lumOff val="35000"/>
                   </a:schemeClr>
                 </a:solidFill>
+                <a:latin typeface="Tahoma" charset="0"/>
+                <a:ea typeface="Tahoma" charset="0"/>
+                <a:cs typeface="Tahoma" charset="0"/>
               </a:rPr>
               <a:t>алгоритмического и программного обеспечения для получения структурированных представлений знаний из коротких семантически насыщенных текстов на естественном (</a:t>
             </a:r>
@@ -5297,6 +4564,9 @@
                     <a:lumOff val="35000"/>
                   </a:schemeClr>
                 </a:solidFill>
+                <a:latin typeface="Tahoma" charset="0"/>
+                <a:ea typeface="Tahoma" charset="0"/>
+                <a:cs typeface="Tahoma" charset="0"/>
               </a:rPr>
               <a:t>английском) языке.</a:t>
             </a:r>
@@ -5334,6 +4604,9 @@
                 <a:solidFill>
                   <a:schemeClr val="accent1"/>
                 </a:solidFill>
+                <a:latin typeface="Tahoma" charset="0"/>
+                <a:ea typeface="Tahoma" charset="0"/>
+                <a:cs typeface="Tahoma" charset="0"/>
               </a:rPr>
               <a:t>Задачи:</a:t>
             </a:r>
@@ -5341,6 +4614,9 @@
               <a:solidFill>
                 <a:schemeClr val="accent1"/>
               </a:solidFill>
+              <a:latin typeface="Tahoma" charset="0"/>
+              <a:ea typeface="Tahoma" charset="0"/>
+              <a:cs typeface="Tahoma" charset="0"/>
             </a:endParaRPr>
           </a:p>
         </p:txBody>
@@ -5354,7 +4630,7 @@
         <p:spPr>
           <a:xfrm>
             <a:off x="628648" y="3781692"/>
-            <a:ext cx="7639050" cy="2215991"/>
+            <a:ext cx="7639050" cy="2677656"/>
           </a:xfrm>
           <a:prstGeom prst="rect">
             <a:avLst/>
@@ -5371,35 +4647,6 @@
               <a:buFont typeface="Arial" charset="0"/>
               <a:buChar char="•"/>
             </a:pPr>
-            <a:endParaRPr lang="ru-RU" dirty="0" smtClean="0"/>
-          </a:p>
-          <a:p>
-            <a:pPr marL="285750" indent="-285750">
-              <a:buFont typeface="Arial" charset="0"/>
-              <a:buChar char="•"/>
-            </a:pPr>
-            <a:r>
-              <a:rPr lang="ru-RU" sz="2400" dirty="0" err="1">
-                <a:solidFill>
-                  <a:schemeClr val="tx1">
-                    <a:lumMod val="65000"/>
-                    <a:lumOff val="35000"/>
-                  </a:schemeClr>
-                </a:solidFill>
-              </a:rPr>
-              <a:t>разработа</a:t>
-            </a:r>
-            <a:r>
-              <a:rPr lang="uk-UA" sz="2400" dirty="0" err="1">
-                <a:solidFill>
-                  <a:schemeClr val="tx1">
-                    <a:lumMod val="65000"/>
-                    <a:lumOff val="35000"/>
-                  </a:schemeClr>
-                </a:solidFill>
-              </a:rPr>
-              <a:t>ть</a:t>
-            </a:r>
             <a:r>
               <a:rPr lang="ru-RU" sz="2400" dirty="0">
                 <a:solidFill>
@@ -5408,8 +4655,39 @@
                     <a:lumOff val="35000"/>
                   </a:schemeClr>
                 </a:solidFill>
-              </a:rPr>
-              <a:t> правила эвристики </a:t>
+                <a:latin typeface="Tahoma" charset="0"/>
+                <a:ea typeface="Tahoma" charset="0"/>
+                <a:cs typeface="Tahoma" charset="0"/>
+              </a:rPr>
+              <a:t>разработка эвристики и алгоритма </a:t>
+            </a:r>
+            <a:r>
+              <a:rPr lang="ru-RU" sz="2400" dirty="0" err="1" smtClean="0">
+                <a:solidFill>
+                  <a:schemeClr val="tx1">
+                    <a:lumMod val="65000"/>
+                    <a:lumOff val="35000"/>
+                  </a:schemeClr>
+                </a:solidFill>
+                <a:latin typeface="Tahoma" charset="0"/>
+                <a:ea typeface="Tahoma" charset="0"/>
+                <a:cs typeface="Tahoma" charset="0"/>
+              </a:rPr>
+              <a:t>преобразова-ния</a:t>
+            </a:r>
+            <a:r>
+              <a:rPr lang="ru-RU" sz="2400" dirty="0" smtClean="0">
+                <a:solidFill>
+                  <a:schemeClr val="tx1">
+                    <a:lumMod val="65000"/>
+                    <a:lumOff val="35000"/>
+                  </a:schemeClr>
+                </a:solidFill>
+                <a:latin typeface="Tahoma" charset="0"/>
+                <a:ea typeface="Tahoma" charset="0"/>
+                <a:cs typeface="Tahoma" charset="0"/>
+              </a:rPr>
+              <a:t> структурированных </a:t>
             </a:r>
             <a:r>
               <a:rPr lang="ru-RU" sz="2400" dirty="0">
@@ -5419,8 +4697,11 @@
                     <a:lumOff val="35000"/>
                   </a:schemeClr>
                 </a:solidFill>
-              </a:rPr>
-              <a:t>и</a:t>
+                <a:latin typeface="Tahoma" charset="0"/>
+                <a:ea typeface="Tahoma" charset="0"/>
+                <a:cs typeface="Tahoma" charset="0"/>
+              </a:rPr>
+              <a:t>текстов в модель </a:t>
             </a:r>
             <a:r>
               <a:rPr lang="ru-RU" sz="2400" dirty="0" smtClean="0">
@@ -5430,8 +4711,53 @@
                     <a:lumOff val="35000"/>
                   </a:schemeClr>
                 </a:solidFill>
-              </a:rPr>
-              <a:t> алгоритмов </a:t>
+                <a:latin typeface="Tahoma" charset="0"/>
+                <a:ea typeface="Tahoma" charset="0"/>
+                <a:cs typeface="Tahoma" charset="0"/>
+              </a:rPr>
+              <a:t>пред</a:t>
+            </a:r>
+            <a:r>
+              <a:rPr lang="en-US" sz="2400" dirty="0" smtClean="0">
+                <a:solidFill>
+                  <a:schemeClr val="tx1">
+                    <a:lumMod val="65000"/>
+                    <a:lumOff val="35000"/>
+                  </a:schemeClr>
+                </a:solidFill>
+                <a:latin typeface="Tahoma" charset="0"/>
+                <a:ea typeface="Tahoma" charset="0"/>
+                <a:cs typeface="Tahoma" charset="0"/>
+              </a:rPr>
+              <a:t>-</a:t>
+            </a:r>
+            <a:r>
+              <a:rPr lang="ru-RU" sz="2400" dirty="0" err="1" smtClean="0">
+                <a:solidFill>
+                  <a:schemeClr val="tx1">
+                    <a:lumMod val="65000"/>
+                    <a:lumOff val="35000"/>
+                  </a:schemeClr>
+                </a:solidFill>
+                <a:latin typeface="Tahoma" charset="0"/>
+                <a:ea typeface="Tahoma" charset="0"/>
+                <a:cs typeface="Tahoma" charset="0"/>
+              </a:rPr>
+              <a:t>ставления</a:t>
+            </a:r>
+            <a:r>
+              <a:rPr lang="ru-RU" sz="2400" dirty="0" smtClean="0">
+                <a:solidFill>
+                  <a:schemeClr val="tx1">
+                    <a:lumMod val="65000"/>
+                    <a:lumOff val="35000"/>
+                  </a:schemeClr>
+                </a:solidFill>
+                <a:latin typeface="Tahoma" charset="0"/>
+                <a:ea typeface="Tahoma" charset="0"/>
+                <a:cs typeface="Tahoma" charset="0"/>
+              </a:rPr>
+              <a:t> </a:t>
             </a:r>
             <a:r>
               <a:rPr lang="ru-RU" sz="2400" dirty="0">
@@ -5441,8 +4767,11 @@
                     <a:lumOff val="35000"/>
                   </a:schemeClr>
                 </a:solidFill>
-              </a:rPr>
-              <a:t>конвертации текста в </a:t>
+                <a:latin typeface="Tahoma" charset="0"/>
+                <a:ea typeface="Tahoma" charset="0"/>
+                <a:cs typeface="Tahoma" charset="0"/>
+              </a:rPr>
+              <a:t>данных на языке UML </a:t>
             </a:r>
             <a:r>
               <a:rPr lang="ru-RU" sz="2400" dirty="0" smtClean="0">
@@ -5452,8 +4781,11 @@
                     <a:lumOff val="35000"/>
                   </a:schemeClr>
                 </a:solidFill>
-              </a:rPr>
-              <a:t>структурированный вид на </a:t>
+                <a:latin typeface="Tahoma" charset="0"/>
+                <a:ea typeface="Tahoma" charset="0"/>
+                <a:cs typeface="Tahoma" charset="0"/>
+              </a:rPr>
+              <a:t>диаграммы </a:t>
             </a:r>
             <a:r>
               <a:rPr lang="ru-RU" sz="2400" dirty="0">
@@ -5463,23 +4795,74 @@
                     <a:lumOff val="35000"/>
                   </a:schemeClr>
                 </a:solidFill>
-              </a:rPr>
-              <a:t>языке моделирования UML </a:t>
-            </a:r>
-            <a:endParaRPr lang="ru-RU" sz="2400" dirty="0" smtClean="0">
-              <a:solidFill>
-                <a:schemeClr val="tx1">
-                  <a:lumMod val="65000"/>
-                  <a:lumOff val="35000"/>
-                </a:schemeClr>
-              </a:solidFill>
-            </a:endParaRPr>
+                <a:latin typeface="Tahoma" charset="0"/>
+                <a:ea typeface="Tahoma" charset="0"/>
+                <a:cs typeface="Tahoma" charset="0"/>
+              </a:rPr>
+              <a:t>классов</a:t>
+            </a:r>
           </a:p>
           <a:p>
             <a:pPr marL="285750" indent="-285750">
               <a:buFont typeface="Arial" charset="0"/>
               <a:buChar char="•"/>
             </a:pPr>
+            <a:r>
+              <a:rPr lang="ru-RU" sz="2400" dirty="0">
+                <a:solidFill>
+                  <a:schemeClr val="tx1">
+                    <a:lumMod val="65000"/>
+                    <a:lumOff val="35000"/>
+                  </a:schemeClr>
+                </a:solidFill>
+                <a:latin typeface="Tahoma" charset="0"/>
+                <a:ea typeface="Tahoma" charset="0"/>
+                <a:cs typeface="Tahoma" charset="0"/>
+              </a:rPr>
+              <a:t>разработать ПО реализующее эти </a:t>
+            </a:r>
+            <a:r>
+              <a:rPr lang="ru-RU" sz="2400" dirty="0" err="1" smtClean="0">
+                <a:solidFill>
+                  <a:schemeClr val="tx1">
+                    <a:lumMod val="65000"/>
+                    <a:lumOff val="35000"/>
+                  </a:schemeClr>
+                </a:solidFill>
+                <a:latin typeface="Tahoma" charset="0"/>
+                <a:ea typeface="Tahoma" charset="0"/>
+                <a:cs typeface="Tahoma" charset="0"/>
+              </a:rPr>
+              <a:t>преобразова</a:t>
+            </a:r>
+            <a:r>
+              <a:rPr lang="en-US" sz="2400" dirty="0" smtClean="0">
+                <a:solidFill>
+                  <a:schemeClr val="tx1">
+                    <a:lumMod val="65000"/>
+                    <a:lumOff val="35000"/>
+                  </a:schemeClr>
+                </a:solidFill>
+                <a:latin typeface="Tahoma" charset="0"/>
+                <a:ea typeface="Tahoma" charset="0"/>
+                <a:cs typeface="Tahoma" charset="0"/>
+              </a:rPr>
+              <a:t>-</a:t>
+            </a:r>
+            <a:r>
+              <a:rPr lang="ru-RU" sz="2400" dirty="0" err="1" smtClean="0">
+                <a:solidFill>
+                  <a:schemeClr val="tx1">
+                    <a:lumMod val="65000"/>
+                    <a:lumOff val="35000"/>
+                  </a:schemeClr>
+                </a:solidFill>
+                <a:latin typeface="Tahoma" charset="0"/>
+                <a:ea typeface="Tahoma" charset="0"/>
+                <a:cs typeface="Tahoma" charset="0"/>
+              </a:rPr>
+              <a:t>ния</a:t>
+            </a:r>
             <a:r>
               <a:rPr lang="ru-RU" sz="2400" dirty="0" smtClean="0">
                 <a:solidFill>
@@ -5488,8 +4871,11 @@
                     <a:lumOff val="35000"/>
                   </a:schemeClr>
                 </a:solidFill>
-              </a:rPr>
-              <a:t>разработать ПО реализующее </a:t>
+                <a:latin typeface="Tahoma" charset="0"/>
+                <a:ea typeface="Tahoma" charset="0"/>
+                <a:cs typeface="Tahoma" charset="0"/>
+              </a:rPr>
+              <a:t> </a:t>
             </a:r>
             <a:r>
               <a:rPr lang="ru-RU" sz="2400" dirty="0">
@@ -5499,9 +4885,29 @@
                     <a:lumOff val="35000"/>
                   </a:schemeClr>
                 </a:solidFill>
-              </a:rPr>
-              <a:t>эти преобразования в репрезентацию на языке XMI</a:t>
-            </a:r>
+                <a:latin typeface="Tahoma" charset="0"/>
+                <a:ea typeface="Tahoma" charset="0"/>
+                <a:cs typeface="Tahoma" charset="0"/>
+              </a:rPr>
+              <a:t>в репрезентацию на языке XMI</a:t>
+            </a:r>
+            <a:endParaRPr lang="en-US" sz="2400" dirty="0">
+              <a:solidFill>
+                <a:schemeClr val="tx1">
+                  <a:lumMod val="65000"/>
+                  <a:lumOff val="35000"/>
+                </a:schemeClr>
+              </a:solidFill>
+              <a:latin typeface="Tahoma" charset="0"/>
+              <a:ea typeface="Tahoma" charset="0"/>
+              <a:cs typeface="Tahoma" charset="0"/>
+            </a:endParaRPr>
+          </a:p>
+          <a:p>
+            <a:pPr marL="285750" indent="-285750">
+              <a:buFont typeface="Arial" charset="0"/>
+              <a:buChar char="•"/>
+            </a:pPr>
             <a:endParaRPr lang="en-US" sz="2400" dirty="0">
               <a:solidFill>
                 <a:schemeClr val="tx1">
@@ -5574,16 +4980,16 @@
           <a:p>
             <a:r>
               <a:rPr lang="ru-RU" sz="2400" dirty="0" smtClean="0">
-                <a:latin typeface="Helvetica Neue" charset="0"/>
-                <a:ea typeface="Helvetica Neue" charset="0"/>
-                <a:cs typeface="Helvetica Neue" charset="0"/>
+                <a:latin typeface="Tahoma" charset="0"/>
+                <a:ea typeface="Tahoma" charset="0"/>
+                <a:cs typeface="Tahoma" charset="0"/>
               </a:rPr>
               <a:t>Библиотеки, технологии, методы</a:t>
             </a:r>
             <a:endParaRPr lang="en-US" sz="2400" dirty="0">
-              <a:latin typeface="Helvetica Neue" charset="0"/>
-              <a:ea typeface="Helvetica Neue" charset="0"/>
-              <a:cs typeface="Helvetica Neue" charset="0"/>
+              <a:latin typeface="Tahoma" charset="0"/>
+              <a:ea typeface="Tahoma" charset="0"/>
+              <a:cs typeface="Tahoma" charset="0"/>
             </a:endParaRPr>
           </a:p>
         </p:txBody>
@@ -5631,16 +5037,16 @@
           <a:p>
             <a:r>
               <a:rPr lang="ru-RU" sz="2400" dirty="0" smtClean="0">
-                <a:latin typeface="Helvetica Neue" charset="0"/>
-                <a:ea typeface="Helvetica Neue" charset="0"/>
-                <a:cs typeface="Helvetica Neue" charset="0"/>
+                <a:latin typeface="Tahoma" charset="0"/>
+                <a:ea typeface="Tahoma" charset="0"/>
+                <a:cs typeface="Tahoma" charset="0"/>
               </a:rPr>
               <a:t>Новизна</a:t>
             </a:r>
             <a:endParaRPr lang="en-US" sz="2400" dirty="0">
-              <a:latin typeface="Helvetica Neue" charset="0"/>
-              <a:ea typeface="Helvetica Neue" charset="0"/>
-              <a:cs typeface="Helvetica Neue" charset="0"/>
+              <a:latin typeface="Tahoma" charset="0"/>
+              <a:ea typeface="Tahoma" charset="0"/>
+              <a:cs typeface="Tahoma" charset="0"/>
             </a:endParaRPr>
           </a:p>
         </p:txBody>
@@ -5923,16 +5329,33 @@
             </a:pPr>
             <a:r>
               <a:rPr lang="ru-RU" sz="2400" dirty="0" smtClean="0">
-                <a:latin typeface="+mj-lt"/>
+                <a:latin typeface="Tahoma" charset="0"/>
+                <a:ea typeface="Tahoma" charset="0"/>
+                <a:cs typeface="Tahoma" charset="0"/>
               </a:rPr>
               <a:t>Использование отношений </a:t>
             </a:r>
             <a:r>
               <a:rPr lang="en-US" sz="2400" dirty="0" smtClean="0">
-                <a:latin typeface="+mj-lt"/>
+                <a:latin typeface="Tahoma" charset="0"/>
+                <a:ea typeface="Tahoma" charset="0"/>
+                <a:cs typeface="Tahoma" charset="0"/>
               </a:rPr>
               <a:t>NP,VP </a:t>
             </a:r>
+            <a:r>
+              <a:rPr lang="en-US" sz="2400" dirty="0" smtClean="0">
+                <a:latin typeface="Tahoma" charset="0"/>
+                <a:ea typeface="Tahoma" charset="0"/>
+                <a:cs typeface="Tahoma" charset="0"/>
+              </a:rPr>
+              <a:t>Stanford Core NLP</a:t>
+            </a:r>
+            <a:endParaRPr lang="en-US" sz="2400" dirty="0" smtClean="0">
+              <a:latin typeface="Tahoma" charset="0"/>
+              <a:ea typeface="Tahoma" charset="0"/>
+              <a:cs typeface="Tahoma" charset="0"/>
+            </a:endParaRPr>
           </a:p>
           <a:p>
             <a:pPr>
@@ -5945,10 +5368,41 @@
             </a:pPr>
             <a:r>
               <a:rPr lang="ru-RU" sz="2400" dirty="0" smtClean="0">
-                <a:latin typeface="+mj-lt"/>
-              </a:rPr>
-              <a:t>Разработка правил конвертации</a:t>
-            </a:r>
+                <a:latin typeface="Tahoma" charset="0"/>
+                <a:ea typeface="Tahoma" charset="0"/>
+                <a:cs typeface="Tahoma" charset="0"/>
+              </a:rPr>
+              <a:t>Разработка </a:t>
+            </a:r>
+            <a:r>
+              <a:rPr lang="ru-RU" sz="2400" dirty="0" smtClean="0">
+                <a:latin typeface="Tahoma" charset="0"/>
+                <a:ea typeface="Tahoma" charset="0"/>
+                <a:cs typeface="Tahoma" charset="0"/>
+              </a:rPr>
+              <a:t>правил</a:t>
+            </a:r>
+            <a:r>
+              <a:rPr lang="en-US" sz="2400" dirty="0" smtClean="0">
+                <a:latin typeface="Tahoma" charset="0"/>
+                <a:ea typeface="Tahoma" charset="0"/>
+                <a:cs typeface="Tahoma" charset="0"/>
+              </a:rPr>
+              <a:t> </a:t>
+            </a:r>
+            <a:r>
+              <a:rPr lang="ru-RU" sz="2400" dirty="0" smtClean="0">
+                <a:latin typeface="Tahoma" charset="0"/>
+                <a:ea typeface="Tahoma" charset="0"/>
+                <a:cs typeface="Tahoma" charset="0"/>
+              </a:rPr>
+              <a:t>преобразования</a:t>
+            </a:r>
+            <a:endParaRPr lang="ru-RU" sz="2400" dirty="0" smtClean="0">
+              <a:latin typeface="Tahoma" charset="0"/>
+              <a:ea typeface="Tahoma" charset="0"/>
+              <a:cs typeface="Tahoma" charset="0"/>
+            </a:endParaRPr>
           </a:p>
           <a:p>
             <a:pPr>
@@ -5960,7 +5414,9 @@
               </a:spcBef>
             </a:pPr>
             <a:endParaRPr lang="en-US" sz="2100" dirty="0">
-              <a:latin typeface="+mj-lt"/>
+              <a:latin typeface="Tahoma" charset="0"/>
+              <a:ea typeface="Tahoma" charset="0"/>
+              <a:cs typeface="Tahoma" charset="0"/>
             </a:endParaRPr>
           </a:p>
         </p:txBody>
@@ -5976,7 +5432,7 @@
         <p:spPr>
           <a:xfrm>
             <a:off x="857250" y="1210825"/>
-            <a:ext cx="7587234" cy="2219676"/>
+            <a:ext cx="7414641" cy="2219676"/>
           </a:xfrm>
           <a:prstGeom prst="rect">
             <a:avLst/>
@@ -6243,7 +5699,9 @@
             </a:pPr>
             <a:r>
               <a:rPr lang="en-US" sz="2400" dirty="0" smtClean="0">
-                <a:latin typeface="+mj-lt"/>
+                <a:latin typeface="Tahoma" charset="0"/>
+                <a:ea typeface="Tahoma" charset="0"/>
+                <a:cs typeface="Tahoma" charset="0"/>
               </a:rPr>
               <a:t>Stanford Core NLP</a:t>
             </a:r>
@@ -6258,10 +5716,18 @@
               </a:spcBef>
             </a:pPr>
             <a:r>
-              <a:rPr lang="fr-FR" sz="2400" dirty="0" err="1" smtClean="0"/>
+              <a:rPr lang="fr-FR" sz="2400" dirty="0" err="1" smtClean="0">
+                <a:latin typeface="Tahoma" charset="0"/>
+                <a:ea typeface="Tahoma" charset="0"/>
+                <a:cs typeface="Tahoma" charset="0"/>
+              </a:rPr>
               <a:t>JGraphT</a:t>
             </a:r>
-            <a:endParaRPr lang="fr-FR" sz="2400" dirty="0" smtClean="0"/>
+            <a:endParaRPr lang="fr-FR" sz="2400" dirty="0" smtClean="0">
+              <a:latin typeface="Tahoma" charset="0"/>
+              <a:ea typeface="Tahoma" charset="0"/>
+              <a:cs typeface="Tahoma" charset="0"/>
+            </a:endParaRPr>
           </a:p>
           <a:p>
             <a:pPr>
@@ -6274,7 +5740,9 @@
             </a:pPr>
             <a:r>
               <a:rPr lang="fr-FR" sz="2400" dirty="0" smtClean="0">
-                <a:latin typeface="+mj-lt"/>
+                <a:latin typeface="Tahoma" charset="0"/>
+                <a:ea typeface="Tahoma" charset="0"/>
+                <a:cs typeface="Tahoma" charset="0"/>
               </a:rPr>
               <a:t>Java</a:t>
             </a:r>
@@ -6289,7 +5757,11 @@
               </a:spcBef>
             </a:pPr>
             <a:r>
-              <a:rPr lang="en-US" sz="2400" dirty="0" smtClean="0"/>
+              <a:rPr lang="en-US" sz="2400" dirty="0" smtClean="0">
+                <a:latin typeface="Tahoma" charset="0"/>
+                <a:ea typeface="Tahoma" charset="0"/>
+                <a:cs typeface="Tahoma" charset="0"/>
+              </a:rPr>
               <a:t>JAXB, Maven</a:t>
             </a:r>
           </a:p>
@@ -6303,10 +5775,26 @@
               </a:spcBef>
             </a:pPr>
             <a:r>
-              <a:rPr lang="fr-FR" sz="2400" dirty="0" smtClean="0"/>
-              <a:t>XMI, XML, UML</a:t>
-            </a:r>
-            <a:endParaRPr lang="en-US" sz="2400" dirty="0" smtClean="0"/>
+              <a:rPr lang="fr-FR" sz="2400" dirty="0" smtClean="0">
+                <a:latin typeface="Tahoma" charset="0"/>
+                <a:ea typeface="Tahoma" charset="0"/>
+                <a:cs typeface="Tahoma" charset="0"/>
+              </a:rPr>
+              <a:t>XMI, XML, </a:t>
+            </a:r>
+            <a:r>
+              <a:rPr lang="fr-FR" sz="2400" dirty="0" smtClean="0">
+                <a:latin typeface="Tahoma" charset="0"/>
+                <a:ea typeface="Tahoma" charset="0"/>
+                <a:cs typeface="Tahoma" charset="0"/>
+              </a:rPr>
+              <a:t>UML</a:t>
+            </a:r>
+            <a:endParaRPr lang="ru-RU" sz="2100" dirty="0" smtClean="0">
+              <a:latin typeface="Tahoma" charset="0"/>
+              <a:ea typeface="Tahoma" charset="0"/>
+              <a:cs typeface="Tahoma" charset="0"/>
+            </a:endParaRPr>
           </a:p>
           <a:p>
             <a:pPr>
@@ -6318,20 +5806,9 @@
               </a:spcBef>
             </a:pPr>
             <a:endParaRPr lang="ru-RU" sz="2100" dirty="0" smtClean="0">
-              <a:latin typeface="+mj-lt"/>
-            </a:endParaRPr>
-          </a:p>
-          <a:p>
-            <a:pPr>
-              <a:lnSpc>
-                <a:spcPct val="100000"/>
-              </a:lnSpc>
-              <a:spcBef>
-                <a:spcPts val="0"/>
-              </a:spcBef>
-            </a:pPr>
-            <a:endParaRPr lang="ru-RU" sz="2100" dirty="0" smtClean="0">
-              <a:latin typeface="+mj-lt"/>
+              <a:latin typeface="Tahoma" charset="0"/>
+              <a:ea typeface="Tahoma" charset="0"/>
+              <a:cs typeface="Tahoma" charset="0"/>
             </a:endParaRPr>
           </a:p>
         </p:txBody>
@@ -6397,48 +5874,48 @@
           <a:p>
             <a:r>
               <a:rPr lang="en-US" sz="2400" dirty="0" smtClean="0">
-                <a:latin typeface="Helvetica Neue" charset="0"/>
-                <a:ea typeface="Helvetica Neue" charset="0"/>
-                <a:cs typeface="Helvetica Neue" charset="0"/>
+                <a:latin typeface="Tahoma" charset="0"/>
+                <a:ea typeface="Tahoma" charset="0"/>
+                <a:cs typeface="Tahoma" charset="0"/>
               </a:rPr>
               <a:t>NP </a:t>
             </a:r>
             <a:r>
               <a:rPr lang="ru-RU" sz="2400" dirty="0">
-                <a:latin typeface="Helvetica Neue" charset="0"/>
-                <a:ea typeface="Helvetica Neue" charset="0"/>
-                <a:cs typeface="Helvetica Neue" charset="0"/>
+                <a:latin typeface="Tahoma" charset="0"/>
+                <a:ea typeface="Tahoma" charset="0"/>
+                <a:cs typeface="Tahoma" charset="0"/>
               </a:rPr>
               <a:t>– </a:t>
             </a:r>
             <a:r>
               <a:rPr lang="ru-RU" sz="2400" dirty="0" smtClean="0">
-                <a:latin typeface="Helvetica Neue" charset="0"/>
-                <a:ea typeface="Helvetica Neue" charset="0"/>
-                <a:cs typeface="Helvetica Neue" charset="0"/>
+                <a:latin typeface="Tahoma" charset="0"/>
+                <a:ea typeface="Tahoma" charset="0"/>
+                <a:cs typeface="Tahoma" charset="0"/>
               </a:rPr>
               <a:t>вершины</a:t>
             </a:r>
             <a:r>
               <a:rPr lang="en-US" sz="2400" dirty="0" smtClean="0">
-                <a:latin typeface="Helvetica Neue" charset="0"/>
-                <a:ea typeface="Helvetica Neue" charset="0"/>
-                <a:cs typeface="Helvetica Neue" charset="0"/>
+                <a:latin typeface="Tahoma" charset="0"/>
+                <a:ea typeface="Tahoma" charset="0"/>
+                <a:cs typeface="Tahoma" charset="0"/>
               </a:rPr>
               <a:t>, VP </a:t>
             </a:r>
             <a:r>
               <a:rPr lang="ru-RU" sz="2400" dirty="0" smtClean="0">
-                <a:latin typeface="Helvetica Neue" charset="0"/>
-                <a:ea typeface="Helvetica Neue" charset="0"/>
-                <a:cs typeface="Helvetica Neue" charset="0"/>
+                <a:latin typeface="Tahoma" charset="0"/>
+                <a:ea typeface="Tahoma" charset="0"/>
+                <a:cs typeface="Tahoma" charset="0"/>
               </a:rPr>
               <a:t>– ребра</a:t>
             </a:r>
             <a:endParaRPr lang="en-US" sz="2400" dirty="0">
-              <a:latin typeface="Helvetica Neue" charset="0"/>
-              <a:ea typeface="Helvetica Neue" charset="0"/>
-              <a:cs typeface="Helvetica Neue" charset="0"/>
+              <a:latin typeface="Tahoma" charset="0"/>
+              <a:ea typeface="Tahoma" charset="0"/>
+              <a:cs typeface="Tahoma" charset="0"/>
             </a:endParaRPr>
           </a:p>
         </p:txBody>
@@ -6522,7 +5999,7 @@
         </p:nvSpPr>
         <p:spPr>
           <a:xfrm>
-            <a:off x="585355" y="565280"/>
+            <a:off x="599210" y="288190"/>
             <a:ext cx="7561257" cy="735315"/>
           </a:xfrm>
         </p:spPr>
@@ -6558,14 +6035,14 @@
             <p:ph idx="1"/>
             <p:extLst>
               <p:ext uri="{D42A27DB-BD31-4B8C-83A1-F6EECF244321}">
-                <p14:modId xmlns:p14="http://schemas.microsoft.com/office/powerpoint/2010/main" val="1669554036"/>
+                <p14:modId xmlns:p14="http://schemas.microsoft.com/office/powerpoint/2010/main" val="541069098"/>
               </p:ext>
             </p:extLst>
           </p:nvPr>
         </p:nvGraphicFramePr>
         <p:xfrm>
-          <a:off x="1814944" y="1813213"/>
-          <a:ext cx="6068292" cy="4629151"/>
+          <a:off x="1174291" y="1413164"/>
+          <a:ext cx="6411094" cy="5024100"/>
         </p:xfrm>
         <a:graphic>
           <a:graphicData uri="http://schemas.openxmlformats.org/drawingml/2006/table">
@@ -6574,56 +6051,71 @@
                 <a:tableStyleId>{5C22544A-7EE6-4342-B048-85BDC9FD1C3A}</a:tableStyleId>
               </a:tblPr>
               <a:tblGrid>
-                <a:gridCol w="3034146"/>
-                <a:gridCol w="3034146"/>
+                <a:gridCol w="3205547"/>
+                <a:gridCol w="3205547"/>
               </a:tblGrid>
-              <a:tr h="222516">
+              <a:tr h="368531">
                 <a:tc>
                   <a:txBody>
                     <a:bodyPr/>
                     <a:lstStyle/>
                     <a:p>
                       <a:pPr algn="ctr">
+                        <a:lnSpc>
+                          <a:spcPct val="100000"/>
+                        </a:lnSpc>
                         <a:spcAft>
                           <a:spcPts val="0"/>
                         </a:spcAft>
                       </a:pPr>
                       <a:r>
-                        <a:rPr lang="ru-RU" sz="1100" dirty="0" smtClean="0">
+                        <a:rPr lang="ru-RU" sz="1600" dirty="0" smtClean="0">
                           <a:effectLst/>
+                          <a:latin typeface="Tahoma" charset="0"/>
+                          <a:ea typeface="Tahoma" charset="0"/>
+                          <a:cs typeface="Tahoma" charset="0"/>
                         </a:rPr>
                         <a:t>Ч</a:t>
                       </a:r>
                       <a:r>
-                        <a:rPr lang="en-US" sz="1100" dirty="0" err="1" smtClean="0">
+                        <a:rPr lang="en-US" sz="1600" dirty="0" err="1" smtClean="0">
                           <a:effectLst/>
+                          <a:latin typeface="Tahoma" charset="0"/>
+                          <a:ea typeface="Tahoma" charset="0"/>
+                          <a:cs typeface="Tahoma" charset="0"/>
                         </a:rPr>
                         <a:t>асти</a:t>
                       </a:r>
                       <a:r>
-                        <a:rPr lang="en-US" sz="1100" dirty="0" smtClean="0">
+                        <a:rPr lang="en-US" sz="1600" dirty="0" smtClean="0">
                           <a:effectLst/>
+                          <a:latin typeface="Tahoma" charset="0"/>
+                          <a:ea typeface="Tahoma" charset="0"/>
+                          <a:cs typeface="Tahoma" charset="0"/>
                         </a:rPr>
                         <a:t> </a:t>
                       </a:r>
                       <a:r>
-                        <a:rPr lang="ru-RU" sz="1100" dirty="0" smtClean="0">
+                        <a:rPr lang="ru-RU" sz="1600" dirty="0" smtClean="0">
                           <a:effectLst/>
+                          <a:latin typeface="Tahoma" charset="0"/>
+                          <a:ea typeface="Tahoma" charset="0"/>
+                          <a:cs typeface="Tahoma" charset="0"/>
                         </a:rPr>
                         <a:t>речи</a:t>
                       </a:r>
-                      <a:endParaRPr lang="en-US" sz="800" b="1" dirty="0">
+                      <a:endParaRPr lang="en-US" sz="1600" b="1" dirty="0">
                         <a:solidFill>
                           <a:srgbClr val="000000"/>
                         </a:solidFill>
                         <a:effectLst/>
-                        <a:latin typeface="Helvetica" charset="0"/>
-                        <a:ea typeface="Helvetica" charset="0"/>
-                        <a:cs typeface="Helvetica" charset="0"/>
+                        <a:latin typeface="Tahoma" charset="0"/>
+                        <a:ea typeface="Tahoma" charset="0"/>
+                        <a:cs typeface="Tahoma" charset="0"/>
                       </a:endParaRPr>
                     </a:p>
                   </a:txBody>
-                  <a:tcPr marL="51435" marR="51435" marT="0" marB="0"/>
+                  <a:tcPr marL="54341" marR="54341" marT="0" marB="0"/>
                 </a:tc>
                 <a:tc>
                   <a:txBody>
@@ -6631,37 +6123,46 @@
                     <a:lstStyle/>
                     <a:p>
                       <a:pPr algn="ctr">
+                        <a:lnSpc>
+                          <a:spcPct val="100000"/>
+                        </a:lnSpc>
                         <a:spcAft>
                           <a:spcPts val="0"/>
                         </a:spcAft>
                       </a:pPr>
                       <a:r>
-                        <a:rPr lang="en-US" sz="1100" dirty="0">
+                        <a:rPr lang="en-US" sz="1600" dirty="0">
                           <a:effectLst/>
+                          <a:latin typeface="Tahoma" charset="0"/>
+                          <a:ea typeface="Tahoma" charset="0"/>
+                          <a:cs typeface="Tahoma" charset="0"/>
                         </a:rPr>
                         <a:t>UML </a:t>
                       </a:r>
                       <a:r>
-                        <a:rPr lang="ru-RU" sz="1100" dirty="0" smtClean="0">
+                        <a:rPr lang="ru-RU" sz="1600" dirty="0" smtClean="0">
                           <a:effectLst/>
+                          <a:latin typeface="Tahoma" charset="0"/>
+                          <a:ea typeface="Tahoma" charset="0"/>
+                          <a:cs typeface="Tahoma" charset="0"/>
                         </a:rPr>
                         <a:t>сущности</a:t>
                       </a:r>
-                      <a:endParaRPr lang="en-US" sz="800" b="1" dirty="0">
+                      <a:endParaRPr lang="en-US" sz="1600" b="1" dirty="0">
                         <a:solidFill>
                           <a:srgbClr val="000000"/>
                         </a:solidFill>
                         <a:effectLst/>
-                        <a:latin typeface="Helvetica" charset="0"/>
-                        <a:ea typeface="Helvetica" charset="0"/>
-                        <a:cs typeface="Helvetica" charset="0"/>
+                        <a:latin typeface="Tahoma" charset="0"/>
+                        <a:ea typeface="Tahoma" charset="0"/>
+                        <a:cs typeface="Tahoma" charset="0"/>
                       </a:endParaRPr>
                     </a:p>
                   </a:txBody>
-                  <a:tcPr marL="51435" marR="51435" marT="0" marB="0"/>
+                  <a:tcPr marL="54341" marR="54341" marT="0" marB="0"/>
                 </a:tc>
               </a:tr>
-              <a:tr h="314760">
+              <a:tr h="332541">
                 <a:tc>
                   <a:txBody>
                     <a:bodyPr/>
@@ -6669,30 +6170,33 @@
                     <a:p>
                       <a:pPr>
                         <a:lnSpc>
-                          <a:spcPct val="150000"/>
+                          <a:spcPct val="100000"/>
                         </a:lnSpc>
                         <a:spcAft>
                           <a:spcPts val="0"/>
                         </a:spcAft>
                       </a:pPr>
                       <a:r>
-                        <a:rPr lang="en-US" sz="1100" dirty="0">
+                        <a:rPr lang="en-US" sz="1600" dirty="0">
                           <a:effectLst/>
+                          <a:latin typeface="Tahoma" charset="0"/>
+                          <a:ea typeface="Tahoma" charset="0"/>
+                          <a:cs typeface="Tahoma" charset="0"/>
                         </a:rPr>
                         <a:t>NN, NNP, PRP, NNS</a:t>
                       </a:r>
-                      <a:endParaRPr lang="en-US" sz="800" dirty="0">
+                      <a:endParaRPr lang="en-US" sz="1600" dirty="0">
                         <a:solidFill>
                           <a:srgbClr val="000000"/>
                         </a:solidFill>
                         <a:effectLst/>
-                        <a:latin typeface="Helvetica" charset="0"/>
-                        <a:ea typeface="Arial Unicode MS" charset="0"/>
-                        <a:cs typeface="Arial Unicode MS" charset="0"/>
+                        <a:latin typeface="Tahoma" charset="0"/>
+                        <a:ea typeface="Tahoma" charset="0"/>
+                        <a:cs typeface="Tahoma" charset="0"/>
                       </a:endParaRPr>
                     </a:p>
                   </a:txBody>
-                  <a:tcPr marL="51435" marR="51435" marT="0" marB="0"/>
+                  <a:tcPr marL="54341" marR="54341" marT="0" marB="0"/>
                 </a:tc>
                 <a:tc>
                   <a:txBody>
@@ -6701,51 +6205,63 @@
                     <a:p>
                       <a:pPr>
                         <a:lnSpc>
-                          <a:spcPct val="150000"/>
+                          <a:spcPct val="100000"/>
                         </a:lnSpc>
                         <a:spcAft>
                           <a:spcPts val="0"/>
                         </a:spcAft>
                       </a:pPr>
                       <a:r>
-                        <a:rPr lang="en-US" sz="1100" dirty="0" err="1" smtClean="0">
+                        <a:rPr lang="en-US" sz="1600" dirty="0" err="1" smtClean="0">
                           <a:effectLst/>
+                          <a:latin typeface="Tahoma" charset="0"/>
+                          <a:ea typeface="Tahoma" charset="0"/>
+                          <a:cs typeface="Tahoma" charset="0"/>
                         </a:rPr>
                         <a:t>Кла</a:t>
                       </a:r>
                       <a:r>
-                        <a:rPr lang="ru-RU" sz="1100" dirty="0" smtClean="0">
+                        <a:rPr lang="ru-RU" sz="1600" dirty="0" smtClean="0">
                           <a:effectLst/>
+                          <a:latin typeface="Tahoma" charset="0"/>
+                          <a:ea typeface="Tahoma" charset="0"/>
+                          <a:cs typeface="Tahoma" charset="0"/>
                         </a:rPr>
                         <a:t>с</a:t>
                       </a:r>
                       <a:r>
-                        <a:rPr lang="en-US" sz="1100" dirty="0" err="1" smtClean="0">
+                        <a:rPr lang="en-US" sz="1600" dirty="0" err="1" smtClean="0">
                           <a:effectLst/>
+                          <a:latin typeface="Tahoma" charset="0"/>
+                          <a:ea typeface="Tahoma" charset="0"/>
+                          <a:cs typeface="Tahoma" charset="0"/>
                         </a:rPr>
                         <a:t>с</a:t>
                       </a:r>
                       <a:r>
-                        <a:rPr lang="ru-RU" sz="1100" dirty="0" smtClean="0">
+                        <a:rPr lang="ru-RU" sz="1600" dirty="0" smtClean="0">
                           <a:effectLst/>
+                          <a:latin typeface="Tahoma" charset="0"/>
+                          <a:ea typeface="Tahoma" charset="0"/>
+                          <a:cs typeface="Tahoma" charset="0"/>
                         </a:rPr>
                         <a:t>ы</a:t>
                       </a:r>
-                      <a:endParaRPr lang="en-US" sz="800" dirty="0">
+                      <a:endParaRPr lang="en-US" sz="1600" dirty="0">
                         <a:solidFill>
                           <a:srgbClr val="000000"/>
                         </a:solidFill>
                         <a:effectLst/>
-                        <a:latin typeface="Helvetica" charset="0"/>
-                        <a:ea typeface="Arial Unicode MS" charset="0"/>
-                        <a:cs typeface="Arial Unicode MS" charset="0"/>
+                        <a:latin typeface="Tahoma" charset="0"/>
+                        <a:ea typeface="Tahoma" charset="0"/>
+                        <a:cs typeface="Tahoma" charset="0"/>
                       </a:endParaRPr>
                     </a:p>
                   </a:txBody>
-                  <a:tcPr marL="51435" marR="51435" marT="0" marB="0"/>
+                  <a:tcPr marL="54341" marR="54341" marT="0" marB="0"/>
                 </a:tc>
               </a:tr>
-              <a:tr h="314760">
+              <a:tr h="332541">
                 <a:tc>
                   <a:txBody>
                     <a:bodyPr/>
@@ -6753,30 +6269,33 @@
                     <a:p>
                       <a:pPr>
                         <a:lnSpc>
-                          <a:spcPct val="150000"/>
+                          <a:spcPct val="100000"/>
                         </a:lnSpc>
                         <a:spcAft>
                           <a:spcPts val="0"/>
                         </a:spcAft>
                       </a:pPr>
                       <a:r>
-                        <a:rPr lang="en-US" sz="1100">
+                        <a:rPr lang="en-US" sz="1600" dirty="0">
                           <a:effectLst/>
+                          <a:latin typeface="Tahoma" charset="0"/>
+                          <a:ea typeface="Tahoma" charset="0"/>
+                          <a:cs typeface="Tahoma" charset="0"/>
                         </a:rPr>
                         <a:t>JJ, CD, RB</a:t>
                       </a:r>
-                      <a:endParaRPr lang="en-US" sz="800">
+                      <a:endParaRPr lang="en-US" sz="1600" dirty="0">
                         <a:solidFill>
                           <a:srgbClr val="000000"/>
                         </a:solidFill>
                         <a:effectLst/>
-                        <a:latin typeface="Helvetica" charset="0"/>
-                        <a:ea typeface="Arial Unicode MS" charset="0"/>
-                        <a:cs typeface="Arial Unicode MS" charset="0"/>
+                        <a:latin typeface="Tahoma" charset="0"/>
+                        <a:ea typeface="Tahoma" charset="0"/>
+                        <a:cs typeface="Tahoma" charset="0"/>
                       </a:endParaRPr>
                     </a:p>
                   </a:txBody>
-                  <a:tcPr marL="51435" marR="51435" marT="0" marB="0"/>
+                  <a:tcPr marL="54341" marR="54341" marT="0" marB="0"/>
                 </a:tc>
                 <a:tc>
                   <a:txBody>
@@ -6785,63 +6304,81 @@
                     <a:p>
                       <a:pPr>
                         <a:lnSpc>
-                          <a:spcPct val="150000"/>
+                          <a:spcPct val="100000"/>
                         </a:lnSpc>
                         <a:spcAft>
                           <a:spcPts val="0"/>
                         </a:spcAft>
                       </a:pPr>
                       <a:r>
-                        <a:rPr lang="en-US" sz="1100" dirty="0" err="1" smtClean="0">
+                        <a:rPr lang="en-US" sz="1600" dirty="0" err="1" smtClean="0">
                           <a:effectLst/>
+                          <a:latin typeface="Tahoma" charset="0"/>
+                          <a:ea typeface="Tahoma" charset="0"/>
+                          <a:cs typeface="Tahoma" charset="0"/>
                         </a:rPr>
                         <a:t>Атрибут</a:t>
                       </a:r>
                       <a:r>
-                        <a:rPr lang="ru-RU" sz="1100" dirty="0" smtClean="0">
+                        <a:rPr lang="ru-RU" sz="1600" dirty="0" smtClean="0">
                           <a:effectLst/>
+                          <a:latin typeface="Tahoma" charset="0"/>
+                          <a:ea typeface="Tahoma" charset="0"/>
+                          <a:cs typeface="Tahoma" charset="0"/>
                         </a:rPr>
                         <a:t>ы</a:t>
                       </a:r>
                       <a:r>
-                        <a:rPr lang="en-US" sz="1100" dirty="0" smtClean="0">
+                        <a:rPr lang="en-US" sz="1600" dirty="0" smtClean="0">
                           <a:effectLst/>
+                          <a:latin typeface="Tahoma" charset="0"/>
+                          <a:ea typeface="Tahoma" charset="0"/>
+                          <a:cs typeface="Tahoma" charset="0"/>
                         </a:rPr>
                         <a:t> </a:t>
                       </a:r>
                       <a:r>
-                        <a:rPr lang="en-US" sz="1100" dirty="0" err="1" smtClean="0">
+                        <a:rPr lang="en-US" sz="1600" dirty="0" err="1" smtClean="0">
                           <a:effectLst/>
+                          <a:latin typeface="Tahoma" charset="0"/>
+                          <a:ea typeface="Tahoma" charset="0"/>
+                          <a:cs typeface="Tahoma" charset="0"/>
                         </a:rPr>
                         <a:t>клас</a:t>
                       </a:r>
                       <a:r>
-                        <a:rPr lang="ru-RU" sz="1100" dirty="0" smtClean="0">
+                        <a:rPr lang="ru-RU" sz="1600" dirty="0" smtClean="0">
                           <a:effectLst/>
+                          <a:latin typeface="Tahoma" charset="0"/>
+                          <a:ea typeface="Tahoma" charset="0"/>
+                          <a:cs typeface="Tahoma" charset="0"/>
                         </a:rPr>
                         <a:t>со</a:t>
                       </a:r>
                       <a:r>
-                        <a:rPr lang="en-US" sz="1100" dirty="0" err="1" smtClean="0">
+                        <a:rPr lang="en-US" sz="1600" dirty="0" err="1" smtClean="0">
                           <a:effectLst/>
+                          <a:latin typeface="Tahoma" charset="0"/>
+                          <a:ea typeface="Tahoma" charset="0"/>
+                          <a:cs typeface="Tahoma" charset="0"/>
                         </a:rPr>
                         <a:t>в</a:t>
                       </a:r>
-                      <a:endParaRPr lang="en-US" sz="800" dirty="0">
+                      <a:endParaRPr lang="en-US" sz="1600" dirty="0">
                         <a:solidFill>
                           <a:srgbClr val="000000"/>
                         </a:solidFill>
                         <a:effectLst/>
-                        <a:latin typeface="Helvetica" charset="0"/>
-                        <a:ea typeface="Arial Unicode MS" charset="0"/>
-                        <a:cs typeface="Arial Unicode MS" charset="0"/>
+                        <a:latin typeface="Tahoma" charset="0"/>
+                        <a:ea typeface="Tahoma" charset="0"/>
+                        <a:cs typeface="Tahoma" charset="0"/>
                       </a:endParaRPr>
                     </a:p>
                   </a:txBody>
-                  <a:tcPr marL="51435" marR="51435" marT="0" marB="0"/>
+                  <a:tcPr marL="54341" marR="54341" marT="0" marB="0"/>
                 </a:tc>
               </a:tr>
-              <a:tr h="944279">
+              <a:tr h="997622">
                 <a:tc>
                   <a:txBody>
                     <a:bodyPr/>
@@ -6849,30 +6386,33 @@
                     <a:p>
                       <a:pPr>
                         <a:lnSpc>
-                          <a:spcPct val="150000"/>
+                          <a:spcPct val="100000"/>
                         </a:lnSpc>
                         <a:spcAft>
                           <a:spcPts val="0"/>
                         </a:spcAft>
                       </a:pPr>
                       <a:r>
-                        <a:rPr lang="en-US" sz="1100">
+                        <a:rPr lang="en-US" sz="1600" dirty="0">
                           <a:effectLst/>
+                          <a:latin typeface="Tahoma" charset="0"/>
+                          <a:ea typeface="Tahoma" charset="0"/>
+                          <a:cs typeface="Tahoma" charset="0"/>
                         </a:rPr>
                         <a:t>VBP, VBN, VBG, IN, TO, VBZ, ADVP, VB</a:t>
                       </a:r>
-                      <a:endParaRPr lang="en-US" sz="800">
+                      <a:endParaRPr lang="en-US" sz="1600" dirty="0">
                         <a:solidFill>
                           <a:srgbClr val="000000"/>
                         </a:solidFill>
                         <a:effectLst/>
-                        <a:latin typeface="Helvetica" charset="0"/>
-                        <a:ea typeface="Arial Unicode MS" charset="0"/>
-                        <a:cs typeface="Arial Unicode MS" charset="0"/>
+                        <a:latin typeface="Tahoma" charset="0"/>
+                        <a:ea typeface="Tahoma" charset="0"/>
+                        <a:cs typeface="Tahoma" charset="0"/>
                       </a:endParaRPr>
                     </a:p>
                   </a:txBody>
-                  <a:tcPr marL="51435" marR="51435" marT="0" marB="0"/>
+                  <a:tcPr marL="54341" marR="54341" marT="0" marB="0"/>
                 </a:tc>
                 <a:tc>
                   <a:txBody>
@@ -6881,45 +6421,54 @@
                     <a:p>
                       <a:pPr>
                         <a:lnSpc>
-                          <a:spcPct val="150000"/>
+                          <a:spcPct val="100000"/>
                         </a:lnSpc>
                         <a:spcAft>
                           <a:spcPts val="0"/>
                         </a:spcAft>
                       </a:pPr>
                       <a:r>
-                        <a:rPr lang="ru-RU" sz="1100" dirty="0" smtClean="0">
+                        <a:rPr lang="ru-RU" sz="1600" dirty="0" smtClean="0">
                           <a:effectLst/>
+                          <a:latin typeface="Tahoma" charset="0"/>
+                          <a:ea typeface="Tahoma" charset="0"/>
+                          <a:cs typeface="Tahoma" charset="0"/>
                         </a:rPr>
                         <a:t>Зависимости между классами (ассоциация</a:t>
                       </a:r>
                       <a:r>
-                        <a:rPr lang="ru-RU" sz="1100" dirty="0">
+                        <a:rPr lang="ru-RU" sz="1600" dirty="0">
                           <a:effectLst/>
+                          <a:latin typeface="Tahoma" charset="0"/>
+                          <a:ea typeface="Tahoma" charset="0"/>
+                          <a:cs typeface="Tahoma" charset="0"/>
                         </a:rPr>
                         <a:t>, </a:t>
                       </a:r>
                       <a:r>
-                        <a:rPr lang="ru-RU" sz="1100" dirty="0" smtClean="0">
+                        <a:rPr lang="ru-RU" sz="1600" dirty="0" smtClean="0">
                           <a:effectLst/>
+                          <a:latin typeface="Tahoma" charset="0"/>
+                          <a:ea typeface="Tahoma" charset="0"/>
+                          <a:cs typeface="Tahoma" charset="0"/>
                         </a:rPr>
                         <a:t>агрегация, генерализация)</a:t>
                       </a:r>
-                      <a:endParaRPr lang="en-US" sz="800" dirty="0">
+                      <a:endParaRPr lang="en-US" sz="1600" dirty="0">
                         <a:solidFill>
                           <a:srgbClr val="000000"/>
                         </a:solidFill>
                         <a:effectLst/>
-                        <a:latin typeface="Helvetica" charset="0"/>
-                        <a:ea typeface="Arial Unicode MS" charset="0"/>
-                        <a:cs typeface="Arial Unicode MS" charset="0"/>
+                        <a:latin typeface="Tahoma" charset="0"/>
+                        <a:ea typeface="Tahoma" charset="0"/>
+                        <a:cs typeface="Tahoma" charset="0"/>
                       </a:endParaRPr>
                     </a:p>
                   </a:txBody>
-                  <a:tcPr marL="51435" marR="51435" marT="0" marB="0"/>
+                  <a:tcPr marL="54341" marR="54341" marT="0" marB="0"/>
                 </a:tc>
               </a:tr>
-              <a:tr h="1259038">
+              <a:tr h="1330162">
                 <a:tc>
                   <a:txBody>
                     <a:bodyPr/>
@@ -6927,30 +6476,33 @@
                     <a:p>
                       <a:pPr>
                         <a:lnSpc>
-                          <a:spcPct val="150000"/>
+                          <a:spcPct val="100000"/>
                         </a:lnSpc>
                         <a:spcAft>
                           <a:spcPts val="0"/>
                         </a:spcAft>
                       </a:pPr>
                       <a:r>
-                        <a:rPr lang="en-US" sz="1100">
+                        <a:rPr lang="en-US" sz="1600">
                           <a:effectLst/>
+                          <a:latin typeface="Tahoma" charset="0"/>
+                          <a:ea typeface="Tahoma" charset="0"/>
+                          <a:cs typeface="Tahoma" charset="0"/>
                         </a:rPr>
                         <a:t>ADJP, PP, SBAR</a:t>
                       </a:r>
-                      <a:endParaRPr lang="en-US" sz="800">
+                      <a:endParaRPr lang="en-US" sz="1600">
                         <a:solidFill>
                           <a:srgbClr val="000000"/>
                         </a:solidFill>
                         <a:effectLst/>
-                        <a:latin typeface="Helvetica" charset="0"/>
-                        <a:ea typeface="Arial Unicode MS" charset="0"/>
-                        <a:cs typeface="Arial Unicode MS" charset="0"/>
+                        <a:latin typeface="Tahoma" charset="0"/>
+                        <a:ea typeface="Tahoma" charset="0"/>
+                        <a:cs typeface="Tahoma" charset="0"/>
                       </a:endParaRPr>
                     </a:p>
                   </a:txBody>
-                  <a:tcPr marL="51435" marR="51435" marT="0" marB="0"/>
+                  <a:tcPr marL="54341" marR="54341" marT="0" marB="0"/>
                 </a:tc>
                 <a:tc>
                   <a:txBody>
@@ -6959,39 +6511,45 @@
                     <a:p>
                       <a:pPr>
                         <a:lnSpc>
-                          <a:spcPct val="150000"/>
+                          <a:spcPct val="100000"/>
                         </a:lnSpc>
                         <a:spcAft>
                           <a:spcPts val="0"/>
                         </a:spcAft>
                       </a:pPr>
                       <a:r>
-                        <a:rPr lang="ru-RU" sz="1100" dirty="0" smtClean="0">
+                        <a:rPr lang="ru-RU" sz="1600" dirty="0" smtClean="0">
                           <a:effectLst/>
+                          <a:latin typeface="Tahoma" charset="0"/>
+                          <a:ea typeface="Tahoma" charset="0"/>
+                          <a:cs typeface="Tahoma" charset="0"/>
                         </a:rPr>
                         <a:t>Дополнительная информация для зависимостей между классами, которая влияет</a:t>
                       </a:r>
                       <a:r>
-                        <a:rPr lang="ru-RU" sz="1100" baseline="0" dirty="0" smtClean="0">
+                        <a:rPr lang="ru-RU" sz="1600" baseline="0" dirty="0" smtClean="0">
                           <a:effectLst/>
+                          <a:latin typeface="Tahoma" charset="0"/>
+                          <a:ea typeface="Tahoma" charset="0"/>
+                          <a:cs typeface="Tahoma" charset="0"/>
                         </a:rPr>
                         <a:t> на их последующую конвертацию</a:t>
                       </a:r>
-                      <a:endParaRPr lang="en-US" sz="800" dirty="0">
+                      <a:endParaRPr lang="en-US" sz="1600" dirty="0">
                         <a:solidFill>
                           <a:srgbClr val="000000"/>
                         </a:solidFill>
                         <a:effectLst/>
-                        <a:latin typeface="Helvetica" charset="0"/>
-                        <a:ea typeface="Arial Unicode MS" charset="0"/>
-                        <a:cs typeface="Arial Unicode MS" charset="0"/>
+                        <a:latin typeface="Tahoma" charset="0"/>
+                        <a:ea typeface="Tahoma" charset="0"/>
+                        <a:cs typeface="Tahoma" charset="0"/>
                       </a:endParaRPr>
                     </a:p>
                   </a:txBody>
-                  <a:tcPr marL="51435" marR="51435" marT="0" marB="0"/>
+                  <a:tcPr marL="54341" marR="54341" marT="0" marB="0"/>
                 </a:tc>
               </a:tr>
-              <a:tr h="944279">
+              <a:tr h="997622">
                 <a:tc>
                   <a:txBody>
                     <a:bodyPr/>
@@ -6999,30 +6557,33 @@
                     <a:p>
                       <a:pPr>
                         <a:lnSpc>
-                          <a:spcPct val="150000"/>
+                          <a:spcPct val="100000"/>
                         </a:lnSpc>
                         <a:spcAft>
                           <a:spcPts val="0"/>
                         </a:spcAft>
                       </a:pPr>
                       <a:r>
-                        <a:rPr lang="en-US" sz="1100">
+                        <a:rPr lang="en-US" sz="1600">
                           <a:effectLst/>
+                          <a:latin typeface="Tahoma" charset="0"/>
+                          <a:ea typeface="Tahoma" charset="0"/>
+                          <a:cs typeface="Tahoma" charset="0"/>
                         </a:rPr>
                         <a:t>IN</a:t>
                       </a:r>
-                      <a:endParaRPr lang="en-US" sz="800">
+                      <a:endParaRPr lang="en-US" sz="1600">
                         <a:solidFill>
                           <a:srgbClr val="000000"/>
                         </a:solidFill>
                         <a:effectLst/>
-                        <a:latin typeface="Helvetica" charset="0"/>
-                        <a:ea typeface="Arial Unicode MS" charset="0"/>
-                        <a:cs typeface="Arial Unicode MS" charset="0"/>
+                        <a:latin typeface="Tahoma" charset="0"/>
+                        <a:ea typeface="Tahoma" charset="0"/>
+                        <a:cs typeface="Tahoma" charset="0"/>
                       </a:endParaRPr>
                     </a:p>
                   </a:txBody>
-                  <a:tcPr marL="51435" marR="51435" marT="0" marB="0"/>
+                  <a:tcPr marL="54341" marR="54341" marT="0" marB="0"/>
                 </a:tc>
                 <a:tc>
                   <a:txBody>
@@ -7031,51 +6592,63 @@
                     <a:p>
                       <a:pPr>
                         <a:lnSpc>
-                          <a:spcPct val="150000"/>
+                          <a:spcPct val="100000"/>
                         </a:lnSpc>
                         <a:spcAft>
                           <a:spcPts val="0"/>
                         </a:spcAft>
                       </a:pPr>
                       <a:r>
-                        <a:rPr lang="ru-RU" sz="1100" dirty="0" smtClean="0">
+                        <a:rPr lang="ru-RU" sz="1600" dirty="0" smtClean="0">
                           <a:effectLst/>
+                          <a:latin typeface="Tahoma" charset="0"/>
+                          <a:ea typeface="Tahoma" charset="0"/>
+                          <a:cs typeface="Tahoma" charset="0"/>
                         </a:rPr>
                         <a:t>Указывает на агрегацию</a:t>
                       </a:r>
                       <a:r>
-                        <a:rPr lang="ru-RU" sz="1100" baseline="0" dirty="0" smtClean="0">
+                        <a:rPr lang="ru-RU" sz="1600" baseline="0" dirty="0" smtClean="0">
                           <a:effectLst/>
+                          <a:latin typeface="Tahoma" charset="0"/>
+                          <a:ea typeface="Tahoma" charset="0"/>
+                          <a:cs typeface="Tahoma" charset="0"/>
                         </a:rPr>
                         <a:t> </a:t>
                       </a:r>
                       <a:r>
-                        <a:rPr lang="ru-RU" sz="1100" dirty="0" smtClean="0">
+                        <a:rPr lang="ru-RU" sz="1600" dirty="0" smtClean="0">
                           <a:effectLst/>
+                          <a:latin typeface="Tahoma" charset="0"/>
+                          <a:ea typeface="Tahoma" charset="0"/>
+                          <a:cs typeface="Tahoma" charset="0"/>
                         </a:rPr>
                         <a:t>или генерализацию в зависимости</a:t>
                       </a:r>
                       <a:r>
-                        <a:rPr lang="ru-RU" sz="1100" baseline="0" dirty="0" smtClean="0">
+                        <a:rPr lang="ru-RU" sz="1600" baseline="0" dirty="0" smtClean="0">
                           <a:effectLst/>
+                          <a:latin typeface="Tahoma" charset="0"/>
+                          <a:ea typeface="Tahoma" charset="0"/>
+                          <a:cs typeface="Tahoma" charset="0"/>
                         </a:rPr>
                         <a:t> контекста</a:t>
                       </a:r>
-                      <a:endParaRPr lang="en-US" sz="800" dirty="0">
+                      <a:endParaRPr lang="en-US" sz="1600" dirty="0">
                         <a:solidFill>
                           <a:srgbClr val="000000"/>
                         </a:solidFill>
                         <a:effectLst/>
-                        <a:latin typeface="Helvetica" charset="0"/>
-                        <a:ea typeface="Arial Unicode MS" charset="0"/>
-                        <a:cs typeface="Arial Unicode MS" charset="0"/>
+                        <a:latin typeface="Tahoma" charset="0"/>
+                        <a:ea typeface="Tahoma" charset="0"/>
+                        <a:cs typeface="Tahoma" charset="0"/>
                       </a:endParaRPr>
                     </a:p>
                   </a:txBody>
-                  <a:tcPr marL="51435" marR="51435" marT="0" marB="0"/>
+                  <a:tcPr marL="54341" marR="54341" marT="0" marB="0"/>
                 </a:tc>
               </a:tr>
-              <a:tr h="629519">
+              <a:tr h="665081">
                 <a:tc>
                   <a:txBody>
                     <a:bodyPr/>
@@ -7083,30 +6656,33 @@
                     <a:p>
                       <a:pPr>
                         <a:lnSpc>
-                          <a:spcPct val="150000"/>
+                          <a:spcPct val="100000"/>
                         </a:lnSpc>
                         <a:spcAft>
                           <a:spcPts val="0"/>
                         </a:spcAft>
                       </a:pPr>
                       <a:r>
-                        <a:rPr lang="en-US" sz="1100">
+                        <a:rPr lang="en-US" sz="1600">
                           <a:effectLst/>
+                          <a:latin typeface="Tahoma" charset="0"/>
+                          <a:ea typeface="Tahoma" charset="0"/>
+                          <a:cs typeface="Tahoma" charset="0"/>
                         </a:rPr>
                         <a:t>СС</a:t>
                       </a:r>
-                      <a:endParaRPr lang="en-US" sz="800">
+                      <a:endParaRPr lang="en-US" sz="1600">
                         <a:solidFill>
                           <a:srgbClr val="000000"/>
                         </a:solidFill>
                         <a:effectLst/>
-                        <a:latin typeface="Helvetica" charset="0"/>
-                        <a:ea typeface="Arial Unicode MS" charset="0"/>
-                        <a:cs typeface="Arial Unicode MS" charset="0"/>
+                        <a:latin typeface="Tahoma" charset="0"/>
+                        <a:ea typeface="Tahoma" charset="0"/>
+                        <a:cs typeface="Tahoma" charset="0"/>
                       </a:endParaRPr>
                     </a:p>
                   </a:txBody>
-                  <a:tcPr marL="51435" marR="51435" marT="0" marB="0"/>
+                  <a:tcPr marL="54341" marR="54341" marT="0" marB="0"/>
                 </a:tc>
                 <a:tc>
                   <a:txBody>
@@ -7115,36 +6691,42 @@
                     <a:p>
                       <a:pPr>
                         <a:lnSpc>
-                          <a:spcPct val="150000"/>
+                          <a:spcPct val="100000"/>
                         </a:lnSpc>
                         <a:spcAft>
                           <a:spcPts val="0"/>
                         </a:spcAft>
                       </a:pPr>
                       <a:r>
-                        <a:rPr lang="ru-RU" sz="1100" dirty="0" smtClean="0">
+                        <a:rPr lang="ru-RU" sz="1600" dirty="0" smtClean="0">
                           <a:effectLst/>
+                          <a:latin typeface="Tahoma" charset="0"/>
+                          <a:ea typeface="Tahoma" charset="0"/>
+                          <a:cs typeface="Tahoma" charset="0"/>
                         </a:rPr>
                         <a:t>Соединение одинаковых</a:t>
                       </a:r>
                       <a:r>
-                        <a:rPr lang="ru-RU" sz="1100" baseline="0" dirty="0" smtClean="0">
+                        <a:rPr lang="ru-RU" sz="1600" baseline="0" dirty="0" smtClean="0">
                           <a:effectLst/>
+                          <a:latin typeface="Tahoma" charset="0"/>
+                          <a:ea typeface="Tahoma" charset="0"/>
+                          <a:cs typeface="Tahoma" charset="0"/>
                         </a:rPr>
                         <a:t> по типу зависимостей</a:t>
                       </a:r>
-                      <a:endParaRPr lang="en-US" sz="800" dirty="0">
+                      <a:endParaRPr lang="en-US" sz="1600" dirty="0">
                         <a:solidFill>
                           <a:srgbClr val="000000"/>
                         </a:solidFill>
                         <a:effectLst/>
-                        <a:latin typeface="Helvetica" charset="0"/>
-                        <a:ea typeface="Arial Unicode MS" charset="0"/>
-                        <a:cs typeface="Arial Unicode MS" charset="0"/>
+                        <a:latin typeface="Tahoma" charset="0"/>
+                        <a:ea typeface="Tahoma" charset="0"/>
+                        <a:cs typeface="Tahoma" charset="0"/>
                       </a:endParaRPr>
                     </a:p>
                   </a:txBody>
-                  <a:tcPr marL="51435" marR="51435" marT="0" marB="0"/>
+                  <a:tcPr marL="54341" marR="54341" marT="0" marB="0"/>
                 </a:tc>
               </a:tr>
             </a:tbl>
@@ -7198,72 +6780,804 @@
             <p:ph type="title"/>
           </p:nvPr>
         </p:nvSpPr>
-        <p:spPr/>
+        <p:spPr>
+          <a:xfrm>
+            <a:off x="967440" y="567671"/>
+            <a:ext cx="7196850" cy="782189"/>
+          </a:xfrm>
+        </p:spPr>
         <p:txBody>
           <a:bodyPr>
-            <a:normAutofit fontScale="90000"/>
+            <a:noAutofit/>
           </a:bodyPr>
           <a:lstStyle/>
           <a:p>
-            <a:r>
-              <a:rPr lang="ru-RU" dirty="0" smtClean="0"/>
-              <a:t>Одна из составляющих частей проекта редактора онтологий</a:t>
-            </a:r>
-            <a:endParaRPr lang="en-US" dirty="0"/>
-          </a:p>
-        </p:txBody>
-      </p:sp>
-      <p:sp>
-        <p:nvSpPr>
-          <p:cNvPr id="3" name="Content Placeholder 2"/>
-          <p:cNvSpPr>
-            <a:spLocks noGrp="1"/>
-          </p:cNvSpPr>
-          <p:nvPr>
-            <p:ph idx="1"/>
-          </p:nvPr>
+            <a:pPr algn="r"/>
+            <a:r>
+              <a:rPr lang="ru-RU" sz="2400" dirty="0">
+                <a:ea typeface="Helvetica Neue" charset="0"/>
+                <a:cs typeface="Helvetica Neue" charset="0"/>
+              </a:rPr>
+              <a:t>Короткие семантически насыщенные тексты</a:t>
+            </a:r>
+            <a:endParaRPr lang="en-US" sz="2400" dirty="0">
+              <a:ea typeface="Helvetica Neue" charset="0"/>
+              <a:cs typeface="Helvetica Neue" charset="0"/>
+            </a:endParaRPr>
+          </a:p>
+        </p:txBody>
+      </p:sp>
+      <p:sp>
+        <p:nvSpPr>
+          <p:cNvPr id="6" name="TextBox 5"/>
+          <p:cNvSpPr txBox="1"/>
+          <p:nvPr/>
         </p:nvSpPr>
         <p:spPr>
           <a:xfrm>
-            <a:off x="946403" y="1828801"/>
-            <a:ext cx="7103087" cy="4488872"/>
+            <a:off x="647700" y="1376287"/>
+            <a:ext cx="7516589" cy="530915"/>
           </a:xfrm>
+          <a:prstGeom prst="rect">
+            <a:avLst/>
+          </a:prstGeom>
+          <a:noFill/>
         </p:spPr>
         <p:txBody>
-          <a:bodyPr/>
+          <a:bodyPr wrap="square" rtlCol="0">
+            <a:spAutoFit/>
+          </a:bodyPr>
           <a:lstStyle/>
           <a:p>
-            <a:pPr marL="0" marR="0" lvl="0" indent="0" defTabSz="914400" eaLnBrk="1" fontAlgn="auto" latinLnBrk="0" hangingPunct="1">
-              <a:lnSpc>
-                <a:spcPct val="100000"/>
-              </a:lnSpc>
-              <a:spcBef>
-                <a:spcPts val="0"/>
-              </a:spcBef>
-              <a:spcAft>
-                <a:spcPts val="0"/>
-              </a:spcAft>
-              <a:buClrTx/>
-              <a:buSzTx/>
-              <a:buFontTx/>
-              <a:buNone/>
-              <a:tabLst/>
-              <a:defRPr/>
-            </a:pPr>
-            <a:endParaRPr lang="en-US" dirty="0"/>
-          </a:p>
-        </p:txBody>
-      </p:sp>
+            <a:r>
+              <a:rPr lang="en-US" sz="1500" dirty="0">
+                <a:latin typeface="Tahoma" charset="0"/>
+                <a:ea typeface="Tahoma" charset="0"/>
+                <a:cs typeface="Tahoma" charset="0"/>
+              </a:rPr>
+              <a:t>A Clock is a </a:t>
+            </a:r>
+            <a:r>
+              <a:rPr lang="en-US" sz="1500" dirty="0" err="1">
+                <a:latin typeface="Tahoma" charset="0"/>
+                <a:ea typeface="Tahoma" charset="0"/>
+                <a:cs typeface="Tahoma" charset="0"/>
+              </a:rPr>
+              <a:t>TemporalInstrument</a:t>
+            </a:r>
+            <a:r>
+              <a:rPr lang="en-US" sz="1500" dirty="0">
+                <a:latin typeface="Tahoma" charset="0"/>
+                <a:ea typeface="Tahoma" charset="0"/>
+                <a:cs typeface="Tahoma" charset="0"/>
+              </a:rPr>
+              <a:t> to </a:t>
+            </a:r>
+            <a:r>
+              <a:rPr lang="en-US" sz="1500" dirty="0" smtClean="0">
+                <a:latin typeface="Tahoma" charset="0"/>
+                <a:ea typeface="Tahoma" charset="0"/>
+                <a:cs typeface="Tahoma" charset="0"/>
+              </a:rPr>
+              <a:t>generate </a:t>
+            </a:r>
+            <a:r>
+              <a:rPr lang="en-US" sz="1500" dirty="0" smtClean="0">
+                <a:latin typeface="Tahoma" charset="0"/>
+                <a:ea typeface="Tahoma" charset="0"/>
+                <a:cs typeface="Tahoma" charset="0"/>
+              </a:rPr>
+              <a:t>the </a:t>
+            </a:r>
+            <a:r>
+              <a:rPr lang="en-US" sz="1500" dirty="0">
+                <a:latin typeface="Tahoma" charset="0"/>
+                <a:ea typeface="Tahoma" charset="0"/>
+                <a:cs typeface="Tahoma" charset="0"/>
+              </a:rPr>
+              <a:t>instances of a </a:t>
+            </a:r>
+            <a:r>
+              <a:rPr lang="en-US" sz="1500" dirty="0" err="1">
+                <a:latin typeface="Tahoma" charset="0"/>
+                <a:ea typeface="Tahoma" charset="0"/>
+                <a:cs typeface="Tahoma" charset="0"/>
+              </a:rPr>
+              <a:t>TemporalMeasure</a:t>
+            </a:r>
+            <a:r>
+              <a:rPr lang="en-US" sz="1500" dirty="0">
+                <a:latin typeface="+mj-lt"/>
+                <a:ea typeface="Helvetica Neue" charset="0"/>
+                <a:cs typeface="Helvetica Neue" charset="0"/>
+              </a:rPr>
+              <a:t>. </a:t>
+            </a:r>
+            <a:endParaRPr lang="en-US" sz="1500" b="1" dirty="0">
+              <a:latin typeface="+mj-lt"/>
+              <a:ea typeface="Helvetica Neue" charset="0"/>
+              <a:cs typeface="Helvetica Neue" charset="0"/>
+            </a:endParaRPr>
+          </a:p>
+          <a:p>
+            <a:endParaRPr lang="en-US" sz="1350" dirty="0"/>
+          </a:p>
+        </p:txBody>
+      </p:sp>
+      <p:sp>
+        <p:nvSpPr>
+          <p:cNvPr id="8" name="TextBox 7"/>
+          <p:cNvSpPr txBox="1"/>
+          <p:nvPr/>
+        </p:nvSpPr>
+        <p:spPr>
+          <a:xfrm>
+            <a:off x="647701" y="513862"/>
+            <a:ext cx="406400" cy="600164"/>
+          </a:xfrm>
+          <a:prstGeom prst="rect">
+            <a:avLst/>
+          </a:prstGeom>
+          <a:noFill/>
+        </p:spPr>
+        <p:txBody>
+          <a:bodyPr wrap="square" rtlCol="0">
+            <a:spAutoFit/>
+          </a:bodyPr>
+          <a:lstStyle/>
+          <a:p>
+            <a:r>
+              <a:rPr lang="ru-RU" sz="3300" b="1" dirty="0">
+                <a:solidFill>
+                  <a:schemeClr val="accent1"/>
+                </a:solidFill>
+              </a:rPr>
+              <a:t>3</a:t>
+            </a:r>
+            <a:endParaRPr lang="en-US" sz="3300" b="1" dirty="0">
+              <a:solidFill>
+                <a:schemeClr val="accent1"/>
+              </a:solidFill>
+            </a:endParaRPr>
+          </a:p>
+        </p:txBody>
+      </p:sp>
+      <p:sp>
+        <p:nvSpPr>
+          <p:cNvPr id="7" name="TextBox 6"/>
+          <p:cNvSpPr txBox="1"/>
+          <p:nvPr/>
+        </p:nvSpPr>
+        <p:spPr>
+          <a:xfrm>
+            <a:off x="445218" y="3177777"/>
+            <a:ext cx="4425447" cy="2893100"/>
+          </a:xfrm>
+          <a:prstGeom prst="rect">
+            <a:avLst/>
+          </a:prstGeom>
+          <a:noFill/>
+        </p:spPr>
+        <p:txBody>
+          <a:bodyPr wrap="square" rtlCol="0">
+            <a:spAutoFit/>
+          </a:bodyPr>
+          <a:lstStyle/>
+          <a:p>
+            <a:r>
+              <a:rPr lang="mr-IN" sz="1400" dirty="0">
+                <a:latin typeface="Tahoma" charset="0"/>
+                <a:ea typeface="Tahoma" charset="0"/>
+                <a:cs typeface="Tahoma" charset="0"/>
+              </a:rPr>
+              <a:t>(ROOT </a:t>
+            </a:r>
+            <a:endParaRPr lang="ru-RU" sz="1400" dirty="0" smtClean="0">
+              <a:latin typeface="Tahoma" charset="0"/>
+              <a:ea typeface="Tahoma" charset="0"/>
+              <a:cs typeface="Tahoma" charset="0"/>
+            </a:endParaRPr>
+          </a:p>
+          <a:p>
+            <a:r>
+              <a:rPr lang="ru-RU" sz="1400" dirty="0">
+                <a:latin typeface="Tahoma" charset="0"/>
+                <a:ea typeface="Tahoma" charset="0"/>
+                <a:cs typeface="Tahoma" charset="0"/>
+              </a:rPr>
+              <a:t> </a:t>
+            </a:r>
+            <a:r>
+              <a:rPr lang="ru-RU" sz="1400" dirty="0" smtClean="0">
+                <a:latin typeface="Tahoma" charset="0"/>
+                <a:ea typeface="Tahoma" charset="0"/>
+                <a:cs typeface="Tahoma" charset="0"/>
+              </a:rPr>
+              <a:t> </a:t>
+            </a:r>
+            <a:r>
+              <a:rPr lang="mr-IN" sz="1400" dirty="0" smtClean="0">
+                <a:latin typeface="Tahoma" charset="0"/>
+                <a:ea typeface="Tahoma" charset="0"/>
+                <a:cs typeface="Tahoma" charset="0"/>
+              </a:rPr>
+              <a:t>(</a:t>
+            </a:r>
+            <a:r>
+              <a:rPr lang="mr-IN" sz="1400" dirty="0" err="1" smtClean="0">
+                <a:latin typeface="Tahoma" charset="0"/>
+                <a:ea typeface="Tahoma" charset="0"/>
+                <a:cs typeface="Tahoma" charset="0"/>
+              </a:rPr>
+              <a:t>S</a:t>
+            </a:r>
+            <a:r>
+              <a:rPr lang="mr-IN" sz="1400" dirty="0" smtClean="0">
+                <a:latin typeface="Tahoma" charset="0"/>
+                <a:ea typeface="Tahoma" charset="0"/>
+                <a:cs typeface="Tahoma" charset="0"/>
+              </a:rPr>
+              <a:t>    </a:t>
+            </a:r>
+            <a:endParaRPr lang="ru-RU" sz="1400" dirty="0" smtClean="0">
+              <a:latin typeface="Tahoma" charset="0"/>
+              <a:ea typeface="Tahoma" charset="0"/>
+              <a:cs typeface="Tahoma" charset="0"/>
+            </a:endParaRPr>
+          </a:p>
+          <a:p>
+            <a:r>
+              <a:rPr lang="ru-RU" sz="1400" dirty="0" smtClean="0">
+                <a:latin typeface="Tahoma" charset="0"/>
+                <a:ea typeface="Tahoma" charset="0"/>
+                <a:cs typeface="Tahoma" charset="0"/>
+              </a:rPr>
+              <a:t>    </a:t>
+            </a:r>
+            <a:r>
+              <a:rPr lang="mr-IN" sz="1400" dirty="0" smtClean="0">
+                <a:latin typeface="Tahoma" charset="0"/>
+                <a:ea typeface="Tahoma" charset="0"/>
+                <a:cs typeface="Tahoma" charset="0"/>
+              </a:rPr>
+              <a:t>(</a:t>
+            </a:r>
+            <a:r>
+              <a:rPr lang="mr-IN" sz="1400" dirty="0">
+                <a:latin typeface="Tahoma" charset="0"/>
+                <a:ea typeface="Tahoma" charset="0"/>
+                <a:cs typeface="Tahoma" charset="0"/>
+              </a:rPr>
+              <a:t>NP (DT </a:t>
+            </a:r>
+            <a:r>
+              <a:rPr lang="mr-IN" sz="1400" dirty="0" err="1">
+                <a:latin typeface="Tahoma" charset="0"/>
+                <a:ea typeface="Tahoma" charset="0"/>
+                <a:cs typeface="Tahoma" charset="0"/>
+              </a:rPr>
+              <a:t>A</a:t>
+            </a:r>
+            <a:r>
+              <a:rPr lang="mr-IN" sz="1400" dirty="0">
+                <a:latin typeface="Tahoma" charset="0"/>
+                <a:ea typeface="Tahoma" charset="0"/>
+                <a:cs typeface="Tahoma" charset="0"/>
+              </a:rPr>
+              <a:t>) (NN </a:t>
+            </a:r>
+            <a:r>
+              <a:rPr lang="mr-IN" sz="1400" dirty="0" err="1">
+                <a:latin typeface="Tahoma" charset="0"/>
+                <a:ea typeface="Tahoma" charset="0"/>
+                <a:cs typeface="Tahoma" charset="0"/>
+              </a:rPr>
+              <a:t>Clock</a:t>
+            </a:r>
+            <a:r>
+              <a:rPr lang="mr-IN" sz="1400" dirty="0">
+                <a:latin typeface="Tahoma" charset="0"/>
+                <a:ea typeface="Tahoma" charset="0"/>
+                <a:cs typeface="Tahoma" charset="0"/>
+              </a:rPr>
+              <a:t>))   </a:t>
+            </a:r>
+            <a:endParaRPr lang="ru-RU" sz="1400" dirty="0" smtClean="0">
+              <a:latin typeface="Tahoma" charset="0"/>
+              <a:ea typeface="Tahoma" charset="0"/>
+              <a:cs typeface="Tahoma" charset="0"/>
+            </a:endParaRPr>
+          </a:p>
+          <a:p>
+            <a:r>
+              <a:rPr lang="mr-IN" sz="1400" dirty="0" smtClean="0">
+                <a:latin typeface="Tahoma" charset="0"/>
+                <a:ea typeface="Tahoma" charset="0"/>
+                <a:cs typeface="Tahoma" charset="0"/>
+              </a:rPr>
+              <a:t> </a:t>
+            </a:r>
+            <a:r>
+              <a:rPr lang="ru-RU" sz="1400" dirty="0" smtClean="0">
+                <a:latin typeface="Tahoma" charset="0"/>
+                <a:ea typeface="Tahoma" charset="0"/>
+                <a:cs typeface="Tahoma" charset="0"/>
+              </a:rPr>
+              <a:t>   </a:t>
+            </a:r>
+            <a:r>
+              <a:rPr lang="mr-IN" sz="1400" dirty="0" smtClean="0">
+                <a:latin typeface="Tahoma" charset="0"/>
+                <a:ea typeface="Tahoma" charset="0"/>
+                <a:cs typeface="Tahoma" charset="0"/>
+              </a:rPr>
+              <a:t>(</a:t>
+            </a:r>
+            <a:r>
+              <a:rPr lang="mr-IN" sz="1400" dirty="0">
+                <a:latin typeface="Tahoma" charset="0"/>
+                <a:ea typeface="Tahoma" charset="0"/>
+                <a:cs typeface="Tahoma" charset="0"/>
+              </a:rPr>
+              <a:t>VP (VBZ </a:t>
+            </a:r>
+            <a:r>
+              <a:rPr lang="mr-IN" sz="1400" dirty="0" err="1">
+                <a:latin typeface="Tahoma" charset="0"/>
+                <a:ea typeface="Tahoma" charset="0"/>
+                <a:cs typeface="Tahoma" charset="0"/>
+              </a:rPr>
+              <a:t>is</a:t>
+            </a:r>
+            <a:r>
+              <a:rPr lang="mr-IN" sz="1400" dirty="0">
+                <a:latin typeface="Tahoma" charset="0"/>
+                <a:ea typeface="Tahoma" charset="0"/>
+                <a:cs typeface="Tahoma" charset="0"/>
+              </a:rPr>
+              <a:t>)    </a:t>
+            </a:r>
+            <a:endParaRPr lang="ru-RU" sz="1400" dirty="0" smtClean="0">
+              <a:latin typeface="Tahoma" charset="0"/>
+              <a:ea typeface="Tahoma" charset="0"/>
+              <a:cs typeface="Tahoma" charset="0"/>
+            </a:endParaRPr>
+          </a:p>
+          <a:p>
+            <a:r>
+              <a:rPr lang="ru-RU" sz="1400" dirty="0">
+                <a:latin typeface="Tahoma" charset="0"/>
+                <a:ea typeface="Tahoma" charset="0"/>
+                <a:cs typeface="Tahoma" charset="0"/>
+              </a:rPr>
+              <a:t> </a:t>
+            </a:r>
+            <a:r>
+              <a:rPr lang="ru-RU" sz="1400" dirty="0" smtClean="0">
+                <a:latin typeface="Tahoma" charset="0"/>
+                <a:ea typeface="Tahoma" charset="0"/>
+                <a:cs typeface="Tahoma" charset="0"/>
+              </a:rPr>
+              <a:t>   </a:t>
+            </a:r>
+            <a:r>
+              <a:rPr lang="mr-IN" sz="1400" dirty="0" smtClean="0">
+                <a:latin typeface="Tahoma" charset="0"/>
+                <a:ea typeface="Tahoma" charset="0"/>
+                <a:cs typeface="Tahoma" charset="0"/>
+              </a:rPr>
+              <a:t>  </a:t>
+            </a:r>
+            <a:r>
+              <a:rPr lang="mr-IN" sz="1400" dirty="0">
+                <a:latin typeface="Tahoma" charset="0"/>
+                <a:ea typeface="Tahoma" charset="0"/>
+                <a:cs typeface="Tahoma" charset="0"/>
+              </a:rPr>
+              <a:t>(NP (DT </a:t>
+            </a:r>
+            <a:r>
+              <a:rPr lang="mr-IN" sz="1400" dirty="0" err="1">
+                <a:latin typeface="Tahoma" charset="0"/>
+                <a:ea typeface="Tahoma" charset="0"/>
+                <a:cs typeface="Tahoma" charset="0"/>
+              </a:rPr>
+              <a:t>a</a:t>
+            </a:r>
+            <a:r>
+              <a:rPr lang="mr-IN" sz="1400" dirty="0">
+                <a:latin typeface="Tahoma" charset="0"/>
+                <a:ea typeface="Tahoma" charset="0"/>
+                <a:cs typeface="Tahoma" charset="0"/>
+              </a:rPr>
+              <a:t>) (NN </a:t>
+            </a:r>
+            <a:r>
+              <a:rPr lang="mr-IN" sz="1400" dirty="0" err="1">
+                <a:latin typeface="Tahoma" charset="0"/>
+                <a:ea typeface="Tahoma" charset="0"/>
+                <a:cs typeface="Tahoma" charset="0"/>
+              </a:rPr>
+              <a:t>TemporalInstrument</a:t>
+            </a:r>
+            <a:r>
+              <a:rPr lang="mr-IN" sz="1400" dirty="0">
+                <a:latin typeface="Tahoma" charset="0"/>
+                <a:ea typeface="Tahoma" charset="0"/>
+                <a:cs typeface="Tahoma" charset="0"/>
+              </a:rPr>
+              <a:t>)       </a:t>
+            </a:r>
+            <a:endParaRPr lang="ru-RU" sz="1400" dirty="0" smtClean="0">
+              <a:latin typeface="Tahoma" charset="0"/>
+              <a:ea typeface="Tahoma" charset="0"/>
+              <a:cs typeface="Tahoma" charset="0"/>
+            </a:endParaRPr>
+          </a:p>
+          <a:p>
+            <a:r>
+              <a:rPr lang="mr-IN" sz="1400" dirty="0" smtClean="0">
+                <a:latin typeface="Tahoma" charset="0"/>
+                <a:ea typeface="Tahoma" charset="0"/>
+                <a:cs typeface="Tahoma" charset="0"/>
+              </a:rPr>
+              <a:t> </a:t>
+            </a:r>
+            <a:r>
+              <a:rPr lang="ru-RU" sz="1400" dirty="0" smtClean="0">
+                <a:latin typeface="Tahoma" charset="0"/>
+                <a:ea typeface="Tahoma" charset="0"/>
+                <a:cs typeface="Tahoma" charset="0"/>
+              </a:rPr>
+              <a:t>       </a:t>
+            </a:r>
+            <a:r>
+              <a:rPr lang="mr-IN" sz="1400" dirty="0" smtClean="0">
+                <a:latin typeface="Tahoma" charset="0"/>
+                <a:ea typeface="Tahoma" charset="0"/>
+                <a:cs typeface="Tahoma" charset="0"/>
+              </a:rPr>
+              <a:t>(</a:t>
+            </a:r>
+            <a:r>
+              <a:rPr lang="mr-IN" sz="1400" dirty="0" err="1">
+                <a:latin typeface="Tahoma" charset="0"/>
+                <a:ea typeface="Tahoma" charset="0"/>
+                <a:cs typeface="Tahoma" charset="0"/>
+              </a:rPr>
+              <a:t>S</a:t>
+            </a:r>
+            <a:r>
+              <a:rPr lang="mr-IN" sz="1400" dirty="0">
+                <a:latin typeface="Tahoma" charset="0"/>
+                <a:ea typeface="Tahoma" charset="0"/>
+                <a:cs typeface="Tahoma" charset="0"/>
+              </a:rPr>
+              <a:t> </a:t>
+            </a:r>
+            <a:endParaRPr lang="ru-RU" sz="1400" dirty="0" smtClean="0">
+              <a:latin typeface="Tahoma" charset="0"/>
+              <a:ea typeface="Tahoma" charset="0"/>
+              <a:cs typeface="Tahoma" charset="0"/>
+            </a:endParaRPr>
+          </a:p>
+          <a:p>
+            <a:r>
+              <a:rPr lang="mr-IN" sz="1400" dirty="0" smtClean="0">
+                <a:latin typeface="Tahoma" charset="0"/>
+                <a:ea typeface="Tahoma" charset="0"/>
+                <a:cs typeface="Tahoma" charset="0"/>
+              </a:rPr>
+              <a:t>         </a:t>
+            </a:r>
+            <a:r>
+              <a:rPr lang="mr-IN" sz="1400" dirty="0">
+                <a:latin typeface="Tahoma" charset="0"/>
+                <a:ea typeface="Tahoma" charset="0"/>
+                <a:cs typeface="Tahoma" charset="0"/>
+              </a:rPr>
+              <a:t>(VP (TO to)           </a:t>
+            </a:r>
+            <a:endParaRPr lang="ru-RU" sz="1400" dirty="0" smtClean="0">
+              <a:latin typeface="Tahoma" charset="0"/>
+              <a:ea typeface="Tahoma" charset="0"/>
+              <a:cs typeface="Tahoma" charset="0"/>
+            </a:endParaRPr>
+          </a:p>
+          <a:p>
+            <a:r>
+              <a:rPr lang="ru-RU" sz="1400" dirty="0" smtClean="0">
+                <a:latin typeface="Tahoma" charset="0"/>
+                <a:ea typeface="Tahoma" charset="0"/>
+                <a:cs typeface="Tahoma" charset="0"/>
+              </a:rPr>
+              <a:t>          </a:t>
+            </a:r>
+            <a:r>
+              <a:rPr lang="mr-IN" sz="1400" dirty="0" smtClean="0">
+                <a:latin typeface="Tahoma" charset="0"/>
+                <a:ea typeface="Tahoma" charset="0"/>
+                <a:cs typeface="Tahoma" charset="0"/>
+              </a:rPr>
+              <a:t> </a:t>
+            </a:r>
+            <a:r>
+              <a:rPr lang="mr-IN" sz="1400" dirty="0">
+                <a:latin typeface="Tahoma" charset="0"/>
+                <a:ea typeface="Tahoma" charset="0"/>
+                <a:cs typeface="Tahoma" charset="0"/>
+              </a:rPr>
+              <a:t>(VP (VB </a:t>
+            </a:r>
+            <a:r>
+              <a:rPr lang="mr-IN" sz="1400" dirty="0" err="1">
+                <a:latin typeface="Tahoma" charset="0"/>
+                <a:ea typeface="Tahoma" charset="0"/>
+                <a:cs typeface="Tahoma" charset="0"/>
+              </a:rPr>
+              <a:t>generate</a:t>
+            </a:r>
+            <a:r>
+              <a:rPr lang="mr-IN" sz="1400" dirty="0">
+                <a:latin typeface="Tahoma" charset="0"/>
+                <a:ea typeface="Tahoma" charset="0"/>
+                <a:cs typeface="Tahoma" charset="0"/>
+              </a:rPr>
+              <a:t>)             </a:t>
+            </a:r>
+            <a:endParaRPr lang="ru-RU" sz="1400" dirty="0" smtClean="0">
+              <a:latin typeface="Tahoma" charset="0"/>
+              <a:ea typeface="Tahoma" charset="0"/>
+              <a:cs typeface="Tahoma" charset="0"/>
+            </a:endParaRPr>
+          </a:p>
+          <a:p>
+            <a:r>
+              <a:rPr lang="ru-RU" sz="1400" dirty="0" smtClean="0">
+                <a:latin typeface="Tahoma" charset="0"/>
+                <a:ea typeface="Tahoma" charset="0"/>
+                <a:cs typeface="Tahoma" charset="0"/>
+              </a:rPr>
+              <a:t>            </a:t>
+            </a:r>
+            <a:r>
+              <a:rPr lang="mr-IN" sz="1400" dirty="0" smtClean="0">
+                <a:latin typeface="Tahoma" charset="0"/>
+                <a:ea typeface="Tahoma" charset="0"/>
+                <a:cs typeface="Tahoma" charset="0"/>
+              </a:rPr>
+              <a:t> </a:t>
+            </a:r>
+            <a:r>
+              <a:rPr lang="mr-IN" sz="1400" dirty="0">
+                <a:latin typeface="Tahoma" charset="0"/>
+                <a:ea typeface="Tahoma" charset="0"/>
+                <a:cs typeface="Tahoma" charset="0"/>
+              </a:rPr>
+              <a:t>(NP                </a:t>
+            </a:r>
+            <a:endParaRPr lang="ru-RU" sz="1400" dirty="0" smtClean="0">
+              <a:latin typeface="Tahoma" charset="0"/>
+              <a:ea typeface="Tahoma" charset="0"/>
+              <a:cs typeface="Tahoma" charset="0"/>
+            </a:endParaRPr>
+          </a:p>
+          <a:p>
+            <a:r>
+              <a:rPr lang="ru-RU" sz="1400" dirty="0" smtClean="0">
+                <a:latin typeface="Tahoma" charset="0"/>
+                <a:ea typeface="Tahoma" charset="0"/>
+                <a:cs typeface="Tahoma" charset="0"/>
+              </a:rPr>
+              <a:t>               </a:t>
+            </a:r>
+            <a:r>
+              <a:rPr lang="mr-IN" sz="1400" dirty="0" smtClean="0">
+                <a:latin typeface="Tahoma" charset="0"/>
+                <a:ea typeface="Tahoma" charset="0"/>
+                <a:cs typeface="Tahoma" charset="0"/>
+              </a:rPr>
+              <a:t>(</a:t>
+            </a:r>
+            <a:r>
+              <a:rPr lang="mr-IN" sz="1400" dirty="0">
+                <a:latin typeface="Tahoma" charset="0"/>
+                <a:ea typeface="Tahoma" charset="0"/>
+                <a:cs typeface="Tahoma" charset="0"/>
+              </a:rPr>
+              <a:t>NP (DT the) (NNS </a:t>
+            </a:r>
+            <a:r>
+              <a:rPr lang="mr-IN" sz="1400" dirty="0" err="1">
+                <a:latin typeface="Tahoma" charset="0"/>
+                <a:ea typeface="Tahoma" charset="0"/>
+                <a:cs typeface="Tahoma" charset="0"/>
+              </a:rPr>
+              <a:t>instances</a:t>
+            </a:r>
+            <a:r>
+              <a:rPr lang="mr-IN" sz="1400" dirty="0">
+                <a:latin typeface="Tahoma" charset="0"/>
+                <a:ea typeface="Tahoma" charset="0"/>
+                <a:cs typeface="Tahoma" charset="0"/>
+              </a:rPr>
+              <a:t>))                </a:t>
+            </a:r>
+            <a:r>
+              <a:rPr lang="ru-RU" sz="1400" dirty="0" smtClean="0">
+                <a:latin typeface="Tahoma" charset="0"/>
+                <a:ea typeface="Tahoma" charset="0"/>
+                <a:cs typeface="Tahoma" charset="0"/>
+              </a:rPr>
+              <a:t>   </a:t>
+            </a:r>
+          </a:p>
+          <a:p>
+            <a:r>
+              <a:rPr lang="ru-RU" sz="1400" dirty="0" smtClean="0">
+                <a:latin typeface="Tahoma" charset="0"/>
+                <a:ea typeface="Tahoma" charset="0"/>
+                <a:cs typeface="Tahoma" charset="0"/>
+              </a:rPr>
+              <a:t>               </a:t>
+            </a:r>
+            <a:r>
+              <a:rPr lang="mr-IN" sz="1400" dirty="0" smtClean="0">
+                <a:latin typeface="Tahoma" charset="0"/>
+                <a:ea typeface="Tahoma" charset="0"/>
+                <a:cs typeface="Tahoma" charset="0"/>
+              </a:rPr>
+              <a:t>(</a:t>
+            </a:r>
+            <a:r>
+              <a:rPr lang="mr-IN" sz="1400" dirty="0">
+                <a:latin typeface="Tahoma" charset="0"/>
+                <a:ea typeface="Tahoma" charset="0"/>
+                <a:cs typeface="Tahoma" charset="0"/>
+              </a:rPr>
+              <a:t>PP (IN of)                 </a:t>
+            </a:r>
+            <a:endParaRPr lang="ru-RU" sz="1400" dirty="0" smtClean="0">
+              <a:latin typeface="Tahoma" charset="0"/>
+              <a:ea typeface="Tahoma" charset="0"/>
+              <a:cs typeface="Tahoma" charset="0"/>
+            </a:endParaRPr>
+          </a:p>
+          <a:p>
+            <a:r>
+              <a:rPr lang="ru-RU" sz="1400" dirty="0" smtClean="0">
+                <a:latin typeface="Tahoma" charset="0"/>
+                <a:ea typeface="Tahoma" charset="0"/>
+                <a:cs typeface="Tahoma" charset="0"/>
+              </a:rPr>
+              <a:t>	</a:t>
+            </a:r>
+            <a:r>
+              <a:rPr lang="mr-IN" sz="1400" dirty="0" smtClean="0">
+                <a:latin typeface="Tahoma" charset="0"/>
+                <a:ea typeface="Tahoma" charset="0"/>
+                <a:cs typeface="Tahoma" charset="0"/>
+              </a:rPr>
+              <a:t> </a:t>
+            </a:r>
+            <a:r>
+              <a:rPr lang="mr-IN" sz="1400" dirty="0">
+                <a:latin typeface="Tahoma" charset="0"/>
+                <a:ea typeface="Tahoma" charset="0"/>
+                <a:cs typeface="Tahoma" charset="0"/>
+              </a:rPr>
+              <a:t>(NP (DT </a:t>
+            </a:r>
+            <a:r>
+              <a:rPr lang="mr-IN" sz="1400" dirty="0" err="1">
+                <a:latin typeface="Tahoma" charset="0"/>
+                <a:ea typeface="Tahoma" charset="0"/>
+                <a:cs typeface="Tahoma" charset="0"/>
+              </a:rPr>
+              <a:t>a</a:t>
+            </a:r>
+            <a:r>
+              <a:rPr lang="mr-IN" sz="1400" dirty="0">
+                <a:latin typeface="Tahoma" charset="0"/>
+                <a:ea typeface="Tahoma" charset="0"/>
+                <a:cs typeface="Tahoma" charset="0"/>
+              </a:rPr>
+              <a:t>) (NN </a:t>
+            </a:r>
+            <a:r>
+              <a:rPr lang="mr-IN" sz="1400" dirty="0" err="1">
+                <a:latin typeface="Tahoma" charset="0"/>
+                <a:ea typeface="Tahoma" charset="0"/>
+                <a:cs typeface="Tahoma" charset="0"/>
+              </a:rPr>
+              <a:t>TemporalMeasure</a:t>
+            </a:r>
+            <a:r>
+              <a:rPr lang="mr-IN" sz="1400" dirty="0">
+                <a:latin typeface="Tahoma" charset="0"/>
+                <a:ea typeface="Tahoma" charset="0"/>
+                <a:cs typeface="Tahoma" charset="0"/>
+              </a:rPr>
+              <a:t>)))))))))   </a:t>
+            </a:r>
+            <a:endParaRPr lang="ru-RU" sz="1400" dirty="0" smtClean="0">
+              <a:latin typeface="Tahoma" charset="0"/>
+              <a:ea typeface="Tahoma" charset="0"/>
+              <a:cs typeface="Tahoma" charset="0"/>
+            </a:endParaRPr>
+          </a:p>
+          <a:p>
+            <a:r>
+              <a:rPr lang="mr-IN" sz="1400" dirty="0" smtClean="0">
+                <a:latin typeface="Tahoma" charset="0"/>
+                <a:ea typeface="Tahoma" charset="0"/>
+                <a:cs typeface="Tahoma" charset="0"/>
+              </a:rPr>
+              <a:t> </a:t>
+            </a:r>
+            <a:r>
+              <a:rPr lang="mr-IN" sz="1400" dirty="0">
+                <a:latin typeface="Tahoma" charset="0"/>
+                <a:ea typeface="Tahoma" charset="0"/>
+                <a:cs typeface="Tahoma" charset="0"/>
+              </a:rPr>
+              <a:t>(. .)))</a:t>
+            </a:r>
+            <a:endParaRPr lang="en-US" sz="1400" dirty="0">
+              <a:latin typeface="Tahoma" charset="0"/>
+              <a:ea typeface="Tahoma" charset="0"/>
+              <a:cs typeface="Tahoma" charset="0"/>
+            </a:endParaRPr>
+          </a:p>
+        </p:txBody>
+      </p:sp>
+      <p:pic>
+        <p:nvPicPr>
+          <p:cNvPr id="12" name="Picture 11"/>
+          <p:cNvPicPr>
+            <a:picLocks noChangeAspect="1"/>
+          </p:cNvPicPr>
+          <p:nvPr/>
+        </p:nvPicPr>
+        <p:blipFill>
+          <a:blip r:embed="rId2">
+            <a:extLst>
+              <a:ext uri="{28A0092B-C50C-407E-A947-70E740481C1C}">
+                <a14:useLocalDpi xmlns:a14="http://schemas.microsoft.com/office/drawing/2010/main" val="0"/>
+              </a:ext>
+            </a:extLst>
+          </a:blip>
+          <a:stretch>
+            <a:fillRect/>
+          </a:stretch>
+        </p:blipFill>
+        <p:spPr>
+          <a:xfrm>
+            <a:off x="4870665" y="2330727"/>
+            <a:ext cx="4146550" cy="3740150"/>
+          </a:xfrm>
+          <a:prstGeom prst="rect">
+            <a:avLst/>
+          </a:prstGeom>
+        </p:spPr>
+      </p:pic>
     </p:spTree>
     <p:extLst>
       <p:ext uri="{BB962C8B-B14F-4D97-AF65-F5344CB8AC3E}">
-        <p14:creationId xmlns:p14="http://schemas.microsoft.com/office/powerpoint/2010/main" val="2067883585"/>
+        <p14:creationId xmlns:p14="http://schemas.microsoft.com/office/powerpoint/2010/main" val="1887480677"/>
       </p:ext>
     </p:extLst>
   </p:cSld>
   <p:clrMapOvr>
     <a:masterClrMapping/>
   </p:clrMapOvr>
+  <p:timing>
+    <p:tnLst>
+      <p:par>
+        <p:cTn id="1" dur="indefinite" restart="never" nodeType="tmRoot"/>
+      </p:par>
+    </p:tnLst>
+  </p:timing>
 </p:sld>
 </file>
 
@@ -7565,8 +7879,8 @@
         </p:blipFill>
         <p:spPr>
           <a:xfrm>
-            <a:off x="946150" y="2315414"/>
-            <a:ext cx="7082730" cy="3711313"/>
+            <a:off x="946150" y="2136302"/>
+            <a:ext cx="6446838" cy="3653208"/>
           </a:xfrm>
           <a:prstGeom prst="rect">
             <a:avLst/>
@@ -7586,8 +7900,8 @@
         </p:nvSpPr>
         <p:spPr>
           <a:xfrm>
-            <a:off x="1206501" y="1123951"/>
-            <a:ext cx="7213600" cy="923330"/>
+            <a:off x="585158" y="293831"/>
+            <a:ext cx="6807830" cy="954107"/>
           </a:xfrm>
           <a:prstGeom prst="rect">
             <a:avLst/>
@@ -7601,78 +7915,23 @@
           <a:lstStyle/>
           <a:p>
             <a:r>
-              <a:rPr lang="en-US" dirty="0">
-                <a:solidFill>
-                  <a:schemeClr val="tx1">
-                    <a:lumMod val="65000"/>
-                    <a:lumOff val="35000"/>
-                  </a:schemeClr>
-                </a:solidFill>
-                <a:latin typeface="+mj-lt"/>
-              </a:rPr>
-              <a:t>Cats are similar in anatomy to the other fields, with a strong flexible body,  quick reflexes, sharp retractable claws,</a:t>
-            </a:r>
-            <a:r>
-              <a:rPr lang="ru-RU" dirty="0">
-                <a:solidFill>
-                  <a:schemeClr val="tx1">
-                    <a:lumMod val="65000"/>
-                    <a:lumOff val="35000"/>
-                  </a:schemeClr>
-                </a:solidFill>
-                <a:latin typeface="+mj-lt"/>
-              </a:rPr>
-              <a:t>  </a:t>
-            </a:r>
-            <a:r>
-              <a:rPr lang="en-US" dirty="0">
-                <a:solidFill>
-                  <a:schemeClr val="tx1">
-                    <a:lumMod val="65000"/>
-                    <a:lumOff val="35000"/>
-                  </a:schemeClr>
-                </a:solidFill>
-                <a:latin typeface="+mj-lt"/>
-              </a:rPr>
-              <a:t>and teeth adapted to killing small prey</a:t>
-            </a:r>
-          </a:p>
-        </p:txBody>
-      </p:sp>
-      <p:sp>
-        <p:nvSpPr>
-          <p:cNvPr id="9" name="TextBox 8"/>
-          <p:cNvSpPr txBox="1"/>
-          <p:nvPr/>
-        </p:nvSpPr>
-        <p:spPr>
-          <a:xfrm>
-            <a:off x="647701" y="255654"/>
-            <a:ext cx="558800" cy="600164"/>
-          </a:xfrm>
-          <a:prstGeom prst="rect">
-            <a:avLst/>
-          </a:prstGeom>
-          <a:noFill/>
-        </p:spPr>
-        <p:txBody>
-          <a:bodyPr wrap="square" rtlCol="0">
-            <a:spAutoFit/>
-          </a:bodyPr>
-          <a:lstStyle/>
-          <a:p>
-            <a:r>
-              <a:rPr lang="ru-RU" sz="3300" b="1" dirty="0">
+              <a:rPr lang="ru-RU" sz="2800" b="1" dirty="0" smtClean="0">
                 <a:solidFill>
                   <a:schemeClr val="accent1"/>
                 </a:solidFill>
-              </a:rPr>
-              <a:t>2</a:t>
-            </a:r>
-            <a:endParaRPr lang="en-US" sz="3300" b="1" dirty="0">
+                <a:latin typeface="Tahoma" charset="0"/>
+                <a:ea typeface="Tahoma" charset="0"/>
+                <a:cs typeface="Tahoma" charset="0"/>
+              </a:rPr>
+              <a:t>Разумные границы применимости  подхода</a:t>
+            </a:r>
+            <a:endParaRPr lang="en-US" sz="2800" b="1" dirty="0">
               <a:solidFill>
                 <a:schemeClr val="accent1"/>
               </a:solidFill>
+              <a:latin typeface="Tahoma" charset="0"/>
+              <a:ea typeface="Tahoma" charset="0"/>
+              <a:cs typeface="Tahoma" charset="0"/>
             </a:endParaRPr>
           </a:p>
         </p:txBody>
@@ -7680,7 +7939,7 @@
     </p:spTree>
     <p:extLst>
       <p:ext uri="{BB962C8B-B14F-4D97-AF65-F5344CB8AC3E}">
-        <p14:creationId xmlns:p14="http://schemas.microsoft.com/office/powerpoint/2010/main" val="1007371251"/>
+        <p14:creationId xmlns:p14="http://schemas.microsoft.com/office/powerpoint/2010/main" val="271638538"/>
       </p:ext>
     </p:extLst>
   </p:cSld>
@@ -7726,259 +7985,302 @@
         </p:nvSpPr>
         <p:spPr>
           <a:xfrm>
-            <a:off x="967440" y="567671"/>
-            <a:ext cx="7196850" cy="782189"/>
+            <a:off x="647700" y="1077898"/>
+            <a:ext cx="7568184" cy="541352"/>
           </a:xfrm>
         </p:spPr>
         <p:txBody>
           <a:bodyPr>
-            <a:noAutofit/>
+            <a:normAutofit fontScale="90000"/>
           </a:bodyPr>
           <a:lstStyle/>
           <a:p>
-            <a:pPr algn="r"/>
-            <a:r>
-              <a:rPr lang="ru-RU" sz="2400" dirty="0">
-                <a:ea typeface="Helvetica Neue" charset="0"/>
-                <a:cs typeface="Helvetica Neue" charset="0"/>
-              </a:rPr>
-              <a:t>Короткие семантически насыщенные тексты</a:t>
-            </a:r>
-            <a:endParaRPr lang="en-US" sz="2400" dirty="0">
-              <a:ea typeface="Helvetica Neue" charset="0"/>
-              <a:cs typeface="Helvetica Neue" charset="0"/>
-            </a:endParaRPr>
-          </a:p>
-        </p:txBody>
-      </p:sp>
-      <p:pic>
-        <p:nvPicPr>
-          <p:cNvPr id="4" name="officeArt object"/>
-          <p:cNvPicPr>
-            <a:picLocks noGrp="1"/>
-          </p:cNvPicPr>
+            <a:r>
+              <a:rPr lang="ru-RU" dirty="0" smtClean="0"/>
+              <a:t>Вывод</a:t>
+            </a:r>
+            <a:endParaRPr lang="en-US" dirty="0"/>
+          </a:p>
+        </p:txBody>
+      </p:sp>
+      <p:sp>
+        <p:nvSpPr>
+          <p:cNvPr id="3" name="Content Placeholder 2"/>
+          <p:cNvSpPr>
+            <a:spLocks noGrp="1"/>
+          </p:cNvSpPr>
           <p:nvPr>
             <p:ph idx="1"/>
           </p:nvPr>
-        </p:nvPicPr>
-        <p:blipFill>
-          <a:blip r:embed="rId2">
-            <a:extLst/>
-          </a:blip>
-          <a:stretch>
-            <a:fillRect/>
-          </a:stretch>
-        </p:blipFill>
+        </p:nvSpPr>
         <p:spPr>
           <a:xfrm>
-            <a:off x="4469758" y="1939804"/>
-            <a:ext cx="3694532" cy="4351338"/>
+            <a:off x="647700" y="1619250"/>
+            <a:ext cx="7670800" cy="3873103"/>
           </a:xfrm>
-          <a:prstGeom prst="rect">
-            <a:avLst/>
-          </a:prstGeom>
-          <a:ln w="12700" cap="flat">
-            <a:noFill/>
-            <a:miter lim="400000"/>
-          </a:ln>
-          <a:effectLst/>
         </p:spPr>
-      </p:pic>
-      <p:sp>
-        <p:nvSpPr>
-          <p:cNvPr id="6" name="TextBox 5"/>
-          <p:cNvSpPr txBox="1"/>
-          <p:nvPr/>
-        </p:nvSpPr>
-        <p:spPr>
-          <a:xfrm>
-            <a:off x="647701" y="1339699"/>
-            <a:ext cx="4303538" cy="761747"/>
-          </a:xfrm>
-          <a:prstGeom prst="rect">
-            <a:avLst/>
-          </a:prstGeom>
-          <a:noFill/>
-        </p:spPr>
-        <p:txBody>
-          <a:bodyPr wrap="square" rtlCol="0">
-            <a:spAutoFit/>
+        <p:txBody>
+          <a:bodyPr>
+            <a:normAutofit fontScale="92500"/>
           </a:bodyPr>
           <a:lstStyle/>
           <a:p>
-            <a:r>
-              <a:rPr lang="en-US" sz="1500" dirty="0">
-                <a:solidFill>
-                  <a:schemeClr val="tx1">
-                    <a:lumMod val="65000"/>
-                    <a:lumOff val="35000"/>
-                  </a:schemeClr>
-                </a:solidFill>
-                <a:latin typeface="+mj-lt"/>
-                <a:ea typeface="Helvetica Neue" charset="0"/>
-                <a:cs typeface="Helvetica Neue" charset="0"/>
-              </a:rPr>
-              <a:t>A Clock is a </a:t>
-            </a:r>
-            <a:r>
-              <a:rPr lang="en-US" sz="1500" dirty="0" err="1">
-                <a:solidFill>
-                  <a:schemeClr val="tx1">
-                    <a:lumMod val="65000"/>
-                    <a:lumOff val="35000"/>
-                  </a:schemeClr>
-                </a:solidFill>
-                <a:latin typeface="+mj-lt"/>
-                <a:ea typeface="Helvetica Neue" charset="0"/>
-                <a:cs typeface="Helvetica Neue" charset="0"/>
-              </a:rPr>
-              <a:t>TemporalInstrument</a:t>
-            </a:r>
-            <a:r>
-              <a:rPr lang="en-US" sz="1500" dirty="0">
-                <a:solidFill>
-                  <a:schemeClr val="tx1">
-                    <a:lumMod val="65000"/>
-                    <a:lumOff val="35000"/>
-                  </a:schemeClr>
-                </a:solidFill>
-                <a:latin typeface="+mj-lt"/>
-                <a:ea typeface="Helvetica Neue" charset="0"/>
-                <a:cs typeface="Helvetica Neue" charset="0"/>
-              </a:rPr>
-              <a:t> to </a:t>
-            </a:r>
-            <a:r>
-              <a:rPr lang="en-US" sz="1500" dirty="0" smtClean="0">
-                <a:solidFill>
-                  <a:schemeClr val="tx1">
-                    <a:lumMod val="65000"/>
-                    <a:lumOff val="35000"/>
-                  </a:schemeClr>
-                </a:solidFill>
-                <a:latin typeface="+mj-lt"/>
-                <a:ea typeface="Helvetica Neue" charset="0"/>
-                <a:cs typeface="Helvetica Neue" charset="0"/>
-              </a:rPr>
-              <a:t>generate </a:t>
-            </a:r>
-          </a:p>
-          <a:p>
-            <a:r>
-              <a:rPr lang="en-US" sz="1500" dirty="0" smtClean="0">
-                <a:solidFill>
-                  <a:schemeClr val="tx1">
-                    <a:lumMod val="65000"/>
-                    <a:lumOff val="35000"/>
-                  </a:schemeClr>
-                </a:solidFill>
-                <a:latin typeface="+mj-lt"/>
-                <a:ea typeface="Helvetica Neue" charset="0"/>
-                <a:cs typeface="Helvetica Neue" charset="0"/>
-              </a:rPr>
-              <a:t>the </a:t>
-            </a:r>
-            <a:r>
-              <a:rPr lang="en-US" sz="1500" dirty="0">
-                <a:solidFill>
-                  <a:schemeClr val="tx1">
-                    <a:lumMod val="65000"/>
-                    <a:lumOff val="35000"/>
-                  </a:schemeClr>
-                </a:solidFill>
-                <a:latin typeface="+mj-lt"/>
-                <a:ea typeface="Helvetica Neue" charset="0"/>
-                <a:cs typeface="Helvetica Neue" charset="0"/>
-              </a:rPr>
-              <a:t>instances of a </a:t>
-            </a:r>
-            <a:r>
-              <a:rPr lang="en-US" sz="1500" dirty="0" err="1">
-                <a:solidFill>
-                  <a:schemeClr val="tx1">
-                    <a:lumMod val="65000"/>
-                    <a:lumOff val="35000"/>
-                  </a:schemeClr>
-                </a:solidFill>
-                <a:latin typeface="+mj-lt"/>
-                <a:ea typeface="Helvetica Neue" charset="0"/>
-                <a:cs typeface="Helvetica Neue" charset="0"/>
-              </a:rPr>
-              <a:t>TemporalMeasure</a:t>
-            </a:r>
-            <a:r>
-              <a:rPr lang="en-US" sz="1500" dirty="0">
-                <a:solidFill>
-                  <a:schemeClr val="tx1">
-                    <a:lumMod val="65000"/>
-                    <a:lumOff val="35000"/>
-                  </a:schemeClr>
-                </a:solidFill>
-                <a:latin typeface="+mj-lt"/>
-                <a:ea typeface="Helvetica Neue" charset="0"/>
-                <a:cs typeface="Helvetica Neue" charset="0"/>
-              </a:rPr>
-              <a:t>. </a:t>
-            </a:r>
-            <a:endParaRPr lang="en-US" sz="1500" b="1" dirty="0">
-              <a:solidFill>
-                <a:schemeClr val="tx1">
-                  <a:lumMod val="65000"/>
-                  <a:lumOff val="35000"/>
-                </a:schemeClr>
-              </a:solidFill>
-              <a:latin typeface="+mj-lt"/>
-              <a:ea typeface="Helvetica Neue" charset="0"/>
-              <a:cs typeface="Helvetica Neue" charset="0"/>
-            </a:endParaRPr>
-          </a:p>
-          <a:p>
-            <a:endParaRPr lang="en-US" sz="1350" dirty="0"/>
-          </a:p>
-        </p:txBody>
-      </p:sp>
-      <p:sp>
-        <p:nvSpPr>
-          <p:cNvPr id="8" name="TextBox 7"/>
-          <p:cNvSpPr txBox="1"/>
-          <p:nvPr/>
-        </p:nvSpPr>
-        <p:spPr>
-          <a:xfrm>
-            <a:off x="647701" y="513862"/>
-            <a:ext cx="406400" cy="600164"/>
-          </a:xfrm>
-          <a:prstGeom prst="rect">
-            <a:avLst/>
-          </a:prstGeom>
-          <a:noFill/>
-        </p:spPr>
-        <p:txBody>
-          <a:bodyPr wrap="square" rtlCol="0">
-            <a:spAutoFit/>
-          </a:bodyPr>
-          <a:lstStyle/>
-          <a:p>
-            <a:r>
-              <a:rPr lang="ru-RU" sz="3300" b="1" dirty="0">
+            <a:pPr marL="0" indent="0" algn="just">
+              <a:buNone/>
+            </a:pPr>
+            <a:r>
+              <a:rPr lang="ru-RU" dirty="0" smtClean="0"/>
+              <a:t>	</a:t>
+            </a:r>
+            <a:r>
+              <a:rPr lang="ru-RU" sz="2100" dirty="0"/>
+              <a:t/>
+            </a:r>
+            <a:br>
+              <a:rPr lang="ru-RU" sz="2100" dirty="0"/>
+            </a:br>
+            <a:r>
+              <a:rPr lang="ru-RU" sz="2100" dirty="0"/>
+              <a:t>	П</a:t>
+            </a:r>
+            <a:r>
+              <a:rPr lang="en-US" sz="2100" dirty="0" err="1"/>
+              <a:t>рограмма</a:t>
+            </a:r>
+            <a:r>
+              <a:rPr lang="en-US" sz="2100" dirty="0"/>
+              <a:t> </a:t>
+            </a:r>
+            <a:r>
+              <a:rPr lang="en-US" sz="2100" dirty="0" err="1"/>
+              <a:t>парсер</a:t>
+            </a:r>
+            <a:r>
+              <a:rPr lang="en-US" sz="2100" dirty="0"/>
+              <a:t> </a:t>
+            </a:r>
+            <a:r>
+              <a:rPr lang="en-US" sz="2100" dirty="0" err="1"/>
+              <a:t>выполняет</a:t>
+            </a:r>
+            <a:r>
+              <a:rPr lang="en-US" sz="2100" dirty="0"/>
+              <a:t> </a:t>
+            </a:r>
+            <a:r>
+              <a:rPr lang="en-US" sz="2100" dirty="0" err="1"/>
+              <a:t>базовые</a:t>
+            </a:r>
+            <a:r>
+              <a:rPr lang="en-US" sz="2100" dirty="0"/>
+              <a:t> </a:t>
+            </a:r>
+            <a:r>
+              <a:rPr lang="en-US" sz="2100" dirty="0" err="1"/>
+              <a:t>функции</a:t>
+            </a:r>
+            <a:r>
+              <a:rPr lang="en-US" sz="2100" dirty="0"/>
+              <a:t> </a:t>
+            </a:r>
+            <a:r>
+              <a:rPr lang="en-US" sz="2100" dirty="0" err="1"/>
+              <a:t>конвертации</a:t>
+            </a:r>
+            <a:r>
+              <a:rPr lang="en-US" sz="2100" dirty="0"/>
+              <a:t> </a:t>
+            </a:r>
+            <a:r>
+              <a:rPr lang="en-US" sz="2100" dirty="0" err="1"/>
+              <a:t>текста</a:t>
+            </a:r>
+            <a:r>
+              <a:rPr lang="en-US" sz="2100" dirty="0"/>
+              <a:t> </a:t>
+            </a:r>
+            <a:r>
+              <a:rPr lang="en-US" sz="2100" dirty="0" err="1"/>
+              <a:t>на</a:t>
+            </a:r>
+            <a:r>
+              <a:rPr lang="en-US" sz="2100" dirty="0"/>
+              <a:t> </a:t>
+            </a:r>
+            <a:r>
+              <a:rPr lang="en-US" sz="2100" dirty="0" err="1"/>
+              <a:t>естественном</a:t>
+            </a:r>
+            <a:r>
+              <a:rPr lang="en-US" sz="2100" dirty="0"/>
+              <a:t> </a:t>
+            </a:r>
+            <a:r>
+              <a:rPr lang="en-US" sz="2100" dirty="0" err="1"/>
+              <a:t>языке</a:t>
+            </a:r>
+            <a:r>
+              <a:rPr lang="en-US" sz="2100" dirty="0"/>
+              <a:t> </a:t>
+            </a:r>
+            <a:r>
+              <a:rPr lang="en-US" sz="2100" dirty="0" err="1"/>
+              <a:t>в</a:t>
+            </a:r>
+            <a:r>
+              <a:rPr lang="en-US" sz="2100" dirty="0"/>
+              <a:t> UML </a:t>
+            </a:r>
+            <a:r>
+              <a:rPr lang="en-US" sz="2100" dirty="0" err="1"/>
+              <a:t>диаграммы</a:t>
+            </a:r>
+            <a:r>
+              <a:rPr lang="en-US" sz="2100" dirty="0"/>
+              <a:t> </a:t>
+            </a:r>
+            <a:r>
+              <a:rPr lang="en-US" sz="2100" dirty="0" err="1"/>
+              <a:t>согласно</a:t>
+            </a:r>
+            <a:r>
+              <a:rPr lang="en-US" sz="2100" dirty="0"/>
+              <a:t> </a:t>
+            </a:r>
+            <a:r>
+              <a:rPr lang="ru-RU" sz="2100" dirty="0"/>
+              <a:t>разработанным </a:t>
+            </a:r>
+            <a:r>
+              <a:rPr lang="en-US" sz="2100" dirty="0" err="1"/>
+              <a:t>правилам</a:t>
+            </a:r>
+            <a:r>
+              <a:rPr lang="ru-RU" sz="2100" dirty="0"/>
+              <a:t>, однако </a:t>
+            </a:r>
+            <a:r>
+              <a:rPr lang="en-US" sz="2100" dirty="0" err="1"/>
+              <a:t>успешность</a:t>
+            </a:r>
+            <a:r>
+              <a:rPr lang="en-US" sz="2100" dirty="0"/>
+              <a:t> </a:t>
+            </a:r>
+            <a:r>
+              <a:rPr lang="en-US" sz="2100" dirty="0" err="1"/>
+              <a:t>конвертации</a:t>
+            </a:r>
+            <a:r>
+              <a:rPr lang="en-US" sz="2100" dirty="0"/>
+              <a:t> </a:t>
+            </a:r>
+            <a:r>
+              <a:rPr lang="en-US" sz="2100" dirty="0" err="1"/>
+              <a:t>зависит</a:t>
+            </a:r>
+            <a:r>
+              <a:rPr lang="en-US" sz="2100" dirty="0"/>
+              <a:t> </a:t>
+            </a:r>
+            <a:r>
+              <a:rPr lang="en-US" sz="2100" dirty="0" err="1"/>
+              <a:t>от</a:t>
+            </a:r>
+            <a:r>
+              <a:rPr lang="en-US" sz="2100" dirty="0"/>
+              <a:t> </a:t>
+            </a:r>
+            <a:r>
+              <a:rPr lang="en-US" sz="2100" dirty="0" err="1"/>
+              <a:t>многих</a:t>
+            </a:r>
+            <a:r>
+              <a:rPr lang="en-US" sz="2100" dirty="0"/>
+              <a:t> </a:t>
+            </a:r>
+            <a:r>
+              <a:rPr lang="en-US" sz="2100" dirty="0" err="1"/>
+              <a:t>факторов</a:t>
+            </a:r>
+            <a:r>
+              <a:rPr lang="ru-RU" sz="2100" dirty="0"/>
+              <a:t>: </a:t>
+            </a:r>
+          </a:p>
+          <a:p>
+            <a:pPr marL="0" indent="0" algn="just">
+              <a:buNone/>
+            </a:pPr>
+            <a:endParaRPr lang="ru-RU" sz="2100" dirty="0"/>
+          </a:p>
+          <a:p>
+            <a:pPr>
+              <a:buFontTx/>
+              <a:buChar char="-"/>
+            </a:pPr>
+            <a:r>
+              <a:rPr lang="ru-RU" sz="2100" dirty="0"/>
+              <a:t>объем текста;</a:t>
+            </a:r>
+          </a:p>
+          <a:p>
+            <a:pPr>
+              <a:buFontTx/>
+              <a:buChar char="-"/>
+            </a:pPr>
+            <a:r>
+              <a:rPr lang="ru-RU" sz="2100" dirty="0"/>
+              <a:t>его корректность с точки зрения орфографии и семантики; </a:t>
+            </a:r>
+          </a:p>
+          <a:p>
+            <a:pPr>
+              <a:buFontTx/>
+              <a:buChar char="-"/>
+            </a:pPr>
+            <a:r>
+              <a:rPr lang="ru-RU" sz="2100" dirty="0"/>
+              <a:t>результаты </a:t>
+            </a:r>
+            <a:r>
+              <a:rPr lang="ru-RU" sz="2100" dirty="0" err="1"/>
+              <a:t>парсинга</a:t>
+            </a:r>
+            <a:r>
+              <a:rPr lang="ru-RU" sz="2100" dirty="0"/>
+              <a:t> </a:t>
+            </a:r>
+            <a:r>
+              <a:rPr lang="en-US" sz="2100" dirty="0"/>
+              <a:t>Stanford Core NLP;</a:t>
+            </a:r>
+            <a:endParaRPr lang="ru-RU" sz="2100" dirty="0"/>
+          </a:p>
+          <a:p>
+            <a:pPr marL="0" indent="0">
+              <a:buNone/>
+            </a:pPr>
+            <a:r>
+              <a:rPr lang="ru-RU" sz="2100" dirty="0">
                 <a:solidFill>
                   <a:schemeClr val="accent1"/>
                 </a:solidFill>
               </a:rPr>
-              <a:t>3</a:t>
-            </a:r>
-            <a:endParaRPr lang="en-US" sz="3300" b="1" dirty="0">
-              <a:solidFill>
-                <a:schemeClr val="accent1"/>
-              </a:solidFill>
-            </a:endParaRPr>
+              <a:t>-</a:t>
+            </a:r>
+            <a:r>
+              <a:rPr lang="ru-RU" sz="2100" dirty="0"/>
+              <a:t> корректность правил конвертации.</a:t>
+            </a:r>
+            <a:endParaRPr lang="en-US" sz="2100" dirty="0"/>
           </a:p>
         </p:txBody>
       </p:sp>
     </p:spTree>
     <p:extLst>
       <p:ext uri="{BB962C8B-B14F-4D97-AF65-F5344CB8AC3E}">
-        <p14:creationId xmlns:p14="http://schemas.microsoft.com/office/powerpoint/2010/main" val="1887480677"/>
+        <p14:creationId xmlns:p14="http://schemas.microsoft.com/office/powerpoint/2010/main" val="1909838834"/>
       </p:ext>
     </p:extLst>
   </p:cSld>

--- a/presentation/Moiseyenko_presentation_cut.pptx
+++ b/presentation/Moiseyenko_presentation_cut.pptx
@@ -4530,12 +4530,6 @@
           <a:p>
             <a:r>
               <a:rPr lang="ru-RU" sz="2400" dirty="0" smtClean="0">
-                <a:solidFill>
-                  <a:schemeClr val="tx1">
-                    <a:lumMod val="65000"/>
-                    <a:lumOff val="35000"/>
-                  </a:schemeClr>
-                </a:solidFill>
                 <a:latin typeface="Tahoma" charset="0"/>
                 <a:ea typeface="Tahoma" charset="0"/>
                 <a:cs typeface="Tahoma" charset="0"/>
@@ -4544,12 +4538,6 @@
             </a:r>
             <a:r>
               <a:rPr lang="ru-RU" sz="2400" dirty="0">
-                <a:solidFill>
-                  <a:schemeClr val="tx1">
-                    <a:lumMod val="65000"/>
-                    <a:lumOff val="35000"/>
-                  </a:schemeClr>
-                </a:solidFill>
                 <a:latin typeface="Tahoma" charset="0"/>
                 <a:ea typeface="Tahoma" charset="0"/>
                 <a:cs typeface="Tahoma" charset="0"/>
@@ -4558,12 +4546,6 @@
             </a:r>
             <a:r>
               <a:rPr lang="ru-RU" sz="2400" dirty="0" smtClean="0">
-                <a:solidFill>
-                  <a:schemeClr val="tx1">
-                    <a:lumMod val="65000"/>
-                    <a:lumOff val="35000"/>
-                  </a:schemeClr>
-                </a:solidFill>
                 <a:latin typeface="Tahoma" charset="0"/>
                 <a:ea typeface="Tahoma" charset="0"/>
                 <a:cs typeface="Tahoma" charset="0"/>
@@ -4630,7 +4612,7 @@
         <p:spPr>
           <a:xfrm>
             <a:off x="628648" y="3781692"/>
-            <a:ext cx="7639050" cy="2677656"/>
+            <a:ext cx="7639050" cy="3062377"/>
           </a:xfrm>
           <a:prstGeom prst="rect">
             <a:avLst/>
@@ -4644,17 +4626,14 @@
           <a:lstStyle/>
           <a:p>
             <a:pPr marL="285750" indent="-285750">
+              <a:spcAft>
+                <a:spcPts val="1500"/>
+              </a:spcAft>
               <a:buFont typeface="Arial" charset="0"/>
               <a:buChar char="•"/>
             </a:pPr>
             <a:r>
               <a:rPr lang="ru-RU" sz="2400" dirty="0">
-                <a:solidFill>
-                  <a:schemeClr val="tx1">
-                    <a:lumMod val="65000"/>
-                    <a:lumOff val="35000"/>
-                  </a:schemeClr>
-                </a:solidFill>
                 <a:latin typeface="Tahoma" charset="0"/>
                 <a:ea typeface="Tahoma" charset="0"/>
                 <a:cs typeface="Tahoma" charset="0"/>
@@ -4662,41 +4641,26 @@
               <a:t>разработка эвристики и алгоритма </a:t>
             </a:r>
             <a:r>
-              <a:rPr lang="ru-RU" sz="2400" dirty="0" err="1" smtClean="0">
-                <a:solidFill>
-                  <a:schemeClr val="tx1">
-                    <a:lumMod val="65000"/>
-                    <a:lumOff val="35000"/>
-                  </a:schemeClr>
-                </a:solidFill>
-                <a:latin typeface="Tahoma" charset="0"/>
-                <a:ea typeface="Tahoma" charset="0"/>
-                <a:cs typeface="Tahoma" charset="0"/>
-              </a:rPr>
-              <a:t>преобразова-ния</a:t>
+              <a:rPr lang="ru-RU" sz="2400" dirty="0" smtClean="0">
+                <a:latin typeface="Tahoma" charset="0"/>
+                <a:ea typeface="Tahoma" charset="0"/>
+                <a:cs typeface="Tahoma" charset="0"/>
+              </a:rPr>
+              <a:t>преобразования </a:t>
             </a:r>
             <a:r>
               <a:rPr lang="ru-RU" sz="2400" dirty="0" smtClean="0">
                 <a:solidFill>
-                  <a:schemeClr val="tx1">
-                    <a:lumMod val="65000"/>
-                    <a:lumOff val="35000"/>
-                  </a:schemeClr>
+                  <a:srgbClr val="FF0000"/>
                 </a:solidFill>
                 <a:latin typeface="Tahoma" charset="0"/>
                 <a:ea typeface="Tahoma" charset="0"/>
                 <a:cs typeface="Tahoma" charset="0"/>
               </a:rPr>
-              <a:t> структурированных </a:t>
+              <a:t>неструктурированных </a:t>
             </a:r>
             <a:r>
               <a:rPr lang="ru-RU" sz="2400" dirty="0">
-                <a:solidFill>
-                  <a:schemeClr val="tx1">
-                    <a:lumMod val="65000"/>
-                    <a:lumOff val="35000"/>
-                  </a:schemeClr>
-                </a:solidFill>
                 <a:latin typeface="Tahoma" charset="0"/>
                 <a:ea typeface="Tahoma" charset="0"/>
                 <a:cs typeface="Tahoma" charset="0"/>
@@ -4705,96 +4669,30 @@
             </a:r>
             <a:r>
               <a:rPr lang="ru-RU" sz="2400" dirty="0" smtClean="0">
-                <a:solidFill>
-                  <a:schemeClr val="tx1">
-                    <a:lumMod val="65000"/>
-                    <a:lumOff val="35000"/>
-                  </a:schemeClr>
-                </a:solidFill>
-                <a:latin typeface="Tahoma" charset="0"/>
-                <a:ea typeface="Tahoma" charset="0"/>
-                <a:cs typeface="Tahoma" charset="0"/>
-              </a:rPr>
-              <a:t>пред</a:t>
-            </a:r>
-            <a:r>
-              <a:rPr lang="en-US" sz="2400" dirty="0" smtClean="0">
-                <a:solidFill>
-                  <a:schemeClr val="tx1">
-                    <a:lumMod val="65000"/>
-                    <a:lumOff val="35000"/>
-                  </a:schemeClr>
-                </a:solidFill>
-                <a:latin typeface="Tahoma" charset="0"/>
-                <a:ea typeface="Tahoma" charset="0"/>
-                <a:cs typeface="Tahoma" charset="0"/>
-              </a:rPr>
-              <a:t>-</a:t>
-            </a:r>
-            <a:r>
-              <a:rPr lang="ru-RU" sz="2400" dirty="0" err="1" smtClean="0">
-                <a:solidFill>
-                  <a:schemeClr val="tx1">
-                    <a:lumMod val="65000"/>
-                    <a:lumOff val="35000"/>
-                  </a:schemeClr>
-                </a:solidFill>
-                <a:latin typeface="Tahoma" charset="0"/>
-                <a:ea typeface="Tahoma" charset="0"/>
-                <a:cs typeface="Tahoma" charset="0"/>
-              </a:rPr>
-              <a:t>ставления</a:t>
+                <a:latin typeface="Tahoma" charset="0"/>
+                <a:ea typeface="Tahoma" charset="0"/>
+                <a:cs typeface="Tahoma" charset="0"/>
+              </a:rPr>
+              <a:t>представления </a:t>
+            </a:r>
+            <a:r>
+              <a:rPr lang="ru-RU" sz="2400" dirty="0">
+                <a:latin typeface="Tahoma" charset="0"/>
+                <a:ea typeface="Tahoma" charset="0"/>
+                <a:cs typeface="Tahoma" charset="0"/>
+              </a:rPr>
+              <a:t>данных на языке UML </a:t>
             </a:r>
             <a:r>
               <a:rPr lang="ru-RU" sz="2400" dirty="0" smtClean="0">
-                <a:solidFill>
-                  <a:schemeClr val="tx1">
-                    <a:lumMod val="65000"/>
-                    <a:lumOff val="35000"/>
-                  </a:schemeClr>
-                </a:solidFill>
-                <a:latin typeface="Tahoma" charset="0"/>
-                <a:ea typeface="Tahoma" charset="0"/>
-                <a:cs typeface="Tahoma" charset="0"/>
-              </a:rPr>
-              <a:t> </a:t>
+                <a:latin typeface="Tahoma" charset="0"/>
+                <a:ea typeface="Tahoma" charset="0"/>
+                <a:cs typeface="Tahoma" charset="0"/>
+              </a:rPr>
+              <a:t>диаграммы </a:t>
             </a:r>
             <a:r>
               <a:rPr lang="ru-RU" sz="2400" dirty="0">
-                <a:solidFill>
-                  <a:schemeClr val="tx1">
-                    <a:lumMod val="65000"/>
-                    <a:lumOff val="35000"/>
-                  </a:schemeClr>
-                </a:solidFill>
-                <a:latin typeface="Tahoma" charset="0"/>
-                <a:ea typeface="Tahoma" charset="0"/>
-                <a:cs typeface="Tahoma" charset="0"/>
-              </a:rPr>
-              <a:t>данных на языке UML </a:t>
-            </a:r>
-            <a:r>
-              <a:rPr lang="ru-RU" sz="2400" dirty="0" smtClean="0">
-                <a:solidFill>
-                  <a:schemeClr val="tx1">
-                    <a:lumMod val="65000"/>
-                    <a:lumOff val="35000"/>
-                  </a:schemeClr>
-                </a:solidFill>
-                <a:latin typeface="Tahoma" charset="0"/>
-                <a:ea typeface="Tahoma" charset="0"/>
-                <a:cs typeface="Tahoma" charset="0"/>
-              </a:rPr>
-              <a:t>диаграммы </a:t>
-            </a:r>
-            <a:r>
-              <a:rPr lang="ru-RU" sz="2400" dirty="0">
-                <a:solidFill>
-                  <a:schemeClr val="tx1">
-                    <a:lumMod val="65000"/>
-                    <a:lumOff val="35000"/>
-                  </a:schemeClr>
-                </a:solidFill>
                 <a:latin typeface="Tahoma" charset="0"/>
                 <a:ea typeface="Tahoma" charset="0"/>
                 <a:cs typeface="Tahoma" charset="0"/>
@@ -4804,17 +4702,14 @@
           </a:p>
           <a:p>
             <a:pPr marL="285750" indent="-285750">
+              <a:spcAft>
+                <a:spcPts val="1500"/>
+              </a:spcAft>
               <a:buFont typeface="Arial" charset="0"/>
               <a:buChar char="•"/>
             </a:pPr>
             <a:r>
               <a:rPr lang="ru-RU" sz="2400" dirty="0">
-                <a:solidFill>
-                  <a:schemeClr val="tx1">
-                    <a:lumMod val="65000"/>
-                    <a:lumOff val="35000"/>
-                  </a:schemeClr>
-                </a:solidFill>
                 <a:latin typeface="Tahoma" charset="0"/>
                 <a:ea typeface="Tahoma" charset="0"/>
                 <a:cs typeface="Tahoma" charset="0"/>
@@ -4822,69 +4717,15 @@
               <a:t>разработать ПО реализующее эти </a:t>
             </a:r>
             <a:r>
-              <a:rPr lang="ru-RU" sz="2400" dirty="0" err="1" smtClean="0">
-                <a:solidFill>
-                  <a:schemeClr val="tx1">
-                    <a:lumMod val="65000"/>
-                    <a:lumOff val="35000"/>
-                  </a:schemeClr>
-                </a:solidFill>
-                <a:latin typeface="Tahoma" charset="0"/>
-                <a:ea typeface="Tahoma" charset="0"/>
-                <a:cs typeface="Tahoma" charset="0"/>
-              </a:rPr>
-              <a:t>преобразова</a:t>
-            </a:r>
-            <a:r>
-              <a:rPr lang="en-US" sz="2400" dirty="0" smtClean="0">
-                <a:solidFill>
-                  <a:schemeClr val="tx1">
-                    <a:lumMod val="65000"/>
-                    <a:lumOff val="35000"/>
-                  </a:schemeClr>
-                </a:solidFill>
-                <a:latin typeface="Tahoma" charset="0"/>
-                <a:ea typeface="Tahoma" charset="0"/>
-                <a:cs typeface="Tahoma" charset="0"/>
-              </a:rPr>
-              <a:t>-</a:t>
-            </a:r>
-            <a:r>
-              <a:rPr lang="ru-RU" sz="2400" dirty="0" err="1" smtClean="0">
-                <a:solidFill>
-                  <a:schemeClr val="tx1">
-                    <a:lumMod val="65000"/>
-                    <a:lumOff val="35000"/>
-                  </a:schemeClr>
-                </a:solidFill>
-                <a:latin typeface="Tahoma" charset="0"/>
-                <a:ea typeface="Tahoma" charset="0"/>
-                <a:cs typeface="Tahoma" charset="0"/>
-              </a:rPr>
-              <a:t>ния</a:t>
-            </a:r>
-            <a:r>
               <a:rPr lang="ru-RU" sz="2400" dirty="0" smtClean="0">
-                <a:solidFill>
-                  <a:schemeClr val="tx1">
-                    <a:lumMod val="65000"/>
-                    <a:lumOff val="35000"/>
-                  </a:schemeClr>
-                </a:solidFill>
-                <a:latin typeface="Tahoma" charset="0"/>
-                <a:ea typeface="Tahoma" charset="0"/>
-                <a:cs typeface="Tahoma" charset="0"/>
-              </a:rPr>
-              <a:t> </a:t>
+                <a:latin typeface="Tahoma" charset="0"/>
+                <a:ea typeface="Tahoma" charset="0"/>
+                <a:cs typeface="Tahoma" charset="0"/>
+              </a:rPr>
+              <a:t>преобразования </a:t>
             </a:r>
             <a:r>
               <a:rPr lang="ru-RU" sz="2400" dirty="0">
-                <a:solidFill>
-                  <a:schemeClr val="tx1">
-                    <a:lumMod val="65000"/>
-                    <a:lumOff val="35000"/>
-                  </a:schemeClr>
-                </a:solidFill>
                 <a:latin typeface="Tahoma" charset="0"/>
                 <a:ea typeface="Tahoma" charset="0"/>
                 <a:cs typeface="Tahoma" charset="0"/>
@@ -4892,12 +4733,6 @@
               <a:t>в репрезентацию на языке XMI</a:t>
             </a:r>
             <a:endParaRPr lang="en-US" sz="2400" dirty="0">
-              <a:solidFill>
-                <a:schemeClr val="tx1">
-                  <a:lumMod val="65000"/>
-                  <a:lumOff val="35000"/>
-                </a:schemeClr>
-              </a:solidFill>
               <a:latin typeface="Tahoma" charset="0"/>
               <a:ea typeface="Tahoma" charset="0"/>
               <a:cs typeface="Tahoma" charset="0"/>
@@ -4984,7 +4819,23 @@
                 <a:ea typeface="Tahoma" charset="0"/>
                 <a:cs typeface="Tahoma" charset="0"/>
               </a:rPr>
-              <a:t>Библиотеки, технологии, методы</a:t>
+              <a:t>Технологии</a:t>
+            </a:r>
+            <a:r>
+              <a:rPr lang="en-US" sz="2400" dirty="0" smtClean="0">
+                <a:latin typeface="Tahoma" charset="0"/>
+                <a:ea typeface="Tahoma" charset="0"/>
+                <a:cs typeface="Tahoma" charset="0"/>
+              </a:rPr>
+              <a:t>,</a:t>
+            </a:r>
+            <a:r>
+              <a:rPr lang="ru-RU" sz="2400" dirty="0" smtClean="0">
+                <a:latin typeface="Tahoma" charset="0"/>
+                <a:ea typeface="Tahoma" charset="0"/>
+                <a:cs typeface="Tahoma" charset="0"/>
+              </a:rPr>
+              <a:t> библиотеки</a:t>
             </a:r>
             <a:endParaRPr lang="en-US" sz="2400" dirty="0">
               <a:latin typeface="Tahoma" charset="0"/>
@@ -5070,7 +4921,7 @@
         </p:spPr>
         <p:txBody>
           <a:bodyPr vert="horz" lIns="91440" tIns="45720" rIns="91440" bIns="45720" rtlCol="0">
-            <a:normAutofit/>
+            <a:normAutofit fontScale="92500" lnSpcReduction="10000"/>
           </a:bodyPr>
           <a:lstStyle>
             <a:lvl1pPr marL="182880" indent="-182880" algn="l" defTabSz="914400" rtl="0" eaLnBrk="1" latinLnBrk="0" hangingPunct="1">
@@ -5326,9 +5177,15 @@
               <a:spcBef>
                 <a:spcPts val="0"/>
               </a:spcBef>
+              <a:spcAft>
+                <a:spcPts val="1500"/>
+              </a:spcAft>
             </a:pPr>
             <a:r>
               <a:rPr lang="ru-RU" sz="2400" dirty="0" smtClean="0">
+                <a:solidFill>
+                  <a:schemeClr val="tx1"/>
+                </a:solidFill>
                 <a:latin typeface="Tahoma" charset="0"/>
                 <a:ea typeface="Tahoma" charset="0"/>
                 <a:cs typeface="Tahoma" charset="0"/>
@@ -5337,6 +5194,9 @@
             </a:r>
             <a:r>
               <a:rPr lang="en-US" sz="2400" dirty="0" smtClean="0">
+                <a:solidFill>
+                  <a:schemeClr val="tx1"/>
+                </a:solidFill>
                 <a:latin typeface="Tahoma" charset="0"/>
                 <a:ea typeface="Tahoma" charset="0"/>
                 <a:cs typeface="Tahoma" charset="0"/>
@@ -5344,14 +5204,64 @@
               <a:t>NP,VP </a:t>
             </a:r>
             <a:r>
+              <a:rPr lang="ru-RU" sz="2400" dirty="0" smtClean="0">
+                <a:solidFill>
+                  <a:schemeClr val="tx1"/>
+                </a:solidFill>
+                <a:latin typeface="Tahoma" charset="0"/>
+                <a:ea typeface="Tahoma" charset="0"/>
+                <a:cs typeface="Tahoma" charset="0"/>
+              </a:rPr>
+              <a:t>в</a:t>
+            </a:r>
+            <a:r>
               <a:rPr lang="en-US" sz="2400" dirty="0" smtClean="0">
-                <a:latin typeface="Tahoma" charset="0"/>
-                <a:ea typeface="Tahoma" charset="0"/>
-                <a:cs typeface="Tahoma" charset="0"/>
-              </a:rPr>
-              <a:t>Stanford Core NLP</a:t>
+                <a:solidFill>
+                  <a:schemeClr val="tx1"/>
+                </a:solidFill>
+                <a:latin typeface="Tahoma" charset="0"/>
+                <a:ea typeface="Tahoma" charset="0"/>
+                <a:cs typeface="Tahoma" charset="0"/>
+              </a:rPr>
+              <a:t> </a:t>
+            </a:r>
+            <a:r>
+              <a:rPr lang="en-US" sz="2400" dirty="0" smtClean="0">
+                <a:solidFill>
+                  <a:schemeClr val="tx1"/>
+                </a:solidFill>
+                <a:latin typeface="Tahoma" charset="0"/>
+                <a:ea typeface="Tahoma" charset="0"/>
+                <a:cs typeface="Tahoma" charset="0"/>
+              </a:rPr>
+              <a:t>Stanford Core </a:t>
+            </a:r>
+            <a:r>
+              <a:rPr lang="en-US" sz="2400" dirty="0" smtClean="0">
+                <a:solidFill>
+                  <a:schemeClr val="tx1"/>
+                </a:solidFill>
+                <a:latin typeface="Tahoma" charset="0"/>
+                <a:ea typeface="Tahoma" charset="0"/>
+                <a:cs typeface="Tahoma" charset="0"/>
+              </a:rPr>
+              <a:t>NLP</a:t>
+            </a:r>
+            <a:r>
+              <a:rPr lang="ru-RU" sz="2400" dirty="0" smtClean="0">
+                <a:solidFill>
+                  <a:schemeClr val="tx1"/>
+                </a:solidFill>
+                <a:latin typeface="Tahoma" charset="0"/>
+                <a:ea typeface="Tahoma" charset="0"/>
+                <a:cs typeface="Tahoma" charset="0"/>
+              </a:rPr>
+              <a:t> для трансформации текста</a:t>
             </a:r>
             <a:endParaRPr lang="en-US" sz="2400" dirty="0" smtClean="0">
+              <a:solidFill>
+                <a:schemeClr val="tx1"/>
+              </a:solidFill>
               <a:latin typeface="Tahoma" charset="0"/>
               <a:ea typeface="Tahoma" charset="0"/>
               <a:cs typeface="Tahoma" charset="0"/>
@@ -5365,44 +5275,43 @@
               <a:spcBef>
                 <a:spcPts val="0"/>
               </a:spcBef>
+              <a:spcAft>
+                <a:spcPts val="1500"/>
+              </a:spcAft>
             </a:pPr>
             <a:r>
               <a:rPr lang="ru-RU" sz="2400" dirty="0" smtClean="0">
-                <a:latin typeface="Tahoma" charset="0"/>
-                <a:ea typeface="Tahoma" charset="0"/>
-                <a:cs typeface="Tahoma" charset="0"/>
-              </a:rPr>
-              <a:t>Разработка </a:t>
+                <a:solidFill>
+                  <a:schemeClr val="tx1"/>
+                </a:solidFill>
+                <a:latin typeface="Tahoma" charset="0"/>
+                <a:ea typeface="Tahoma" charset="0"/>
+                <a:cs typeface="Tahoma" charset="0"/>
+              </a:rPr>
+              <a:t>Разработка правил</a:t>
+            </a:r>
+            <a:r>
+              <a:rPr lang="en-US" sz="2400" dirty="0" smtClean="0">
+                <a:solidFill>
+                  <a:schemeClr val="tx1"/>
+                </a:solidFill>
+                <a:latin typeface="Tahoma" charset="0"/>
+                <a:ea typeface="Tahoma" charset="0"/>
+                <a:cs typeface="Tahoma" charset="0"/>
+              </a:rPr>
+              <a:t> </a:t>
             </a:r>
             <a:r>
               <a:rPr lang="ru-RU" sz="2400" dirty="0" smtClean="0">
-                <a:latin typeface="Tahoma" charset="0"/>
-                <a:ea typeface="Tahoma" charset="0"/>
-                <a:cs typeface="Tahoma" charset="0"/>
-              </a:rPr>
-              <a:t>правил</a:t>
-            </a:r>
-            <a:r>
-              <a:rPr lang="en-US" sz="2400" dirty="0" smtClean="0">
-                <a:latin typeface="Tahoma" charset="0"/>
-                <a:ea typeface="Tahoma" charset="0"/>
-                <a:cs typeface="Tahoma" charset="0"/>
-              </a:rPr>
-              <a:t> </a:t>
-            </a:r>
-            <a:r>
-              <a:rPr lang="ru-RU" sz="2400" dirty="0" smtClean="0">
+                <a:solidFill>
+                  <a:schemeClr val="tx1"/>
+                </a:solidFill>
                 <a:latin typeface="Tahoma" charset="0"/>
                 <a:ea typeface="Tahoma" charset="0"/>
                 <a:cs typeface="Tahoma" charset="0"/>
               </a:rPr>
               <a:t>преобразования</a:t>
             </a:r>
-            <a:endParaRPr lang="ru-RU" sz="2400" dirty="0" smtClean="0">
-              <a:latin typeface="Tahoma" charset="0"/>
-              <a:ea typeface="Tahoma" charset="0"/>
-              <a:cs typeface="Tahoma" charset="0"/>
-            </a:endParaRPr>
           </a:p>
           <a:p>
             <a:pPr>
@@ -5440,7 +5349,7 @@
         </p:spPr>
         <p:txBody>
           <a:bodyPr vert="horz" lIns="91440" tIns="45720" rIns="91440" bIns="45720" rtlCol="0">
-            <a:normAutofit/>
+            <a:normAutofit lnSpcReduction="10000"/>
           </a:bodyPr>
           <a:lstStyle>
             <a:lvl1pPr marL="182880" indent="-182880" algn="l" defTabSz="914400" rtl="0" eaLnBrk="1" latinLnBrk="0" hangingPunct="1">
@@ -5698,12 +5607,15 @@
               </a:spcBef>
             </a:pPr>
             <a:r>
-              <a:rPr lang="en-US" sz="2400" dirty="0" smtClean="0">
-                <a:latin typeface="Tahoma" charset="0"/>
-                <a:ea typeface="Tahoma" charset="0"/>
-                <a:cs typeface="Tahoma" charset="0"/>
-              </a:rPr>
-              <a:t>Stanford Core NLP</a:t>
+              <a:rPr lang="fr-FR" sz="2400" dirty="0" smtClean="0">
+                <a:solidFill>
+                  <a:schemeClr val="tx1"/>
+                </a:solidFill>
+                <a:latin typeface="Tahoma" charset="0"/>
+                <a:ea typeface="Tahoma" charset="0"/>
+                <a:cs typeface="Tahoma" charset="0"/>
+              </a:rPr>
+              <a:t>Java</a:t>
             </a:r>
           </a:p>
           <a:p>
@@ -5716,14 +5628,20 @@
               </a:spcBef>
             </a:pPr>
             <a:r>
-              <a:rPr lang="fr-FR" sz="2400" dirty="0" err="1" smtClean="0">
-                <a:latin typeface="Tahoma" charset="0"/>
-                <a:ea typeface="Tahoma" charset="0"/>
-                <a:cs typeface="Tahoma" charset="0"/>
-              </a:rPr>
-              <a:t>JGraphT</a:t>
-            </a:r>
-            <a:endParaRPr lang="fr-FR" sz="2400" dirty="0" smtClean="0">
+              <a:rPr lang="en-US" sz="2400" dirty="0" smtClean="0">
+                <a:solidFill>
+                  <a:schemeClr val="tx1"/>
+                </a:solidFill>
+                <a:latin typeface="Tahoma" charset="0"/>
+                <a:ea typeface="Tahoma" charset="0"/>
+                <a:cs typeface="Tahoma" charset="0"/>
+              </a:rPr>
+              <a:t>Maven</a:t>
+            </a:r>
+            <a:endParaRPr lang="fr-FR" sz="2400" dirty="0">
+              <a:solidFill>
+                <a:schemeClr val="tx1"/>
+              </a:solidFill>
               <a:latin typeface="Tahoma" charset="0"/>
               <a:ea typeface="Tahoma" charset="0"/>
               <a:cs typeface="Tahoma" charset="0"/>
@@ -5739,12 +5657,26 @@
               </a:spcBef>
             </a:pPr>
             <a:r>
-              <a:rPr lang="fr-FR" sz="2400" dirty="0" smtClean="0">
-                <a:latin typeface="Tahoma" charset="0"/>
-                <a:ea typeface="Tahoma" charset="0"/>
-                <a:cs typeface="Tahoma" charset="0"/>
-              </a:rPr>
-              <a:t>Java</a:t>
+              <a:rPr lang="en-US" sz="2400" dirty="0" smtClean="0">
+                <a:solidFill>
+                  <a:schemeClr val="tx1"/>
+                </a:solidFill>
+                <a:latin typeface="Tahoma" charset="0"/>
+                <a:ea typeface="Tahoma" charset="0"/>
+                <a:cs typeface="Tahoma" charset="0"/>
+              </a:rPr>
+              <a:t>Stanford </a:t>
+            </a:r>
+            <a:r>
+              <a:rPr lang="en-US" sz="2400" dirty="0" smtClean="0">
+                <a:solidFill>
+                  <a:schemeClr val="tx1"/>
+                </a:solidFill>
+                <a:latin typeface="Tahoma" charset="0"/>
+                <a:ea typeface="Tahoma" charset="0"/>
+                <a:cs typeface="Tahoma" charset="0"/>
+              </a:rPr>
+              <a:t>Core NLP</a:t>
             </a:r>
           </a:p>
           <a:p>
@@ -5757,13 +5689,24 @@
               </a:spcBef>
             </a:pPr>
             <a:r>
-              <a:rPr lang="en-US" sz="2400" dirty="0" smtClean="0">
-                <a:latin typeface="Tahoma" charset="0"/>
-                <a:ea typeface="Tahoma" charset="0"/>
-                <a:cs typeface="Tahoma" charset="0"/>
-              </a:rPr>
-              <a:t>JAXB, Maven</a:t>
-            </a:r>
+              <a:rPr lang="fr-FR" sz="2400" dirty="0" err="1" smtClean="0">
+                <a:solidFill>
+                  <a:schemeClr val="tx1"/>
+                </a:solidFill>
+                <a:latin typeface="Tahoma" charset="0"/>
+                <a:ea typeface="Tahoma" charset="0"/>
+                <a:cs typeface="Tahoma" charset="0"/>
+              </a:rPr>
+              <a:t>JGraphT</a:t>
+            </a:r>
+            <a:endParaRPr lang="fr-FR" sz="2400" dirty="0" smtClean="0">
+              <a:solidFill>
+                <a:schemeClr val="tx1"/>
+              </a:solidFill>
+              <a:latin typeface="Tahoma" charset="0"/>
+              <a:ea typeface="Tahoma" charset="0"/>
+              <a:cs typeface="Tahoma" charset="0"/>
+            </a:endParaRPr>
           </a:p>
           <a:p>
             <a:pPr>
@@ -5775,22 +5718,52 @@
               </a:spcBef>
             </a:pPr>
             <a:r>
+              <a:rPr lang="en-US" sz="2400" dirty="0" smtClean="0">
+                <a:solidFill>
+                  <a:schemeClr val="tx1"/>
+                </a:solidFill>
+                <a:latin typeface="Tahoma" charset="0"/>
+                <a:ea typeface="Tahoma" charset="0"/>
+                <a:cs typeface="Tahoma" charset="0"/>
+              </a:rPr>
+              <a:t>JAXB</a:t>
+            </a:r>
+          </a:p>
+          <a:p>
+            <a:pPr>
+              <a:lnSpc>
+                <a:spcPct val="100000"/>
+              </a:lnSpc>
+              <a:spcBef>
+                <a:spcPts val="0"/>
+              </a:spcBef>
+            </a:pPr>
+            <a:r>
               <a:rPr lang="fr-FR" sz="2400" dirty="0" smtClean="0">
-                <a:latin typeface="Tahoma" charset="0"/>
-                <a:ea typeface="Tahoma" charset="0"/>
-                <a:cs typeface="Tahoma" charset="0"/>
-              </a:rPr>
-              <a:t>XMI, XML, </a:t>
+                <a:solidFill>
+                  <a:schemeClr val="tx1"/>
+                </a:solidFill>
+                <a:latin typeface="Tahoma" charset="0"/>
+                <a:ea typeface="Tahoma" charset="0"/>
+                <a:cs typeface="Tahoma" charset="0"/>
+              </a:rPr>
+              <a:t>XMI</a:t>
             </a:r>
             <a:r>
               <a:rPr lang="fr-FR" sz="2400" dirty="0" smtClean="0">
-                <a:latin typeface="Tahoma" charset="0"/>
-                <a:ea typeface="Tahoma" charset="0"/>
-                <a:cs typeface="Tahoma" charset="0"/>
-              </a:rPr>
-              <a:t>UML</a:t>
+                <a:solidFill>
+                  <a:schemeClr val="tx1"/>
+                </a:solidFill>
+                <a:latin typeface="Tahoma" charset="0"/>
+                <a:ea typeface="Tahoma" charset="0"/>
+                <a:cs typeface="Tahoma" charset="0"/>
+              </a:rPr>
+              <a:t>, XML, UML</a:t>
             </a:r>
             <a:endParaRPr lang="ru-RU" sz="2100" dirty="0" smtClean="0">
+              <a:solidFill>
+                <a:schemeClr val="tx1"/>
+              </a:solidFill>
               <a:latin typeface="Tahoma" charset="0"/>
               <a:ea typeface="Tahoma" charset="0"/>
               <a:cs typeface="Tahoma" charset="0"/>
@@ -5922,7 +5895,7 @@
       </p:sp>
       <p:pic>
         <p:nvPicPr>
-          <p:cNvPr id="3" name="Picture 2"/>
+          <p:cNvPr id="5" name="Picture 4"/>
           <p:cNvPicPr>
             <a:picLocks noChangeAspect="1"/>
           </p:cNvPicPr>
@@ -5942,8 +5915,8 @@
         </p:blipFill>
         <p:spPr>
           <a:xfrm>
-            <a:off x="584200" y="1205346"/>
-            <a:ext cx="7603671" cy="4981180"/>
+            <a:off x="1080654" y="910937"/>
+            <a:ext cx="8379691" cy="5515409"/>
           </a:xfrm>
           <a:prstGeom prst="rect">
             <a:avLst/>
@@ -6859,15 +6832,7 @@
                 <a:ea typeface="Tahoma" charset="0"/>
                 <a:cs typeface="Tahoma" charset="0"/>
               </a:rPr>
-              <a:t>generate </a:t>
-            </a:r>
-            <a:r>
-              <a:rPr lang="en-US" sz="1500" dirty="0" smtClean="0">
-                <a:latin typeface="Tahoma" charset="0"/>
-                <a:ea typeface="Tahoma" charset="0"/>
-                <a:cs typeface="Tahoma" charset="0"/>
-              </a:rPr>
-              <a:t>the </a:t>
+              <a:t>generate the </a:t>
             </a:r>
             <a:r>
               <a:rPr lang="en-US" sz="1500" dirty="0">

--- a/presentation/Moiseyenko_presentation_cut.pptx
+++ b/presentation/Moiseyenko_presentation_cut.pptx
@@ -2,21 +2,22 @@
 <file path=ppt/presentation.xml><?xml version="1.0" encoding="utf-8"?>
 <p:presentation xmlns:a="http://schemas.openxmlformats.org/drawingml/2006/main" xmlns:r="http://schemas.openxmlformats.org/officeDocument/2006/relationships" xmlns:p="http://schemas.openxmlformats.org/presentationml/2006/main" saveSubsetFonts="1" autoCompressPictures="0">
   <p:sldMasterIdLst>
-    <p:sldMasterId id="2147485548" r:id="rId1"/>
+    <p:sldMasterId id="2147486388" r:id="rId1"/>
   </p:sldMasterIdLst>
   <p:notesMasterIdLst>
-    <p:notesMasterId r:id="rId11"/>
+    <p:notesMasterId r:id="rId12"/>
   </p:notesMasterIdLst>
   <p:sldIdLst>
     <p:sldId id="256" r:id="rId2"/>
     <p:sldId id="257" r:id="rId3"/>
     <p:sldId id="261" r:id="rId4"/>
     <p:sldId id="262" r:id="rId5"/>
-    <p:sldId id="266" r:id="rId6"/>
-    <p:sldId id="269" r:id="rId7"/>
-    <p:sldId id="267" r:id="rId8"/>
-    <p:sldId id="276" r:id="rId9"/>
-    <p:sldId id="278" r:id="rId10"/>
+    <p:sldId id="279" r:id="rId6"/>
+    <p:sldId id="266" r:id="rId7"/>
+    <p:sldId id="269" r:id="rId8"/>
+    <p:sldId id="267" r:id="rId9"/>
+    <p:sldId id="276" r:id="rId10"/>
+    <p:sldId id="278" r:id="rId11"/>
   </p:sldIdLst>
   <p:sldSz cx="9144000" cy="6858000" type="screen4x3"/>
   <p:notesSz cx="6858000" cy="9144000"/>
@@ -543,7 +544,7 @@
           <a:p>
             <a:fld id="{61C6434D-2AFB-B841-8934-1729B9525398}" type="slidenum">
               <a:rPr lang="en-US" smtClean="0"/>
-              <a:t>5</a:t>
+              <a:t>6</a:t>
             </a:fld>
             <a:endParaRPr lang="en-US"/>
           </a:p>
@@ -3741,23 +3742,23 @@
     </p:spTree>
     <p:extLst>
       <p:ext uri="{BB962C8B-B14F-4D97-AF65-F5344CB8AC3E}">
-        <p14:creationId xmlns:p14="http://schemas.microsoft.com/office/powerpoint/2010/main" val="1470219328"/>
+        <p14:creationId xmlns:p14="http://schemas.microsoft.com/office/powerpoint/2010/main" val="1951117317"/>
       </p:ext>
     </p:extLst>
   </p:cSld>
   <p:clrMap bg1="lt1" tx1="dk1" bg2="lt2" tx2="dk2" accent1="accent1" accent2="accent2" accent3="accent3" accent4="accent4" accent5="accent5" accent6="accent6" hlink="hlink" folHlink="folHlink"/>
   <p:sldLayoutIdLst>
-    <p:sldLayoutId id="2147485549" r:id="rId1"/>
-    <p:sldLayoutId id="2147485550" r:id="rId2"/>
-    <p:sldLayoutId id="2147485551" r:id="rId3"/>
-    <p:sldLayoutId id="2147485552" r:id="rId4"/>
-    <p:sldLayoutId id="2147485553" r:id="rId5"/>
-    <p:sldLayoutId id="2147485554" r:id="rId6"/>
-    <p:sldLayoutId id="2147485555" r:id="rId7"/>
-    <p:sldLayoutId id="2147485556" r:id="rId8"/>
-    <p:sldLayoutId id="2147485557" r:id="rId9"/>
-    <p:sldLayoutId id="2147485558" r:id="rId10"/>
-    <p:sldLayoutId id="2147485559" r:id="rId11"/>
+    <p:sldLayoutId id="2147486389" r:id="rId1"/>
+    <p:sldLayoutId id="2147486390" r:id="rId2"/>
+    <p:sldLayoutId id="2147486391" r:id="rId3"/>
+    <p:sldLayoutId id="2147486392" r:id="rId4"/>
+    <p:sldLayoutId id="2147486393" r:id="rId5"/>
+    <p:sldLayoutId id="2147486394" r:id="rId6"/>
+    <p:sldLayoutId id="2147486395" r:id="rId7"/>
+    <p:sldLayoutId id="2147486396" r:id="rId8"/>
+    <p:sldLayoutId id="2147486397" r:id="rId9"/>
+    <p:sldLayoutId id="2147486398" r:id="rId10"/>
+    <p:sldLayoutId id="2147486399" r:id="rId11"/>
   </p:sldLayoutIdLst>
   <p:txStyles>
     <p:titleStyle>
@@ -4134,36 +4135,12 @@
   <p:cSld>
     <p:bg>
       <p:bgPr>
-        <a:gradFill rotWithShape="1">
-          <a:gsLst>
-            <a:gs pos="0">
-              <a:schemeClr val="bg2">
-                <a:tint val="96000"/>
-                <a:shade val="100000"/>
-                <a:hueMod val="270000"/>
-                <a:satMod val="200000"/>
-                <a:lumMod val="128000"/>
-              </a:schemeClr>
-            </a:gs>
-            <a:gs pos="22000">
-              <a:schemeClr val="bg2">
-                <a:shade val="100000"/>
-                <a:hueMod val="100000"/>
-                <a:satMod val="110000"/>
-                <a:lumMod val="130000"/>
-              </a:schemeClr>
-            </a:gs>
-            <a:gs pos="100000">
-              <a:schemeClr val="bg2">
-                <a:shade val="78000"/>
-                <a:hueMod val="44000"/>
-                <a:satMod val="200000"/>
-                <a:lumMod val="69000"/>
-              </a:schemeClr>
-            </a:gs>
-          </a:gsLst>
-          <a:lin ang="2520000" scaled="0"/>
-        </a:gradFill>
+        <a:solidFill>
+          <a:schemeClr val="bg1">
+            <a:lumMod val="50000"/>
+            <a:lumOff val="50000"/>
+          </a:schemeClr>
+        </a:solidFill>
         <a:effectLst/>
       </p:bgPr>
     </p:bg>
@@ -4194,12 +4171,12 @@
         <p:spPr>
           <a:xfrm>
             <a:off x="706583" y="1302327"/>
-            <a:ext cx="7633854" cy="3241964"/>
+            <a:ext cx="7633854" cy="2410691"/>
           </a:xfrm>
         </p:spPr>
         <p:txBody>
           <a:bodyPr>
-            <a:normAutofit/>
+            <a:normAutofit fontScale="90000"/>
           </a:bodyPr>
           <a:lstStyle/>
           <a:p>
@@ -4330,24 +4307,29 @@
                 <a:ea typeface="Tahoma" charset="0"/>
                 <a:cs typeface="Tahoma" charset="0"/>
               </a:rPr>
-              <a:t>руководитель: доц. </a:t>
-            </a:r>
-            <a:r>
-              <a:rPr lang="ru-RU" altLang="x-none" dirty="0" smtClean="0">
-                <a:latin typeface="Tahoma" charset="0"/>
-                <a:ea typeface="Tahoma" charset="0"/>
-                <a:cs typeface="Tahoma" charset="0"/>
-              </a:rPr>
-              <a:t>В.А</a:t>
-            </a:r>
-            <a:r>
-              <a:rPr lang="ru-RU" altLang="x-none" dirty="0">
-                <a:latin typeface="Tahoma" charset="0"/>
-                <a:ea typeface="Tahoma" charset="0"/>
-                <a:cs typeface="Tahoma" charset="0"/>
-              </a:rPr>
-              <a:t>. Ермолаев</a:t>
-            </a:r>
+              <a:t>руководитель: доц</a:t>
+            </a:r>
+            <a:r>
+              <a:rPr lang="ru-RU" altLang="x-none">
+                <a:latin typeface="Tahoma" charset="0"/>
+                <a:ea typeface="Tahoma" charset="0"/>
+                <a:cs typeface="Tahoma" charset="0"/>
+              </a:rPr>
+              <a:t>. Ермолаев </a:t>
+            </a:r>
+            <a:r>
+              <a:rPr lang="ru-RU" altLang="x-none" smtClean="0">
+                <a:latin typeface="Tahoma" charset="0"/>
+                <a:ea typeface="Tahoma" charset="0"/>
+                <a:cs typeface="Tahoma" charset="0"/>
+              </a:rPr>
+              <a:t>В.А.</a:t>
+            </a:r>
+            <a:endParaRPr lang="ru-RU" altLang="x-none" dirty="0">
+              <a:latin typeface="Tahoma" charset="0"/>
+              <a:ea typeface="Tahoma" charset="0"/>
+              <a:cs typeface="Tahoma" charset="0"/>
+            </a:endParaRPr>
           </a:p>
         </p:txBody>
       </p:sp>
@@ -4375,38 +4357,30 @@
           <a:p>
             <a:pPr algn="r"/>
             <a:r>
-              <a:rPr lang="ru-RU" altLang="x-none" dirty="0" smtClean="0">
-                <a:latin typeface="Tahoma" charset="0"/>
-                <a:ea typeface="Tahoma" charset="0"/>
-                <a:cs typeface="Tahoma" charset="0"/>
-              </a:rPr>
-              <a:t>выполнила: </a:t>
-            </a:r>
-            <a:r>
-              <a:rPr lang="en-US" altLang="x-none" dirty="0" smtClean="0">
-                <a:latin typeface="Tahoma" charset="0"/>
-                <a:ea typeface="Tahoma" charset="0"/>
-                <a:cs typeface="Tahoma" charset="0"/>
-              </a:rPr>
-              <a:t>C.A. </a:t>
-            </a:r>
-            <a:r>
-              <a:rPr lang="ru-RU" altLang="x-none" dirty="0" smtClean="0">
-                <a:latin typeface="Tahoma" charset="0"/>
-                <a:ea typeface="Tahoma" charset="0"/>
-                <a:cs typeface="Tahoma" charset="0"/>
-              </a:rPr>
-              <a:t>Моисеенко</a:t>
-            </a:r>
-            <a:r>
-              <a:rPr lang="en-US" altLang="x-none" dirty="0" smtClean="0">
-                <a:latin typeface="Tahoma" charset="0"/>
-                <a:ea typeface="Tahoma" charset="0"/>
-                <a:cs typeface="Tahoma" charset="0"/>
-              </a:rPr>
-              <a:t> </a:t>
-            </a:r>
-            <a:endParaRPr lang="ru-RU" dirty="0" smtClean="0">
+              <a:rPr lang="ru-RU" altLang="x-none" smtClean="0">
+                <a:latin typeface="Tahoma" charset="0"/>
+                <a:ea typeface="Tahoma" charset="0"/>
+                <a:cs typeface="Tahoma" charset="0"/>
+              </a:rPr>
+              <a:t>студентка: </a:t>
+            </a:r>
+            <a:r>
+              <a:rPr lang="ru-RU" altLang="x-none">
+                <a:latin typeface="Tahoma" charset="0"/>
+                <a:ea typeface="Tahoma" charset="0"/>
+                <a:cs typeface="Tahoma" charset="0"/>
+              </a:rPr>
+              <a:t>Моисеенко </a:t>
+            </a:r>
+            <a:r>
+              <a:rPr lang="en-US" altLang="x-none" smtClean="0">
+                <a:latin typeface="Tahoma" charset="0"/>
+                <a:ea typeface="Tahoma" charset="0"/>
+                <a:cs typeface="Tahoma" charset="0"/>
+              </a:rPr>
+              <a:t>C.A.</a:t>
+            </a:r>
+            <a:endParaRPr lang="ru-RU" dirty="0">
               <a:latin typeface="Tahoma" charset="0"/>
               <a:ea typeface="Tahoma" charset="0"/>
               <a:cs typeface="Tahoma" charset="0"/>
@@ -4434,9 +4408,358 @@
 </p:sld>
 </file>
 
+<file path=ppt/slides/slide10.xml><?xml version="1.0" encoding="utf-8"?>
+<p:sld xmlns:a="http://schemas.openxmlformats.org/drawingml/2006/main" xmlns:r="http://schemas.openxmlformats.org/officeDocument/2006/relationships" xmlns:p="http://schemas.openxmlformats.org/presentationml/2006/main">
+  <p:cSld>
+    <p:spTree>
+      <p:nvGrpSpPr>
+        <p:cNvPr id="1" name=""/>
+        <p:cNvGrpSpPr/>
+        <p:nvPr/>
+      </p:nvGrpSpPr>
+      <p:grpSpPr>
+        <a:xfrm>
+          <a:off x="0" y="0"/>
+          <a:ext cx="0" cy="0"/>
+          <a:chOff x="0" y="0"/>
+          <a:chExt cx="0" cy="0"/>
+        </a:xfrm>
+      </p:grpSpPr>
+      <p:sp>
+        <p:nvSpPr>
+          <p:cNvPr id="2" name="Title 1"/>
+          <p:cNvSpPr>
+            <a:spLocks noGrp="1"/>
+          </p:cNvSpPr>
+          <p:nvPr>
+            <p:ph type="title"/>
+          </p:nvPr>
+        </p:nvSpPr>
+        <p:spPr>
+          <a:xfrm>
+            <a:off x="647700" y="1077898"/>
+            <a:ext cx="7568184" cy="541352"/>
+          </a:xfrm>
+        </p:spPr>
+        <p:txBody>
+          <a:bodyPr>
+            <a:normAutofit fontScale="90000"/>
+          </a:bodyPr>
+          <a:lstStyle/>
+          <a:p>
+            <a:r>
+              <a:rPr lang="ru-RU" dirty="0" smtClean="0"/>
+              <a:t>Вывод</a:t>
+            </a:r>
+            <a:endParaRPr lang="en-US" dirty="0"/>
+          </a:p>
+        </p:txBody>
+      </p:sp>
+      <p:sp>
+        <p:nvSpPr>
+          <p:cNvPr id="3" name="Content Placeholder 2"/>
+          <p:cNvSpPr>
+            <a:spLocks noGrp="1"/>
+          </p:cNvSpPr>
+          <p:nvPr>
+            <p:ph idx="1"/>
+          </p:nvPr>
+        </p:nvSpPr>
+        <p:spPr>
+          <a:xfrm>
+            <a:off x="647700" y="1619250"/>
+            <a:ext cx="7670800" cy="3873103"/>
+          </a:xfrm>
+        </p:spPr>
+        <p:txBody>
+          <a:bodyPr>
+            <a:normAutofit fontScale="92500"/>
+          </a:bodyPr>
+          <a:lstStyle/>
+          <a:p>
+            <a:pPr marL="0" indent="0" algn="just">
+              <a:buNone/>
+            </a:pPr>
+            <a:r>
+              <a:rPr lang="ru-RU" dirty="0" smtClean="0"/>
+              <a:t>	</a:t>
+            </a:r>
+            <a:r>
+              <a:rPr lang="ru-RU" sz="2100" dirty="0"/>
+              <a:t/>
+            </a:r>
+            <a:br>
+              <a:rPr lang="ru-RU" sz="2100" dirty="0"/>
+            </a:br>
+            <a:r>
+              <a:rPr lang="ru-RU" sz="2100" dirty="0"/>
+              <a:t>	П</a:t>
+            </a:r>
+            <a:r>
+              <a:rPr lang="en-US" sz="2100" dirty="0" err="1"/>
+              <a:t>рограмма</a:t>
+            </a:r>
+            <a:r>
+              <a:rPr lang="en-US" sz="2100" dirty="0"/>
+              <a:t> </a:t>
+            </a:r>
+            <a:r>
+              <a:rPr lang="en-US" sz="2100" dirty="0" err="1"/>
+              <a:t>парсер</a:t>
+            </a:r>
+            <a:r>
+              <a:rPr lang="en-US" sz="2100" dirty="0"/>
+              <a:t> </a:t>
+            </a:r>
+            <a:r>
+              <a:rPr lang="en-US" sz="2100" dirty="0" err="1"/>
+              <a:t>выполняет</a:t>
+            </a:r>
+            <a:r>
+              <a:rPr lang="en-US" sz="2100" dirty="0"/>
+              <a:t> </a:t>
+            </a:r>
+            <a:r>
+              <a:rPr lang="en-US" sz="2100" dirty="0" err="1"/>
+              <a:t>базовые</a:t>
+            </a:r>
+            <a:r>
+              <a:rPr lang="en-US" sz="2100" dirty="0"/>
+              <a:t> </a:t>
+            </a:r>
+            <a:r>
+              <a:rPr lang="en-US" sz="2100" dirty="0" err="1"/>
+              <a:t>функции</a:t>
+            </a:r>
+            <a:r>
+              <a:rPr lang="en-US" sz="2100" dirty="0"/>
+              <a:t> </a:t>
+            </a:r>
+            <a:r>
+              <a:rPr lang="en-US" sz="2100" dirty="0" err="1"/>
+              <a:t>конвертации</a:t>
+            </a:r>
+            <a:r>
+              <a:rPr lang="en-US" sz="2100" dirty="0"/>
+              <a:t> </a:t>
+            </a:r>
+            <a:r>
+              <a:rPr lang="en-US" sz="2100" dirty="0" err="1"/>
+              <a:t>текста</a:t>
+            </a:r>
+            <a:r>
+              <a:rPr lang="en-US" sz="2100" dirty="0"/>
+              <a:t> </a:t>
+            </a:r>
+            <a:r>
+              <a:rPr lang="en-US" sz="2100" dirty="0" err="1"/>
+              <a:t>на</a:t>
+            </a:r>
+            <a:r>
+              <a:rPr lang="en-US" sz="2100" dirty="0"/>
+              <a:t> </a:t>
+            </a:r>
+            <a:r>
+              <a:rPr lang="en-US" sz="2100" dirty="0" err="1"/>
+              <a:t>естественном</a:t>
+            </a:r>
+            <a:r>
+              <a:rPr lang="en-US" sz="2100" dirty="0"/>
+              <a:t> </a:t>
+            </a:r>
+            <a:r>
+              <a:rPr lang="en-US" sz="2100" dirty="0" err="1"/>
+              <a:t>языке</a:t>
+            </a:r>
+            <a:r>
+              <a:rPr lang="en-US" sz="2100" dirty="0"/>
+              <a:t> </a:t>
+            </a:r>
+            <a:r>
+              <a:rPr lang="en-US" sz="2100" dirty="0" err="1"/>
+              <a:t>в</a:t>
+            </a:r>
+            <a:r>
+              <a:rPr lang="en-US" sz="2100" dirty="0"/>
+              <a:t> UML </a:t>
+            </a:r>
+            <a:r>
+              <a:rPr lang="en-US" sz="2100" dirty="0" err="1"/>
+              <a:t>диаграммы</a:t>
+            </a:r>
+            <a:r>
+              <a:rPr lang="en-US" sz="2100" dirty="0"/>
+              <a:t> </a:t>
+            </a:r>
+            <a:r>
+              <a:rPr lang="en-US" sz="2100" dirty="0" err="1"/>
+              <a:t>согласно</a:t>
+            </a:r>
+            <a:r>
+              <a:rPr lang="en-US" sz="2100" dirty="0"/>
+              <a:t> </a:t>
+            </a:r>
+            <a:r>
+              <a:rPr lang="ru-RU" sz="2100" dirty="0"/>
+              <a:t>разработанным </a:t>
+            </a:r>
+            <a:r>
+              <a:rPr lang="en-US" sz="2100" dirty="0" err="1"/>
+              <a:t>правилам</a:t>
+            </a:r>
+            <a:r>
+              <a:rPr lang="ru-RU" sz="2100" dirty="0"/>
+              <a:t>, однако </a:t>
+            </a:r>
+            <a:r>
+              <a:rPr lang="en-US" sz="2100" dirty="0" err="1"/>
+              <a:t>успешность</a:t>
+            </a:r>
+            <a:r>
+              <a:rPr lang="en-US" sz="2100" dirty="0"/>
+              <a:t> </a:t>
+            </a:r>
+            <a:r>
+              <a:rPr lang="en-US" sz="2100" dirty="0" err="1"/>
+              <a:t>конвертации</a:t>
+            </a:r>
+            <a:r>
+              <a:rPr lang="en-US" sz="2100" dirty="0"/>
+              <a:t> </a:t>
+            </a:r>
+            <a:r>
+              <a:rPr lang="en-US" sz="2100" dirty="0" err="1"/>
+              <a:t>зависит</a:t>
+            </a:r>
+            <a:r>
+              <a:rPr lang="en-US" sz="2100" dirty="0"/>
+              <a:t> </a:t>
+            </a:r>
+            <a:r>
+              <a:rPr lang="en-US" sz="2100" dirty="0" err="1"/>
+              <a:t>от</a:t>
+            </a:r>
+            <a:r>
+              <a:rPr lang="en-US" sz="2100" dirty="0"/>
+              <a:t> </a:t>
+            </a:r>
+            <a:r>
+              <a:rPr lang="en-US" sz="2100" dirty="0" err="1"/>
+              <a:t>многих</a:t>
+            </a:r>
+            <a:r>
+              <a:rPr lang="en-US" sz="2100" dirty="0"/>
+              <a:t> </a:t>
+            </a:r>
+            <a:r>
+              <a:rPr lang="en-US" sz="2100" dirty="0" err="1"/>
+              <a:t>факторов</a:t>
+            </a:r>
+            <a:r>
+              <a:rPr lang="ru-RU" sz="2100" dirty="0"/>
+              <a:t>: </a:t>
+            </a:r>
+          </a:p>
+          <a:p>
+            <a:pPr marL="0" indent="0" algn="just">
+              <a:buNone/>
+            </a:pPr>
+            <a:endParaRPr lang="ru-RU" sz="2100" dirty="0"/>
+          </a:p>
+          <a:p>
+            <a:pPr>
+              <a:buFontTx/>
+              <a:buChar char="-"/>
+            </a:pPr>
+            <a:r>
+              <a:rPr lang="ru-RU" sz="2100" dirty="0"/>
+              <a:t>объем текста;</a:t>
+            </a:r>
+          </a:p>
+          <a:p>
+            <a:pPr>
+              <a:buFontTx/>
+              <a:buChar char="-"/>
+            </a:pPr>
+            <a:r>
+              <a:rPr lang="ru-RU" sz="2100" dirty="0"/>
+              <a:t>его корректность с точки зрения орфографии и семантики; </a:t>
+            </a:r>
+          </a:p>
+          <a:p>
+            <a:pPr>
+              <a:buFontTx/>
+              <a:buChar char="-"/>
+            </a:pPr>
+            <a:r>
+              <a:rPr lang="ru-RU" sz="2100" dirty="0"/>
+              <a:t>результаты </a:t>
+            </a:r>
+            <a:r>
+              <a:rPr lang="ru-RU" sz="2100" dirty="0" err="1"/>
+              <a:t>парсинга</a:t>
+            </a:r>
+            <a:r>
+              <a:rPr lang="ru-RU" sz="2100" dirty="0"/>
+              <a:t> </a:t>
+            </a:r>
+            <a:r>
+              <a:rPr lang="en-US" sz="2100" dirty="0"/>
+              <a:t>Stanford Core NLP;</a:t>
+            </a:r>
+            <a:endParaRPr lang="ru-RU" sz="2100" dirty="0"/>
+          </a:p>
+          <a:p>
+            <a:pPr marL="0" indent="0">
+              <a:buNone/>
+            </a:pPr>
+            <a:r>
+              <a:rPr lang="ru-RU" sz="2100" dirty="0">
+                <a:solidFill>
+                  <a:schemeClr val="accent1"/>
+                </a:solidFill>
+              </a:rPr>
+              <a:t>-</a:t>
+            </a:r>
+            <a:r>
+              <a:rPr lang="ru-RU" sz="2100" dirty="0"/>
+              <a:t> корректность правил конвертации.</a:t>
+            </a:r>
+            <a:endParaRPr lang="en-US" sz="2100" dirty="0"/>
+          </a:p>
+        </p:txBody>
+      </p:sp>
+    </p:spTree>
+    <p:extLst>
+      <p:ext uri="{BB962C8B-B14F-4D97-AF65-F5344CB8AC3E}">
+        <p14:creationId xmlns:p14="http://schemas.microsoft.com/office/powerpoint/2010/main" val="1909838834"/>
+      </p:ext>
+    </p:extLst>
+  </p:cSld>
+  <p:clrMapOvr>
+    <a:masterClrMapping/>
+  </p:clrMapOvr>
+  <p:timing>
+    <p:tnLst>
+      <p:par>
+        <p:cTn id="1" dur="indefinite" restart="never" nodeType="tmRoot"/>
+      </p:par>
+    </p:tnLst>
+  </p:timing>
+</p:sld>
+</file>
+
 <file path=ppt/slides/slide2.xml><?xml version="1.0" encoding="utf-8"?>
 <p:sld xmlns:a="http://schemas.openxmlformats.org/drawingml/2006/main" xmlns:r="http://schemas.openxmlformats.org/officeDocument/2006/relationships" xmlns:p="http://schemas.openxmlformats.org/presentationml/2006/main">
   <p:cSld>
+    <p:bg>
+      <p:bgPr>
+        <a:solidFill>
+          <a:schemeClr val="bg1"/>
+        </a:solidFill>
+        <a:effectLst/>
+      </p:bgPr>
+    </p:bg>
     <p:spTree>
       <p:nvGrpSpPr>
         <p:cNvPr id="1" name=""/>
@@ -4809,12 +5132,15 @@
         </p:spPr>
         <p:txBody>
           <a:bodyPr>
-            <a:normAutofit/>
+            <a:noAutofit/>
           </a:bodyPr>
           <a:lstStyle/>
           <a:p>
             <a:r>
-              <a:rPr lang="ru-RU" sz="2400" dirty="0" smtClean="0">
+              <a:rPr lang="ru-RU" sz="2800" b="1" dirty="0">
+                <a:solidFill>
+                  <a:schemeClr val="accent1"/>
+                </a:solidFill>
                 <a:latin typeface="Tahoma" charset="0"/>
                 <a:ea typeface="Tahoma" charset="0"/>
                 <a:cs typeface="Tahoma" charset="0"/>
@@ -4822,7 +5148,10 @@
               <a:t>Технологии</a:t>
             </a:r>
             <a:r>
-              <a:rPr lang="en-US" sz="2400" dirty="0" smtClean="0">
+              <a:rPr lang="en-US" sz="2800" b="1" dirty="0">
+                <a:solidFill>
+                  <a:schemeClr val="accent1"/>
+                </a:solidFill>
                 <a:latin typeface="Tahoma" charset="0"/>
                 <a:ea typeface="Tahoma" charset="0"/>
                 <a:cs typeface="Tahoma" charset="0"/>
@@ -4830,14 +5159,17 @@
               <a:t>,</a:t>
             </a:r>
             <a:r>
-              <a:rPr lang="ru-RU" sz="2400" dirty="0" smtClean="0">
+              <a:rPr lang="ru-RU" sz="2800" b="1" dirty="0">
+                <a:solidFill>
+                  <a:schemeClr val="accent1"/>
+                </a:solidFill>
                 <a:latin typeface="Tahoma" charset="0"/>
                 <a:ea typeface="Tahoma" charset="0"/>
                 <a:cs typeface="Tahoma" charset="0"/>
               </a:rPr>
               <a:t> библиотеки</a:t>
             </a:r>
-            <a:endParaRPr lang="en-US" sz="2400" dirty="0">
+            <a:endParaRPr lang="en-US" sz="2800" dirty="0">
               <a:latin typeface="Tahoma" charset="0"/>
               <a:ea typeface="Tahoma" charset="0"/>
               <a:cs typeface="Tahoma" charset="0"/>
@@ -4855,8 +5187,8 @@
         </p:nvSpPr>
         <p:spPr>
           <a:xfrm>
-            <a:off x="678180" y="3534927"/>
-            <a:ext cx="7434834" cy="498764"/>
+            <a:off x="857250" y="3852168"/>
+            <a:ext cx="7255764" cy="498764"/>
           </a:xfrm>
           <a:prstGeom prst="rect">
             <a:avLst/>
@@ -4887,14 +5219,14 @@
           </a:lstStyle>
           <a:p>
             <a:r>
-              <a:rPr lang="ru-RU" sz="2400" dirty="0" smtClean="0">
+              <a:rPr lang="ru-RU" sz="2800" dirty="0" smtClean="0">
                 <a:latin typeface="Tahoma" charset="0"/>
                 <a:ea typeface="Tahoma" charset="0"/>
                 <a:cs typeface="Tahoma" charset="0"/>
               </a:rPr>
               <a:t>Новизна</a:t>
             </a:r>
-            <a:endParaRPr lang="en-US" sz="2400" dirty="0">
+            <a:endParaRPr lang="en-US" sz="2800" dirty="0">
               <a:latin typeface="Tahoma" charset="0"/>
               <a:ea typeface="Tahoma" charset="0"/>
               <a:cs typeface="Tahoma" charset="0"/>
@@ -4912,8 +5244,8 @@
         </p:nvSpPr>
         <p:spPr>
           <a:xfrm>
-            <a:off x="684657" y="4138117"/>
-            <a:ext cx="7587234" cy="1423556"/>
+            <a:off x="857249" y="4455358"/>
+            <a:ext cx="7414641" cy="1423556"/>
           </a:xfrm>
           <a:prstGeom prst="rect">
             <a:avLst/>
@@ -5170,7 +5502,7 @@
             </a:lvl9pPr>
           </a:lstStyle>
           <a:p>
-            <a:pPr>
+            <a:pPr marL="457200" indent="-457200">
               <a:lnSpc>
                 <a:spcPct val="100000"/>
               </a:lnSpc>
@@ -5180,6 +5512,8 @@
               <a:spcAft>
                 <a:spcPts val="1500"/>
               </a:spcAft>
+              <a:buFont typeface="+mj-lt"/>
+              <a:buAutoNum type="arabicPeriod"/>
             </a:pPr>
             <a:r>
               <a:rPr lang="ru-RU" sz="2400" dirty="0" smtClean="0">
@@ -5223,29 +5557,7 @@
                 <a:ea typeface="Tahoma" charset="0"/>
                 <a:cs typeface="Tahoma" charset="0"/>
               </a:rPr>
-              <a:t> </a:t>
-            </a:r>
-            <a:r>
-              <a:rPr lang="en-US" sz="2400" dirty="0" smtClean="0">
-                <a:solidFill>
-                  <a:schemeClr val="tx1"/>
-                </a:solidFill>
-                <a:latin typeface="Tahoma" charset="0"/>
-                <a:ea typeface="Tahoma" charset="0"/>
-                <a:cs typeface="Tahoma" charset="0"/>
-              </a:rPr>
-              <a:t>Stanford Core </a:t>
-            </a:r>
-            <a:r>
-              <a:rPr lang="en-US" sz="2400" dirty="0" smtClean="0">
-                <a:solidFill>
-                  <a:schemeClr val="tx1"/>
-                </a:solidFill>
-                <a:latin typeface="Tahoma" charset="0"/>
-                <a:ea typeface="Tahoma" charset="0"/>
-                <a:cs typeface="Tahoma" charset="0"/>
-              </a:rPr>
-              <a:t>NLP</a:t>
+              <a:t> Stanford Core NLP</a:t>
             </a:r>
             <a:r>
               <a:rPr lang="ru-RU" sz="2400" dirty="0" smtClean="0">
@@ -5268,7 +5580,7 @@
             </a:endParaRPr>
           </a:p>
           <a:p>
-            <a:pPr>
+            <a:pPr marL="457200" indent="-457200">
               <a:lnSpc>
                 <a:spcPct val="100000"/>
               </a:lnSpc>
@@ -5278,6 +5590,8 @@
               <a:spcAft>
                 <a:spcPts val="1500"/>
               </a:spcAft>
+              <a:buFont typeface="+mj-lt"/>
+              <a:buAutoNum type="arabicPeriod"/>
             </a:pPr>
             <a:r>
               <a:rPr lang="ru-RU" sz="2400" dirty="0" smtClean="0">
@@ -5665,18 +5979,7 @@
                 <a:ea typeface="Tahoma" charset="0"/>
                 <a:cs typeface="Tahoma" charset="0"/>
               </a:rPr>
-              <a:t>Stanford </a:t>
-            </a:r>
-            <a:r>
-              <a:rPr lang="en-US" sz="2400" dirty="0" smtClean="0">
-                <a:solidFill>
-                  <a:schemeClr val="tx1"/>
-                </a:solidFill>
-                <a:latin typeface="Tahoma" charset="0"/>
-                <a:ea typeface="Tahoma" charset="0"/>
-                <a:cs typeface="Tahoma" charset="0"/>
-              </a:rPr>
-              <a:t>Core NLP</a:t>
+              <a:t>Stanford Core NLP</a:t>
             </a:r>
           </a:p>
           <a:p>
@@ -5747,18 +6050,7 @@
                 <a:ea typeface="Tahoma" charset="0"/>
                 <a:cs typeface="Tahoma" charset="0"/>
               </a:rPr>
-              <a:t>XMI</a:t>
-            </a:r>
-            <a:r>
-              <a:rPr lang="fr-FR" sz="2400" dirty="0" smtClean="0">
-                <a:solidFill>
-                  <a:schemeClr val="tx1"/>
-                </a:solidFill>
-                <a:latin typeface="Tahoma" charset="0"/>
-                <a:ea typeface="Tahoma" charset="0"/>
-                <a:cs typeface="Tahoma" charset="0"/>
-              </a:rPr>
-              <a:t>, XML, UML</a:t>
+              <a:t>XMI, XML, UML</a:t>
             </a:r>
             <a:endParaRPr lang="ru-RU" sz="2100" dirty="0" smtClean="0">
               <a:solidFill>
@@ -5846,7 +6138,15 @@
           <a:lstStyle/>
           <a:p>
             <a:r>
-              <a:rPr lang="en-US" sz="2400" dirty="0" smtClean="0">
+              <a:rPr lang="ru-RU" sz="2400" b="1" dirty="0" smtClean="0">
+                <a:latin typeface="Tahoma" charset="0"/>
+                <a:ea typeface="Tahoma" charset="0"/>
+                <a:cs typeface="Tahoma" charset="0"/>
+              </a:rPr>
+              <a:t>1. </a:t>
+            </a:r>
+            <a:r>
+              <a:rPr lang="en-US" sz="2400" b="1" dirty="0" smtClean="0">
                 <a:latin typeface="Tahoma" charset="0"/>
                 <a:ea typeface="Tahoma" charset="0"/>
                 <a:cs typeface="Tahoma" charset="0"/>
@@ -5854,7 +6154,7 @@
               <a:t>NP </a:t>
             </a:r>
             <a:r>
-              <a:rPr lang="ru-RU" sz="2400" dirty="0">
+              <a:rPr lang="ru-RU" sz="2400" b="1" dirty="0">
                 <a:latin typeface="Tahoma" charset="0"/>
                 <a:ea typeface="Tahoma" charset="0"/>
                 <a:cs typeface="Tahoma" charset="0"/>
@@ -5862,7 +6162,7 @@
               <a:t>– </a:t>
             </a:r>
             <a:r>
-              <a:rPr lang="ru-RU" sz="2400" dirty="0" smtClean="0">
+              <a:rPr lang="ru-RU" sz="2400" b="1" dirty="0" smtClean="0">
                 <a:latin typeface="Tahoma" charset="0"/>
                 <a:ea typeface="Tahoma" charset="0"/>
                 <a:cs typeface="Tahoma" charset="0"/>
@@ -5870,7 +6170,7 @@
               <a:t>вершины</a:t>
             </a:r>
             <a:r>
-              <a:rPr lang="en-US" sz="2400" dirty="0" smtClean="0">
+              <a:rPr lang="en-US" sz="2400" b="1" dirty="0" smtClean="0">
                 <a:latin typeface="Tahoma" charset="0"/>
                 <a:ea typeface="Tahoma" charset="0"/>
                 <a:cs typeface="Tahoma" charset="0"/>
@@ -5878,14 +6178,14 @@
               <a:t>, VP </a:t>
             </a:r>
             <a:r>
-              <a:rPr lang="ru-RU" sz="2400" dirty="0" smtClean="0">
+              <a:rPr lang="ru-RU" sz="2400" b="1" dirty="0" smtClean="0">
                 <a:latin typeface="Tahoma" charset="0"/>
                 <a:ea typeface="Tahoma" charset="0"/>
                 <a:cs typeface="Tahoma" charset="0"/>
               </a:rPr>
               <a:t>– ребра</a:t>
             </a:r>
-            <a:endParaRPr lang="en-US" sz="2400" dirty="0">
+            <a:endParaRPr lang="en-US" sz="2400" b="1" dirty="0">
               <a:latin typeface="Tahoma" charset="0"/>
               <a:ea typeface="Tahoma" charset="0"/>
               <a:cs typeface="Tahoma" charset="0"/>
@@ -5895,7 +6195,7 @@
       </p:sp>
       <p:pic>
         <p:nvPicPr>
-          <p:cNvPr id="5" name="Picture 4"/>
+          <p:cNvPr id="16" name="Picture 15"/>
           <p:cNvPicPr>
             <a:picLocks noChangeAspect="1"/>
           </p:cNvPicPr>
@@ -5915,14 +6215,612 @@
         </p:blipFill>
         <p:spPr>
           <a:xfrm>
-            <a:off x="1080654" y="910937"/>
-            <a:ext cx="8379691" cy="5515409"/>
+            <a:off x="453015" y="872839"/>
+            <a:ext cx="8530080" cy="5278582"/>
           </a:xfrm>
           <a:prstGeom prst="rect">
             <a:avLst/>
           </a:prstGeom>
         </p:spPr>
       </p:pic>
+      <p:sp>
+        <p:nvSpPr>
+          <p:cNvPr id="9" name="TextBox 8"/>
+          <p:cNvSpPr txBox="1"/>
+          <p:nvPr/>
+        </p:nvSpPr>
+        <p:spPr>
+          <a:xfrm>
+            <a:off x="472927" y="2361718"/>
+            <a:ext cx="5152018" cy="2893100"/>
+          </a:xfrm>
+          <a:prstGeom prst="rect">
+            <a:avLst/>
+          </a:prstGeom>
+          <a:noFill/>
+        </p:spPr>
+        <p:txBody>
+          <a:bodyPr wrap="square" rtlCol="0">
+            <a:spAutoFit/>
+          </a:bodyPr>
+          <a:lstStyle/>
+          <a:p>
+            <a:r>
+              <a:rPr lang="mr-IN" sz="1400" dirty="0">
+                <a:latin typeface="Tahoma" charset="0"/>
+                <a:ea typeface="Tahoma" charset="0"/>
+                <a:cs typeface="Tahoma" charset="0"/>
+              </a:rPr>
+              <a:t>(ROOT </a:t>
+            </a:r>
+            <a:endParaRPr lang="ru-RU" sz="1400" dirty="0" smtClean="0">
+              <a:latin typeface="Tahoma" charset="0"/>
+              <a:ea typeface="Tahoma" charset="0"/>
+              <a:cs typeface="Tahoma" charset="0"/>
+            </a:endParaRPr>
+          </a:p>
+          <a:p>
+            <a:r>
+              <a:rPr lang="ru-RU" sz="1400" dirty="0">
+                <a:latin typeface="Tahoma" charset="0"/>
+                <a:ea typeface="Tahoma" charset="0"/>
+                <a:cs typeface="Tahoma" charset="0"/>
+              </a:rPr>
+              <a:t> </a:t>
+            </a:r>
+            <a:r>
+              <a:rPr lang="ru-RU" sz="1400" dirty="0" smtClean="0">
+                <a:latin typeface="Tahoma" charset="0"/>
+                <a:ea typeface="Tahoma" charset="0"/>
+                <a:cs typeface="Tahoma" charset="0"/>
+              </a:rPr>
+              <a:t> </a:t>
+            </a:r>
+            <a:r>
+              <a:rPr lang="mr-IN" sz="1400" dirty="0" smtClean="0">
+                <a:latin typeface="Tahoma" charset="0"/>
+                <a:ea typeface="Tahoma" charset="0"/>
+                <a:cs typeface="Tahoma" charset="0"/>
+              </a:rPr>
+              <a:t>(</a:t>
+            </a:r>
+            <a:r>
+              <a:rPr lang="mr-IN" sz="1400" dirty="0" err="1" smtClean="0">
+                <a:latin typeface="Tahoma" charset="0"/>
+                <a:ea typeface="Tahoma" charset="0"/>
+                <a:cs typeface="Tahoma" charset="0"/>
+              </a:rPr>
+              <a:t>S</a:t>
+            </a:r>
+            <a:r>
+              <a:rPr lang="mr-IN" sz="1400" dirty="0" smtClean="0">
+                <a:latin typeface="Tahoma" charset="0"/>
+                <a:ea typeface="Tahoma" charset="0"/>
+                <a:cs typeface="Tahoma" charset="0"/>
+              </a:rPr>
+              <a:t>    </a:t>
+            </a:r>
+            <a:endParaRPr lang="ru-RU" sz="1400" dirty="0" smtClean="0">
+              <a:latin typeface="Tahoma" charset="0"/>
+              <a:ea typeface="Tahoma" charset="0"/>
+              <a:cs typeface="Tahoma" charset="0"/>
+            </a:endParaRPr>
+          </a:p>
+          <a:p>
+            <a:r>
+              <a:rPr lang="ru-RU" sz="1400" b="1" dirty="0" smtClean="0">
+                <a:latin typeface="Tahoma" charset="0"/>
+                <a:ea typeface="Tahoma" charset="0"/>
+                <a:cs typeface="Tahoma" charset="0"/>
+              </a:rPr>
+              <a:t>    </a:t>
+            </a:r>
+            <a:r>
+              <a:rPr lang="mr-IN" sz="1400" b="1" dirty="0" smtClean="0">
+                <a:latin typeface="Tahoma" charset="0"/>
+                <a:ea typeface="Tahoma" charset="0"/>
+                <a:cs typeface="Tahoma" charset="0"/>
+              </a:rPr>
+              <a:t>(</a:t>
+            </a:r>
+            <a:r>
+              <a:rPr lang="mr-IN" sz="1400" b="1" dirty="0">
+                <a:latin typeface="Tahoma" charset="0"/>
+                <a:ea typeface="Tahoma" charset="0"/>
+                <a:cs typeface="Tahoma" charset="0"/>
+              </a:rPr>
+              <a:t>NP (DT </a:t>
+            </a:r>
+            <a:r>
+              <a:rPr lang="mr-IN" sz="1400" b="1" dirty="0" err="1">
+                <a:latin typeface="Tahoma" charset="0"/>
+                <a:ea typeface="Tahoma" charset="0"/>
+                <a:cs typeface="Tahoma" charset="0"/>
+              </a:rPr>
+              <a:t>A</a:t>
+            </a:r>
+            <a:r>
+              <a:rPr lang="mr-IN" sz="1400" b="1" dirty="0">
+                <a:latin typeface="Tahoma" charset="0"/>
+                <a:ea typeface="Tahoma" charset="0"/>
+                <a:cs typeface="Tahoma" charset="0"/>
+              </a:rPr>
+              <a:t>) (NN </a:t>
+            </a:r>
+            <a:r>
+              <a:rPr lang="mr-IN" sz="1400" b="1" dirty="0" err="1">
+                <a:latin typeface="Tahoma" charset="0"/>
+                <a:ea typeface="Tahoma" charset="0"/>
+                <a:cs typeface="Tahoma" charset="0"/>
+              </a:rPr>
+              <a:t>Clock</a:t>
+            </a:r>
+            <a:r>
+              <a:rPr lang="mr-IN" sz="1400" b="1" dirty="0">
+                <a:latin typeface="Tahoma" charset="0"/>
+                <a:ea typeface="Tahoma" charset="0"/>
+                <a:cs typeface="Tahoma" charset="0"/>
+              </a:rPr>
+              <a:t>))   </a:t>
+            </a:r>
+            <a:endParaRPr lang="ru-RU" sz="1400" b="1" dirty="0" smtClean="0">
+              <a:latin typeface="Tahoma" charset="0"/>
+              <a:ea typeface="Tahoma" charset="0"/>
+              <a:cs typeface="Tahoma" charset="0"/>
+            </a:endParaRPr>
+          </a:p>
+          <a:p>
+            <a:r>
+              <a:rPr lang="mr-IN" sz="1400" dirty="0" smtClean="0">
+                <a:latin typeface="Tahoma" charset="0"/>
+                <a:ea typeface="Tahoma" charset="0"/>
+                <a:cs typeface="Tahoma" charset="0"/>
+              </a:rPr>
+              <a:t> </a:t>
+            </a:r>
+            <a:r>
+              <a:rPr lang="ru-RU" sz="1400" dirty="0" smtClean="0">
+                <a:latin typeface="Tahoma" charset="0"/>
+                <a:ea typeface="Tahoma" charset="0"/>
+                <a:cs typeface="Tahoma" charset="0"/>
+              </a:rPr>
+              <a:t>   </a:t>
+            </a:r>
+            <a:r>
+              <a:rPr lang="mr-IN" sz="1400" dirty="0" smtClean="0">
+                <a:latin typeface="Tahoma" charset="0"/>
+                <a:ea typeface="Tahoma" charset="0"/>
+                <a:cs typeface="Tahoma" charset="0"/>
+              </a:rPr>
+              <a:t>(</a:t>
+            </a:r>
+            <a:r>
+              <a:rPr lang="mr-IN" sz="1400" dirty="0">
+                <a:latin typeface="Tahoma" charset="0"/>
+                <a:ea typeface="Tahoma" charset="0"/>
+                <a:cs typeface="Tahoma" charset="0"/>
+              </a:rPr>
+              <a:t>VP (VBZ </a:t>
+            </a:r>
+            <a:r>
+              <a:rPr lang="mr-IN" sz="1400" dirty="0" err="1">
+                <a:latin typeface="Tahoma" charset="0"/>
+                <a:ea typeface="Tahoma" charset="0"/>
+                <a:cs typeface="Tahoma" charset="0"/>
+              </a:rPr>
+              <a:t>is</a:t>
+            </a:r>
+            <a:r>
+              <a:rPr lang="mr-IN" sz="1400" dirty="0">
+                <a:latin typeface="Tahoma" charset="0"/>
+                <a:ea typeface="Tahoma" charset="0"/>
+                <a:cs typeface="Tahoma" charset="0"/>
+              </a:rPr>
+              <a:t>)    </a:t>
+            </a:r>
+            <a:endParaRPr lang="ru-RU" sz="1400" dirty="0" smtClean="0">
+              <a:latin typeface="Tahoma" charset="0"/>
+              <a:ea typeface="Tahoma" charset="0"/>
+              <a:cs typeface="Tahoma" charset="0"/>
+            </a:endParaRPr>
+          </a:p>
+          <a:p>
+            <a:r>
+              <a:rPr lang="ru-RU" sz="1400" dirty="0">
+                <a:solidFill>
+                  <a:srgbClr val="C00000"/>
+                </a:solidFill>
+                <a:latin typeface="Tahoma" charset="0"/>
+                <a:ea typeface="Tahoma" charset="0"/>
+                <a:cs typeface="Tahoma" charset="0"/>
+              </a:rPr>
+              <a:t> </a:t>
+            </a:r>
+            <a:r>
+              <a:rPr lang="ru-RU" sz="1400" dirty="0" smtClean="0">
+                <a:solidFill>
+                  <a:srgbClr val="C00000"/>
+                </a:solidFill>
+                <a:latin typeface="Tahoma" charset="0"/>
+                <a:ea typeface="Tahoma" charset="0"/>
+                <a:cs typeface="Tahoma" charset="0"/>
+              </a:rPr>
+              <a:t>   </a:t>
+            </a:r>
+            <a:r>
+              <a:rPr lang="mr-IN" sz="1400" dirty="0" smtClean="0">
+                <a:solidFill>
+                  <a:srgbClr val="C00000"/>
+                </a:solidFill>
+                <a:latin typeface="Tahoma" charset="0"/>
+                <a:ea typeface="Tahoma" charset="0"/>
+                <a:cs typeface="Tahoma" charset="0"/>
+              </a:rPr>
+              <a:t>  </a:t>
+            </a:r>
+            <a:r>
+              <a:rPr lang="mr-IN" sz="1400" b="1" dirty="0">
+                <a:latin typeface="Tahoma" charset="0"/>
+                <a:ea typeface="Tahoma" charset="0"/>
+                <a:cs typeface="Tahoma" charset="0"/>
+              </a:rPr>
+              <a:t>(NP (DT </a:t>
+            </a:r>
+            <a:r>
+              <a:rPr lang="mr-IN" sz="1400" b="1" dirty="0" err="1">
+                <a:latin typeface="Tahoma" charset="0"/>
+                <a:ea typeface="Tahoma" charset="0"/>
+                <a:cs typeface="Tahoma" charset="0"/>
+              </a:rPr>
+              <a:t>a</a:t>
+            </a:r>
+            <a:r>
+              <a:rPr lang="mr-IN" sz="1400" b="1" dirty="0">
+                <a:latin typeface="Tahoma" charset="0"/>
+                <a:ea typeface="Tahoma" charset="0"/>
+                <a:cs typeface="Tahoma" charset="0"/>
+              </a:rPr>
+              <a:t>) (NN </a:t>
+            </a:r>
+            <a:r>
+              <a:rPr lang="mr-IN" sz="1400" b="1" dirty="0" err="1">
+                <a:latin typeface="Tahoma" charset="0"/>
+                <a:ea typeface="Tahoma" charset="0"/>
+                <a:cs typeface="Tahoma" charset="0"/>
+              </a:rPr>
+              <a:t>TemporalInstrument</a:t>
+            </a:r>
+            <a:r>
+              <a:rPr lang="mr-IN" sz="1400" b="1" dirty="0">
+                <a:latin typeface="Tahoma" charset="0"/>
+                <a:ea typeface="Tahoma" charset="0"/>
+                <a:cs typeface="Tahoma" charset="0"/>
+              </a:rPr>
+              <a:t>)       </a:t>
+            </a:r>
+            <a:endParaRPr lang="ru-RU" sz="1400" b="1" dirty="0" smtClean="0">
+              <a:latin typeface="Tahoma" charset="0"/>
+              <a:ea typeface="Tahoma" charset="0"/>
+              <a:cs typeface="Tahoma" charset="0"/>
+            </a:endParaRPr>
+          </a:p>
+          <a:p>
+            <a:r>
+              <a:rPr lang="mr-IN" sz="1400" dirty="0" smtClean="0">
+                <a:latin typeface="Tahoma" charset="0"/>
+                <a:ea typeface="Tahoma" charset="0"/>
+                <a:cs typeface="Tahoma" charset="0"/>
+              </a:rPr>
+              <a:t> </a:t>
+            </a:r>
+            <a:r>
+              <a:rPr lang="ru-RU" sz="1400" dirty="0" smtClean="0">
+                <a:latin typeface="Tahoma" charset="0"/>
+                <a:ea typeface="Tahoma" charset="0"/>
+                <a:cs typeface="Tahoma" charset="0"/>
+              </a:rPr>
+              <a:t>       </a:t>
+            </a:r>
+            <a:r>
+              <a:rPr lang="mr-IN" sz="1400" dirty="0" smtClean="0">
+                <a:latin typeface="Tahoma" charset="0"/>
+                <a:ea typeface="Tahoma" charset="0"/>
+                <a:cs typeface="Tahoma" charset="0"/>
+              </a:rPr>
+              <a:t>(</a:t>
+            </a:r>
+            <a:r>
+              <a:rPr lang="mr-IN" sz="1400" dirty="0" err="1">
+                <a:latin typeface="Tahoma" charset="0"/>
+                <a:ea typeface="Tahoma" charset="0"/>
+                <a:cs typeface="Tahoma" charset="0"/>
+              </a:rPr>
+              <a:t>S</a:t>
+            </a:r>
+            <a:r>
+              <a:rPr lang="mr-IN" sz="1400" dirty="0">
+                <a:latin typeface="Tahoma" charset="0"/>
+                <a:ea typeface="Tahoma" charset="0"/>
+                <a:cs typeface="Tahoma" charset="0"/>
+              </a:rPr>
+              <a:t> </a:t>
+            </a:r>
+            <a:endParaRPr lang="ru-RU" sz="1400" dirty="0" smtClean="0">
+              <a:latin typeface="Tahoma" charset="0"/>
+              <a:ea typeface="Tahoma" charset="0"/>
+              <a:cs typeface="Tahoma" charset="0"/>
+            </a:endParaRPr>
+          </a:p>
+          <a:p>
+            <a:r>
+              <a:rPr lang="mr-IN" sz="1400" dirty="0" smtClean="0">
+                <a:latin typeface="Tahoma" charset="0"/>
+                <a:ea typeface="Tahoma" charset="0"/>
+                <a:cs typeface="Tahoma" charset="0"/>
+              </a:rPr>
+              <a:t>         </a:t>
+            </a:r>
+            <a:r>
+              <a:rPr lang="mr-IN" sz="1400" dirty="0">
+                <a:latin typeface="Tahoma" charset="0"/>
+                <a:ea typeface="Tahoma" charset="0"/>
+                <a:cs typeface="Tahoma" charset="0"/>
+              </a:rPr>
+              <a:t>(VP (TO to)           </a:t>
+            </a:r>
+            <a:endParaRPr lang="ru-RU" sz="1400" dirty="0" smtClean="0">
+              <a:latin typeface="Tahoma" charset="0"/>
+              <a:ea typeface="Tahoma" charset="0"/>
+              <a:cs typeface="Tahoma" charset="0"/>
+            </a:endParaRPr>
+          </a:p>
+          <a:p>
+            <a:r>
+              <a:rPr lang="ru-RU" sz="1400" dirty="0" smtClean="0">
+                <a:latin typeface="Tahoma" charset="0"/>
+                <a:ea typeface="Tahoma" charset="0"/>
+                <a:cs typeface="Tahoma" charset="0"/>
+              </a:rPr>
+              <a:t>          </a:t>
+            </a:r>
+            <a:r>
+              <a:rPr lang="mr-IN" sz="1400" dirty="0" smtClean="0">
+                <a:latin typeface="Tahoma" charset="0"/>
+                <a:ea typeface="Tahoma" charset="0"/>
+                <a:cs typeface="Tahoma" charset="0"/>
+              </a:rPr>
+              <a:t> </a:t>
+            </a:r>
+            <a:r>
+              <a:rPr lang="mr-IN" sz="1400" dirty="0">
+                <a:latin typeface="Tahoma" charset="0"/>
+                <a:ea typeface="Tahoma" charset="0"/>
+                <a:cs typeface="Tahoma" charset="0"/>
+              </a:rPr>
+              <a:t>(VP (VB </a:t>
+            </a:r>
+            <a:r>
+              <a:rPr lang="mr-IN" sz="1400" dirty="0" err="1">
+                <a:latin typeface="Tahoma" charset="0"/>
+                <a:ea typeface="Tahoma" charset="0"/>
+                <a:cs typeface="Tahoma" charset="0"/>
+              </a:rPr>
+              <a:t>generate</a:t>
+            </a:r>
+            <a:r>
+              <a:rPr lang="mr-IN" sz="1400" dirty="0">
+                <a:latin typeface="Tahoma" charset="0"/>
+                <a:ea typeface="Tahoma" charset="0"/>
+                <a:cs typeface="Tahoma" charset="0"/>
+              </a:rPr>
+              <a:t>)             </a:t>
+            </a:r>
+            <a:endParaRPr lang="ru-RU" sz="1400" dirty="0" smtClean="0">
+              <a:latin typeface="Tahoma" charset="0"/>
+              <a:ea typeface="Tahoma" charset="0"/>
+              <a:cs typeface="Tahoma" charset="0"/>
+            </a:endParaRPr>
+          </a:p>
+          <a:p>
+            <a:r>
+              <a:rPr lang="ru-RU" sz="1400" dirty="0" smtClean="0">
+                <a:latin typeface="Tahoma" charset="0"/>
+                <a:ea typeface="Tahoma" charset="0"/>
+                <a:cs typeface="Tahoma" charset="0"/>
+              </a:rPr>
+              <a:t>            </a:t>
+            </a:r>
+            <a:r>
+              <a:rPr lang="mr-IN" sz="1400" dirty="0" smtClean="0">
+                <a:latin typeface="Tahoma" charset="0"/>
+                <a:ea typeface="Tahoma" charset="0"/>
+                <a:cs typeface="Tahoma" charset="0"/>
+              </a:rPr>
+              <a:t> </a:t>
+            </a:r>
+            <a:r>
+              <a:rPr lang="mr-IN" sz="1400" dirty="0">
+                <a:latin typeface="Tahoma" charset="0"/>
+                <a:ea typeface="Tahoma" charset="0"/>
+                <a:cs typeface="Tahoma" charset="0"/>
+              </a:rPr>
+              <a:t>(NP                </a:t>
+            </a:r>
+            <a:endParaRPr lang="ru-RU" sz="1400" dirty="0" smtClean="0">
+              <a:latin typeface="Tahoma" charset="0"/>
+              <a:ea typeface="Tahoma" charset="0"/>
+              <a:cs typeface="Tahoma" charset="0"/>
+            </a:endParaRPr>
+          </a:p>
+          <a:p>
+            <a:r>
+              <a:rPr lang="ru-RU" sz="1400" dirty="0" smtClean="0">
+                <a:latin typeface="Tahoma" charset="0"/>
+                <a:ea typeface="Tahoma" charset="0"/>
+                <a:cs typeface="Tahoma" charset="0"/>
+              </a:rPr>
+              <a:t>               </a:t>
+            </a:r>
+            <a:r>
+              <a:rPr lang="mr-IN" sz="1400" dirty="0" smtClean="0">
+                <a:latin typeface="Tahoma" charset="0"/>
+                <a:ea typeface="Tahoma" charset="0"/>
+                <a:cs typeface="Tahoma" charset="0"/>
+              </a:rPr>
+              <a:t>(</a:t>
+            </a:r>
+            <a:r>
+              <a:rPr lang="mr-IN" sz="1400" dirty="0">
+                <a:latin typeface="Tahoma" charset="0"/>
+                <a:ea typeface="Tahoma" charset="0"/>
+                <a:cs typeface="Tahoma" charset="0"/>
+              </a:rPr>
+              <a:t>NP (DT the) (NNS </a:t>
+            </a:r>
+            <a:r>
+              <a:rPr lang="mr-IN" sz="1400" dirty="0" err="1">
+                <a:latin typeface="Tahoma" charset="0"/>
+                <a:ea typeface="Tahoma" charset="0"/>
+                <a:cs typeface="Tahoma" charset="0"/>
+              </a:rPr>
+              <a:t>instances</a:t>
+            </a:r>
+            <a:r>
+              <a:rPr lang="mr-IN" sz="1400" dirty="0">
+                <a:latin typeface="Tahoma" charset="0"/>
+                <a:ea typeface="Tahoma" charset="0"/>
+                <a:cs typeface="Tahoma" charset="0"/>
+              </a:rPr>
+              <a:t>))                </a:t>
+            </a:r>
+            <a:r>
+              <a:rPr lang="ru-RU" sz="1400" dirty="0" smtClean="0">
+                <a:latin typeface="Tahoma" charset="0"/>
+                <a:ea typeface="Tahoma" charset="0"/>
+                <a:cs typeface="Tahoma" charset="0"/>
+              </a:rPr>
+              <a:t>   </a:t>
+            </a:r>
+          </a:p>
+          <a:p>
+            <a:r>
+              <a:rPr lang="ru-RU" sz="1400" dirty="0" smtClean="0">
+                <a:latin typeface="Tahoma" charset="0"/>
+                <a:ea typeface="Tahoma" charset="0"/>
+                <a:cs typeface="Tahoma" charset="0"/>
+              </a:rPr>
+              <a:t>               </a:t>
+            </a:r>
+            <a:r>
+              <a:rPr lang="mr-IN" sz="1400" dirty="0" smtClean="0">
+                <a:latin typeface="Tahoma" charset="0"/>
+                <a:ea typeface="Tahoma" charset="0"/>
+                <a:cs typeface="Tahoma" charset="0"/>
+              </a:rPr>
+              <a:t>(</a:t>
+            </a:r>
+            <a:r>
+              <a:rPr lang="mr-IN" sz="1400" dirty="0">
+                <a:latin typeface="Tahoma" charset="0"/>
+                <a:ea typeface="Tahoma" charset="0"/>
+                <a:cs typeface="Tahoma" charset="0"/>
+              </a:rPr>
+              <a:t>PP (IN of)                 </a:t>
+            </a:r>
+            <a:endParaRPr lang="ru-RU" sz="1400" dirty="0" smtClean="0">
+              <a:latin typeface="Tahoma" charset="0"/>
+              <a:ea typeface="Tahoma" charset="0"/>
+              <a:cs typeface="Tahoma" charset="0"/>
+            </a:endParaRPr>
+          </a:p>
+          <a:p>
+            <a:r>
+              <a:rPr lang="ru-RU" sz="1400" dirty="0" smtClean="0">
+                <a:latin typeface="Tahoma" charset="0"/>
+                <a:ea typeface="Tahoma" charset="0"/>
+                <a:cs typeface="Tahoma" charset="0"/>
+              </a:rPr>
+              <a:t>	</a:t>
+            </a:r>
+            <a:r>
+              <a:rPr lang="mr-IN" sz="1400" dirty="0" smtClean="0">
+                <a:latin typeface="Tahoma" charset="0"/>
+                <a:ea typeface="Tahoma" charset="0"/>
+                <a:cs typeface="Tahoma" charset="0"/>
+              </a:rPr>
+              <a:t> </a:t>
+            </a:r>
+            <a:r>
+              <a:rPr lang="mr-IN" sz="1400" b="1" dirty="0">
+                <a:latin typeface="Tahoma" charset="0"/>
+                <a:ea typeface="Tahoma" charset="0"/>
+                <a:cs typeface="Tahoma" charset="0"/>
+              </a:rPr>
+              <a:t>(NP (DT </a:t>
+            </a:r>
+            <a:r>
+              <a:rPr lang="mr-IN" sz="1400" b="1" dirty="0" err="1">
+                <a:latin typeface="Tahoma" charset="0"/>
+                <a:ea typeface="Tahoma" charset="0"/>
+                <a:cs typeface="Tahoma" charset="0"/>
+              </a:rPr>
+              <a:t>a</a:t>
+            </a:r>
+            <a:r>
+              <a:rPr lang="mr-IN" sz="1400" b="1" dirty="0">
+                <a:latin typeface="Tahoma" charset="0"/>
+                <a:ea typeface="Tahoma" charset="0"/>
+                <a:cs typeface="Tahoma" charset="0"/>
+              </a:rPr>
+              <a:t>) (NN </a:t>
+            </a:r>
+            <a:r>
+              <a:rPr lang="mr-IN" sz="1400" b="1" dirty="0" err="1">
+                <a:latin typeface="Tahoma" charset="0"/>
+                <a:ea typeface="Tahoma" charset="0"/>
+                <a:cs typeface="Tahoma" charset="0"/>
+              </a:rPr>
+              <a:t>TemporalMeasure</a:t>
+            </a:r>
+            <a:r>
+              <a:rPr lang="mr-IN" sz="1400" b="1" dirty="0" smtClean="0">
+                <a:latin typeface="Tahoma" charset="0"/>
+                <a:ea typeface="Tahoma" charset="0"/>
+                <a:cs typeface="Tahoma" charset="0"/>
+              </a:rPr>
+              <a:t>)) </a:t>
+            </a:r>
+            <a:endParaRPr lang="ru-RU" sz="1400" b="1" dirty="0" smtClean="0">
+              <a:latin typeface="Tahoma" charset="0"/>
+              <a:ea typeface="Tahoma" charset="0"/>
+              <a:cs typeface="Tahoma" charset="0"/>
+            </a:endParaRPr>
+          </a:p>
+          <a:p>
+            <a:r>
+              <a:rPr lang="mr-IN" sz="1400" dirty="0" smtClean="0">
+                <a:latin typeface="Tahoma" charset="0"/>
+                <a:ea typeface="Tahoma" charset="0"/>
+                <a:cs typeface="Tahoma" charset="0"/>
+              </a:rPr>
+              <a:t> </a:t>
+            </a:r>
+            <a:r>
+              <a:rPr lang="mr-IN" sz="1400" dirty="0">
+                <a:latin typeface="Tahoma" charset="0"/>
+                <a:ea typeface="Tahoma" charset="0"/>
+                <a:cs typeface="Tahoma" charset="0"/>
+              </a:rPr>
+              <a:t>(. .)))</a:t>
+            </a:r>
+            <a:endParaRPr lang="en-US" sz="1400" dirty="0">
+              <a:latin typeface="Tahoma" charset="0"/>
+              <a:ea typeface="Tahoma" charset="0"/>
+              <a:cs typeface="Tahoma" charset="0"/>
+            </a:endParaRPr>
+          </a:p>
+        </p:txBody>
+      </p:sp>
     </p:spTree>
     <p:extLst>
       <p:ext uri="{BB962C8B-B14F-4D97-AF65-F5344CB8AC3E}">
@@ -5972,8 +6870,8 @@
         </p:nvSpPr>
         <p:spPr>
           <a:xfrm>
-            <a:off x="599210" y="288190"/>
-            <a:ext cx="7561257" cy="735315"/>
+            <a:off x="946404" y="365760"/>
+            <a:ext cx="7269480" cy="728749"/>
           </a:xfrm>
         </p:spPr>
         <p:txBody>
@@ -5983,17 +6881,177 @@
           <a:lstStyle/>
           <a:p>
             <a:r>
+              <a:rPr lang="ru-RU" sz="2400" dirty="0" smtClean="0">
+                <a:latin typeface="Tahoma" charset="0"/>
+                <a:ea typeface="Tahoma" charset="0"/>
+                <a:cs typeface="Tahoma" charset="0"/>
+              </a:rPr>
+              <a:t>Для сравнения предыдущие попытки </a:t>
+            </a:r>
+            <a:r>
+              <a:rPr lang="ru-RU" sz="2400" dirty="0" err="1" smtClean="0">
+                <a:latin typeface="Tahoma" charset="0"/>
+                <a:ea typeface="Tahoma" charset="0"/>
+                <a:cs typeface="Tahoma" charset="0"/>
+              </a:rPr>
+              <a:t>парсинга</a:t>
+            </a:r>
+            <a:r>
+              <a:rPr lang="ru-RU" sz="2400" dirty="0" smtClean="0">
+                <a:latin typeface="Tahoma" charset="0"/>
+                <a:ea typeface="Tahoma" charset="0"/>
+                <a:cs typeface="Tahoma" charset="0"/>
+              </a:rPr>
+              <a:t> зачастую использовали привязку к зависимостям</a:t>
+            </a:r>
+            <a:endParaRPr lang="en-US" sz="2400" dirty="0">
+              <a:latin typeface="Tahoma" charset="0"/>
+              <a:ea typeface="Tahoma" charset="0"/>
+              <a:cs typeface="Tahoma" charset="0"/>
+            </a:endParaRPr>
+          </a:p>
+        </p:txBody>
+      </p:sp>
+      <p:pic>
+        <p:nvPicPr>
+          <p:cNvPr id="9" name="Picture 8"/>
+          <p:cNvPicPr>
+            <a:picLocks noChangeAspect="1"/>
+          </p:cNvPicPr>
+          <p:nvPr/>
+        </p:nvPicPr>
+        <p:blipFill>
+          <a:blip r:embed="rId2">
+            <a:extLst>
+              <a:ext uri="{28A0092B-C50C-407E-A947-70E740481C1C}">
+                <a14:useLocalDpi xmlns:a14="http://schemas.microsoft.com/office/drawing/2010/main" val="0"/>
+              </a:ext>
+            </a:extLst>
+          </a:blip>
+          <a:stretch>
+            <a:fillRect/>
+          </a:stretch>
+        </p:blipFill>
+        <p:spPr>
+          <a:xfrm>
+            <a:off x="516221" y="1818408"/>
+            <a:ext cx="7810500" cy="2654300"/>
+          </a:xfrm>
+          <a:prstGeom prst="rect">
+            <a:avLst/>
+          </a:prstGeom>
+        </p:spPr>
+      </p:pic>
+      <p:sp>
+        <p:nvSpPr>
+          <p:cNvPr id="10" name="TextBox 9"/>
+          <p:cNvSpPr txBox="1"/>
+          <p:nvPr/>
+        </p:nvSpPr>
+        <p:spPr>
+          <a:xfrm>
+            <a:off x="516221" y="5070764"/>
+            <a:ext cx="7699663" cy="400110"/>
+          </a:xfrm>
+          <a:prstGeom prst="rect">
+            <a:avLst/>
+          </a:prstGeom>
+          <a:noFill/>
+        </p:spPr>
+        <p:txBody>
+          <a:bodyPr wrap="square" rtlCol="0">
+            <a:spAutoFit/>
+          </a:bodyPr>
+          <a:lstStyle/>
+          <a:p>
+            <a:r>
+              <a:rPr lang="ru-RU" sz="2000" dirty="0" smtClean="0">
+                <a:latin typeface="Tahoma" charset="0"/>
+                <a:ea typeface="Tahoma" charset="0"/>
+                <a:cs typeface="Tahoma" charset="0"/>
+              </a:rPr>
+              <a:t>Обход такого графа часто приводил к множеству рекурсий</a:t>
+            </a:r>
+            <a:endParaRPr lang="en-US" sz="2000" dirty="0">
+              <a:latin typeface="Tahoma" charset="0"/>
+              <a:ea typeface="Tahoma" charset="0"/>
+              <a:cs typeface="Tahoma" charset="0"/>
+            </a:endParaRPr>
+          </a:p>
+        </p:txBody>
+      </p:sp>
+    </p:spTree>
+    <p:extLst>
+      <p:ext uri="{BB962C8B-B14F-4D97-AF65-F5344CB8AC3E}">
+        <p14:creationId xmlns:p14="http://schemas.microsoft.com/office/powerpoint/2010/main" val="1657591726"/>
+      </p:ext>
+    </p:extLst>
+  </p:cSld>
+  <p:clrMapOvr>
+    <a:masterClrMapping/>
+  </p:clrMapOvr>
+</p:sld>
+</file>
+
+<file path=ppt/slides/slide6.xml><?xml version="1.0" encoding="utf-8"?>
+<p:sld xmlns:a="http://schemas.openxmlformats.org/drawingml/2006/main" xmlns:r="http://schemas.openxmlformats.org/officeDocument/2006/relationships" xmlns:p="http://schemas.openxmlformats.org/presentationml/2006/main">
+  <p:cSld>
+    <p:spTree>
+      <p:nvGrpSpPr>
+        <p:cNvPr id="1" name=""/>
+        <p:cNvGrpSpPr/>
+        <p:nvPr/>
+      </p:nvGrpSpPr>
+      <p:grpSpPr>
+        <a:xfrm>
+          <a:off x="0" y="0"/>
+          <a:ext cx="0" cy="0"/>
+          <a:chOff x="0" y="0"/>
+          <a:chExt cx="0" cy="0"/>
+        </a:xfrm>
+      </p:grpSpPr>
+      <p:sp>
+        <p:nvSpPr>
+          <p:cNvPr id="2" name="Title 1"/>
+          <p:cNvSpPr>
+            <a:spLocks noGrp="1"/>
+          </p:cNvSpPr>
+          <p:nvPr>
+            <p:ph type="title"/>
+          </p:nvPr>
+        </p:nvSpPr>
+        <p:spPr>
+          <a:xfrm>
+            <a:off x="599210" y="288190"/>
+            <a:ext cx="7561257" cy="735315"/>
+          </a:xfrm>
+        </p:spPr>
+        <p:txBody>
+          <a:bodyPr>
+            <a:noAutofit/>
+          </a:bodyPr>
+          <a:lstStyle/>
+          <a:p>
+            <a:r>
+              <a:rPr lang="ru-RU" sz="2400" dirty="0" smtClean="0">
+                <a:latin typeface="Tahoma" charset="0"/>
+                <a:ea typeface="Tahoma" charset="0"/>
+                <a:cs typeface="Tahoma" charset="0"/>
+              </a:rPr>
+              <a:t>2. Правила </a:t>
+            </a:r>
+            <a:r>
               <a:rPr lang="ru-RU" sz="2400" dirty="0">
-                <a:latin typeface="Helvetica Neue" charset="0"/>
-                <a:ea typeface="Helvetica Neue" charset="0"/>
-                <a:cs typeface="Helvetica Neue" charset="0"/>
-              </a:rPr>
-              <a:t>Правила преобразования промежуточного графа в UML граф</a:t>
+                <a:latin typeface="Tahoma" charset="0"/>
+                <a:ea typeface="Tahoma" charset="0"/>
+                <a:cs typeface="Tahoma" charset="0"/>
+              </a:rPr>
+              <a:t>преобразования промежуточного графа в UML граф</a:t>
             </a:r>
             <a:endParaRPr lang="en-US" sz="2400" dirty="0">
-              <a:latin typeface="Helvetica Neue" charset="0"/>
-              <a:ea typeface="Helvetica Neue" charset="0"/>
-              <a:cs typeface="Helvetica Neue" charset="0"/>
+              <a:latin typeface="Tahoma" charset="0"/>
+              <a:ea typeface="Tahoma" charset="0"/>
+              <a:cs typeface="Tahoma" charset="0"/>
             </a:endParaRPr>
           </a:p>
         </p:txBody>
@@ -6636,7 +7694,7 @@
                         </a:spcAft>
                       </a:pPr>
                       <a:r>
-                        <a:rPr lang="en-US" sz="1600">
+                        <a:rPr lang="en-US" sz="1600" dirty="0">
                           <a:effectLst/>
                           <a:latin typeface="Tahoma" charset="0"/>
                           <a:ea typeface="Tahoma" charset="0"/>
@@ -6644,7 +7702,7 @@
                         </a:rPr>
                         <a:t>СС</a:t>
                       </a:r>
-                      <a:endParaRPr lang="en-US" sz="1600">
+                      <a:endParaRPr lang="en-US" sz="1600" dirty="0">
                         <a:solidFill>
                           <a:srgbClr val="000000"/>
                         </a:solidFill>
@@ -6726,7 +7784,7 @@
 </p:sld>
 </file>
 
-<file path=ppt/slides/slide6.xml><?xml version="1.0" encoding="utf-8"?>
+<file path=ppt/slides/slide7.xml><?xml version="1.0" encoding="utf-8"?>
 <p:sld xmlns:a="http://schemas.openxmlformats.org/drawingml/2006/main" xmlns:r="http://schemas.openxmlformats.org/officeDocument/2006/relationships" xmlns:p="http://schemas.openxmlformats.org/presentationml/2006/main">
   <p:cSld>
     <p:spTree>
@@ -6745,51 +7803,14 @@
       </p:grpSpPr>
       <p:sp>
         <p:nvSpPr>
-          <p:cNvPr id="2" name="Title 1"/>
-          <p:cNvSpPr>
-            <a:spLocks noGrp="1"/>
-          </p:cNvSpPr>
-          <p:nvPr>
-            <p:ph type="title"/>
-          </p:nvPr>
+          <p:cNvPr id="7" name="TextBox 6"/>
+          <p:cNvSpPr txBox="1"/>
+          <p:nvPr/>
         </p:nvSpPr>
         <p:spPr>
           <a:xfrm>
-            <a:off x="967440" y="567671"/>
-            <a:ext cx="7196850" cy="782189"/>
-          </a:xfrm>
-        </p:spPr>
-        <p:txBody>
-          <a:bodyPr>
-            <a:noAutofit/>
-          </a:bodyPr>
-          <a:lstStyle/>
-          <a:p>
-            <a:pPr algn="r"/>
-            <a:r>
-              <a:rPr lang="ru-RU" sz="2400" dirty="0">
-                <a:ea typeface="Helvetica Neue" charset="0"/>
-                <a:cs typeface="Helvetica Neue" charset="0"/>
-              </a:rPr>
-              <a:t>Короткие семантически насыщенные тексты</a:t>
-            </a:r>
-            <a:endParaRPr lang="en-US" sz="2400" dirty="0">
-              <a:ea typeface="Helvetica Neue" charset="0"/>
-              <a:cs typeface="Helvetica Neue" charset="0"/>
-            </a:endParaRPr>
-          </a:p>
-        </p:txBody>
-      </p:sp>
-      <p:sp>
-        <p:nvSpPr>
-          <p:cNvPr id="6" name="TextBox 5"/>
-          <p:cNvSpPr txBox="1"/>
-          <p:nvPr/>
-        </p:nvSpPr>
-        <p:spPr>
-          <a:xfrm>
-            <a:off x="647700" y="1376287"/>
-            <a:ext cx="7516589" cy="530915"/>
+            <a:off x="564573" y="2194105"/>
+            <a:ext cx="4902637" cy="4293483"/>
           </a:xfrm>
           <a:prstGeom prst="rect">
             <a:avLst/>
@@ -6802,16 +7823,317 @@
           </a:bodyPr>
           <a:lstStyle/>
           <a:p>
-            <a:r>
-              <a:rPr lang="en-US" sz="1500" dirty="0">
-                <a:latin typeface="Tahoma" charset="0"/>
-                <a:ea typeface="Tahoma" charset="0"/>
-                <a:cs typeface="Tahoma" charset="0"/>
-              </a:rPr>
-              <a:t>A Clock is a </a:t>
-            </a:r>
-            <a:r>
-              <a:rPr lang="en-US" sz="1500" dirty="0" err="1">
+            <a:pPr>
+              <a:lnSpc>
+                <a:spcPct val="150000"/>
+              </a:lnSpc>
+            </a:pPr>
+            <a:r>
+              <a:rPr lang="mr-IN" sz="1400" dirty="0">
+                <a:latin typeface="Tahoma" charset="0"/>
+                <a:ea typeface="Tahoma" charset="0"/>
+                <a:cs typeface="Tahoma" charset="0"/>
+              </a:rPr>
+              <a:t>(ROOT </a:t>
+            </a:r>
+            <a:endParaRPr lang="ru-RU" sz="1400" dirty="0" smtClean="0">
+              <a:latin typeface="Tahoma" charset="0"/>
+              <a:ea typeface="Tahoma" charset="0"/>
+              <a:cs typeface="Tahoma" charset="0"/>
+            </a:endParaRPr>
+          </a:p>
+          <a:p>
+            <a:pPr>
+              <a:lnSpc>
+                <a:spcPct val="150000"/>
+              </a:lnSpc>
+            </a:pPr>
+            <a:r>
+              <a:rPr lang="ru-RU" sz="1400" dirty="0">
+                <a:latin typeface="Tahoma" charset="0"/>
+                <a:ea typeface="Tahoma" charset="0"/>
+                <a:cs typeface="Tahoma" charset="0"/>
+              </a:rPr>
+              <a:t> </a:t>
+            </a:r>
+            <a:r>
+              <a:rPr lang="ru-RU" sz="1400" dirty="0" smtClean="0">
+                <a:latin typeface="Tahoma" charset="0"/>
+                <a:ea typeface="Tahoma" charset="0"/>
+                <a:cs typeface="Tahoma" charset="0"/>
+              </a:rPr>
+              <a:t> </a:t>
+            </a:r>
+            <a:r>
+              <a:rPr lang="mr-IN" sz="1400" dirty="0" smtClean="0">
+                <a:latin typeface="Tahoma" charset="0"/>
+                <a:ea typeface="Tahoma" charset="0"/>
+                <a:cs typeface="Tahoma" charset="0"/>
+              </a:rPr>
+              <a:t>(</a:t>
+            </a:r>
+            <a:r>
+              <a:rPr lang="mr-IN" sz="1400" dirty="0" err="1" smtClean="0">
+                <a:latin typeface="Tahoma" charset="0"/>
+                <a:ea typeface="Tahoma" charset="0"/>
+                <a:cs typeface="Tahoma" charset="0"/>
+              </a:rPr>
+              <a:t>S</a:t>
+            </a:r>
+            <a:r>
+              <a:rPr lang="mr-IN" sz="1400" dirty="0" smtClean="0">
+                <a:latin typeface="Tahoma" charset="0"/>
+                <a:ea typeface="Tahoma" charset="0"/>
+                <a:cs typeface="Tahoma" charset="0"/>
+              </a:rPr>
+              <a:t>    </a:t>
+            </a:r>
+            <a:endParaRPr lang="ru-RU" sz="1400" dirty="0" smtClean="0">
+              <a:latin typeface="Tahoma" charset="0"/>
+              <a:ea typeface="Tahoma" charset="0"/>
+              <a:cs typeface="Tahoma" charset="0"/>
+            </a:endParaRPr>
+          </a:p>
+          <a:p>
+            <a:pPr>
+              <a:lnSpc>
+                <a:spcPct val="150000"/>
+              </a:lnSpc>
+            </a:pPr>
+            <a:r>
+              <a:rPr lang="ru-RU" sz="1400" dirty="0" smtClean="0">
+                <a:latin typeface="Tahoma" charset="0"/>
+                <a:ea typeface="Tahoma" charset="0"/>
+                <a:cs typeface="Tahoma" charset="0"/>
+              </a:rPr>
+              <a:t>    </a:t>
+            </a:r>
+            <a:r>
+              <a:rPr lang="mr-IN" sz="1400" dirty="0" smtClean="0">
+                <a:latin typeface="Tahoma" charset="0"/>
+                <a:ea typeface="Tahoma" charset="0"/>
+                <a:cs typeface="Tahoma" charset="0"/>
+              </a:rPr>
+              <a:t>(</a:t>
+            </a:r>
+            <a:r>
+              <a:rPr lang="mr-IN" sz="1400" dirty="0">
+                <a:latin typeface="Tahoma" charset="0"/>
+                <a:ea typeface="Tahoma" charset="0"/>
+                <a:cs typeface="Tahoma" charset="0"/>
+              </a:rPr>
+              <a:t>NP (DT </a:t>
+            </a:r>
+            <a:r>
+              <a:rPr lang="mr-IN" sz="1400" dirty="0" err="1">
+                <a:latin typeface="Tahoma" charset="0"/>
+                <a:ea typeface="Tahoma" charset="0"/>
+                <a:cs typeface="Tahoma" charset="0"/>
+              </a:rPr>
+              <a:t>A</a:t>
+            </a:r>
+            <a:r>
+              <a:rPr lang="mr-IN" sz="1400" dirty="0">
+                <a:solidFill>
+                  <a:srgbClr val="00B0F0"/>
+                </a:solidFill>
+                <a:latin typeface="Tahoma" charset="0"/>
+                <a:ea typeface="Tahoma" charset="0"/>
+                <a:cs typeface="Tahoma" charset="0"/>
+              </a:rPr>
+              <a:t>) </a:t>
+            </a:r>
+            <a:r>
+              <a:rPr lang="mr-IN" sz="1400" b="1" dirty="0">
+                <a:solidFill>
+                  <a:srgbClr val="00B0F0"/>
+                </a:solidFill>
+                <a:latin typeface="Tahoma" charset="0"/>
+                <a:ea typeface="Tahoma" charset="0"/>
+                <a:cs typeface="Tahoma" charset="0"/>
+              </a:rPr>
+              <a:t>(NN </a:t>
+            </a:r>
+            <a:r>
+              <a:rPr lang="mr-IN" sz="1400" b="1" dirty="0" err="1">
+                <a:solidFill>
+                  <a:srgbClr val="00B0F0"/>
+                </a:solidFill>
+                <a:latin typeface="Tahoma" charset="0"/>
+                <a:ea typeface="Tahoma" charset="0"/>
+                <a:cs typeface="Tahoma" charset="0"/>
+              </a:rPr>
+              <a:t>Clock</a:t>
+            </a:r>
+            <a:r>
+              <a:rPr lang="mr-IN" sz="1400" b="1" dirty="0">
+                <a:solidFill>
+                  <a:srgbClr val="00B0F0"/>
+                </a:solidFill>
+                <a:latin typeface="Tahoma" charset="0"/>
+                <a:ea typeface="Tahoma" charset="0"/>
+                <a:cs typeface="Tahoma" charset="0"/>
+              </a:rPr>
+              <a:t>)</a:t>
+            </a:r>
+            <a:r>
+              <a:rPr lang="mr-IN" sz="1400" dirty="0">
+                <a:latin typeface="Tahoma" charset="0"/>
+                <a:ea typeface="Tahoma" charset="0"/>
+                <a:cs typeface="Tahoma" charset="0"/>
+              </a:rPr>
+              <a:t>)   </a:t>
+            </a:r>
+            <a:endParaRPr lang="ru-RU" sz="1400" dirty="0" smtClean="0">
+              <a:latin typeface="Tahoma" charset="0"/>
+              <a:ea typeface="Tahoma" charset="0"/>
+              <a:cs typeface="Tahoma" charset="0"/>
+            </a:endParaRPr>
+          </a:p>
+          <a:p>
+            <a:pPr>
+              <a:lnSpc>
+                <a:spcPct val="150000"/>
+              </a:lnSpc>
+            </a:pPr>
+            <a:r>
+              <a:rPr lang="mr-IN" sz="1400" dirty="0" smtClean="0">
+                <a:latin typeface="Tahoma" charset="0"/>
+                <a:ea typeface="Tahoma" charset="0"/>
+                <a:cs typeface="Tahoma" charset="0"/>
+              </a:rPr>
+              <a:t> </a:t>
+            </a:r>
+            <a:r>
+              <a:rPr lang="ru-RU" sz="1400" dirty="0" smtClean="0">
+                <a:latin typeface="Tahoma" charset="0"/>
+                <a:ea typeface="Tahoma" charset="0"/>
+                <a:cs typeface="Tahoma" charset="0"/>
+              </a:rPr>
+              <a:t>   </a:t>
+            </a:r>
+            <a:r>
+              <a:rPr lang="mr-IN" sz="1400" dirty="0" smtClean="0">
+                <a:latin typeface="Tahoma" charset="0"/>
+                <a:ea typeface="Tahoma" charset="0"/>
+                <a:cs typeface="Tahoma" charset="0"/>
+              </a:rPr>
+              <a:t>(</a:t>
+            </a:r>
+            <a:r>
+              <a:rPr lang="mr-IN" sz="1400" dirty="0">
+                <a:latin typeface="Tahoma" charset="0"/>
+                <a:ea typeface="Tahoma" charset="0"/>
+                <a:cs typeface="Tahoma" charset="0"/>
+              </a:rPr>
+              <a:t>VP </a:t>
+            </a:r>
+            <a:r>
+              <a:rPr lang="mr-IN" sz="1400" b="1" dirty="0">
+                <a:solidFill>
+                  <a:srgbClr val="92D050"/>
+                </a:solidFill>
+                <a:latin typeface="Tahoma" charset="0"/>
+                <a:ea typeface="Tahoma" charset="0"/>
+                <a:cs typeface="Tahoma" charset="0"/>
+              </a:rPr>
+              <a:t>(VBZ </a:t>
+            </a:r>
+            <a:r>
+              <a:rPr lang="mr-IN" sz="1400" b="1" dirty="0" err="1">
+                <a:solidFill>
+                  <a:srgbClr val="92D050"/>
+                </a:solidFill>
+                <a:latin typeface="Tahoma" charset="0"/>
+                <a:ea typeface="Tahoma" charset="0"/>
+                <a:cs typeface="Tahoma" charset="0"/>
+              </a:rPr>
+              <a:t>is</a:t>
+            </a:r>
+            <a:r>
+              <a:rPr lang="mr-IN" sz="1400" b="1" dirty="0">
+                <a:solidFill>
+                  <a:srgbClr val="92D050"/>
+                </a:solidFill>
+                <a:latin typeface="Tahoma" charset="0"/>
+                <a:ea typeface="Tahoma" charset="0"/>
+                <a:cs typeface="Tahoma" charset="0"/>
+              </a:rPr>
+              <a:t>)    </a:t>
+            </a:r>
+            <a:endParaRPr lang="ru-RU" sz="1400" b="1" dirty="0" smtClean="0">
+              <a:solidFill>
+                <a:srgbClr val="92D050"/>
+              </a:solidFill>
+              <a:latin typeface="Tahoma" charset="0"/>
+              <a:ea typeface="Tahoma" charset="0"/>
+              <a:cs typeface="Tahoma" charset="0"/>
+            </a:endParaRPr>
+          </a:p>
+          <a:p>
+            <a:pPr>
+              <a:lnSpc>
+                <a:spcPct val="150000"/>
+              </a:lnSpc>
+            </a:pPr>
+            <a:r>
+              <a:rPr lang="ru-RU" sz="1400" dirty="0">
+                <a:latin typeface="Tahoma" charset="0"/>
+                <a:ea typeface="Tahoma" charset="0"/>
+                <a:cs typeface="Tahoma" charset="0"/>
+              </a:rPr>
+              <a:t> </a:t>
+            </a:r>
+            <a:r>
+              <a:rPr lang="ru-RU" sz="1400" dirty="0" smtClean="0">
+                <a:latin typeface="Tahoma" charset="0"/>
+                <a:ea typeface="Tahoma" charset="0"/>
+                <a:cs typeface="Tahoma" charset="0"/>
+              </a:rPr>
+              <a:t>   </a:t>
+            </a:r>
+            <a:r>
+              <a:rPr lang="mr-IN" sz="1400" dirty="0" smtClean="0">
+                <a:latin typeface="Tahoma" charset="0"/>
+                <a:ea typeface="Tahoma" charset="0"/>
+                <a:cs typeface="Tahoma" charset="0"/>
+              </a:rPr>
+              <a:t>  </a:t>
+            </a:r>
+            <a:r>
+              <a:rPr lang="mr-IN" sz="1400" dirty="0">
+                <a:latin typeface="Tahoma" charset="0"/>
+                <a:ea typeface="Tahoma" charset="0"/>
+                <a:cs typeface="Tahoma" charset="0"/>
+              </a:rPr>
+              <a:t>(NP (DT </a:t>
+            </a:r>
+            <a:r>
+              <a:rPr lang="mr-IN" sz="1400" dirty="0" err="1">
+                <a:latin typeface="Tahoma" charset="0"/>
+                <a:ea typeface="Tahoma" charset="0"/>
+                <a:cs typeface="Tahoma" charset="0"/>
+              </a:rPr>
+              <a:t>a</a:t>
+            </a:r>
+            <a:r>
+              <a:rPr lang="mr-IN" sz="1400" dirty="0">
+                <a:latin typeface="Tahoma" charset="0"/>
+                <a:ea typeface="Tahoma" charset="0"/>
+                <a:cs typeface="Tahoma" charset="0"/>
+              </a:rPr>
+              <a:t>) </a:t>
+            </a:r>
+            <a:r>
+              <a:rPr lang="mr-IN" sz="1400" b="1" dirty="0">
+                <a:latin typeface="Tahoma" charset="0"/>
+                <a:ea typeface="Tahoma" charset="0"/>
+                <a:cs typeface="Tahoma" charset="0"/>
+              </a:rPr>
+              <a:t>(NN </a:t>
+            </a:r>
+            <a:r>
+              <a:rPr lang="mr-IN" sz="1400" b="1" dirty="0" err="1">
                 <a:latin typeface="Tahoma" charset="0"/>
                 <a:ea typeface="Tahoma" charset="0"/>
                 <a:cs typeface="Tahoma" charset="0"/>
@@ -6819,31 +8141,356 @@
               <a:t>TemporalInstrument</a:t>
             </a:r>
             <a:r>
-              <a:rPr lang="en-US" sz="1500" dirty="0">
-                <a:latin typeface="Tahoma" charset="0"/>
-                <a:ea typeface="Tahoma" charset="0"/>
-                <a:cs typeface="Tahoma" charset="0"/>
-              </a:rPr>
-              <a:t> to </a:t>
-            </a:r>
-            <a:r>
-              <a:rPr lang="en-US" sz="1500" dirty="0" smtClean="0">
-                <a:latin typeface="Tahoma" charset="0"/>
-                <a:ea typeface="Tahoma" charset="0"/>
-                <a:cs typeface="Tahoma" charset="0"/>
-              </a:rPr>
-              <a:t>generate the </a:t>
-            </a:r>
-            <a:r>
-              <a:rPr lang="en-US" sz="1500" dirty="0">
-                <a:latin typeface="Tahoma" charset="0"/>
-                <a:ea typeface="Tahoma" charset="0"/>
-                <a:cs typeface="Tahoma" charset="0"/>
-              </a:rPr>
-              <a:t>instances of a </a:t>
-            </a:r>
-            <a:r>
-              <a:rPr lang="en-US" sz="1500" dirty="0" err="1">
+              <a:rPr lang="mr-IN" sz="1400" b="1" dirty="0">
+                <a:latin typeface="Tahoma" charset="0"/>
+                <a:ea typeface="Tahoma" charset="0"/>
+                <a:cs typeface="Tahoma" charset="0"/>
+              </a:rPr>
+              <a:t>)</a:t>
+            </a:r>
+            <a:r>
+              <a:rPr lang="mr-IN" sz="1400" dirty="0">
+                <a:latin typeface="Tahoma" charset="0"/>
+                <a:ea typeface="Tahoma" charset="0"/>
+                <a:cs typeface="Tahoma" charset="0"/>
+              </a:rPr>
+              <a:t>  </a:t>
+            </a:r>
+            <a:r>
+              <a:rPr lang="mr-IN" sz="1400" b="1" dirty="0">
+                <a:solidFill>
+                  <a:srgbClr val="C00000"/>
+                </a:solidFill>
+                <a:latin typeface="Tahoma" charset="0"/>
+                <a:ea typeface="Tahoma" charset="0"/>
+                <a:cs typeface="Tahoma" charset="0"/>
+              </a:rPr>
+              <a:t>     </a:t>
+            </a:r>
+            <a:endParaRPr lang="ru-RU" sz="1400" b="1" dirty="0" smtClean="0">
+              <a:solidFill>
+                <a:srgbClr val="C00000"/>
+              </a:solidFill>
+              <a:latin typeface="Tahoma" charset="0"/>
+              <a:ea typeface="Tahoma" charset="0"/>
+              <a:cs typeface="Tahoma" charset="0"/>
+            </a:endParaRPr>
+          </a:p>
+          <a:p>
+            <a:pPr>
+              <a:lnSpc>
+                <a:spcPct val="150000"/>
+              </a:lnSpc>
+            </a:pPr>
+            <a:r>
+              <a:rPr lang="mr-IN" sz="1400" dirty="0" smtClean="0">
+                <a:latin typeface="Tahoma" charset="0"/>
+                <a:ea typeface="Tahoma" charset="0"/>
+                <a:cs typeface="Tahoma" charset="0"/>
+              </a:rPr>
+              <a:t> </a:t>
+            </a:r>
+            <a:r>
+              <a:rPr lang="ru-RU" sz="1400" dirty="0" smtClean="0">
+                <a:latin typeface="Tahoma" charset="0"/>
+                <a:ea typeface="Tahoma" charset="0"/>
+                <a:cs typeface="Tahoma" charset="0"/>
+              </a:rPr>
+              <a:t>       </a:t>
+            </a:r>
+            <a:r>
+              <a:rPr lang="mr-IN" sz="1400" dirty="0" smtClean="0">
+                <a:latin typeface="Tahoma" charset="0"/>
+                <a:ea typeface="Tahoma" charset="0"/>
+                <a:cs typeface="Tahoma" charset="0"/>
+              </a:rPr>
+              <a:t>(</a:t>
+            </a:r>
+            <a:r>
+              <a:rPr lang="mr-IN" sz="1400" dirty="0" err="1">
+                <a:latin typeface="Tahoma" charset="0"/>
+                <a:ea typeface="Tahoma" charset="0"/>
+                <a:cs typeface="Tahoma" charset="0"/>
+              </a:rPr>
+              <a:t>S</a:t>
+            </a:r>
+            <a:r>
+              <a:rPr lang="mr-IN" sz="1400" dirty="0">
+                <a:latin typeface="Tahoma" charset="0"/>
+                <a:ea typeface="Tahoma" charset="0"/>
+                <a:cs typeface="Tahoma" charset="0"/>
+              </a:rPr>
+              <a:t> </a:t>
+            </a:r>
+            <a:endParaRPr lang="ru-RU" sz="1400" dirty="0" smtClean="0">
+              <a:latin typeface="Tahoma" charset="0"/>
+              <a:ea typeface="Tahoma" charset="0"/>
+              <a:cs typeface="Tahoma" charset="0"/>
+            </a:endParaRPr>
+          </a:p>
+          <a:p>
+            <a:pPr>
+              <a:lnSpc>
+                <a:spcPct val="150000"/>
+              </a:lnSpc>
+            </a:pPr>
+            <a:r>
+              <a:rPr lang="mr-IN" sz="1400" dirty="0" smtClean="0">
+                <a:latin typeface="Tahoma" charset="0"/>
+                <a:ea typeface="Tahoma" charset="0"/>
+                <a:cs typeface="Tahoma" charset="0"/>
+              </a:rPr>
+              <a:t>         </a:t>
+            </a:r>
+            <a:r>
+              <a:rPr lang="mr-IN" sz="1400" dirty="0">
+                <a:latin typeface="Tahoma" charset="0"/>
+                <a:ea typeface="Tahoma" charset="0"/>
+                <a:cs typeface="Tahoma" charset="0"/>
+              </a:rPr>
+              <a:t>(VP (TO to)           </a:t>
+            </a:r>
+            <a:endParaRPr lang="ru-RU" sz="1400" dirty="0" smtClean="0">
+              <a:latin typeface="Tahoma" charset="0"/>
+              <a:ea typeface="Tahoma" charset="0"/>
+              <a:cs typeface="Tahoma" charset="0"/>
+            </a:endParaRPr>
+          </a:p>
+          <a:p>
+            <a:pPr>
+              <a:lnSpc>
+                <a:spcPct val="150000"/>
+              </a:lnSpc>
+            </a:pPr>
+            <a:r>
+              <a:rPr lang="ru-RU" sz="1400" dirty="0" smtClean="0">
+                <a:latin typeface="Tahoma" charset="0"/>
+                <a:ea typeface="Tahoma" charset="0"/>
+                <a:cs typeface="Tahoma" charset="0"/>
+              </a:rPr>
+              <a:t>          </a:t>
+            </a:r>
+            <a:r>
+              <a:rPr lang="mr-IN" sz="1400" dirty="0" smtClean="0">
+                <a:latin typeface="Tahoma" charset="0"/>
+                <a:ea typeface="Tahoma" charset="0"/>
+                <a:cs typeface="Tahoma" charset="0"/>
+              </a:rPr>
+              <a:t> </a:t>
+            </a:r>
+            <a:r>
+              <a:rPr lang="mr-IN" sz="1400" dirty="0">
+                <a:latin typeface="Tahoma" charset="0"/>
+                <a:ea typeface="Tahoma" charset="0"/>
+                <a:cs typeface="Tahoma" charset="0"/>
+              </a:rPr>
+              <a:t>(VP (VB </a:t>
+            </a:r>
+            <a:r>
+              <a:rPr lang="mr-IN" sz="1400" dirty="0" err="1">
+                <a:latin typeface="Tahoma" charset="0"/>
+                <a:ea typeface="Tahoma" charset="0"/>
+                <a:cs typeface="Tahoma" charset="0"/>
+              </a:rPr>
+              <a:t>generate</a:t>
+            </a:r>
+            <a:r>
+              <a:rPr lang="mr-IN" sz="1400" dirty="0">
+                <a:latin typeface="Tahoma" charset="0"/>
+                <a:ea typeface="Tahoma" charset="0"/>
+                <a:cs typeface="Tahoma" charset="0"/>
+              </a:rPr>
+              <a:t>)             </a:t>
+            </a:r>
+            <a:endParaRPr lang="ru-RU" sz="1400" dirty="0" smtClean="0">
+              <a:latin typeface="Tahoma" charset="0"/>
+              <a:ea typeface="Tahoma" charset="0"/>
+              <a:cs typeface="Tahoma" charset="0"/>
+            </a:endParaRPr>
+          </a:p>
+          <a:p>
+            <a:pPr>
+              <a:lnSpc>
+                <a:spcPct val="150000"/>
+              </a:lnSpc>
+            </a:pPr>
+            <a:r>
+              <a:rPr lang="ru-RU" sz="1400" dirty="0" smtClean="0">
+                <a:latin typeface="Tahoma" charset="0"/>
+                <a:ea typeface="Tahoma" charset="0"/>
+                <a:cs typeface="Tahoma" charset="0"/>
+              </a:rPr>
+              <a:t>            </a:t>
+            </a:r>
+            <a:r>
+              <a:rPr lang="mr-IN" sz="1400" dirty="0" smtClean="0">
+                <a:latin typeface="Tahoma" charset="0"/>
+                <a:ea typeface="Tahoma" charset="0"/>
+                <a:cs typeface="Tahoma" charset="0"/>
+              </a:rPr>
+              <a:t> </a:t>
+            </a:r>
+            <a:r>
+              <a:rPr lang="mr-IN" sz="1400" dirty="0">
+                <a:latin typeface="Tahoma" charset="0"/>
+                <a:ea typeface="Tahoma" charset="0"/>
+                <a:cs typeface="Tahoma" charset="0"/>
+              </a:rPr>
+              <a:t>(NP                </a:t>
+            </a:r>
+            <a:endParaRPr lang="ru-RU" sz="1400" dirty="0" smtClean="0">
+              <a:latin typeface="Tahoma" charset="0"/>
+              <a:ea typeface="Tahoma" charset="0"/>
+              <a:cs typeface="Tahoma" charset="0"/>
+            </a:endParaRPr>
+          </a:p>
+          <a:p>
+            <a:pPr>
+              <a:lnSpc>
+                <a:spcPct val="150000"/>
+              </a:lnSpc>
+            </a:pPr>
+            <a:r>
+              <a:rPr lang="ru-RU" sz="1400" dirty="0" smtClean="0">
+                <a:latin typeface="Tahoma" charset="0"/>
+                <a:ea typeface="Tahoma" charset="0"/>
+                <a:cs typeface="Tahoma" charset="0"/>
+              </a:rPr>
+              <a:t>               </a:t>
+            </a:r>
+            <a:r>
+              <a:rPr lang="mr-IN" sz="1400" dirty="0" smtClean="0">
+                <a:latin typeface="Tahoma" charset="0"/>
+                <a:ea typeface="Tahoma" charset="0"/>
+                <a:cs typeface="Tahoma" charset="0"/>
+              </a:rPr>
+              <a:t>(</a:t>
+            </a:r>
+            <a:r>
+              <a:rPr lang="mr-IN" sz="1400" dirty="0">
+                <a:latin typeface="Tahoma" charset="0"/>
+                <a:ea typeface="Tahoma" charset="0"/>
+                <a:cs typeface="Tahoma" charset="0"/>
+              </a:rPr>
+              <a:t>NP (DT the) (NNS </a:t>
+            </a:r>
+            <a:r>
+              <a:rPr lang="mr-IN" sz="1400" dirty="0" err="1">
+                <a:latin typeface="Tahoma" charset="0"/>
+                <a:ea typeface="Tahoma" charset="0"/>
+                <a:cs typeface="Tahoma" charset="0"/>
+              </a:rPr>
+              <a:t>instances</a:t>
+            </a:r>
+            <a:r>
+              <a:rPr lang="mr-IN" sz="1400" dirty="0">
+                <a:latin typeface="Tahoma" charset="0"/>
+                <a:ea typeface="Tahoma" charset="0"/>
+                <a:cs typeface="Tahoma" charset="0"/>
+              </a:rPr>
+              <a:t>))                </a:t>
+            </a:r>
+            <a:r>
+              <a:rPr lang="ru-RU" sz="1400" dirty="0" smtClean="0">
+                <a:latin typeface="Tahoma" charset="0"/>
+                <a:ea typeface="Tahoma" charset="0"/>
+                <a:cs typeface="Tahoma" charset="0"/>
+              </a:rPr>
+              <a:t>   </a:t>
+            </a:r>
+          </a:p>
+          <a:p>
+            <a:pPr>
+              <a:lnSpc>
+                <a:spcPct val="150000"/>
+              </a:lnSpc>
+            </a:pPr>
+            <a:r>
+              <a:rPr lang="ru-RU" sz="1400" dirty="0" smtClean="0">
+                <a:latin typeface="Tahoma" charset="0"/>
+                <a:ea typeface="Tahoma" charset="0"/>
+                <a:cs typeface="Tahoma" charset="0"/>
+              </a:rPr>
+              <a:t>               </a:t>
+            </a:r>
+            <a:r>
+              <a:rPr lang="mr-IN" sz="1400" dirty="0" smtClean="0">
+                <a:latin typeface="Tahoma" charset="0"/>
+                <a:ea typeface="Tahoma" charset="0"/>
+                <a:cs typeface="Tahoma" charset="0"/>
+              </a:rPr>
+              <a:t>(</a:t>
+            </a:r>
+            <a:r>
+              <a:rPr lang="mr-IN" sz="1400" dirty="0">
+                <a:latin typeface="Tahoma" charset="0"/>
+                <a:ea typeface="Tahoma" charset="0"/>
+                <a:cs typeface="Tahoma" charset="0"/>
+              </a:rPr>
+              <a:t>PP (IN of)                 </a:t>
+            </a:r>
+            <a:endParaRPr lang="ru-RU" sz="1400" dirty="0" smtClean="0">
+              <a:latin typeface="Tahoma" charset="0"/>
+              <a:ea typeface="Tahoma" charset="0"/>
+              <a:cs typeface="Tahoma" charset="0"/>
+            </a:endParaRPr>
+          </a:p>
+          <a:p>
+            <a:pPr>
+              <a:lnSpc>
+                <a:spcPct val="150000"/>
+              </a:lnSpc>
+            </a:pPr>
+            <a:r>
+              <a:rPr lang="ru-RU" sz="1400" dirty="0" smtClean="0">
+                <a:latin typeface="Tahoma" charset="0"/>
+                <a:ea typeface="Tahoma" charset="0"/>
+                <a:cs typeface="Tahoma" charset="0"/>
+              </a:rPr>
+              <a:t>	</a:t>
+            </a:r>
+            <a:r>
+              <a:rPr lang="mr-IN" sz="1400" dirty="0" smtClean="0">
+                <a:latin typeface="Tahoma" charset="0"/>
+                <a:ea typeface="Tahoma" charset="0"/>
+                <a:cs typeface="Tahoma" charset="0"/>
+              </a:rPr>
+              <a:t> </a:t>
+            </a:r>
+            <a:r>
+              <a:rPr lang="mr-IN" sz="1400" dirty="0">
+                <a:latin typeface="Tahoma" charset="0"/>
+                <a:ea typeface="Tahoma" charset="0"/>
+                <a:cs typeface="Tahoma" charset="0"/>
+              </a:rPr>
+              <a:t>(NP (DT </a:t>
+            </a:r>
+            <a:r>
+              <a:rPr lang="mr-IN" sz="1400" dirty="0" err="1">
+                <a:latin typeface="Tahoma" charset="0"/>
+                <a:ea typeface="Tahoma" charset="0"/>
+                <a:cs typeface="Tahoma" charset="0"/>
+              </a:rPr>
+              <a:t>a</a:t>
+            </a:r>
+            <a:r>
+              <a:rPr lang="mr-IN" sz="1400" dirty="0">
+                <a:latin typeface="Tahoma" charset="0"/>
+                <a:ea typeface="Tahoma" charset="0"/>
+                <a:cs typeface="Tahoma" charset="0"/>
+              </a:rPr>
+              <a:t>) </a:t>
+            </a:r>
+            <a:r>
+              <a:rPr lang="mr-IN" sz="1400" b="1" dirty="0">
+                <a:latin typeface="Tahoma" charset="0"/>
+                <a:ea typeface="Tahoma" charset="0"/>
+                <a:cs typeface="Tahoma" charset="0"/>
+              </a:rPr>
+              <a:t>(NN </a:t>
+            </a:r>
+            <a:r>
+              <a:rPr lang="mr-IN" sz="1400" b="1" dirty="0" err="1">
                 <a:latin typeface="Tahoma" charset="0"/>
                 <a:ea typeface="Tahoma" charset="0"/>
                 <a:cs typeface="Tahoma" charset="0"/>
@@ -6851,34 +8498,75 @@
               <a:t>TemporalMeasure</a:t>
             </a:r>
             <a:r>
-              <a:rPr lang="en-US" sz="1500" dirty="0">
-                <a:latin typeface="+mj-lt"/>
-                <a:ea typeface="Helvetica Neue" charset="0"/>
-                <a:cs typeface="Helvetica Neue" charset="0"/>
-              </a:rPr>
-              <a:t>. </a:t>
-            </a:r>
-            <a:endParaRPr lang="en-US" sz="1500" b="1" dirty="0">
-              <a:latin typeface="+mj-lt"/>
-              <a:ea typeface="Helvetica Neue" charset="0"/>
-              <a:cs typeface="Helvetica Neue" charset="0"/>
+              <a:rPr lang="mr-IN" sz="1400" b="1" dirty="0" smtClean="0">
+                <a:latin typeface="Tahoma" charset="0"/>
+                <a:ea typeface="Tahoma" charset="0"/>
+                <a:cs typeface="Tahoma" charset="0"/>
+              </a:rPr>
+              <a:t>)</a:t>
+            </a:r>
+            <a:r>
+              <a:rPr lang="en-US" sz="1400" dirty="0" smtClean="0">
+                <a:latin typeface="Tahoma" charset="0"/>
+                <a:ea typeface="Tahoma" charset="0"/>
+                <a:cs typeface="Tahoma" charset="0"/>
+              </a:rPr>
+              <a:t>)</a:t>
+            </a:r>
+            <a:r>
+              <a:rPr lang="mr-IN" sz="1400" dirty="0" smtClean="0">
+                <a:latin typeface="Tahoma" charset="0"/>
+                <a:ea typeface="Tahoma" charset="0"/>
+                <a:cs typeface="Tahoma" charset="0"/>
+              </a:rPr>
+              <a:t> </a:t>
+            </a:r>
+            <a:endParaRPr lang="ru-RU" sz="1400" dirty="0" smtClean="0">
+              <a:latin typeface="Tahoma" charset="0"/>
+              <a:ea typeface="Tahoma" charset="0"/>
+              <a:cs typeface="Tahoma" charset="0"/>
             </a:endParaRPr>
           </a:p>
           <a:p>
-            <a:endParaRPr lang="en-US" sz="1350" dirty="0"/>
+            <a:pPr>
+              <a:lnSpc>
+                <a:spcPct val="150000"/>
+              </a:lnSpc>
+            </a:pPr>
+            <a:r>
+              <a:rPr lang="mr-IN" sz="1400" dirty="0" smtClean="0">
+                <a:latin typeface="Tahoma" charset="0"/>
+                <a:ea typeface="Tahoma" charset="0"/>
+                <a:cs typeface="Tahoma" charset="0"/>
+              </a:rPr>
+              <a:t> </a:t>
+            </a:r>
+            <a:r>
+              <a:rPr lang="mr-IN" sz="1400" dirty="0">
+                <a:latin typeface="Tahoma" charset="0"/>
+                <a:ea typeface="Tahoma" charset="0"/>
+                <a:cs typeface="Tahoma" charset="0"/>
+              </a:rPr>
+              <a:t>(. .)))</a:t>
+            </a:r>
+            <a:endParaRPr lang="en-US" sz="1400" dirty="0">
+              <a:latin typeface="Tahoma" charset="0"/>
+              <a:ea typeface="Tahoma" charset="0"/>
+              <a:cs typeface="Tahoma" charset="0"/>
+            </a:endParaRPr>
           </a:p>
         </p:txBody>
       </p:sp>
       <p:sp>
         <p:nvSpPr>
-          <p:cNvPr id="8" name="TextBox 7"/>
+          <p:cNvPr id="6" name="TextBox 5"/>
           <p:cNvSpPr txBox="1"/>
           <p:nvPr/>
         </p:nvSpPr>
         <p:spPr>
           <a:xfrm>
-            <a:off x="647701" y="513862"/>
-            <a:ext cx="406400" cy="600164"/>
+            <a:off x="564573" y="1130398"/>
+            <a:ext cx="7516589" cy="1015663"/>
           </a:xfrm>
           <a:prstGeom prst="rect">
             <a:avLst/>
@@ -6891,61 +8579,49 @@
           </a:bodyPr>
           <a:lstStyle/>
           <a:p>
-            <a:r>
-              <a:rPr lang="ru-RU" sz="3300" b="1" dirty="0">
-                <a:solidFill>
-                  <a:schemeClr val="accent1"/>
-                </a:solidFill>
-              </a:rPr>
-              <a:t>3</a:t>
-            </a:r>
-            <a:endParaRPr lang="en-US" sz="3300" b="1" dirty="0">
-              <a:solidFill>
-                <a:schemeClr val="accent1"/>
-              </a:solidFill>
-            </a:endParaRPr>
-          </a:p>
-        </p:txBody>
-      </p:sp>
-      <p:sp>
-        <p:nvSpPr>
-          <p:cNvPr id="7" name="TextBox 6"/>
-          <p:cNvSpPr txBox="1"/>
-          <p:nvPr/>
-        </p:nvSpPr>
-        <p:spPr>
-          <a:xfrm>
-            <a:off x="445218" y="3177777"/>
-            <a:ext cx="4425447" cy="2893100"/>
-          </a:xfrm>
-          <a:prstGeom prst="rect">
-            <a:avLst/>
-          </a:prstGeom>
-          <a:noFill/>
-        </p:spPr>
-        <p:txBody>
-          <a:bodyPr wrap="square" rtlCol="0">
-            <a:spAutoFit/>
-          </a:bodyPr>
-          <a:lstStyle/>
-          <a:p>
-            <a:r>
-              <a:rPr lang="mr-IN" sz="1400" dirty="0">
-                <a:latin typeface="Tahoma" charset="0"/>
-                <a:ea typeface="Tahoma" charset="0"/>
-                <a:cs typeface="Tahoma" charset="0"/>
-              </a:rPr>
-              <a:t>(ROOT </a:t>
-            </a:r>
-            <a:endParaRPr lang="ru-RU" sz="1400" dirty="0" smtClean="0">
+            <a:pPr algn="r"/>
+            <a:r>
+              <a:rPr lang="en-US" dirty="0">
+                <a:latin typeface="Tahoma" charset="0"/>
+                <a:ea typeface="Tahoma" charset="0"/>
+                <a:cs typeface="Tahoma" charset="0"/>
+              </a:rPr>
+              <a:t>A Clock is a </a:t>
+            </a:r>
+            <a:r>
+              <a:rPr lang="en-US" dirty="0" err="1">
+                <a:latin typeface="Tahoma" charset="0"/>
+                <a:ea typeface="Tahoma" charset="0"/>
+                <a:cs typeface="Tahoma" charset="0"/>
+              </a:rPr>
+              <a:t>TemporalInstrument</a:t>
+            </a:r>
+            <a:r>
+              <a:rPr lang="en-US" dirty="0">
+                <a:latin typeface="Tahoma" charset="0"/>
+                <a:ea typeface="Tahoma" charset="0"/>
+                <a:cs typeface="Tahoma" charset="0"/>
+              </a:rPr>
+              <a:t> to </a:t>
+            </a:r>
+            <a:r>
+              <a:rPr lang="en-US" dirty="0" smtClean="0">
+                <a:latin typeface="Tahoma" charset="0"/>
+                <a:ea typeface="Tahoma" charset="0"/>
+                <a:cs typeface="Tahoma" charset="0"/>
+              </a:rPr>
+              <a:t>generate the instances</a:t>
+            </a:r>
+            <a:endParaRPr lang="ru-RU" dirty="0" smtClean="0">
               <a:latin typeface="Tahoma" charset="0"/>
               <a:ea typeface="Tahoma" charset="0"/>
               <a:cs typeface="Tahoma" charset="0"/>
             </a:endParaRPr>
           </a:p>
           <a:p>
-            <a:r>
-              <a:rPr lang="ru-RU" sz="1400" dirty="0">
+            <a:pPr algn="r"/>
+            <a:r>
+              <a:rPr lang="en-US" dirty="0" smtClean="0">
                 <a:latin typeface="Tahoma" charset="0"/>
                 <a:ea typeface="Tahoma" charset="0"/>
                 <a:cs typeface="Tahoma" charset="0"/>
@@ -6953,542 +8629,37 @@
               <a:t> </a:t>
             </a:r>
             <a:r>
-              <a:rPr lang="ru-RU" sz="1400" dirty="0" smtClean="0">
-                <a:latin typeface="Tahoma" charset="0"/>
-                <a:ea typeface="Tahoma" charset="0"/>
-                <a:cs typeface="Tahoma" charset="0"/>
-              </a:rPr>
-              <a:t> </a:t>
-            </a:r>
-            <a:r>
-              <a:rPr lang="mr-IN" sz="1400" dirty="0" smtClean="0">
-                <a:latin typeface="Tahoma" charset="0"/>
-                <a:ea typeface="Tahoma" charset="0"/>
-                <a:cs typeface="Tahoma" charset="0"/>
-              </a:rPr>
-              <a:t>(</a:t>
-            </a:r>
-            <a:r>
-              <a:rPr lang="mr-IN" sz="1400" dirty="0" err="1" smtClean="0">
-                <a:latin typeface="Tahoma" charset="0"/>
-                <a:ea typeface="Tahoma" charset="0"/>
-                <a:cs typeface="Tahoma" charset="0"/>
-              </a:rPr>
-              <a:t>S</a:t>
-            </a:r>
-            <a:r>
-              <a:rPr lang="mr-IN" sz="1400" dirty="0" smtClean="0">
-                <a:latin typeface="Tahoma" charset="0"/>
-                <a:ea typeface="Tahoma" charset="0"/>
-                <a:cs typeface="Tahoma" charset="0"/>
-              </a:rPr>
-              <a:t>    </a:t>
-            </a:r>
-            <a:endParaRPr lang="ru-RU" sz="1400" dirty="0" smtClean="0">
+              <a:rPr lang="en-US" dirty="0">
+                <a:latin typeface="Tahoma" charset="0"/>
+                <a:ea typeface="Tahoma" charset="0"/>
+                <a:cs typeface="Tahoma" charset="0"/>
+              </a:rPr>
+              <a:t>of a </a:t>
+            </a:r>
+            <a:r>
+              <a:rPr lang="en-US" dirty="0" err="1">
+                <a:latin typeface="Tahoma" charset="0"/>
+                <a:ea typeface="Tahoma" charset="0"/>
+                <a:cs typeface="Tahoma" charset="0"/>
+              </a:rPr>
+              <a:t>TemporalMeasure</a:t>
+            </a:r>
+            <a:r>
+              <a:rPr lang="en-US" dirty="0">
+                <a:latin typeface="Tahoma" charset="0"/>
+                <a:ea typeface="Tahoma" charset="0"/>
+                <a:cs typeface="Tahoma" charset="0"/>
+              </a:rPr>
+              <a:t>. </a:t>
+            </a:r>
+            <a:endParaRPr lang="en-US" b="1" dirty="0">
               <a:latin typeface="Tahoma" charset="0"/>
               <a:ea typeface="Tahoma" charset="0"/>
               <a:cs typeface="Tahoma" charset="0"/>
             </a:endParaRPr>
           </a:p>
           <a:p>
-            <a:r>
-              <a:rPr lang="ru-RU" sz="1400" dirty="0" smtClean="0">
-                <a:latin typeface="Tahoma" charset="0"/>
-                <a:ea typeface="Tahoma" charset="0"/>
-                <a:cs typeface="Tahoma" charset="0"/>
-              </a:rPr>
-              <a:t>    </a:t>
-            </a:r>
-            <a:r>
-              <a:rPr lang="mr-IN" sz="1400" dirty="0" smtClean="0">
-                <a:latin typeface="Tahoma" charset="0"/>
-                <a:ea typeface="Tahoma" charset="0"/>
-                <a:cs typeface="Tahoma" charset="0"/>
-              </a:rPr>
-              <a:t>(</a:t>
-            </a:r>
-            <a:r>
-              <a:rPr lang="mr-IN" sz="1400" dirty="0">
-                <a:latin typeface="Tahoma" charset="0"/>
-                <a:ea typeface="Tahoma" charset="0"/>
-                <a:cs typeface="Tahoma" charset="0"/>
-              </a:rPr>
-              <a:t>NP (DT </a:t>
-            </a:r>
-            <a:r>
-              <a:rPr lang="mr-IN" sz="1400" dirty="0" err="1">
-                <a:latin typeface="Tahoma" charset="0"/>
-                <a:ea typeface="Tahoma" charset="0"/>
-                <a:cs typeface="Tahoma" charset="0"/>
-              </a:rPr>
-              <a:t>A</a:t>
-            </a:r>
-            <a:r>
-              <a:rPr lang="mr-IN" sz="1400" dirty="0">
-                <a:latin typeface="Tahoma" charset="0"/>
-                <a:ea typeface="Tahoma" charset="0"/>
-                <a:cs typeface="Tahoma" charset="0"/>
-              </a:rPr>
-              <a:t>) (NN </a:t>
-            </a:r>
-            <a:r>
-              <a:rPr lang="mr-IN" sz="1400" dirty="0" err="1">
-                <a:latin typeface="Tahoma" charset="0"/>
-                <a:ea typeface="Tahoma" charset="0"/>
-                <a:cs typeface="Tahoma" charset="0"/>
-              </a:rPr>
-              <a:t>Clock</a:t>
-            </a:r>
-            <a:r>
-              <a:rPr lang="mr-IN" sz="1400" dirty="0">
-                <a:latin typeface="Tahoma" charset="0"/>
-                <a:ea typeface="Tahoma" charset="0"/>
-                <a:cs typeface="Tahoma" charset="0"/>
-              </a:rPr>
-              <a:t>))   </a:t>
-            </a:r>
-            <a:endParaRPr lang="ru-RU" sz="1400" dirty="0" smtClean="0">
-              <a:latin typeface="Tahoma" charset="0"/>
-              <a:ea typeface="Tahoma" charset="0"/>
-              <a:cs typeface="Tahoma" charset="0"/>
-            </a:endParaRPr>
-          </a:p>
-          <a:p>
-            <a:r>
-              <a:rPr lang="mr-IN" sz="1400" dirty="0" smtClean="0">
-                <a:latin typeface="Tahoma" charset="0"/>
-                <a:ea typeface="Tahoma" charset="0"/>
-                <a:cs typeface="Tahoma" charset="0"/>
-              </a:rPr>
-              <a:t> </a:t>
-            </a:r>
-            <a:r>
-              <a:rPr lang="ru-RU" sz="1400" dirty="0" smtClean="0">
-                <a:latin typeface="Tahoma" charset="0"/>
-                <a:ea typeface="Tahoma" charset="0"/>
-                <a:cs typeface="Tahoma" charset="0"/>
-              </a:rPr>
-              <a:t>   </a:t>
-            </a:r>
-            <a:r>
-              <a:rPr lang="mr-IN" sz="1400" dirty="0" smtClean="0">
-                <a:latin typeface="Tahoma" charset="0"/>
-                <a:ea typeface="Tahoma" charset="0"/>
-                <a:cs typeface="Tahoma" charset="0"/>
-              </a:rPr>
-              <a:t>(</a:t>
-            </a:r>
-            <a:r>
-              <a:rPr lang="mr-IN" sz="1400" dirty="0">
-                <a:latin typeface="Tahoma" charset="0"/>
-                <a:ea typeface="Tahoma" charset="0"/>
-                <a:cs typeface="Tahoma" charset="0"/>
-              </a:rPr>
-              <a:t>VP (VBZ </a:t>
-            </a:r>
-            <a:r>
-              <a:rPr lang="mr-IN" sz="1400" dirty="0" err="1">
-                <a:latin typeface="Tahoma" charset="0"/>
-                <a:ea typeface="Tahoma" charset="0"/>
-                <a:cs typeface="Tahoma" charset="0"/>
-              </a:rPr>
-              <a:t>is</a:t>
-            </a:r>
-            <a:r>
-              <a:rPr lang="mr-IN" sz="1400" dirty="0">
-                <a:latin typeface="Tahoma" charset="0"/>
-                <a:ea typeface="Tahoma" charset="0"/>
-                <a:cs typeface="Tahoma" charset="0"/>
-              </a:rPr>
-              <a:t>)    </a:t>
-            </a:r>
-            <a:endParaRPr lang="ru-RU" sz="1400" dirty="0" smtClean="0">
-              <a:latin typeface="Tahoma" charset="0"/>
-              <a:ea typeface="Tahoma" charset="0"/>
-              <a:cs typeface="Tahoma" charset="0"/>
-            </a:endParaRPr>
-          </a:p>
-          <a:p>
-            <a:r>
-              <a:rPr lang="ru-RU" sz="1400" dirty="0">
-                <a:latin typeface="Tahoma" charset="0"/>
-                <a:ea typeface="Tahoma" charset="0"/>
-                <a:cs typeface="Tahoma" charset="0"/>
-              </a:rPr>
-              <a:t> </a:t>
-            </a:r>
-            <a:r>
-              <a:rPr lang="ru-RU" sz="1400" dirty="0" smtClean="0">
-                <a:latin typeface="Tahoma" charset="0"/>
-                <a:ea typeface="Tahoma" charset="0"/>
-                <a:cs typeface="Tahoma" charset="0"/>
-              </a:rPr>
-              <a:t>   </a:t>
-            </a:r>
-            <a:r>
-              <a:rPr lang="mr-IN" sz="1400" dirty="0" smtClean="0">
-                <a:latin typeface="Tahoma" charset="0"/>
-                <a:ea typeface="Tahoma" charset="0"/>
-                <a:cs typeface="Tahoma" charset="0"/>
-              </a:rPr>
-              <a:t>  </a:t>
-            </a:r>
-            <a:r>
-              <a:rPr lang="mr-IN" sz="1400" dirty="0">
-                <a:latin typeface="Tahoma" charset="0"/>
-                <a:ea typeface="Tahoma" charset="0"/>
-                <a:cs typeface="Tahoma" charset="0"/>
-              </a:rPr>
-              <a:t>(NP (DT </a:t>
-            </a:r>
-            <a:r>
-              <a:rPr lang="mr-IN" sz="1400" dirty="0" err="1">
-                <a:latin typeface="Tahoma" charset="0"/>
-                <a:ea typeface="Tahoma" charset="0"/>
-                <a:cs typeface="Tahoma" charset="0"/>
-              </a:rPr>
-              <a:t>a</a:t>
-            </a:r>
-            <a:r>
-              <a:rPr lang="mr-IN" sz="1400" dirty="0">
-                <a:latin typeface="Tahoma" charset="0"/>
-                <a:ea typeface="Tahoma" charset="0"/>
-                <a:cs typeface="Tahoma" charset="0"/>
-              </a:rPr>
-              <a:t>) (NN </a:t>
-            </a:r>
-            <a:r>
-              <a:rPr lang="mr-IN" sz="1400" dirty="0" err="1">
-                <a:latin typeface="Tahoma" charset="0"/>
-                <a:ea typeface="Tahoma" charset="0"/>
-                <a:cs typeface="Tahoma" charset="0"/>
-              </a:rPr>
-              <a:t>TemporalInstrument</a:t>
-            </a:r>
-            <a:r>
-              <a:rPr lang="mr-IN" sz="1400" dirty="0">
-                <a:latin typeface="Tahoma" charset="0"/>
-                <a:ea typeface="Tahoma" charset="0"/>
-                <a:cs typeface="Tahoma" charset="0"/>
-              </a:rPr>
-              <a:t>)       </a:t>
-            </a:r>
-            <a:endParaRPr lang="ru-RU" sz="1400" dirty="0" smtClean="0">
-              <a:latin typeface="Tahoma" charset="0"/>
-              <a:ea typeface="Tahoma" charset="0"/>
-              <a:cs typeface="Tahoma" charset="0"/>
-            </a:endParaRPr>
-          </a:p>
-          <a:p>
-            <a:r>
-              <a:rPr lang="mr-IN" sz="1400" dirty="0" smtClean="0">
-                <a:latin typeface="Tahoma" charset="0"/>
-                <a:ea typeface="Tahoma" charset="0"/>
-                <a:cs typeface="Tahoma" charset="0"/>
-              </a:rPr>
-              <a:t> </a:t>
-            </a:r>
-            <a:r>
-              <a:rPr lang="ru-RU" sz="1400" dirty="0" smtClean="0">
-                <a:latin typeface="Tahoma" charset="0"/>
-                <a:ea typeface="Tahoma" charset="0"/>
-                <a:cs typeface="Tahoma" charset="0"/>
-              </a:rPr>
-              <a:t>       </a:t>
-            </a:r>
-            <a:r>
-              <a:rPr lang="mr-IN" sz="1400" dirty="0" smtClean="0">
-                <a:latin typeface="Tahoma" charset="0"/>
-                <a:ea typeface="Tahoma" charset="0"/>
-                <a:cs typeface="Tahoma" charset="0"/>
-              </a:rPr>
-              <a:t>(</a:t>
-            </a:r>
-            <a:r>
-              <a:rPr lang="mr-IN" sz="1400" dirty="0" err="1">
-                <a:latin typeface="Tahoma" charset="0"/>
-                <a:ea typeface="Tahoma" charset="0"/>
-                <a:cs typeface="Tahoma" charset="0"/>
-              </a:rPr>
-              <a:t>S</a:t>
-            </a:r>
-            <a:r>
-              <a:rPr lang="mr-IN" sz="1400" dirty="0">
-                <a:latin typeface="Tahoma" charset="0"/>
-                <a:ea typeface="Tahoma" charset="0"/>
-                <a:cs typeface="Tahoma" charset="0"/>
-              </a:rPr>
-              <a:t> </a:t>
-            </a:r>
-            <a:endParaRPr lang="ru-RU" sz="1400" dirty="0" smtClean="0">
-              <a:latin typeface="Tahoma" charset="0"/>
-              <a:ea typeface="Tahoma" charset="0"/>
-              <a:cs typeface="Tahoma" charset="0"/>
-            </a:endParaRPr>
-          </a:p>
-          <a:p>
-            <a:r>
-              <a:rPr lang="mr-IN" sz="1400" dirty="0" smtClean="0">
-                <a:latin typeface="Tahoma" charset="0"/>
-                <a:ea typeface="Tahoma" charset="0"/>
-                <a:cs typeface="Tahoma" charset="0"/>
-              </a:rPr>
-              <a:t>         </a:t>
-            </a:r>
-            <a:r>
-              <a:rPr lang="mr-IN" sz="1400" dirty="0">
-                <a:latin typeface="Tahoma" charset="0"/>
-                <a:ea typeface="Tahoma" charset="0"/>
-                <a:cs typeface="Tahoma" charset="0"/>
-              </a:rPr>
-              <a:t>(VP (TO to)           </a:t>
-            </a:r>
-            <a:endParaRPr lang="ru-RU" sz="1400" dirty="0" smtClean="0">
-              <a:latin typeface="Tahoma" charset="0"/>
-              <a:ea typeface="Tahoma" charset="0"/>
-              <a:cs typeface="Tahoma" charset="0"/>
-            </a:endParaRPr>
-          </a:p>
-          <a:p>
-            <a:r>
-              <a:rPr lang="ru-RU" sz="1400" dirty="0" smtClean="0">
-                <a:latin typeface="Tahoma" charset="0"/>
-                <a:ea typeface="Tahoma" charset="0"/>
-                <a:cs typeface="Tahoma" charset="0"/>
-              </a:rPr>
-              <a:t>          </a:t>
-            </a:r>
-            <a:r>
-              <a:rPr lang="mr-IN" sz="1400" dirty="0" smtClean="0">
-                <a:latin typeface="Tahoma" charset="0"/>
-                <a:ea typeface="Tahoma" charset="0"/>
-                <a:cs typeface="Tahoma" charset="0"/>
-              </a:rPr>
-              <a:t> </a:t>
-            </a:r>
-            <a:r>
-              <a:rPr lang="mr-IN" sz="1400" dirty="0">
-                <a:latin typeface="Tahoma" charset="0"/>
-                <a:ea typeface="Tahoma" charset="0"/>
-                <a:cs typeface="Tahoma" charset="0"/>
-              </a:rPr>
-              <a:t>(VP (VB </a:t>
-            </a:r>
-            <a:r>
-              <a:rPr lang="mr-IN" sz="1400" dirty="0" err="1">
-                <a:latin typeface="Tahoma" charset="0"/>
-                <a:ea typeface="Tahoma" charset="0"/>
-                <a:cs typeface="Tahoma" charset="0"/>
-              </a:rPr>
-              <a:t>generate</a:t>
-            </a:r>
-            <a:r>
-              <a:rPr lang="mr-IN" sz="1400" dirty="0">
-                <a:latin typeface="Tahoma" charset="0"/>
-                <a:ea typeface="Tahoma" charset="0"/>
-                <a:cs typeface="Tahoma" charset="0"/>
-              </a:rPr>
-              <a:t>)             </a:t>
-            </a:r>
-            <a:endParaRPr lang="ru-RU" sz="1400" dirty="0" smtClean="0">
-              <a:latin typeface="Tahoma" charset="0"/>
-              <a:ea typeface="Tahoma" charset="0"/>
-              <a:cs typeface="Tahoma" charset="0"/>
-            </a:endParaRPr>
-          </a:p>
-          <a:p>
-            <a:r>
-              <a:rPr lang="ru-RU" sz="1400" dirty="0" smtClean="0">
-                <a:latin typeface="Tahoma" charset="0"/>
-                <a:ea typeface="Tahoma" charset="0"/>
-                <a:cs typeface="Tahoma" charset="0"/>
-              </a:rPr>
-              <a:t>            </a:t>
-            </a:r>
-            <a:r>
-              <a:rPr lang="mr-IN" sz="1400" dirty="0" smtClean="0">
-                <a:latin typeface="Tahoma" charset="0"/>
-                <a:ea typeface="Tahoma" charset="0"/>
-                <a:cs typeface="Tahoma" charset="0"/>
-              </a:rPr>
-              <a:t> </a:t>
-            </a:r>
-            <a:r>
-              <a:rPr lang="mr-IN" sz="1400" dirty="0">
-                <a:latin typeface="Tahoma" charset="0"/>
-                <a:ea typeface="Tahoma" charset="0"/>
-                <a:cs typeface="Tahoma" charset="0"/>
-              </a:rPr>
-              <a:t>(NP                </a:t>
-            </a:r>
-            <a:endParaRPr lang="ru-RU" sz="1400" dirty="0" smtClean="0">
-              <a:latin typeface="Tahoma" charset="0"/>
-              <a:ea typeface="Tahoma" charset="0"/>
-              <a:cs typeface="Tahoma" charset="0"/>
-            </a:endParaRPr>
-          </a:p>
-          <a:p>
-            <a:r>
-              <a:rPr lang="ru-RU" sz="1400" dirty="0" smtClean="0">
-                <a:latin typeface="Tahoma" charset="0"/>
-                <a:ea typeface="Tahoma" charset="0"/>
-                <a:cs typeface="Tahoma" charset="0"/>
-              </a:rPr>
-              <a:t>               </a:t>
-            </a:r>
-            <a:r>
-              <a:rPr lang="mr-IN" sz="1400" dirty="0" smtClean="0">
-                <a:latin typeface="Tahoma" charset="0"/>
-                <a:ea typeface="Tahoma" charset="0"/>
-                <a:cs typeface="Tahoma" charset="0"/>
-              </a:rPr>
-              <a:t>(</a:t>
-            </a:r>
-            <a:r>
-              <a:rPr lang="mr-IN" sz="1400" dirty="0">
-                <a:latin typeface="Tahoma" charset="0"/>
-                <a:ea typeface="Tahoma" charset="0"/>
-                <a:cs typeface="Tahoma" charset="0"/>
-              </a:rPr>
-              <a:t>NP (DT the) (NNS </a:t>
-            </a:r>
-            <a:r>
-              <a:rPr lang="mr-IN" sz="1400" dirty="0" err="1">
-                <a:latin typeface="Tahoma" charset="0"/>
-                <a:ea typeface="Tahoma" charset="0"/>
-                <a:cs typeface="Tahoma" charset="0"/>
-              </a:rPr>
-              <a:t>instances</a:t>
-            </a:r>
-            <a:r>
-              <a:rPr lang="mr-IN" sz="1400" dirty="0">
-                <a:latin typeface="Tahoma" charset="0"/>
-                <a:ea typeface="Tahoma" charset="0"/>
-                <a:cs typeface="Tahoma" charset="0"/>
-              </a:rPr>
-              <a:t>))                </a:t>
-            </a:r>
-            <a:r>
-              <a:rPr lang="ru-RU" sz="1400" dirty="0" smtClean="0">
-                <a:latin typeface="Tahoma" charset="0"/>
-                <a:ea typeface="Tahoma" charset="0"/>
-                <a:cs typeface="Tahoma" charset="0"/>
-              </a:rPr>
-              <a:t>   </a:t>
-            </a:r>
-          </a:p>
-          <a:p>
-            <a:r>
-              <a:rPr lang="ru-RU" sz="1400" dirty="0" smtClean="0">
-                <a:latin typeface="Tahoma" charset="0"/>
-                <a:ea typeface="Tahoma" charset="0"/>
-                <a:cs typeface="Tahoma" charset="0"/>
-              </a:rPr>
-              <a:t>               </a:t>
-            </a:r>
-            <a:r>
-              <a:rPr lang="mr-IN" sz="1400" dirty="0" smtClean="0">
-                <a:latin typeface="Tahoma" charset="0"/>
-                <a:ea typeface="Tahoma" charset="0"/>
-                <a:cs typeface="Tahoma" charset="0"/>
-              </a:rPr>
-              <a:t>(</a:t>
-            </a:r>
-            <a:r>
-              <a:rPr lang="mr-IN" sz="1400" dirty="0">
-                <a:latin typeface="Tahoma" charset="0"/>
-                <a:ea typeface="Tahoma" charset="0"/>
-                <a:cs typeface="Tahoma" charset="0"/>
-              </a:rPr>
-              <a:t>PP (IN of)                 </a:t>
-            </a:r>
-            <a:endParaRPr lang="ru-RU" sz="1400" dirty="0" smtClean="0">
-              <a:latin typeface="Tahoma" charset="0"/>
-              <a:ea typeface="Tahoma" charset="0"/>
-              <a:cs typeface="Tahoma" charset="0"/>
-            </a:endParaRPr>
-          </a:p>
-          <a:p>
-            <a:r>
-              <a:rPr lang="ru-RU" sz="1400" dirty="0" smtClean="0">
-                <a:latin typeface="Tahoma" charset="0"/>
-                <a:ea typeface="Tahoma" charset="0"/>
-                <a:cs typeface="Tahoma" charset="0"/>
-              </a:rPr>
-              <a:t>	</a:t>
-            </a:r>
-            <a:r>
-              <a:rPr lang="mr-IN" sz="1400" dirty="0" smtClean="0">
-                <a:latin typeface="Tahoma" charset="0"/>
-                <a:ea typeface="Tahoma" charset="0"/>
-                <a:cs typeface="Tahoma" charset="0"/>
-              </a:rPr>
-              <a:t> </a:t>
-            </a:r>
-            <a:r>
-              <a:rPr lang="mr-IN" sz="1400" dirty="0">
-                <a:latin typeface="Tahoma" charset="0"/>
-                <a:ea typeface="Tahoma" charset="0"/>
-                <a:cs typeface="Tahoma" charset="0"/>
-              </a:rPr>
-              <a:t>(NP (DT </a:t>
-            </a:r>
-            <a:r>
-              <a:rPr lang="mr-IN" sz="1400" dirty="0" err="1">
-                <a:latin typeface="Tahoma" charset="0"/>
-                <a:ea typeface="Tahoma" charset="0"/>
-                <a:cs typeface="Tahoma" charset="0"/>
-              </a:rPr>
-              <a:t>a</a:t>
-            </a:r>
-            <a:r>
-              <a:rPr lang="mr-IN" sz="1400" dirty="0">
-                <a:latin typeface="Tahoma" charset="0"/>
-                <a:ea typeface="Tahoma" charset="0"/>
-                <a:cs typeface="Tahoma" charset="0"/>
-              </a:rPr>
-              <a:t>) (NN </a:t>
-            </a:r>
-            <a:r>
-              <a:rPr lang="mr-IN" sz="1400" dirty="0" err="1">
-                <a:latin typeface="Tahoma" charset="0"/>
-                <a:ea typeface="Tahoma" charset="0"/>
-                <a:cs typeface="Tahoma" charset="0"/>
-              </a:rPr>
-              <a:t>TemporalMeasure</a:t>
-            </a:r>
-            <a:r>
-              <a:rPr lang="mr-IN" sz="1400" dirty="0">
-                <a:latin typeface="Tahoma" charset="0"/>
-                <a:ea typeface="Tahoma" charset="0"/>
-                <a:cs typeface="Tahoma" charset="0"/>
-              </a:rPr>
-              <a:t>)))))))))   </a:t>
-            </a:r>
-            <a:endParaRPr lang="ru-RU" sz="1400" dirty="0" smtClean="0">
-              <a:latin typeface="Tahoma" charset="0"/>
-              <a:ea typeface="Tahoma" charset="0"/>
-              <a:cs typeface="Tahoma" charset="0"/>
-            </a:endParaRPr>
-          </a:p>
-          <a:p>
-            <a:r>
-              <a:rPr lang="mr-IN" sz="1400" dirty="0" smtClean="0">
-                <a:latin typeface="Tahoma" charset="0"/>
-                <a:ea typeface="Tahoma" charset="0"/>
-                <a:cs typeface="Tahoma" charset="0"/>
-              </a:rPr>
-              <a:t> </a:t>
-            </a:r>
-            <a:r>
-              <a:rPr lang="mr-IN" sz="1400" dirty="0">
-                <a:latin typeface="Tahoma" charset="0"/>
-                <a:ea typeface="Tahoma" charset="0"/>
-                <a:cs typeface="Tahoma" charset="0"/>
-              </a:rPr>
-              <a:t>(. .)))</a:t>
-            </a:r>
-            <a:endParaRPr lang="en-US" sz="1400" dirty="0">
+            <a:endParaRPr lang="en-US" sz="2400" dirty="0">
               <a:latin typeface="Tahoma" charset="0"/>
               <a:ea typeface="Tahoma" charset="0"/>
               <a:cs typeface="Tahoma" charset="0"/>
@@ -7526,86 +8697,16 @@
           </a:prstGeom>
         </p:spPr>
       </p:pic>
-    </p:spTree>
-    <p:extLst>
-      <p:ext uri="{BB962C8B-B14F-4D97-AF65-F5344CB8AC3E}">
-        <p14:creationId xmlns:p14="http://schemas.microsoft.com/office/powerpoint/2010/main" val="1887480677"/>
-      </p:ext>
-    </p:extLst>
-  </p:cSld>
-  <p:clrMapOvr>
-    <a:masterClrMapping/>
-  </p:clrMapOvr>
-  <p:timing>
-    <p:tnLst>
-      <p:par>
-        <p:cTn id="1" dur="indefinite" restart="never" nodeType="tmRoot"/>
-      </p:par>
-    </p:tnLst>
-  </p:timing>
-</p:sld>
-</file>
-
-<file path=ppt/slides/slide7.xml><?xml version="1.0" encoding="utf-8"?>
-<p:sld xmlns:a="http://schemas.openxmlformats.org/drawingml/2006/main" xmlns:r="http://schemas.openxmlformats.org/officeDocument/2006/relationships" xmlns:p="http://schemas.openxmlformats.org/presentationml/2006/main">
-  <p:cSld>
-    <p:spTree>
-      <p:nvGrpSpPr>
-        <p:cNvPr id="1" name=""/>
-        <p:cNvGrpSpPr/>
-        <p:nvPr/>
-      </p:nvGrpSpPr>
-      <p:grpSpPr>
-        <a:xfrm>
-          <a:off x="0" y="0"/>
-          <a:ext cx="0" cy="0"/>
-          <a:chOff x="0" y="0"/>
-          <a:chExt cx="0" cy="0"/>
-        </a:xfrm>
-      </p:grpSpPr>
-      <p:pic>
-        <p:nvPicPr>
-          <p:cNvPr id="4" name="officeArt object"/>
-          <p:cNvPicPr>
-            <a:picLocks noGrp="1"/>
-          </p:cNvPicPr>
-          <p:nvPr>
-            <p:ph idx="1"/>
-          </p:nvPr>
-        </p:nvPicPr>
-        <p:blipFill>
-          <a:blip r:embed="rId2">
-            <a:extLst/>
-          </a:blip>
-          <a:stretch>
-            <a:fillRect/>
-          </a:stretch>
-        </p:blipFill>
+      <p:sp>
+        <p:nvSpPr>
+          <p:cNvPr id="9" name="TextBox 8"/>
+          <p:cNvSpPr txBox="1"/>
+          <p:nvPr/>
+        </p:nvSpPr>
         <p:spPr>
           <a:xfrm>
-            <a:off x="2152650" y="2202873"/>
-            <a:ext cx="5966607" cy="4351338"/>
-          </a:xfrm>
-          <a:prstGeom prst="rect">
-            <a:avLst/>
-          </a:prstGeom>
-          <a:ln w="12700" cap="flat">
-            <a:noFill/>
-            <a:miter lim="400000"/>
-          </a:ln>
-          <a:effectLst/>
-        </p:spPr>
-      </p:pic>
-      <p:sp>
-        <p:nvSpPr>
-          <p:cNvPr id="6" name="TextBox 5"/>
-          <p:cNvSpPr txBox="1"/>
-          <p:nvPr/>
-        </p:nvSpPr>
-        <p:spPr>
-          <a:xfrm>
-            <a:off x="571500" y="586356"/>
-            <a:ext cx="4402282" cy="1777410"/>
+            <a:off x="564573" y="397900"/>
+            <a:ext cx="7415645" cy="461665"/>
           </a:xfrm>
           <a:prstGeom prst="rect">
             <a:avLst/>
@@ -7619,160 +8720,13 @@
           <a:lstStyle/>
           <a:p>
             <a:r>
-              <a:rPr lang="en-US" sz="1350" b="1" dirty="0"/>
-              <a:t>Stopping by Woods on a Snowy Evening</a:t>
-            </a:r>
-            <a:endParaRPr lang="en-US" sz="1350" dirty="0"/>
-          </a:p>
-          <a:p>
-            <a:r>
-              <a:rPr lang="ru-RU" sz="1350" dirty="0">
-                <a:solidFill>
-                  <a:schemeClr val="tx1">
-                    <a:lumMod val="65000"/>
-                    <a:lumOff val="35000"/>
-                  </a:schemeClr>
-                </a:solidFill>
-                <a:latin typeface="Helvetica Neue" charset="0"/>
-                <a:ea typeface="Helvetica Neue" charset="0"/>
-                <a:cs typeface="Helvetica Neue" charset="0"/>
-              </a:rPr>
-              <a:t/>
-            </a:r>
-            <a:br>
-              <a:rPr lang="ru-RU" sz="1350" dirty="0">
-                <a:solidFill>
-                  <a:schemeClr val="tx1">
-                    <a:lumMod val="65000"/>
-                    <a:lumOff val="35000"/>
-                  </a:schemeClr>
-                </a:solidFill>
-                <a:latin typeface="Helvetica Neue" charset="0"/>
-                <a:ea typeface="Helvetica Neue" charset="0"/>
-                <a:cs typeface="Helvetica Neue" charset="0"/>
-              </a:rPr>
-            </a:br>
-            <a:r>
-              <a:rPr lang="en-US" sz="1350" dirty="0">
-                <a:solidFill>
-                  <a:schemeClr val="tx1">
-                    <a:lumMod val="65000"/>
-                    <a:lumOff val="35000"/>
-                  </a:schemeClr>
-                </a:solidFill>
-                <a:latin typeface="Helvetica Neue" charset="0"/>
-                <a:ea typeface="Helvetica Neue" charset="0"/>
-                <a:cs typeface="Helvetica Neue" charset="0"/>
-              </a:rPr>
-              <a:t>My little horse must think it queer</a:t>
-            </a:r>
-          </a:p>
-          <a:p>
-            <a:r>
-              <a:rPr lang="en-US" sz="1350" dirty="0">
-                <a:solidFill>
-                  <a:schemeClr val="tx1">
-                    <a:lumMod val="65000"/>
-                    <a:lumOff val="35000"/>
-                  </a:schemeClr>
-                </a:solidFill>
-                <a:latin typeface="Helvetica Neue" charset="0"/>
-                <a:ea typeface="Helvetica Neue" charset="0"/>
-                <a:cs typeface="Helvetica Neue" charset="0"/>
-              </a:rPr>
-              <a:t>To stop without a farmhouse near</a:t>
-            </a:r>
-          </a:p>
-          <a:p>
-            <a:r>
-              <a:rPr lang="en-US" sz="1350" dirty="0">
-                <a:solidFill>
-                  <a:schemeClr val="tx1">
-                    <a:lumMod val="65000"/>
-                    <a:lumOff val="35000"/>
-                  </a:schemeClr>
-                </a:solidFill>
-                <a:latin typeface="Helvetica Neue" charset="0"/>
-                <a:ea typeface="Helvetica Neue" charset="0"/>
-                <a:cs typeface="Helvetica Neue" charset="0"/>
-              </a:rPr>
-              <a:t>Between the woods and frozen lake</a:t>
-            </a:r>
-          </a:p>
-          <a:p>
-            <a:r>
-              <a:rPr lang="en-US" sz="1350" dirty="0">
-                <a:solidFill>
-                  <a:schemeClr val="tx1">
-                    <a:lumMod val="65000"/>
-                    <a:lumOff val="35000"/>
-                  </a:schemeClr>
-                </a:solidFill>
-                <a:latin typeface="Helvetica Neue" charset="0"/>
-                <a:ea typeface="Helvetica Neue" charset="0"/>
-                <a:cs typeface="Helvetica Neue" charset="0"/>
-              </a:rPr>
-              <a:t>The darkest evening of the year.</a:t>
-            </a:r>
-          </a:p>
-          <a:p>
-            <a:r>
-              <a:rPr lang="ru-RU" sz="1350" dirty="0">
-                <a:latin typeface="Helvetica Neue" charset="0"/>
-                <a:ea typeface="Helvetica Neue" charset="0"/>
-                <a:cs typeface="Helvetica Neue" charset="0"/>
-              </a:rPr>
-              <a:t/>
-            </a:r>
-            <a:br>
-              <a:rPr lang="ru-RU" sz="1350" dirty="0">
-                <a:latin typeface="Helvetica Neue" charset="0"/>
-                <a:ea typeface="Helvetica Neue" charset="0"/>
-                <a:cs typeface="Helvetica Neue" charset="0"/>
-              </a:rPr>
-            </a:br>
-            <a:r>
-              <a:rPr lang="en-US" sz="1500" b="1" dirty="0" smtClean="0"/>
-              <a:t>Robert </a:t>
-            </a:r>
-            <a:r>
-              <a:rPr lang="en-US" sz="1500" b="1" dirty="0"/>
-              <a:t>Frost</a:t>
-            </a:r>
-            <a:endParaRPr lang="en-US" sz="1500" dirty="0"/>
-          </a:p>
-        </p:txBody>
-      </p:sp>
-      <p:sp>
-        <p:nvSpPr>
-          <p:cNvPr id="7" name="TextBox 6"/>
-          <p:cNvSpPr txBox="1"/>
-          <p:nvPr/>
-        </p:nvSpPr>
-        <p:spPr>
-          <a:xfrm>
-            <a:off x="571500" y="124691"/>
-            <a:ext cx="4239491" cy="461665"/>
-          </a:xfrm>
-          <a:prstGeom prst="rect">
-            <a:avLst/>
-          </a:prstGeom>
-          <a:noFill/>
-        </p:spPr>
-        <p:txBody>
-          <a:bodyPr wrap="square" rtlCol="0">
-            <a:spAutoFit/>
-          </a:bodyPr>
-          <a:lstStyle/>
-          <a:p>
-            <a:r>
-              <a:rPr lang="ru-RU" sz="2400" b="1" dirty="0">
+              <a:rPr lang="ru-RU" sz="2400" b="1" dirty="0" smtClean="0">
                 <a:solidFill>
                   <a:schemeClr val="accent1"/>
                 </a:solidFill>
-                <a:latin typeface="Helvetica Neue" charset="0"/>
-                <a:ea typeface="Helvetica Neue" charset="0"/>
-                <a:cs typeface="Helvetica Neue" charset="0"/>
+                <a:latin typeface="Tahoma" charset="0"/>
+                <a:ea typeface="Tahoma" charset="0"/>
+                <a:cs typeface="Tahoma" charset="0"/>
               </a:rPr>
               <a:t>Полученные результаты</a:t>
             </a:r>
@@ -7780,17 +8734,95 @@
               <a:solidFill>
                 <a:schemeClr val="accent1"/>
               </a:solidFill>
-              <a:latin typeface="Helvetica Neue" charset="0"/>
-              <a:ea typeface="Helvetica Neue" charset="0"/>
-              <a:cs typeface="Helvetica Neue" charset="0"/>
+              <a:latin typeface="Tahoma" charset="0"/>
+              <a:ea typeface="Tahoma" charset="0"/>
+              <a:cs typeface="Tahoma" charset="0"/>
             </a:endParaRPr>
           </a:p>
         </p:txBody>
       </p:sp>
+      <p:cxnSp>
+        <p:nvCxnSpPr>
+          <p:cNvPr id="14" name="Elbow Connector 13"/>
+          <p:cNvCxnSpPr/>
+          <p:nvPr/>
+        </p:nvCxnSpPr>
+        <p:spPr>
+          <a:xfrm>
+            <a:off x="3015891" y="3060517"/>
+            <a:ext cx="2137998" cy="2131170"/>
+          </a:xfrm>
+          <a:prstGeom prst="bentConnector3">
+            <a:avLst>
+              <a:gd name="adj1" fmla="val 63608"/>
+            </a:avLst>
+          </a:prstGeom>
+          <a:ln w="22225">
+            <a:solidFill>
+              <a:srgbClr val="00B0F0"/>
+            </a:solidFill>
+            <a:prstDash val="sysDash"/>
+            <a:tailEnd type="triangle"/>
+          </a:ln>
+        </p:spPr>
+        <p:style>
+          <a:lnRef idx="1">
+            <a:schemeClr val="accent1"/>
+          </a:lnRef>
+          <a:fillRef idx="0">
+            <a:schemeClr val="accent1"/>
+          </a:fillRef>
+          <a:effectRef idx="0">
+            <a:schemeClr val="accent1"/>
+          </a:effectRef>
+          <a:fontRef idx="minor">
+            <a:schemeClr val="tx1"/>
+          </a:fontRef>
+        </p:style>
+      </p:cxnSp>
+      <p:cxnSp>
+        <p:nvCxnSpPr>
+          <p:cNvPr id="79" name="Elbow Connector 78"/>
+          <p:cNvCxnSpPr/>
+          <p:nvPr/>
+        </p:nvCxnSpPr>
+        <p:spPr>
+          <a:xfrm>
+            <a:off x="2147455" y="3394434"/>
+            <a:ext cx="3319755" cy="946412"/>
+          </a:xfrm>
+          <a:prstGeom prst="bentConnector3">
+            <a:avLst>
+              <a:gd name="adj1" fmla="val 75458"/>
+            </a:avLst>
+          </a:prstGeom>
+          <a:ln w="25400">
+            <a:solidFill>
+              <a:srgbClr val="92D050"/>
+            </a:solidFill>
+            <a:prstDash val="sysDash"/>
+            <a:tailEnd type="triangle"/>
+          </a:ln>
+        </p:spPr>
+        <p:style>
+          <a:lnRef idx="1">
+            <a:schemeClr val="accent1"/>
+          </a:lnRef>
+          <a:fillRef idx="0">
+            <a:schemeClr val="accent1"/>
+          </a:fillRef>
+          <a:effectRef idx="0">
+            <a:schemeClr val="accent1"/>
+          </a:effectRef>
+          <a:fontRef idx="minor">
+            <a:schemeClr val="tx1"/>
+          </a:fontRef>
+        </p:style>
+      </p:cxnSp>
     </p:spTree>
     <p:extLst>
       <p:ext uri="{BB962C8B-B14F-4D97-AF65-F5344CB8AC3E}">
-        <p14:creationId xmlns:p14="http://schemas.microsoft.com/office/powerpoint/2010/main" val="2134065882"/>
+        <p14:creationId xmlns:p14="http://schemas.microsoft.com/office/powerpoint/2010/main" val="1887480677"/>
       </p:ext>
     </p:extLst>
   </p:cSld>
@@ -7844,8 +8876,8 @@
         </p:blipFill>
         <p:spPr>
           <a:xfrm>
-            <a:off x="946150" y="2136302"/>
-            <a:ext cx="6446838" cy="3653208"/>
+            <a:off x="2059101" y="2078182"/>
+            <a:ext cx="5966607" cy="4351338"/>
           </a:xfrm>
           <a:prstGeom prst="rect">
             <a:avLst/>
@@ -7859,14 +8891,14 @@
       </p:pic>
       <p:sp>
         <p:nvSpPr>
-          <p:cNvPr id="5" name="TextBox 4"/>
+          <p:cNvPr id="6" name="TextBox 5"/>
           <p:cNvSpPr txBox="1"/>
           <p:nvPr/>
         </p:nvSpPr>
         <p:spPr>
           <a:xfrm>
-            <a:off x="585158" y="293831"/>
-            <a:ext cx="6807830" cy="954107"/>
+            <a:off x="529937" y="300772"/>
+            <a:ext cx="4402282" cy="1777410"/>
           </a:xfrm>
           <a:prstGeom prst="rect">
             <a:avLst/>
@@ -7880,31 +8912,134 @@
           <a:lstStyle/>
           <a:p>
             <a:r>
-              <a:rPr lang="ru-RU" sz="2800" b="1" dirty="0" smtClean="0">
+              <a:rPr lang="en-US" sz="1350" b="1" dirty="0"/>
+              <a:t>Stopping by Woods on a Snowy Evening</a:t>
+            </a:r>
+            <a:endParaRPr lang="en-US" sz="1350" dirty="0"/>
+          </a:p>
+          <a:p>
+            <a:r>
+              <a:rPr lang="ru-RU" sz="1350" dirty="0">
                 <a:solidFill>
-                  <a:schemeClr val="accent1"/>
+                  <a:schemeClr val="tx1">
+                    <a:lumMod val="65000"/>
+                    <a:lumOff val="35000"/>
+                  </a:schemeClr>
                 </a:solidFill>
-                <a:latin typeface="Tahoma" charset="0"/>
-                <a:ea typeface="Tahoma" charset="0"/>
-                <a:cs typeface="Tahoma" charset="0"/>
-              </a:rPr>
-              <a:t>Разумные границы применимости  подхода</a:t>
-            </a:r>
-            <a:endParaRPr lang="en-US" sz="2800" b="1" dirty="0">
-              <a:solidFill>
-                <a:schemeClr val="accent1"/>
-              </a:solidFill>
-              <a:latin typeface="Tahoma" charset="0"/>
-              <a:ea typeface="Tahoma" charset="0"/>
-              <a:cs typeface="Tahoma" charset="0"/>
-            </a:endParaRPr>
+                <a:latin typeface="Helvetica Neue" charset="0"/>
+                <a:ea typeface="Helvetica Neue" charset="0"/>
+                <a:cs typeface="Helvetica Neue" charset="0"/>
+              </a:rPr>
+              <a:t/>
+            </a:r>
+            <a:br>
+              <a:rPr lang="ru-RU" sz="1350" dirty="0">
+                <a:solidFill>
+                  <a:schemeClr val="tx1">
+                    <a:lumMod val="65000"/>
+                    <a:lumOff val="35000"/>
+                  </a:schemeClr>
+                </a:solidFill>
+                <a:latin typeface="Helvetica Neue" charset="0"/>
+                <a:ea typeface="Helvetica Neue" charset="0"/>
+                <a:cs typeface="Helvetica Neue" charset="0"/>
+              </a:rPr>
+            </a:br>
+            <a:r>
+              <a:rPr lang="en-US" sz="1350" dirty="0">
+                <a:solidFill>
+                  <a:schemeClr val="tx1">
+                    <a:lumMod val="65000"/>
+                    <a:lumOff val="35000"/>
+                  </a:schemeClr>
+                </a:solidFill>
+                <a:latin typeface="Helvetica Neue" charset="0"/>
+                <a:ea typeface="Helvetica Neue" charset="0"/>
+                <a:cs typeface="Helvetica Neue" charset="0"/>
+              </a:rPr>
+              <a:t>My little horse must think it queer</a:t>
+            </a:r>
+          </a:p>
+          <a:p>
+            <a:r>
+              <a:rPr lang="en-US" sz="1350" dirty="0">
+                <a:solidFill>
+                  <a:schemeClr val="tx1">
+                    <a:lumMod val="65000"/>
+                    <a:lumOff val="35000"/>
+                  </a:schemeClr>
+                </a:solidFill>
+                <a:latin typeface="Helvetica Neue" charset="0"/>
+                <a:ea typeface="Helvetica Neue" charset="0"/>
+                <a:cs typeface="Helvetica Neue" charset="0"/>
+              </a:rPr>
+              <a:t>To stop without a farmhouse near</a:t>
+            </a:r>
+          </a:p>
+          <a:p>
+            <a:r>
+              <a:rPr lang="en-US" sz="1350" dirty="0">
+                <a:solidFill>
+                  <a:schemeClr val="tx1">
+                    <a:lumMod val="65000"/>
+                    <a:lumOff val="35000"/>
+                  </a:schemeClr>
+                </a:solidFill>
+                <a:latin typeface="Helvetica Neue" charset="0"/>
+                <a:ea typeface="Helvetica Neue" charset="0"/>
+                <a:cs typeface="Helvetica Neue" charset="0"/>
+              </a:rPr>
+              <a:t>Between the woods and frozen lake</a:t>
+            </a:r>
+          </a:p>
+          <a:p>
+            <a:r>
+              <a:rPr lang="en-US" sz="1350" dirty="0">
+                <a:solidFill>
+                  <a:schemeClr val="tx1">
+                    <a:lumMod val="65000"/>
+                    <a:lumOff val="35000"/>
+                  </a:schemeClr>
+                </a:solidFill>
+                <a:latin typeface="Helvetica Neue" charset="0"/>
+                <a:ea typeface="Helvetica Neue" charset="0"/>
+                <a:cs typeface="Helvetica Neue" charset="0"/>
+              </a:rPr>
+              <a:t>The darkest evening of the year.</a:t>
+            </a:r>
+          </a:p>
+          <a:p>
+            <a:r>
+              <a:rPr lang="ru-RU" sz="1350" dirty="0">
+                <a:latin typeface="Helvetica Neue" charset="0"/>
+                <a:ea typeface="Helvetica Neue" charset="0"/>
+                <a:cs typeface="Helvetica Neue" charset="0"/>
+              </a:rPr>
+              <a:t/>
+            </a:r>
+            <a:br>
+              <a:rPr lang="ru-RU" sz="1350" dirty="0">
+                <a:latin typeface="Helvetica Neue" charset="0"/>
+                <a:ea typeface="Helvetica Neue" charset="0"/>
+                <a:cs typeface="Helvetica Neue" charset="0"/>
+              </a:rPr>
+            </a:br>
+            <a:r>
+              <a:rPr lang="en-US" sz="1500" b="1" dirty="0" smtClean="0"/>
+              <a:t>Robert </a:t>
+            </a:r>
+            <a:r>
+              <a:rPr lang="en-US" sz="1500" b="1" dirty="0"/>
+              <a:t>Frost</a:t>
+            </a:r>
+            <a:endParaRPr lang="en-US" sz="1500" dirty="0"/>
           </a:p>
         </p:txBody>
       </p:sp>
     </p:spTree>
     <p:extLst>
       <p:ext uri="{BB962C8B-B14F-4D97-AF65-F5344CB8AC3E}">
-        <p14:creationId xmlns:p14="http://schemas.microsoft.com/office/powerpoint/2010/main" val="271638538"/>
+        <p14:creationId xmlns:p14="http://schemas.microsoft.com/office/powerpoint/2010/main" val="2134065882"/>
       </p:ext>
     </p:extLst>
   </p:cSld>
@@ -7938,314 +9073,87 @@
           <a:chExt cx="0" cy="0"/>
         </a:xfrm>
       </p:grpSpPr>
-      <p:sp>
-        <p:nvSpPr>
-          <p:cNvPr id="2" name="Title 1"/>
-          <p:cNvSpPr>
-            <a:spLocks noGrp="1"/>
-          </p:cNvSpPr>
-          <p:nvPr>
-            <p:ph type="title"/>
-          </p:nvPr>
-        </p:nvSpPr>
-        <p:spPr>
-          <a:xfrm>
-            <a:off x="647700" y="1077898"/>
-            <a:ext cx="7568184" cy="541352"/>
-          </a:xfrm>
-        </p:spPr>
-        <p:txBody>
-          <a:bodyPr>
-            <a:normAutofit fontScale="90000"/>
-          </a:bodyPr>
-          <a:lstStyle/>
-          <a:p>
-            <a:r>
-              <a:rPr lang="ru-RU" dirty="0" smtClean="0"/>
-              <a:t>Вывод</a:t>
-            </a:r>
-            <a:endParaRPr lang="en-US" dirty="0"/>
-          </a:p>
-        </p:txBody>
-      </p:sp>
-      <p:sp>
-        <p:nvSpPr>
-          <p:cNvPr id="3" name="Content Placeholder 2"/>
-          <p:cNvSpPr>
-            <a:spLocks noGrp="1"/>
-          </p:cNvSpPr>
+      <p:pic>
+        <p:nvPicPr>
+          <p:cNvPr id="4" name="officeArt object"/>
+          <p:cNvPicPr>
+            <a:picLocks noGrp="1"/>
+          </p:cNvPicPr>
           <p:nvPr>
             <p:ph idx="1"/>
           </p:nvPr>
-        </p:nvSpPr>
+        </p:nvPicPr>
+        <p:blipFill>
+          <a:blip r:embed="rId2">
+            <a:extLst/>
+          </a:blip>
+          <a:stretch>
+            <a:fillRect/>
+          </a:stretch>
+        </p:blipFill>
         <p:spPr>
           <a:xfrm>
-            <a:off x="647700" y="1619250"/>
-            <a:ext cx="7670800" cy="3873103"/>
+            <a:off x="946150" y="2136302"/>
+            <a:ext cx="6446838" cy="3653208"/>
           </a:xfrm>
+          <a:prstGeom prst="rect">
+            <a:avLst/>
+          </a:prstGeom>
+          <a:ln w="12700" cap="flat">
+            <a:noFill/>
+            <a:miter lim="400000"/>
+          </a:ln>
+          <a:effectLst/>
+        </p:spPr>
+      </p:pic>
+      <p:sp>
+        <p:nvSpPr>
+          <p:cNvPr id="5" name="TextBox 4"/>
+          <p:cNvSpPr txBox="1"/>
+          <p:nvPr/>
+        </p:nvSpPr>
+        <p:spPr>
+          <a:xfrm>
+            <a:off x="585158" y="293831"/>
+            <a:ext cx="6807830" cy="954107"/>
+          </a:xfrm>
+          <a:prstGeom prst="rect">
+            <a:avLst/>
+          </a:prstGeom>
+          <a:noFill/>
         </p:spPr>
         <p:txBody>
-          <a:bodyPr>
-            <a:normAutofit fontScale="92500"/>
+          <a:bodyPr wrap="square" rtlCol="0">
+            <a:spAutoFit/>
           </a:bodyPr>
           <a:lstStyle/>
           <a:p>
-            <a:pPr marL="0" indent="0" algn="just">
-              <a:buNone/>
-            </a:pPr>
-            <a:r>
-              <a:rPr lang="ru-RU" dirty="0" smtClean="0"/>
-              <a:t>	</a:t>
-            </a:r>
-            <a:r>
-              <a:rPr lang="ru-RU" sz="2100" dirty="0"/>
-              <a:t/>
-            </a:r>
-            <a:br>
-              <a:rPr lang="ru-RU" sz="2100" dirty="0"/>
-            </a:br>
-            <a:r>
-              <a:rPr lang="ru-RU" sz="2100" dirty="0"/>
-              <a:t>	П</a:t>
-            </a:r>
-            <a:r>
-              <a:rPr lang="en-US" sz="2100" dirty="0" err="1"/>
-              <a:t>рограмма</a:t>
-            </a:r>
-            <a:r>
-              <a:rPr lang="en-US" sz="2100" dirty="0"/>
-              <a:t> </a:t>
-            </a:r>
-            <a:r>
-              <a:rPr lang="en-US" sz="2100" dirty="0" err="1"/>
-              <a:t>парсер</a:t>
-            </a:r>
-            <a:r>
-              <a:rPr lang="en-US" sz="2100" dirty="0"/>
-              <a:t> </a:t>
-            </a:r>
-            <a:r>
-              <a:rPr lang="en-US" sz="2100" dirty="0" err="1"/>
-              <a:t>выполняет</a:t>
-            </a:r>
-            <a:r>
-              <a:rPr lang="en-US" sz="2100" dirty="0"/>
-              <a:t> </a:t>
-            </a:r>
-            <a:r>
-              <a:rPr lang="en-US" sz="2100" dirty="0" err="1"/>
-              <a:t>базовые</a:t>
-            </a:r>
-            <a:r>
-              <a:rPr lang="en-US" sz="2100" dirty="0"/>
-              <a:t> </a:t>
-            </a:r>
-            <a:r>
-              <a:rPr lang="en-US" sz="2100" dirty="0" err="1"/>
-              <a:t>функции</a:t>
-            </a:r>
-            <a:r>
-              <a:rPr lang="en-US" sz="2100" dirty="0"/>
-              <a:t> </a:t>
-            </a:r>
-            <a:r>
-              <a:rPr lang="en-US" sz="2100" dirty="0" err="1"/>
-              <a:t>конвертации</a:t>
-            </a:r>
-            <a:r>
-              <a:rPr lang="en-US" sz="2100" dirty="0"/>
-              <a:t> </a:t>
-            </a:r>
-            <a:r>
-              <a:rPr lang="en-US" sz="2100" dirty="0" err="1"/>
-              <a:t>текста</a:t>
-            </a:r>
-            <a:r>
-              <a:rPr lang="en-US" sz="2100" dirty="0"/>
-              <a:t> </a:t>
-            </a:r>
-            <a:r>
-              <a:rPr lang="en-US" sz="2100" dirty="0" err="1"/>
-              <a:t>на</a:t>
-            </a:r>
-            <a:r>
-              <a:rPr lang="en-US" sz="2100" dirty="0"/>
-              <a:t> </a:t>
-            </a:r>
-            <a:r>
-              <a:rPr lang="en-US" sz="2100" dirty="0" err="1"/>
-              <a:t>естественном</a:t>
-            </a:r>
-            <a:r>
-              <a:rPr lang="en-US" sz="2100" dirty="0"/>
-              <a:t> </a:t>
-            </a:r>
-            <a:r>
-              <a:rPr lang="en-US" sz="2100" dirty="0" err="1"/>
-              <a:t>языке</a:t>
-            </a:r>
-            <a:r>
-              <a:rPr lang="en-US" sz="2100" dirty="0"/>
-              <a:t> </a:t>
-            </a:r>
-            <a:r>
-              <a:rPr lang="en-US" sz="2100" dirty="0" err="1"/>
-              <a:t>в</a:t>
-            </a:r>
-            <a:r>
-              <a:rPr lang="en-US" sz="2100" dirty="0"/>
-              <a:t> UML </a:t>
-            </a:r>
-            <a:r>
-              <a:rPr lang="en-US" sz="2100" dirty="0" err="1"/>
-              <a:t>диаграммы</a:t>
-            </a:r>
-            <a:r>
-              <a:rPr lang="en-US" sz="2100" dirty="0"/>
-              <a:t> </a:t>
-            </a:r>
-            <a:r>
-              <a:rPr lang="en-US" sz="2100" dirty="0" err="1"/>
-              <a:t>согласно</a:t>
-            </a:r>
-            <a:r>
-              <a:rPr lang="en-US" sz="2100" dirty="0"/>
-              <a:t> </a:t>
-            </a:r>
-            <a:r>
-              <a:rPr lang="ru-RU" sz="2100" dirty="0"/>
-              <a:t>разработанным </a:t>
-            </a:r>
-            <a:r>
-              <a:rPr lang="en-US" sz="2100" dirty="0" err="1"/>
-              <a:t>правилам</a:t>
-            </a:r>
-            <a:r>
-              <a:rPr lang="ru-RU" sz="2100" dirty="0"/>
-              <a:t>, однако </a:t>
-            </a:r>
-            <a:r>
-              <a:rPr lang="en-US" sz="2100" dirty="0" err="1"/>
-              <a:t>успешность</a:t>
-            </a:r>
-            <a:r>
-              <a:rPr lang="en-US" sz="2100" dirty="0"/>
-              <a:t> </a:t>
-            </a:r>
-            <a:r>
-              <a:rPr lang="en-US" sz="2100" dirty="0" err="1"/>
-              <a:t>конвертации</a:t>
-            </a:r>
-            <a:r>
-              <a:rPr lang="en-US" sz="2100" dirty="0"/>
-              <a:t> </a:t>
-            </a:r>
-            <a:r>
-              <a:rPr lang="en-US" sz="2100" dirty="0" err="1"/>
-              <a:t>зависит</a:t>
-            </a:r>
-            <a:r>
-              <a:rPr lang="en-US" sz="2100" dirty="0"/>
-              <a:t> </a:t>
-            </a:r>
-            <a:r>
-              <a:rPr lang="en-US" sz="2100" dirty="0" err="1"/>
-              <a:t>от</a:t>
-            </a:r>
-            <a:r>
-              <a:rPr lang="en-US" sz="2100" dirty="0"/>
-              <a:t> </a:t>
-            </a:r>
-            <a:r>
-              <a:rPr lang="en-US" sz="2100" dirty="0" err="1"/>
-              <a:t>многих</a:t>
-            </a:r>
-            <a:r>
-              <a:rPr lang="en-US" sz="2100" dirty="0"/>
-              <a:t> </a:t>
-            </a:r>
-            <a:r>
-              <a:rPr lang="en-US" sz="2100" dirty="0" err="1"/>
-              <a:t>факторов</a:t>
-            </a:r>
-            <a:r>
-              <a:rPr lang="ru-RU" sz="2100" dirty="0"/>
-              <a:t>: </a:t>
-            </a:r>
-          </a:p>
-          <a:p>
-            <a:pPr marL="0" indent="0" algn="just">
-              <a:buNone/>
-            </a:pPr>
-            <a:endParaRPr lang="ru-RU" sz="2100" dirty="0"/>
-          </a:p>
-          <a:p>
-            <a:pPr>
-              <a:buFontTx/>
-              <a:buChar char="-"/>
-            </a:pPr>
-            <a:r>
-              <a:rPr lang="ru-RU" sz="2100" dirty="0"/>
-              <a:t>объем текста;</a:t>
-            </a:r>
-          </a:p>
-          <a:p>
-            <a:pPr>
-              <a:buFontTx/>
-              <a:buChar char="-"/>
-            </a:pPr>
-            <a:r>
-              <a:rPr lang="ru-RU" sz="2100" dirty="0"/>
-              <a:t>его корректность с точки зрения орфографии и семантики; </a:t>
-            </a:r>
-          </a:p>
-          <a:p>
-            <a:pPr>
-              <a:buFontTx/>
-              <a:buChar char="-"/>
-            </a:pPr>
-            <a:r>
-              <a:rPr lang="ru-RU" sz="2100" dirty="0"/>
-              <a:t>результаты </a:t>
-            </a:r>
-            <a:r>
-              <a:rPr lang="ru-RU" sz="2100" dirty="0" err="1"/>
-              <a:t>парсинга</a:t>
-            </a:r>
-            <a:r>
-              <a:rPr lang="ru-RU" sz="2100" dirty="0"/>
-              <a:t> </a:t>
-            </a:r>
-            <a:r>
-              <a:rPr lang="en-US" sz="2100" dirty="0"/>
-              <a:t>Stanford Core NLP;</a:t>
-            </a:r>
-            <a:endParaRPr lang="ru-RU" sz="2100" dirty="0"/>
-          </a:p>
-          <a:p>
-            <a:pPr marL="0" indent="0">
-              <a:buNone/>
-            </a:pPr>
-            <a:r>
-              <a:rPr lang="ru-RU" sz="2100" dirty="0">
+            <a:r>
+              <a:rPr lang="ru-RU" sz="2800" b="1" dirty="0" smtClean="0">
                 <a:solidFill>
                   <a:schemeClr val="accent1"/>
                 </a:solidFill>
-              </a:rPr>
-              <a:t>-</a:t>
-            </a:r>
-            <a:r>
-              <a:rPr lang="ru-RU" sz="2100" dirty="0"/>
-              <a:t> корректность правил конвертации.</a:t>
-            </a:r>
-            <a:endParaRPr lang="en-US" sz="2100" dirty="0"/>
+                <a:latin typeface="Tahoma" charset="0"/>
+                <a:ea typeface="Tahoma" charset="0"/>
+                <a:cs typeface="Tahoma" charset="0"/>
+              </a:rPr>
+              <a:t>Разумные границы применимости  подхода</a:t>
+            </a:r>
+            <a:endParaRPr lang="en-US" sz="2800" b="1" dirty="0">
+              <a:solidFill>
+                <a:schemeClr val="accent1"/>
+              </a:solidFill>
+              <a:latin typeface="Tahoma" charset="0"/>
+              <a:ea typeface="Tahoma" charset="0"/>
+              <a:cs typeface="Tahoma" charset="0"/>
+            </a:endParaRPr>
           </a:p>
         </p:txBody>
       </p:sp>
     </p:spTree>
     <p:extLst>
       <p:ext uri="{BB962C8B-B14F-4D97-AF65-F5344CB8AC3E}">
-        <p14:creationId xmlns:p14="http://schemas.microsoft.com/office/powerpoint/2010/main" val="1909838834"/>
+        <p14:creationId xmlns:p14="http://schemas.microsoft.com/office/powerpoint/2010/main" val="271638538"/>
       </p:ext>
     </p:extLst>
   </p:cSld>

--- a/presentation/Moiseyenko_presentation_cut.pptx
+++ b/presentation/Moiseyenko_presentation_cut.pptx
@@ -9073,39 +9073,6 @@
           <a:chExt cx="0" cy="0"/>
         </a:xfrm>
       </p:grpSpPr>
-      <p:pic>
-        <p:nvPicPr>
-          <p:cNvPr id="4" name="officeArt object"/>
-          <p:cNvPicPr>
-            <a:picLocks noGrp="1"/>
-          </p:cNvPicPr>
-          <p:nvPr>
-            <p:ph idx="1"/>
-          </p:nvPr>
-        </p:nvPicPr>
-        <p:blipFill>
-          <a:blip r:embed="rId2">
-            <a:extLst/>
-          </a:blip>
-          <a:stretch>
-            <a:fillRect/>
-          </a:stretch>
-        </p:blipFill>
-        <p:spPr>
-          <a:xfrm>
-            <a:off x="946150" y="2136302"/>
-            <a:ext cx="6446838" cy="3653208"/>
-          </a:xfrm>
-          <a:prstGeom prst="rect">
-            <a:avLst/>
-          </a:prstGeom>
-          <a:ln w="12700" cap="flat">
-            <a:noFill/>
-            <a:miter lim="400000"/>
-          </a:ln>
-          <a:effectLst/>
-        </p:spPr>
-      </p:pic>
       <p:sp>
         <p:nvSpPr>
           <p:cNvPr id="5" name="TextBox 4"/>
@@ -9150,6 +9117,36 @@
           </a:p>
         </p:txBody>
       </p:sp>
+      <p:pic>
+        <p:nvPicPr>
+          <p:cNvPr id="7" name="Picture 6"/>
+          <p:cNvPicPr>
+            <a:picLocks noChangeAspect="1"/>
+          </p:cNvPicPr>
+          <p:nvPr/>
+        </p:nvPicPr>
+        <p:blipFill>
+          <a:blip r:embed="rId2">
+            <a:extLst>
+              <a:ext uri="{28A0092B-C50C-407E-A947-70E740481C1C}">
+                <a14:useLocalDpi xmlns:a14="http://schemas.microsoft.com/office/drawing/2010/main" val="0"/>
+              </a:ext>
+            </a:extLst>
+          </a:blip>
+          <a:stretch>
+            <a:fillRect/>
+          </a:stretch>
+        </p:blipFill>
+        <p:spPr>
+          <a:xfrm>
+            <a:off x="585158" y="1497447"/>
+            <a:ext cx="7645477" cy="4473864"/>
+          </a:xfrm>
+          <a:prstGeom prst="rect">
+            <a:avLst/>
+          </a:prstGeom>
+        </p:spPr>
+      </p:pic>
     </p:spTree>
     <p:extLst>
       <p:ext uri="{BB962C8B-B14F-4D97-AF65-F5344CB8AC3E}">

--- a/presentation/Moiseyenko_presentation_cut.pptx
+++ b/presentation/Moiseyenko_presentation_cut.pptx
@@ -7934,6 +7934,14 @@
             </a:r>
             <a:r>
               <a:rPr lang="mr-IN" sz="1400" dirty="0">
+                <a:latin typeface="Tahoma" charset="0"/>
+                <a:ea typeface="Tahoma" charset="0"/>
+                <a:cs typeface="Tahoma" charset="0"/>
+              </a:rPr>
+              <a:t>)</a:t>
+            </a:r>
+            <a:r>
+              <a:rPr lang="mr-IN" sz="1400" dirty="0">
                 <a:solidFill>
                   <a:srgbClr val="00B0F0"/>
                 </a:solidFill>
@@ -7941,7 +7949,7 @@
                 <a:ea typeface="Tahoma" charset="0"/>
                 <a:cs typeface="Tahoma" charset="0"/>
               </a:rPr>
-              <a:t>) </a:t>
+              <a:t> </a:t>
             </a:r>
             <a:r>
               <a:rPr lang="mr-IN" sz="1400" b="1" dirty="0">
@@ -8876,8 +8884,8 @@
         </p:blipFill>
         <p:spPr>
           <a:xfrm>
-            <a:off x="2059101" y="2078182"/>
-            <a:ext cx="5966607" cy="4351338"/>
+            <a:off x="2202875" y="2237003"/>
+            <a:ext cx="5808981" cy="4226647"/>
           </a:xfrm>
           <a:prstGeom prst="rect">
             <a:avLst/>
@@ -8897,8 +8905,8 @@
         </p:nvSpPr>
         <p:spPr>
           <a:xfrm>
-            <a:off x="529937" y="300772"/>
-            <a:ext cx="4402282" cy="1777410"/>
+            <a:off x="529936" y="300772"/>
+            <a:ext cx="5164281" cy="2308324"/>
           </a:xfrm>
           <a:prstGeom prst="rect">
             <a:avLst/>
@@ -8912,127 +8920,1306 @@
           <a:lstStyle/>
           <a:p>
             <a:r>
-              <a:rPr lang="en-US" sz="1350" b="1" dirty="0"/>
+              <a:rPr lang="en-US" b="1" dirty="0">
+                <a:latin typeface="Tahoma" charset="0"/>
+                <a:ea typeface="Tahoma" charset="0"/>
+                <a:cs typeface="Tahoma" charset="0"/>
+              </a:rPr>
               <a:t>Stopping by Woods on a Snowy Evening</a:t>
             </a:r>
-            <a:endParaRPr lang="en-US" sz="1350" dirty="0"/>
-          </a:p>
-          <a:p>
-            <a:r>
-              <a:rPr lang="ru-RU" sz="1350" dirty="0">
+            <a:endParaRPr lang="en-US" dirty="0">
+              <a:latin typeface="Tahoma" charset="0"/>
+              <a:ea typeface="Tahoma" charset="0"/>
+              <a:cs typeface="Tahoma" charset="0"/>
+            </a:endParaRPr>
+          </a:p>
+          <a:p>
+            <a:r>
+              <a:rPr lang="ru-RU" dirty="0">
                 <a:solidFill>
                   <a:schemeClr val="tx1">
                     <a:lumMod val="65000"/>
                     <a:lumOff val="35000"/>
                   </a:schemeClr>
                 </a:solidFill>
-                <a:latin typeface="Helvetica Neue" charset="0"/>
-                <a:ea typeface="Helvetica Neue" charset="0"/>
-                <a:cs typeface="Helvetica Neue" charset="0"/>
+                <a:latin typeface="Tahoma" charset="0"/>
+                <a:ea typeface="Tahoma" charset="0"/>
+                <a:cs typeface="Tahoma" charset="0"/>
               </a:rPr>
               <a:t/>
             </a:r>
             <a:br>
-              <a:rPr lang="ru-RU" sz="1350" dirty="0">
+              <a:rPr lang="ru-RU" dirty="0">
                 <a:solidFill>
                   <a:schemeClr val="tx1">
                     <a:lumMod val="65000"/>
                     <a:lumOff val="35000"/>
                   </a:schemeClr>
                 </a:solidFill>
-                <a:latin typeface="Helvetica Neue" charset="0"/>
-                <a:ea typeface="Helvetica Neue" charset="0"/>
-                <a:cs typeface="Helvetica Neue" charset="0"/>
+                <a:latin typeface="Tahoma" charset="0"/>
+                <a:ea typeface="Tahoma" charset="0"/>
+                <a:cs typeface="Tahoma" charset="0"/>
               </a:rPr>
             </a:br>
             <a:r>
-              <a:rPr lang="en-US" sz="1350" dirty="0">
+              <a:rPr lang="en-US" dirty="0">
                 <a:solidFill>
                   <a:schemeClr val="tx1">
                     <a:lumMod val="65000"/>
                     <a:lumOff val="35000"/>
                   </a:schemeClr>
                 </a:solidFill>
-                <a:latin typeface="Helvetica Neue" charset="0"/>
-                <a:ea typeface="Helvetica Neue" charset="0"/>
-                <a:cs typeface="Helvetica Neue" charset="0"/>
-              </a:rPr>
-              <a:t>My little horse must think it queer</a:t>
-            </a:r>
-          </a:p>
-          <a:p>
-            <a:r>
-              <a:rPr lang="en-US" sz="1350" dirty="0">
+                <a:latin typeface="Tahoma" charset="0"/>
+                <a:ea typeface="Tahoma" charset="0"/>
+                <a:cs typeface="Tahoma" charset="0"/>
+              </a:rPr>
+              <a:t>My </a:t>
+            </a:r>
+            <a:r>
+              <a:rPr lang="en-US" dirty="0">
+                <a:solidFill>
+                  <a:srgbClr val="009051"/>
+                </a:solidFill>
+                <a:latin typeface="Tahoma" charset="0"/>
+                <a:ea typeface="Tahoma" charset="0"/>
+                <a:cs typeface="Tahoma" charset="0"/>
+              </a:rPr>
+              <a:t>little</a:t>
+            </a:r>
+            <a:r>
+              <a:rPr lang="en-US" dirty="0">
                 <a:solidFill>
                   <a:schemeClr val="tx1">
                     <a:lumMod val="65000"/>
                     <a:lumOff val="35000"/>
                   </a:schemeClr>
                 </a:solidFill>
-                <a:latin typeface="Helvetica Neue" charset="0"/>
-                <a:ea typeface="Helvetica Neue" charset="0"/>
-                <a:cs typeface="Helvetica Neue" charset="0"/>
-              </a:rPr>
-              <a:t>To stop without a farmhouse near</a:t>
-            </a:r>
-          </a:p>
-          <a:p>
-            <a:r>
-              <a:rPr lang="en-US" sz="1350" dirty="0">
+                <a:latin typeface="Tahoma" charset="0"/>
+                <a:ea typeface="Tahoma" charset="0"/>
+                <a:cs typeface="Tahoma" charset="0"/>
+              </a:rPr>
+              <a:t> </a:t>
+            </a:r>
+            <a:r>
+              <a:rPr lang="en-US" dirty="0">
+                <a:solidFill>
+                  <a:srgbClr val="009051"/>
+                </a:solidFill>
+                <a:latin typeface="Tahoma" charset="0"/>
+                <a:ea typeface="Tahoma" charset="0"/>
+                <a:cs typeface="Tahoma" charset="0"/>
+              </a:rPr>
+              <a:t>horse </a:t>
+            </a:r>
+            <a:r>
+              <a:rPr lang="en-US" dirty="0">
                 <a:solidFill>
                   <a:schemeClr val="tx1">
                     <a:lumMod val="65000"/>
                     <a:lumOff val="35000"/>
                   </a:schemeClr>
                 </a:solidFill>
-                <a:latin typeface="Helvetica Neue" charset="0"/>
-                <a:ea typeface="Helvetica Neue" charset="0"/>
-                <a:cs typeface="Helvetica Neue" charset="0"/>
-              </a:rPr>
-              <a:t>Between the woods and frozen lake</a:t>
-            </a:r>
-          </a:p>
-          <a:p>
-            <a:r>
-              <a:rPr lang="en-US" sz="1350" dirty="0">
+                <a:latin typeface="Tahoma" charset="0"/>
+                <a:ea typeface="Tahoma" charset="0"/>
+                <a:cs typeface="Tahoma" charset="0"/>
+              </a:rPr>
+              <a:t>must think </a:t>
+            </a:r>
+            <a:r>
+              <a:rPr lang="en-US" dirty="0">
+                <a:solidFill>
+                  <a:srgbClr val="009051"/>
+                </a:solidFill>
+                <a:latin typeface="Tahoma" charset="0"/>
+                <a:ea typeface="Tahoma" charset="0"/>
+                <a:cs typeface="Tahoma" charset="0"/>
+              </a:rPr>
+              <a:t>it</a:t>
+            </a:r>
+            <a:r>
+              <a:rPr lang="en-US" dirty="0">
                 <a:solidFill>
                   <a:schemeClr val="tx1">
                     <a:lumMod val="65000"/>
                     <a:lumOff val="35000"/>
                   </a:schemeClr>
                 </a:solidFill>
-                <a:latin typeface="Helvetica Neue" charset="0"/>
-                <a:ea typeface="Helvetica Neue" charset="0"/>
-                <a:cs typeface="Helvetica Neue" charset="0"/>
-              </a:rPr>
-              <a:t>The darkest evening of the year.</a:t>
-            </a:r>
-          </a:p>
-          <a:p>
-            <a:r>
-              <a:rPr lang="ru-RU" sz="1350" dirty="0">
-                <a:latin typeface="Helvetica Neue" charset="0"/>
-                <a:ea typeface="Helvetica Neue" charset="0"/>
-                <a:cs typeface="Helvetica Neue" charset="0"/>
+                <a:latin typeface="Tahoma" charset="0"/>
+                <a:ea typeface="Tahoma" charset="0"/>
+                <a:cs typeface="Tahoma" charset="0"/>
+              </a:rPr>
+              <a:t> </a:t>
+            </a:r>
+            <a:r>
+              <a:rPr lang="en-US" dirty="0">
+                <a:solidFill>
+                  <a:srgbClr val="FF0000"/>
+                </a:solidFill>
+                <a:latin typeface="Tahoma" charset="0"/>
+                <a:ea typeface="Tahoma" charset="0"/>
+                <a:cs typeface="Tahoma" charset="0"/>
+              </a:rPr>
+              <a:t>queer</a:t>
+            </a:r>
+          </a:p>
+          <a:p>
+            <a:r>
+              <a:rPr lang="en-US" dirty="0">
+                <a:solidFill>
+                  <a:srgbClr val="FF0000"/>
+                </a:solidFill>
+                <a:latin typeface="Tahoma" charset="0"/>
+                <a:ea typeface="Tahoma" charset="0"/>
+                <a:cs typeface="Tahoma" charset="0"/>
+              </a:rPr>
+              <a:t>To stop without</a:t>
+            </a:r>
+            <a:r>
+              <a:rPr lang="en-US" dirty="0">
+                <a:solidFill>
+                  <a:schemeClr val="tx1">
+                    <a:lumMod val="65000"/>
+                    <a:lumOff val="35000"/>
+                  </a:schemeClr>
+                </a:solidFill>
+                <a:latin typeface="Tahoma" charset="0"/>
+                <a:ea typeface="Tahoma" charset="0"/>
+                <a:cs typeface="Tahoma" charset="0"/>
+              </a:rPr>
+              <a:t> a </a:t>
+            </a:r>
+            <a:r>
+              <a:rPr lang="en-US" dirty="0">
+                <a:solidFill>
+                  <a:srgbClr val="009051"/>
+                </a:solidFill>
+                <a:latin typeface="Tahoma" charset="0"/>
+                <a:ea typeface="Tahoma" charset="0"/>
+                <a:cs typeface="Tahoma" charset="0"/>
+              </a:rPr>
+              <a:t>farmhouse</a:t>
+            </a:r>
+            <a:r>
+              <a:rPr lang="en-US" dirty="0">
+                <a:solidFill>
+                  <a:schemeClr val="tx1">
+                    <a:lumMod val="65000"/>
+                    <a:lumOff val="35000"/>
+                  </a:schemeClr>
+                </a:solidFill>
+                <a:latin typeface="Tahoma" charset="0"/>
+                <a:ea typeface="Tahoma" charset="0"/>
+                <a:cs typeface="Tahoma" charset="0"/>
+              </a:rPr>
+              <a:t> </a:t>
+            </a:r>
+            <a:r>
+              <a:rPr lang="en-US" dirty="0">
+                <a:solidFill>
+                  <a:srgbClr val="FF0000"/>
+                </a:solidFill>
+                <a:latin typeface="Tahoma" charset="0"/>
+                <a:ea typeface="Tahoma" charset="0"/>
+                <a:cs typeface="Tahoma" charset="0"/>
+              </a:rPr>
+              <a:t>near</a:t>
+            </a:r>
+          </a:p>
+          <a:p>
+            <a:r>
+              <a:rPr lang="en-US" dirty="0">
+                <a:solidFill>
+                  <a:srgbClr val="FF0000"/>
+                </a:solidFill>
+                <a:latin typeface="Tahoma" charset="0"/>
+                <a:ea typeface="Tahoma" charset="0"/>
+                <a:cs typeface="Tahoma" charset="0"/>
+              </a:rPr>
+              <a:t>Between</a:t>
+            </a:r>
+            <a:r>
+              <a:rPr lang="en-US" dirty="0">
+                <a:solidFill>
+                  <a:schemeClr val="tx1">
+                    <a:lumMod val="65000"/>
+                    <a:lumOff val="35000"/>
+                  </a:schemeClr>
+                </a:solidFill>
+                <a:latin typeface="Tahoma" charset="0"/>
+                <a:ea typeface="Tahoma" charset="0"/>
+                <a:cs typeface="Tahoma" charset="0"/>
+              </a:rPr>
+              <a:t> the </a:t>
+            </a:r>
+            <a:r>
+              <a:rPr lang="en-US" dirty="0">
+                <a:solidFill>
+                  <a:srgbClr val="009051"/>
+                </a:solidFill>
+                <a:latin typeface="Tahoma" charset="0"/>
+                <a:ea typeface="Tahoma" charset="0"/>
+                <a:cs typeface="Tahoma" charset="0"/>
+              </a:rPr>
+              <a:t>woods</a:t>
+            </a:r>
+            <a:r>
+              <a:rPr lang="en-US" dirty="0">
+                <a:solidFill>
+                  <a:schemeClr val="tx1">
+                    <a:lumMod val="65000"/>
+                    <a:lumOff val="35000"/>
+                  </a:schemeClr>
+                </a:solidFill>
+                <a:latin typeface="Tahoma" charset="0"/>
+                <a:ea typeface="Tahoma" charset="0"/>
+                <a:cs typeface="Tahoma" charset="0"/>
+              </a:rPr>
+              <a:t> and </a:t>
+            </a:r>
+            <a:r>
+              <a:rPr lang="en-US" dirty="0">
+                <a:solidFill>
+                  <a:srgbClr val="009051"/>
+                </a:solidFill>
+                <a:latin typeface="Tahoma" charset="0"/>
+                <a:ea typeface="Tahoma" charset="0"/>
+                <a:cs typeface="Tahoma" charset="0"/>
+              </a:rPr>
+              <a:t>frozen lake</a:t>
+            </a:r>
+          </a:p>
+          <a:p>
+            <a:r>
+              <a:rPr lang="en-US" dirty="0">
+                <a:solidFill>
+                  <a:schemeClr val="tx1">
+                    <a:lumMod val="65000"/>
+                    <a:lumOff val="35000"/>
+                  </a:schemeClr>
+                </a:solidFill>
+                <a:latin typeface="Tahoma" charset="0"/>
+                <a:ea typeface="Tahoma" charset="0"/>
+                <a:cs typeface="Tahoma" charset="0"/>
+              </a:rPr>
+              <a:t>The </a:t>
+            </a:r>
+            <a:r>
+              <a:rPr lang="en-US" dirty="0">
+                <a:solidFill>
+                  <a:srgbClr val="FF0000"/>
+                </a:solidFill>
+                <a:latin typeface="Tahoma" charset="0"/>
+                <a:ea typeface="Tahoma" charset="0"/>
+                <a:cs typeface="Tahoma" charset="0"/>
+              </a:rPr>
+              <a:t>darkest</a:t>
+            </a:r>
+            <a:r>
+              <a:rPr lang="en-US" dirty="0">
+                <a:solidFill>
+                  <a:schemeClr val="tx1">
+                    <a:lumMod val="65000"/>
+                    <a:lumOff val="35000"/>
+                  </a:schemeClr>
+                </a:solidFill>
+                <a:latin typeface="Tahoma" charset="0"/>
+                <a:ea typeface="Tahoma" charset="0"/>
+                <a:cs typeface="Tahoma" charset="0"/>
+              </a:rPr>
+              <a:t> </a:t>
+            </a:r>
+            <a:r>
+              <a:rPr lang="en-US" dirty="0">
+                <a:solidFill>
+                  <a:srgbClr val="009051"/>
+                </a:solidFill>
+                <a:latin typeface="Tahoma" charset="0"/>
+                <a:ea typeface="Tahoma" charset="0"/>
+                <a:cs typeface="Tahoma" charset="0"/>
+              </a:rPr>
+              <a:t>evening</a:t>
+            </a:r>
+            <a:r>
+              <a:rPr lang="en-US" dirty="0">
+                <a:solidFill>
+                  <a:schemeClr val="tx1">
+                    <a:lumMod val="65000"/>
+                    <a:lumOff val="35000"/>
+                  </a:schemeClr>
+                </a:solidFill>
+                <a:latin typeface="Tahoma" charset="0"/>
+                <a:ea typeface="Tahoma" charset="0"/>
+                <a:cs typeface="Tahoma" charset="0"/>
+              </a:rPr>
+              <a:t> </a:t>
+            </a:r>
+            <a:r>
+              <a:rPr lang="en-US" dirty="0">
+                <a:solidFill>
+                  <a:srgbClr val="009051"/>
+                </a:solidFill>
+                <a:latin typeface="Tahoma" charset="0"/>
+                <a:ea typeface="Tahoma" charset="0"/>
+                <a:cs typeface="Tahoma" charset="0"/>
+              </a:rPr>
+              <a:t>of</a:t>
+            </a:r>
+            <a:r>
+              <a:rPr lang="en-US" dirty="0">
+                <a:solidFill>
+                  <a:schemeClr val="tx1">
+                    <a:lumMod val="65000"/>
+                    <a:lumOff val="35000"/>
+                  </a:schemeClr>
+                </a:solidFill>
+                <a:latin typeface="Tahoma" charset="0"/>
+                <a:ea typeface="Tahoma" charset="0"/>
+                <a:cs typeface="Tahoma" charset="0"/>
+              </a:rPr>
+              <a:t> the </a:t>
+            </a:r>
+            <a:r>
+              <a:rPr lang="en-US" dirty="0">
+                <a:solidFill>
+                  <a:srgbClr val="009051"/>
+                </a:solidFill>
+                <a:latin typeface="Tahoma" charset="0"/>
+                <a:ea typeface="Tahoma" charset="0"/>
+                <a:cs typeface="Tahoma" charset="0"/>
+              </a:rPr>
+              <a:t>year</a:t>
+            </a:r>
+            <a:r>
+              <a:rPr lang="en-US" dirty="0">
+                <a:solidFill>
+                  <a:schemeClr val="tx1">
+                    <a:lumMod val="65000"/>
+                    <a:lumOff val="35000"/>
+                  </a:schemeClr>
+                </a:solidFill>
+                <a:latin typeface="Tahoma" charset="0"/>
+                <a:ea typeface="Tahoma" charset="0"/>
+                <a:cs typeface="Tahoma" charset="0"/>
+              </a:rPr>
+              <a:t>.</a:t>
+            </a:r>
+          </a:p>
+          <a:p>
+            <a:r>
+              <a:rPr lang="ru-RU" dirty="0">
+                <a:latin typeface="Tahoma" charset="0"/>
+                <a:ea typeface="Tahoma" charset="0"/>
+                <a:cs typeface="Tahoma" charset="0"/>
               </a:rPr>
               <a:t/>
             </a:r>
             <a:br>
-              <a:rPr lang="ru-RU" sz="1350" dirty="0">
-                <a:latin typeface="Helvetica Neue" charset="0"/>
-                <a:ea typeface="Helvetica Neue" charset="0"/>
-                <a:cs typeface="Helvetica Neue" charset="0"/>
+              <a:rPr lang="ru-RU" dirty="0">
+                <a:latin typeface="Tahoma" charset="0"/>
+                <a:ea typeface="Tahoma" charset="0"/>
+                <a:cs typeface="Tahoma" charset="0"/>
               </a:rPr>
             </a:br>
             <a:r>
-              <a:rPr lang="en-US" sz="1500" b="1" dirty="0" smtClean="0"/>
+              <a:rPr lang="en-US" b="1" dirty="0" smtClean="0">
+                <a:latin typeface="Tahoma" charset="0"/>
+                <a:ea typeface="Tahoma" charset="0"/>
+                <a:cs typeface="Tahoma" charset="0"/>
+              </a:rPr>
               <a:t>Robert </a:t>
             </a:r>
             <a:r>
-              <a:rPr lang="en-US" sz="1500" b="1" dirty="0"/>
+              <a:rPr lang="en-US" b="1" dirty="0">
+                <a:latin typeface="Tahoma" charset="0"/>
+                <a:ea typeface="Tahoma" charset="0"/>
+                <a:cs typeface="Tahoma" charset="0"/>
+              </a:rPr>
               <a:t>Frost</a:t>
             </a:r>
-            <a:endParaRPr lang="en-US" sz="1500" dirty="0"/>
+            <a:endParaRPr lang="en-US" dirty="0">
+              <a:latin typeface="Tahoma" charset="0"/>
+              <a:ea typeface="Tahoma" charset="0"/>
+              <a:cs typeface="Tahoma" charset="0"/>
+            </a:endParaRPr>
+          </a:p>
+        </p:txBody>
+      </p:sp>
+      <p:sp>
+        <p:nvSpPr>
+          <p:cNvPr id="2" name="Rectangle 1"/>
+          <p:cNvSpPr/>
+          <p:nvPr/>
+        </p:nvSpPr>
+        <p:spPr>
+          <a:xfrm>
+            <a:off x="3491345" y="2286003"/>
+            <a:ext cx="858982" cy="706581"/>
+          </a:xfrm>
+          <a:prstGeom prst="rect">
+            <a:avLst/>
+          </a:prstGeom>
+          <a:noFill/>
+          <a:ln w="19050">
+            <a:solidFill>
+              <a:srgbClr val="009051"/>
+            </a:solidFill>
+          </a:ln>
+        </p:spPr>
+        <p:style>
+          <a:lnRef idx="2">
+            <a:schemeClr val="accent1">
+              <a:shade val="50000"/>
+            </a:schemeClr>
+          </a:lnRef>
+          <a:fillRef idx="1">
+            <a:schemeClr val="accent1"/>
+          </a:fillRef>
+          <a:effectRef idx="0">
+            <a:schemeClr val="accent1"/>
+          </a:effectRef>
+          <a:fontRef idx="minor">
+            <a:schemeClr val="lt1"/>
+          </a:fontRef>
+        </p:style>
+        <p:txBody>
+          <a:bodyPr rtlCol="0" anchor="ctr"/>
+          <a:lstStyle/>
+          <a:p>
+            <a:pPr algn="ctr"/>
+            <a:endParaRPr lang="en-US"/>
+          </a:p>
+        </p:txBody>
+      </p:sp>
+      <p:sp>
+        <p:nvSpPr>
+          <p:cNvPr id="5" name="Rectangle 4"/>
+          <p:cNvSpPr/>
+          <p:nvPr/>
+        </p:nvSpPr>
+        <p:spPr>
+          <a:xfrm>
+            <a:off x="4793677" y="2304296"/>
+            <a:ext cx="789702" cy="655197"/>
+          </a:xfrm>
+          <a:prstGeom prst="rect">
+            <a:avLst/>
+          </a:prstGeom>
+          <a:noFill/>
+          <a:ln w="19050">
+            <a:solidFill>
+              <a:srgbClr val="009051"/>
+            </a:solidFill>
+          </a:ln>
+        </p:spPr>
+        <p:style>
+          <a:lnRef idx="2">
+            <a:schemeClr val="accent1">
+              <a:shade val="50000"/>
+            </a:schemeClr>
+          </a:lnRef>
+          <a:fillRef idx="1">
+            <a:schemeClr val="accent1"/>
+          </a:fillRef>
+          <a:effectRef idx="0">
+            <a:schemeClr val="accent1"/>
+          </a:effectRef>
+          <a:fontRef idx="minor">
+            <a:schemeClr val="lt1"/>
+          </a:fontRef>
+        </p:style>
+        <p:txBody>
+          <a:bodyPr rtlCol="0" anchor="ctr"/>
+          <a:lstStyle/>
+          <a:p>
+            <a:pPr algn="ctr"/>
+            <a:endParaRPr lang="en-US"/>
+          </a:p>
+        </p:txBody>
+      </p:sp>
+      <p:sp>
+        <p:nvSpPr>
+          <p:cNvPr id="7" name="Rectangle 6"/>
+          <p:cNvSpPr/>
+          <p:nvPr/>
+        </p:nvSpPr>
+        <p:spPr>
+          <a:xfrm>
+            <a:off x="6511637" y="3684311"/>
+            <a:ext cx="637293" cy="697296"/>
+          </a:xfrm>
+          <a:prstGeom prst="rect">
+            <a:avLst/>
+          </a:prstGeom>
+          <a:noFill/>
+          <a:ln w="19050">
+            <a:solidFill>
+              <a:srgbClr val="009051"/>
+            </a:solidFill>
+          </a:ln>
+        </p:spPr>
+        <p:style>
+          <a:lnRef idx="2">
+            <a:schemeClr val="accent1">
+              <a:shade val="50000"/>
+            </a:schemeClr>
+          </a:lnRef>
+          <a:fillRef idx="1">
+            <a:schemeClr val="accent1"/>
+          </a:fillRef>
+          <a:effectRef idx="0">
+            <a:schemeClr val="accent1"/>
+          </a:effectRef>
+          <a:fontRef idx="minor">
+            <a:schemeClr val="lt1"/>
+          </a:fontRef>
+        </p:style>
+        <p:txBody>
+          <a:bodyPr rtlCol="0" anchor="ctr"/>
+          <a:lstStyle/>
+          <a:p>
+            <a:pPr algn="ctr"/>
+            <a:endParaRPr lang="en-US"/>
+          </a:p>
+        </p:txBody>
+      </p:sp>
+      <p:sp>
+        <p:nvSpPr>
+          <p:cNvPr id="8" name="Rectangle 7"/>
+          <p:cNvSpPr/>
+          <p:nvPr/>
+        </p:nvSpPr>
+        <p:spPr>
+          <a:xfrm>
+            <a:off x="2493807" y="4853541"/>
+            <a:ext cx="637319" cy="660569"/>
+          </a:xfrm>
+          <a:prstGeom prst="rect">
+            <a:avLst/>
+          </a:prstGeom>
+          <a:noFill/>
+          <a:ln>
+            <a:solidFill>
+              <a:srgbClr val="009051"/>
+            </a:solidFill>
+          </a:ln>
+        </p:spPr>
+        <p:style>
+          <a:lnRef idx="2">
+            <a:schemeClr val="accent1">
+              <a:shade val="50000"/>
+            </a:schemeClr>
+          </a:lnRef>
+          <a:fillRef idx="1">
+            <a:schemeClr val="accent1"/>
+          </a:fillRef>
+          <a:effectRef idx="0">
+            <a:schemeClr val="accent1"/>
+          </a:effectRef>
+          <a:fontRef idx="minor">
+            <a:schemeClr val="lt1"/>
+          </a:fontRef>
+        </p:style>
+        <p:txBody>
+          <a:bodyPr rtlCol="0" anchor="ctr"/>
+          <a:lstStyle/>
+          <a:p>
+            <a:pPr algn="ctr"/>
+            <a:endParaRPr lang="en-US"/>
+          </a:p>
+        </p:txBody>
+      </p:sp>
+      <p:sp>
+        <p:nvSpPr>
+          <p:cNvPr id="9" name="Rectangle 8"/>
+          <p:cNvSpPr/>
+          <p:nvPr/>
+        </p:nvSpPr>
+        <p:spPr>
+          <a:xfrm>
+            <a:off x="4281049" y="4230085"/>
+            <a:ext cx="619525" cy="664599"/>
+          </a:xfrm>
+          <a:prstGeom prst="rect">
+            <a:avLst/>
+          </a:prstGeom>
+          <a:noFill/>
+          <a:ln w="19050">
+            <a:solidFill>
+              <a:srgbClr val="009051"/>
+            </a:solidFill>
+          </a:ln>
+        </p:spPr>
+        <p:style>
+          <a:lnRef idx="2">
+            <a:schemeClr val="accent1">
+              <a:shade val="50000"/>
+            </a:schemeClr>
+          </a:lnRef>
+          <a:fillRef idx="1">
+            <a:schemeClr val="accent1"/>
+          </a:fillRef>
+          <a:effectRef idx="0">
+            <a:schemeClr val="accent1"/>
+          </a:effectRef>
+          <a:fontRef idx="minor">
+            <a:schemeClr val="lt1"/>
+          </a:fontRef>
+        </p:style>
+        <p:txBody>
+          <a:bodyPr rtlCol="0" anchor="ctr"/>
+          <a:lstStyle/>
+          <a:p>
+            <a:pPr algn="ctr"/>
+            <a:endParaRPr lang="en-US"/>
+          </a:p>
+        </p:txBody>
+      </p:sp>
+      <p:sp>
+        <p:nvSpPr>
+          <p:cNvPr id="10" name="Rectangle 9"/>
+          <p:cNvSpPr/>
+          <p:nvPr/>
+        </p:nvSpPr>
+        <p:spPr>
+          <a:xfrm>
+            <a:off x="3699164" y="5698670"/>
+            <a:ext cx="692727" cy="231080"/>
+          </a:xfrm>
+          <a:prstGeom prst="rect">
+            <a:avLst/>
+          </a:prstGeom>
+          <a:noFill/>
+          <a:ln w="19050">
+            <a:solidFill>
+              <a:srgbClr val="009051"/>
+            </a:solidFill>
+          </a:ln>
+        </p:spPr>
+        <p:style>
+          <a:lnRef idx="2">
+            <a:schemeClr val="accent1">
+              <a:shade val="50000"/>
+            </a:schemeClr>
+          </a:lnRef>
+          <a:fillRef idx="1">
+            <a:schemeClr val="accent1"/>
+          </a:fillRef>
+          <a:effectRef idx="0">
+            <a:schemeClr val="accent1"/>
+          </a:effectRef>
+          <a:fontRef idx="minor">
+            <a:schemeClr val="lt1"/>
+          </a:fontRef>
+        </p:style>
+        <p:txBody>
+          <a:bodyPr rtlCol="0" anchor="ctr"/>
+          <a:lstStyle/>
+          <a:p>
+            <a:pPr algn="ctr"/>
+            <a:endParaRPr lang="en-US"/>
+          </a:p>
+        </p:txBody>
+      </p:sp>
+      <p:sp>
+        <p:nvSpPr>
+          <p:cNvPr id="11" name="Rectangle 10"/>
+          <p:cNvSpPr/>
+          <p:nvPr/>
+        </p:nvSpPr>
+        <p:spPr>
+          <a:xfrm>
+            <a:off x="6968841" y="4668986"/>
+            <a:ext cx="942104" cy="706582"/>
+          </a:xfrm>
+          <a:prstGeom prst="rect">
+            <a:avLst/>
+          </a:prstGeom>
+          <a:noFill/>
+          <a:ln w="19050">
+            <a:solidFill>
+              <a:srgbClr val="009051"/>
+            </a:solidFill>
+          </a:ln>
+        </p:spPr>
+        <p:style>
+          <a:lnRef idx="2">
+            <a:schemeClr val="accent1">
+              <a:shade val="50000"/>
+            </a:schemeClr>
+          </a:lnRef>
+          <a:fillRef idx="1">
+            <a:schemeClr val="accent1"/>
+          </a:fillRef>
+          <a:effectRef idx="0">
+            <a:schemeClr val="accent1"/>
+          </a:effectRef>
+          <a:fontRef idx="minor">
+            <a:schemeClr val="lt1"/>
+          </a:fontRef>
+        </p:style>
+        <p:txBody>
+          <a:bodyPr rtlCol="0" anchor="ctr"/>
+          <a:lstStyle/>
+          <a:p>
+            <a:pPr algn="ctr"/>
+            <a:endParaRPr lang="en-US"/>
+          </a:p>
+        </p:txBody>
+      </p:sp>
+      <p:sp>
+        <p:nvSpPr>
+          <p:cNvPr id="12" name="Rectangle 11"/>
+          <p:cNvSpPr/>
+          <p:nvPr/>
+        </p:nvSpPr>
+        <p:spPr>
+          <a:xfrm>
+            <a:off x="3699159" y="5923164"/>
+            <a:ext cx="692727" cy="216290"/>
+          </a:xfrm>
+          <a:prstGeom prst="rect">
+            <a:avLst/>
+          </a:prstGeom>
+          <a:noFill/>
+          <a:ln w="25400">
+            <a:solidFill>
+              <a:srgbClr val="FF0000"/>
+            </a:solidFill>
+          </a:ln>
+        </p:spPr>
+        <p:style>
+          <a:lnRef idx="2">
+            <a:schemeClr val="accent1">
+              <a:shade val="50000"/>
+            </a:schemeClr>
+          </a:lnRef>
+          <a:fillRef idx="1">
+            <a:schemeClr val="accent1"/>
+          </a:fillRef>
+          <a:effectRef idx="0">
+            <a:schemeClr val="accent1"/>
+          </a:effectRef>
+          <a:fontRef idx="minor">
+            <a:schemeClr val="lt1"/>
+          </a:fontRef>
+        </p:style>
+        <p:txBody>
+          <a:bodyPr rtlCol="0" anchor="ctr"/>
+          <a:lstStyle/>
+          <a:p>
+            <a:r>
+              <a:rPr lang="nb-NO" sz="1200" dirty="0" err="1" smtClean="0">
+                <a:solidFill>
+                  <a:srgbClr val="FF0000"/>
+                </a:solidFill>
+                <a:latin typeface="Tahoma" charset="0"/>
+                <a:ea typeface="Tahoma" charset="0"/>
+                <a:cs typeface="Tahoma" charset="0"/>
+              </a:rPr>
+              <a:t>darkest</a:t>
+            </a:r>
+            <a:endParaRPr lang="en-US" dirty="0"/>
+          </a:p>
+        </p:txBody>
+      </p:sp>
+      <p:sp>
+        <p:nvSpPr>
+          <p:cNvPr id="13" name="Rectangle 12"/>
+          <p:cNvSpPr/>
+          <p:nvPr/>
+        </p:nvSpPr>
+        <p:spPr>
+          <a:xfrm>
+            <a:off x="2258292" y="3508766"/>
+            <a:ext cx="2743200" cy="309713"/>
+          </a:xfrm>
+          <a:prstGeom prst="rect">
+            <a:avLst/>
+          </a:prstGeom>
+          <a:noFill/>
+          <a:ln w="25400">
+            <a:solidFill>
+              <a:srgbClr val="FF0000"/>
+            </a:solidFill>
+          </a:ln>
+        </p:spPr>
+        <p:style>
+          <a:lnRef idx="2">
+            <a:schemeClr val="accent1">
+              <a:shade val="50000"/>
+            </a:schemeClr>
+          </a:lnRef>
+          <a:fillRef idx="1">
+            <a:schemeClr val="accent1"/>
+          </a:fillRef>
+          <a:effectRef idx="0">
+            <a:schemeClr val="accent1"/>
+          </a:effectRef>
+          <a:fontRef idx="minor">
+            <a:schemeClr val="lt1"/>
+          </a:fontRef>
+        </p:style>
+        <p:txBody>
+          <a:bodyPr rtlCol="0" anchor="ctr"/>
+          <a:lstStyle/>
+          <a:p>
+            <a:endParaRPr lang="en-US" dirty="0"/>
+          </a:p>
+        </p:txBody>
+      </p:sp>
+      <p:sp>
+        <p:nvSpPr>
+          <p:cNvPr id="14" name="Rectangle 13"/>
+          <p:cNvSpPr/>
+          <p:nvPr/>
+        </p:nvSpPr>
+        <p:spPr>
+          <a:xfrm>
+            <a:off x="5098467" y="3287091"/>
+            <a:ext cx="1870374" cy="327944"/>
+          </a:xfrm>
+          <a:prstGeom prst="rect">
+            <a:avLst/>
+          </a:prstGeom>
+          <a:noFill/>
+          <a:ln w="25400">
+            <a:solidFill>
+              <a:srgbClr val="FF0000"/>
+            </a:solidFill>
+          </a:ln>
+        </p:spPr>
+        <p:style>
+          <a:lnRef idx="2">
+            <a:schemeClr val="accent1">
+              <a:shade val="50000"/>
+            </a:schemeClr>
+          </a:lnRef>
+          <a:fillRef idx="1">
+            <a:schemeClr val="accent1"/>
+          </a:fillRef>
+          <a:effectRef idx="0">
+            <a:schemeClr val="accent1"/>
+          </a:effectRef>
+          <a:fontRef idx="minor">
+            <a:schemeClr val="lt1"/>
+          </a:fontRef>
+        </p:style>
+        <p:txBody>
+          <a:bodyPr rtlCol="0" anchor="ctr"/>
+          <a:lstStyle/>
+          <a:p>
+            <a:endParaRPr lang="en-US" dirty="0"/>
+          </a:p>
+        </p:txBody>
+      </p:sp>
+      <p:sp>
+        <p:nvSpPr>
+          <p:cNvPr id="15" name="Rectangle 14"/>
+          <p:cNvSpPr/>
+          <p:nvPr/>
+        </p:nvSpPr>
+        <p:spPr>
+          <a:xfrm>
+            <a:off x="4613555" y="4381607"/>
+            <a:ext cx="1870374" cy="327944"/>
+          </a:xfrm>
+          <a:prstGeom prst="rect">
+            <a:avLst/>
+          </a:prstGeom>
+          <a:noFill/>
+          <a:ln w="25400">
+            <a:solidFill>
+              <a:srgbClr val="FF0000"/>
+            </a:solidFill>
+          </a:ln>
+        </p:spPr>
+        <p:style>
+          <a:lnRef idx="2">
+            <a:schemeClr val="accent1">
+              <a:shade val="50000"/>
+            </a:schemeClr>
+          </a:lnRef>
+          <a:fillRef idx="1">
+            <a:schemeClr val="accent1"/>
+          </a:fillRef>
+          <a:effectRef idx="0">
+            <a:schemeClr val="accent1"/>
+          </a:effectRef>
+          <a:fontRef idx="minor">
+            <a:schemeClr val="lt1"/>
+          </a:fontRef>
+        </p:style>
+        <p:txBody>
+          <a:bodyPr rtlCol="0" anchor="ctr"/>
+          <a:lstStyle/>
+          <a:p>
+            <a:endParaRPr lang="en-US" dirty="0"/>
+          </a:p>
+        </p:txBody>
+      </p:sp>
+      <p:sp>
+        <p:nvSpPr>
+          <p:cNvPr id="16" name="Rectangle 15"/>
+          <p:cNvSpPr/>
+          <p:nvPr/>
+        </p:nvSpPr>
+        <p:spPr>
+          <a:xfrm>
+            <a:off x="5001485" y="4852668"/>
+            <a:ext cx="1870374" cy="327944"/>
+          </a:xfrm>
+          <a:prstGeom prst="rect">
+            <a:avLst/>
+          </a:prstGeom>
+          <a:noFill/>
+          <a:ln w="25400">
+            <a:solidFill>
+              <a:srgbClr val="FF0000"/>
+            </a:solidFill>
+          </a:ln>
+        </p:spPr>
+        <p:style>
+          <a:lnRef idx="2">
+            <a:schemeClr val="accent1">
+              <a:shade val="50000"/>
+            </a:schemeClr>
+          </a:lnRef>
+          <a:fillRef idx="1">
+            <a:schemeClr val="accent1"/>
+          </a:fillRef>
+          <a:effectRef idx="0">
+            <a:schemeClr val="accent1"/>
+          </a:effectRef>
+          <a:fontRef idx="minor">
+            <a:schemeClr val="lt1"/>
+          </a:fontRef>
+        </p:style>
+        <p:txBody>
+          <a:bodyPr rtlCol="0" anchor="ctr"/>
+          <a:lstStyle/>
+          <a:p>
+            <a:endParaRPr lang="en-US" dirty="0"/>
+          </a:p>
+        </p:txBody>
+      </p:sp>
+      <p:sp>
+        <p:nvSpPr>
+          <p:cNvPr id="17" name="Rectangle 16"/>
+          <p:cNvSpPr/>
+          <p:nvPr/>
+        </p:nvSpPr>
+        <p:spPr>
+          <a:xfrm>
+            <a:off x="6262256" y="3937252"/>
+            <a:ext cx="235526" cy="265124"/>
+          </a:xfrm>
+          <a:prstGeom prst="rect">
+            <a:avLst/>
+          </a:prstGeom>
+          <a:noFill/>
+          <a:ln w="19050">
+            <a:solidFill>
+              <a:srgbClr val="009051"/>
+            </a:solidFill>
+          </a:ln>
+        </p:spPr>
+        <p:style>
+          <a:lnRef idx="2">
+            <a:schemeClr val="accent1">
+              <a:shade val="50000"/>
+            </a:schemeClr>
+          </a:lnRef>
+          <a:fillRef idx="1">
+            <a:schemeClr val="accent1"/>
+          </a:fillRef>
+          <a:effectRef idx="0">
+            <a:schemeClr val="accent1"/>
+          </a:effectRef>
+          <a:fontRef idx="minor">
+            <a:schemeClr val="lt1"/>
+          </a:fontRef>
+        </p:style>
+        <p:txBody>
+          <a:bodyPr rtlCol="0" anchor="ctr"/>
+          <a:lstStyle/>
+          <a:p>
+            <a:pPr algn="ctr"/>
+            <a:endParaRPr lang="en-US"/>
+          </a:p>
+        </p:txBody>
+      </p:sp>
+      <p:sp>
+        <p:nvSpPr>
+          <p:cNvPr id="18" name="Rectangle 17"/>
+          <p:cNvSpPr/>
+          <p:nvPr/>
+        </p:nvSpPr>
+        <p:spPr>
+          <a:xfrm>
+            <a:off x="4918360" y="3978812"/>
+            <a:ext cx="235526" cy="265124"/>
+          </a:xfrm>
+          <a:prstGeom prst="rect">
+            <a:avLst/>
+          </a:prstGeom>
+          <a:noFill/>
+          <a:ln w="19050">
+            <a:solidFill>
+              <a:srgbClr val="009051"/>
+            </a:solidFill>
+          </a:ln>
+        </p:spPr>
+        <p:style>
+          <a:lnRef idx="2">
+            <a:schemeClr val="accent1">
+              <a:shade val="50000"/>
+            </a:schemeClr>
+          </a:lnRef>
+          <a:fillRef idx="1">
+            <a:schemeClr val="accent1"/>
+          </a:fillRef>
+          <a:effectRef idx="0">
+            <a:schemeClr val="accent1"/>
+          </a:effectRef>
+          <a:fontRef idx="minor">
+            <a:schemeClr val="lt1"/>
+          </a:fontRef>
+        </p:style>
+        <p:txBody>
+          <a:bodyPr rtlCol="0" anchor="ctr"/>
+          <a:lstStyle/>
+          <a:p>
+            <a:pPr algn="ctr"/>
+            <a:endParaRPr lang="en-US"/>
+          </a:p>
+        </p:txBody>
+      </p:sp>
+      <p:sp>
+        <p:nvSpPr>
+          <p:cNvPr id="19" name="Rectangle 18"/>
+          <p:cNvSpPr/>
+          <p:nvPr/>
+        </p:nvSpPr>
+        <p:spPr>
+          <a:xfrm>
+            <a:off x="4308759" y="5378126"/>
+            <a:ext cx="235526" cy="265124"/>
+          </a:xfrm>
+          <a:prstGeom prst="rect">
+            <a:avLst/>
+          </a:prstGeom>
+          <a:noFill/>
+          <a:ln w="19050">
+            <a:solidFill>
+              <a:srgbClr val="009051"/>
+            </a:solidFill>
+          </a:ln>
+        </p:spPr>
+        <p:style>
+          <a:lnRef idx="2">
+            <a:schemeClr val="accent1">
+              <a:shade val="50000"/>
+            </a:schemeClr>
+          </a:lnRef>
+          <a:fillRef idx="1">
+            <a:schemeClr val="accent1"/>
+          </a:fillRef>
+          <a:effectRef idx="0">
+            <a:schemeClr val="accent1"/>
+          </a:effectRef>
+          <a:fontRef idx="minor">
+            <a:schemeClr val="lt1"/>
+          </a:fontRef>
+        </p:style>
+        <p:txBody>
+          <a:bodyPr rtlCol="0" anchor="ctr"/>
+          <a:lstStyle/>
+          <a:p>
+            <a:pPr algn="ctr"/>
+            <a:endParaRPr lang="en-US"/>
+          </a:p>
+        </p:txBody>
+      </p:sp>
+      <p:sp>
+        <p:nvSpPr>
+          <p:cNvPr id="20" name="Rectangle 19"/>
+          <p:cNvSpPr/>
+          <p:nvPr/>
+        </p:nvSpPr>
+        <p:spPr>
+          <a:xfrm>
+            <a:off x="4045516" y="5212881"/>
+            <a:ext cx="789727" cy="180112"/>
+          </a:xfrm>
+          <a:prstGeom prst="rect">
+            <a:avLst/>
+          </a:prstGeom>
+          <a:noFill/>
+          <a:ln w="25400">
+            <a:solidFill>
+              <a:srgbClr val="FF0000"/>
+            </a:solidFill>
+          </a:ln>
+        </p:spPr>
+        <p:style>
+          <a:lnRef idx="2">
+            <a:schemeClr val="accent1">
+              <a:shade val="50000"/>
+            </a:schemeClr>
+          </a:lnRef>
+          <a:fillRef idx="1">
+            <a:schemeClr val="accent1"/>
+          </a:fillRef>
+          <a:effectRef idx="0">
+            <a:schemeClr val="accent1"/>
+          </a:effectRef>
+          <a:fontRef idx="minor">
+            <a:schemeClr val="lt1"/>
+          </a:fontRef>
+        </p:style>
+        <p:txBody>
+          <a:bodyPr rtlCol="0" anchor="ctr"/>
+          <a:lstStyle/>
+          <a:p>
+            <a:endParaRPr lang="en-US" dirty="0"/>
+          </a:p>
+        </p:txBody>
+      </p:sp>
+      <p:sp>
+        <p:nvSpPr>
+          <p:cNvPr id="21" name="Rectangle 20"/>
+          <p:cNvSpPr/>
+          <p:nvPr/>
+        </p:nvSpPr>
+        <p:spPr>
+          <a:xfrm>
+            <a:off x="4322609" y="4934777"/>
+            <a:ext cx="235526" cy="265124"/>
+          </a:xfrm>
+          <a:prstGeom prst="rect">
+            <a:avLst/>
+          </a:prstGeom>
+          <a:noFill/>
+          <a:ln w="19050">
+            <a:solidFill>
+              <a:srgbClr val="009051"/>
+            </a:solidFill>
+          </a:ln>
+        </p:spPr>
+        <p:style>
+          <a:lnRef idx="2">
+            <a:schemeClr val="accent1">
+              <a:shade val="50000"/>
+            </a:schemeClr>
+          </a:lnRef>
+          <a:fillRef idx="1">
+            <a:schemeClr val="accent1"/>
+          </a:fillRef>
+          <a:effectRef idx="0">
+            <a:schemeClr val="accent1"/>
+          </a:effectRef>
+          <a:fontRef idx="minor">
+            <a:schemeClr val="lt1"/>
+          </a:fontRef>
+        </p:style>
+        <p:txBody>
+          <a:bodyPr rtlCol="0" anchor="ctr"/>
+          <a:lstStyle/>
+          <a:p>
+            <a:pPr algn="ctr"/>
+            <a:endParaRPr lang="en-US"/>
+          </a:p>
+        </p:txBody>
+      </p:sp>
+      <p:sp>
+        <p:nvSpPr>
+          <p:cNvPr id="22" name="Rectangle 21"/>
+          <p:cNvSpPr/>
+          <p:nvPr/>
+        </p:nvSpPr>
+        <p:spPr>
+          <a:xfrm>
+            <a:off x="4322603" y="3905889"/>
+            <a:ext cx="512639" cy="268770"/>
+          </a:xfrm>
+          <a:prstGeom prst="rect">
+            <a:avLst/>
+          </a:prstGeom>
+          <a:noFill/>
+          <a:ln w="19050">
+            <a:solidFill>
+              <a:srgbClr val="009051"/>
+            </a:solidFill>
+          </a:ln>
+        </p:spPr>
+        <p:style>
+          <a:lnRef idx="2">
+            <a:schemeClr val="accent1">
+              <a:shade val="50000"/>
+            </a:schemeClr>
+          </a:lnRef>
+          <a:fillRef idx="1">
+            <a:schemeClr val="accent1"/>
+          </a:fillRef>
+          <a:effectRef idx="0">
+            <a:schemeClr val="accent1"/>
+          </a:effectRef>
+          <a:fontRef idx="minor">
+            <a:schemeClr val="lt1"/>
+          </a:fontRef>
+        </p:style>
+        <p:txBody>
+          <a:bodyPr rtlCol="0" anchor="ctr"/>
+          <a:lstStyle/>
+          <a:p>
+            <a:pPr algn="ctr"/>
+            <a:endParaRPr lang="en-US"/>
+          </a:p>
+        </p:txBody>
+      </p:sp>
+      <p:sp>
+        <p:nvSpPr>
+          <p:cNvPr id="23" name="Rectangle 22"/>
+          <p:cNvSpPr/>
+          <p:nvPr/>
+        </p:nvSpPr>
+        <p:spPr>
+          <a:xfrm>
+            <a:off x="4336453" y="3074611"/>
+            <a:ext cx="512639" cy="268770"/>
+          </a:xfrm>
+          <a:prstGeom prst="rect">
+            <a:avLst/>
+          </a:prstGeom>
+          <a:noFill/>
+          <a:ln w="19050">
+            <a:solidFill>
+              <a:srgbClr val="009051"/>
+            </a:solidFill>
+          </a:ln>
+        </p:spPr>
+        <p:style>
+          <a:lnRef idx="2">
+            <a:schemeClr val="accent1">
+              <a:shade val="50000"/>
+            </a:schemeClr>
+          </a:lnRef>
+          <a:fillRef idx="1">
+            <a:schemeClr val="accent1"/>
+          </a:fillRef>
+          <a:effectRef idx="0">
+            <a:schemeClr val="accent1"/>
+          </a:effectRef>
+          <a:fontRef idx="minor">
+            <a:schemeClr val="lt1"/>
+          </a:fontRef>
+        </p:style>
+        <p:txBody>
+          <a:bodyPr rtlCol="0" anchor="ctr"/>
+          <a:lstStyle/>
+          <a:p>
+            <a:pPr algn="ctr"/>
+            <a:endParaRPr lang="en-US"/>
           </a:p>
         </p:txBody>
       </p:sp>

--- a/presentation/Moiseyenko_presentation_cut.pptx
+++ b/presentation/Moiseyenko_presentation_cut.pptx
@@ -4307,18 +4307,10 @@
                 <a:ea typeface="Tahoma" charset="0"/>
                 <a:cs typeface="Tahoma" charset="0"/>
               </a:rPr>
-              <a:t>руководитель: доц</a:t>
-            </a:r>
-            <a:r>
-              <a:rPr lang="ru-RU" altLang="x-none">
-                <a:latin typeface="Tahoma" charset="0"/>
-                <a:ea typeface="Tahoma" charset="0"/>
-                <a:cs typeface="Tahoma" charset="0"/>
-              </a:rPr>
-              <a:t>. Ермолаев </a:t>
-            </a:r>
-            <a:r>
-              <a:rPr lang="ru-RU" altLang="x-none" smtClean="0">
+              <a:t>руководитель: доц. Ермолаев </a:t>
+            </a:r>
+            <a:r>
+              <a:rPr lang="ru-RU" altLang="x-none" dirty="0" smtClean="0">
                 <a:latin typeface="Tahoma" charset="0"/>
                 <a:ea typeface="Tahoma" charset="0"/>
                 <a:cs typeface="Tahoma" charset="0"/>
@@ -4357,7 +4349,7 @@
           <a:p>
             <a:pPr algn="r"/>
             <a:r>
-              <a:rPr lang="ru-RU" altLang="x-none" smtClean="0">
+              <a:rPr lang="ru-RU" altLang="x-none" dirty="0" smtClean="0">
                 <a:latin typeface="Tahoma" charset="0"/>
                 <a:ea typeface="Tahoma" charset="0"/>
                 <a:cs typeface="Tahoma" charset="0"/>
@@ -4365,7 +4357,7 @@
               <a:t>студентка: </a:t>
             </a:r>
             <a:r>
-              <a:rPr lang="ru-RU" altLang="x-none">
+              <a:rPr lang="ru-RU" altLang="x-none" dirty="0">
                 <a:latin typeface="Tahoma" charset="0"/>
                 <a:ea typeface="Tahoma" charset="0"/>
                 <a:cs typeface="Tahoma" charset="0"/>
@@ -4373,7 +4365,7 @@
               <a:t>Моисеенко </a:t>
             </a:r>
             <a:r>
-              <a:rPr lang="en-US" altLang="x-none" smtClean="0">
+              <a:rPr lang="en-US" altLang="x-none" dirty="0" smtClean="0">
                 <a:latin typeface="Tahoma" charset="0"/>
                 <a:ea typeface="Tahoma" charset="0"/>
                 <a:cs typeface="Tahoma" charset="0"/>
@@ -4437,21 +4429,37 @@
         </p:nvSpPr>
         <p:spPr>
           <a:xfrm>
-            <a:off x="647700" y="1077898"/>
+            <a:off x="647700" y="426734"/>
             <a:ext cx="7568184" cy="541352"/>
           </a:xfrm>
         </p:spPr>
         <p:txBody>
           <a:bodyPr>
-            <a:normAutofit fontScale="90000"/>
+            <a:normAutofit/>
           </a:bodyPr>
           <a:lstStyle/>
           <a:p>
             <a:r>
-              <a:rPr lang="ru-RU" dirty="0" smtClean="0"/>
-              <a:t>Вывод</a:t>
-            </a:r>
-            <a:endParaRPr lang="en-US" dirty="0"/>
+              <a:rPr lang="ru-RU" sz="2400" dirty="0" smtClean="0">
+                <a:latin typeface="Tahoma" charset="0"/>
+                <a:ea typeface="Tahoma" charset="0"/>
+                <a:cs typeface="Tahoma" charset="0"/>
+              </a:rPr>
+              <a:t>Выводы</a:t>
+            </a:r>
+            <a:r>
+              <a:rPr lang="en-US" sz="2400" dirty="0" smtClean="0">
+                <a:latin typeface="Tahoma" charset="0"/>
+                <a:ea typeface="Tahoma" charset="0"/>
+                <a:cs typeface="Tahoma" charset="0"/>
+              </a:rPr>
+              <a:t>:</a:t>
+            </a:r>
+            <a:endParaRPr lang="en-US" sz="2400" dirty="0">
+              <a:latin typeface="Tahoma" charset="0"/>
+              <a:ea typeface="Tahoma" charset="0"/>
+              <a:cs typeface="Tahoma" charset="0"/>
+            </a:endParaRPr>
           </a:p>
         </p:txBody>
       </p:sp>
@@ -4468,264 +4476,138 @@
         <p:spPr>
           <a:xfrm>
             <a:off x="647700" y="1619250"/>
-            <a:ext cx="7670800" cy="3873103"/>
+            <a:ext cx="7670800" cy="3382241"/>
           </a:xfrm>
         </p:spPr>
         <p:txBody>
           <a:bodyPr>
-            <a:normAutofit fontScale="92500"/>
+            <a:normAutofit lnSpcReduction="10000"/>
           </a:bodyPr>
           <a:lstStyle/>
           <a:p>
-            <a:pPr marL="0" indent="0" algn="just">
-              <a:buNone/>
+            <a:pPr>
+              <a:spcAft>
+                <a:spcPts val="1500"/>
+              </a:spcAft>
+              <a:buFont typeface="Arial" charset="0"/>
+              <a:buChar char="•"/>
             </a:pPr>
             <a:r>
-              <a:rPr lang="ru-RU" dirty="0" smtClean="0"/>
-              <a:t>	</a:t>
-            </a:r>
-            <a:r>
-              <a:rPr lang="ru-RU" sz="2100" dirty="0"/>
-              <a:t/>
-            </a:r>
-            <a:br>
-              <a:rPr lang="ru-RU" sz="2100" dirty="0"/>
-            </a:br>
-            <a:r>
-              <a:rPr lang="ru-RU" sz="2100" dirty="0"/>
-              <a:t>	П</a:t>
-            </a:r>
-            <a:r>
-              <a:rPr lang="en-US" sz="2100" dirty="0" err="1"/>
-              <a:t>рограмма</a:t>
-            </a:r>
-            <a:r>
-              <a:rPr lang="en-US" sz="2100" dirty="0"/>
+              <a:rPr lang="ru-RU" sz="2400" dirty="0" smtClean="0">
+                <a:latin typeface="Tahoma" charset="0"/>
+                <a:ea typeface="Tahoma" charset="0"/>
+                <a:cs typeface="Tahoma" charset="0"/>
+              </a:rPr>
+              <a:t>разработаны правила преобразования</a:t>
+            </a:r>
+            <a:r>
+              <a:rPr lang="en-US" sz="2400" dirty="0" smtClean="0">
+                <a:latin typeface="Tahoma" charset="0"/>
+                <a:ea typeface="Tahoma" charset="0"/>
+                <a:cs typeface="Tahoma" charset="0"/>
+              </a:rPr>
               <a:t> </a:t>
             </a:r>
             <a:r>
-              <a:rPr lang="en-US" sz="2100" dirty="0" err="1"/>
-              <a:t>парсер</a:t>
-            </a:r>
-            <a:r>
-              <a:rPr lang="en-US" sz="2100" dirty="0"/>
-              <a:t> </a:t>
-            </a:r>
-            <a:r>
-              <a:rPr lang="en-US" sz="2100" dirty="0" err="1"/>
-              <a:t>выполняет</a:t>
-            </a:r>
-            <a:r>
-              <a:rPr lang="en-US" sz="2100" dirty="0"/>
-              <a:t> </a:t>
-            </a:r>
-            <a:r>
-              <a:rPr lang="en-US" sz="2100" dirty="0" err="1"/>
-              <a:t>базовые</a:t>
-            </a:r>
-            <a:r>
-              <a:rPr lang="en-US" sz="2100" dirty="0"/>
-              <a:t> </a:t>
-            </a:r>
-            <a:r>
-              <a:rPr lang="en-US" sz="2100" dirty="0" err="1"/>
-              <a:t>функции</a:t>
-            </a:r>
-            <a:r>
-              <a:rPr lang="en-US" sz="2100" dirty="0"/>
-              <a:t> </a:t>
-            </a:r>
-            <a:r>
-              <a:rPr lang="en-US" sz="2100" dirty="0" err="1"/>
-              <a:t>конвертации</a:t>
-            </a:r>
-            <a:r>
-              <a:rPr lang="en-US" sz="2100" dirty="0"/>
-              <a:t> </a:t>
-            </a:r>
-            <a:r>
-              <a:rPr lang="en-US" sz="2100" dirty="0" err="1"/>
-              <a:t>текста</a:t>
-            </a:r>
-            <a:r>
-              <a:rPr lang="en-US" sz="2100" dirty="0"/>
-              <a:t> </a:t>
-            </a:r>
-            <a:r>
-              <a:rPr lang="en-US" sz="2100" dirty="0" err="1"/>
-              <a:t>на</a:t>
-            </a:r>
-            <a:r>
-              <a:rPr lang="en-US" sz="2100" dirty="0"/>
-              <a:t> </a:t>
-            </a:r>
-            <a:r>
-              <a:rPr lang="en-US" sz="2100" dirty="0" err="1"/>
-              <a:t>естественном</a:t>
-            </a:r>
-            <a:r>
-              <a:rPr lang="en-US" sz="2100" dirty="0"/>
-              <a:t> </a:t>
-            </a:r>
-            <a:r>
-              <a:rPr lang="en-US" sz="2100" dirty="0" err="1"/>
-              <a:t>языке</a:t>
-            </a:r>
-            <a:r>
-              <a:rPr lang="en-US" sz="2100" dirty="0"/>
-              <a:t> </a:t>
-            </a:r>
-            <a:r>
-              <a:rPr lang="en-US" sz="2100" dirty="0" err="1"/>
-              <a:t>в</a:t>
-            </a:r>
-            <a:r>
-              <a:rPr lang="en-US" sz="2100" dirty="0"/>
-              <a:t> UML </a:t>
-            </a:r>
-            <a:r>
-              <a:rPr lang="en-US" sz="2100" dirty="0" err="1"/>
-              <a:t>диаграммы</a:t>
-            </a:r>
-            <a:r>
-              <a:rPr lang="en-US" sz="2100" dirty="0"/>
-              <a:t> </a:t>
-            </a:r>
-            <a:r>
-              <a:rPr lang="en-US" sz="2100" dirty="0" err="1"/>
-              <a:t>согласно</a:t>
-            </a:r>
-            <a:r>
-              <a:rPr lang="en-US" sz="2100" dirty="0"/>
-              <a:t> </a:t>
-            </a:r>
-            <a:r>
-              <a:rPr lang="ru-RU" sz="2100" dirty="0"/>
-              <a:t>разработанным </a:t>
-            </a:r>
-            <a:r>
-              <a:rPr lang="en-US" sz="2100" dirty="0" err="1"/>
-              <a:t>правилам</a:t>
-            </a:r>
-            <a:r>
-              <a:rPr lang="ru-RU" sz="2100" dirty="0"/>
-              <a:t>, однако </a:t>
-            </a:r>
-            <a:r>
-              <a:rPr lang="en-US" sz="2100" dirty="0" err="1"/>
-              <a:t>успешность</a:t>
-            </a:r>
-            <a:r>
-              <a:rPr lang="en-US" sz="2100" dirty="0"/>
-              <a:t> </a:t>
-            </a:r>
-            <a:r>
-              <a:rPr lang="en-US" sz="2100" dirty="0" err="1"/>
-              <a:t>конвертации</a:t>
-            </a:r>
-            <a:r>
-              <a:rPr lang="en-US" sz="2100" dirty="0"/>
-              <a:t> </a:t>
-            </a:r>
-            <a:r>
-              <a:rPr lang="en-US" sz="2100" dirty="0" err="1"/>
-              <a:t>зависит</a:t>
-            </a:r>
-            <a:r>
-              <a:rPr lang="en-US" sz="2100" dirty="0"/>
-              <a:t> </a:t>
-            </a:r>
-            <a:r>
-              <a:rPr lang="en-US" sz="2100" dirty="0" err="1"/>
-              <a:t>от</a:t>
-            </a:r>
-            <a:r>
-              <a:rPr lang="en-US" sz="2100" dirty="0"/>
-              <a:t> </a:t>
-            </a:r>
-            <a:r>
-              <a:rPr lang="en-US" sz="2100" dirty="0" err="1"/>
-              <a:t>многих</a:t>
-            </a:r>
-            <a:r>
-              <a:rPr lang="en-US" sz="2100" dirty="0"/>
-              <a:t> </a:t>
-            </a:r>
-            <a:r>
-              <a:rPr lang="en-US" sz="2100" dirty="0" err="1"/>
-              <a:t>факторов</a:t>
-            </a:r>
-            <a:r>
-              <a:rPr lang="ru-RU" sz="2100" dirty="0"/>
-              <a:t>: </a:t>
-            </a:r>
-          </a:p>
-          <a:p>
-            <a:pPr marL="0" indent="0" algn="just">
-              <a:buNone/>
+              <a:rPr lang="ru-RU" sz="2400" dirty="0" smtClean="0">
+                <a:latin typeface="Tahoma" charset="0"/>
+                <a:ea typeface="Tahoma" charset="0"/>
+                <a:cs typeface="Tahoma" charset="0"/>
+              </a:rPr>
+              <a:t>текста </a:t>
+            </a:r>
+            <a:r>
+              <a:rPr lang="ru-RU" sz="2400" dirty="0">
+                <a:latin typeface="Tahoma" charset="0"/>
+                <a:ea typeface="Tahoma" charset="0"/>
+                <a:cs typeface="Tahoma" charset="0"/>
+              </a:rPr>
+              <a:t>в модель представления данных на языке UML диаграммы </a:t>
+            </a:r>
+            <a:r>
+              <a:rPr lang="ru-RU" sz="2400" dirty="0" smtClean="0">
+                <a:latin typeface="Tahoma" charset="0"/>
+                <a:ea typeface="Tahoma" charset="0"/>
+                <a:cs typeface="Tahoma" charset="0"/>
+              </a:rPr>
+              <a:t>классов;</a:t>
+            </a:r>
+          </a:p>
+          <a:p>
+            <a:pPr>
+              <a:spcAft>
+                <a:spcPts val="1500"/>
+              </a:spcAft>
+              <a:buFont typeface="Arial" charset="0"/>
+              <a:buChar char="•"/>
             </a:pPr>
-            <a:endParaRPr lang="ru-RU" sz="2100" dirty="0"/>
+            <a:r>
+              <a:rPr lang="ru-RU" sz="2400" dirty="0" smtClean="0">
+                <a:latin typeface="Tahoma" charset="0"/>
+                <a:ea typeface="Tahoma" charset="0"/>
+                <a:cs typeface="Tahoma" charset="0"/>
+              </a:rPr>
+              <a:t>разработан алгоритм трансформации текста в </a:t>
+            </a:r>
+            <a:r>
+              <a:rPr lang="en-US" sz="2400" dirty="0" smtClean="0">
+                <a:latin typeface="Tahoma" charset="0"/>
+                <a:ea typeface="Tahoma" charset="0"/>
+                <a:cs typeface="Tahoma" charset="0"/>
+              </a:rPr>
+              <a:t>UML </a:t>
+            </a:r>
+            <a:r>
+              <a:rPr lang="ru-RU" sz="2400" dirty="0" smtClean="0">
+                <a:latin typeface="Tahoma" charset="0"/>
+                <a:ea typeface="Tahoma" charset="0"/>
+                <a:cs typeface="Tahoma" charset="0"/>
+              </a:rPr>
+              <a:t>диаграммы; </a:t>
+            </a:r>
+            <a:endParaRPr lang="ru-RU" sz="2400" dirty="0">
+              <a:latin typeface="Tahoma" charset="0"/>
+              <a:ea typeface="Tahoma" charset="0"/>
+              <a:cs typeface="Tahoma" charset="0"/>
+            </a:endParaRPr>
           </a:p>
           <a:p>
             <a:pPr>
-              <a:buFontTx/>
-              <a:buChar char="-"/>
+              <a:spcAft>
+                <a:spcPts val="1500"/>
+              </a:spcAft>
+              <a:buFont typeface="Arial" charset="0"/>
+              <a:buChar char="•"/>
             </a:pPr>
             <a:r>
-              <a:rPr lang="ru-RU" sz="2100" dirty="0"/>
-              <a:t>объем текста;</a:t>
-            </a:r>
-          </a:p>
-          <a:p>
-            <a:pPr>
-              <a:buFontTx/>
-              <a:buChar char="-"/>
-            </a:pPr>
-            <a:r>
-              <a:rPr lang="ru-RU" sz="2100" dirty="0"/>
-              <a:t>его корректность с точки зрения орфографии и семантики; </a:t>
-            </a:r>
-          </a:p>
-          <a:p>
-            <a:pPr>
-              <a:buFontTx/>
-              <a:buChar char="-"/>
-            </a:pPr>
-            <a:r>
-              <a:rPr lang="ru-RU" sz="2100" dirty="0"/>
-              <a:t>результаты </a:t>
-            </a:r>
-            <a:r>
-              <a:rPr lang="ru-RU" sz="2100" dirty="0" err="1"/>
-              <a:t>парсинга</a:t>
-            </a:r>
-            <a:r>
-              <a:rPr lang="ru-RU" sz="2100" dirty="0"/>
-              <a:t> </a:t>
-            </a:r>
-            <a:r>
-              <a:rPr lang="en-US" sz="2100" dirty="0"/>
-              <a:t>Stanford Core NLP;</a:t>
-            </a:r>
-            <a:endParaRPr lang="ru-RU" sz="2100" dirty="0"/>
-          </a:p>
-          <a:p>
-            <a:pPr marL="0" indent="0">
-              <a:buNone/>
-            </a:pPr>
-            <a:r>
-              <a:rPr lang="ru-RU" sz="2100" dirty="0">
-                <a:solidFill>
-                  <a:schemeClr val="accent1"/>
-                </a:solidFill>
-              </a:rPr>
-              <a:t>-</a:t>
-            </a:r>
-            <a:r>
-              <a:rPr lang="ru-RU" sz="2100" dirty="0"/>
-              <a:t> корректность правил конвертации.</a:t>
-            </a:r>
-            <a:endParaRPr lang="en-US" sz="2100" dirty="0"/>
+              <a:rPr lang="ru-RU" sz="2400" dirty="0" smtClean="0">
+                <a:latin typeface="Tahoma" charset="0"/>
+                <a:ea typeface="Tahoma" charset="0"/>
+                <a:cs typeface="Tahoma" charset="0"/>
+              </a:rPr>
+              <a:t>разработано ПО выполняющее базовые функции преобразования текста на естественном языке в </a:t>
+            </a:r>
+            <a:r>
+              <a:rPr lang="en-US" sz="2400" dirty="0" smtClean="0">
+                <a:latin typeface="Tahoma" charset="0"/>
+                <a:ea typeface="Tahoma" charset="0"/>
+                <a:cs typeface="Tahoma" charset="0"/>
+              </a:rPr>
+              <a:t>UML </a:t>
+            </a:r>
+            <a:r>
+              <a:rPr lang="ru-RU" sz="2400" dirty="0" smtClean="0">
+                <a:latin typeface="Tahoma" charset="0"/>
+                <a:ea typeface="Tahoma" charset="0"/>
+                <a:cs typeface="Tahoma" charset="0"/>
+              </a:rPr>
+              <a:t>диаграммы.</a:t>
+            </a:r>
+            <a:endParaRPr lang="en-US" sz="2400" dirty="0">
+              <a:latin typeface="Tahoma" charset="0"/>
+              <a:ea typeface="Tahoma" charset="0"/>
+              <a:cs typeface="Tahoma" charset="0"/>
+            </a:endParaRPr>
           </a:p>
         </p:txBody>
       </p:sp>
@@ -5253,7 +5135,7 @@
         </p:spPr>
         <p:txBody>
           <a:bodyPr vert="horz" lIns="91440" tIns="45720" rIns="91440" bIns="45720" rtlCol="0">
-            <a:normAutofit fontScale="92500" lnSpcReduction="10000"/>
+            <a:normAutofit fontScale="92500" lnSpcReduction="20000"/>
           </a:bodyPr>
           <a:lstStyle>
             <a:lvl1pPr marL="182880" indent="-182880" algn="l" defTabSz="914400" rtl="0" eaLnBrk="1" latinLnBrk="0" hangingPunct="1">
@@ -5516,7 +5398,7 @@
               <a:buAutoNum type="arabicPeriod"/>
             </a:pPr>
             <a:r>
-              <a:rPr lang="ru-RU" sz="2400" dirty="0" smtClean="0">
+              <a:rPr lang="ru-RU" sz="2600" dirty="0" smtClean="0">
                 <a:solidFill>
                   <a:schemeClr val="tx1"/>
                 </a:solidFill>
@@ -5527,7 +5409,7 @@
               <a:t>Использование отношений </a:t>
             </a:r>
             <a:r>
-              <a:rPr lang="en-US" sz="2400" dirty="0" smtClean="0">
+              <a:rPr lang="en-US" sz="2600" dirty="0" smtClean="0">
                 <a:solidFill>
                   <a:schemeClr val="tx1"/>
                 </a:solidFill>
@@ -5538,7 +5420,7 @@
               <a:t>NP,VP </a:t>
             </a:r>
             <a:r>
-              <a:rPr lang="ru-RU" sz="2400" dirty="0" smtClean="0">
+              <a:rPr lang="ru-RU" sz="2600" dirty="0" smtClean="0">
                 <a:solidFill>
                   <a:schemeClr val="tx1"/>
                 </a:solidFill>
@@ -5549,7 +5431,7 @@
               <a:t>в</a:t>
             </a:r>
             <a:r>
-              <a:rPr lang="en-US" sz="2400" dirty="0" smtClean="0">
+              <a:rPr lang="en-US" sz="2600" dirty="0" smtClean="0">
                 <a:solidFill>
                   <a:schemeClr val="tx1"/>
                 </a:solidFill>
@@ -5560,7 +5442,7 @@
               <a:t> Stanford Core NLP</a:t>
             </a:r>
             <a:r>
-              <a:rPr lang="ru-RU" sz="2400" dirty="0" smtClean="0">
+              <a:rPr lang="ru-RU" sz="2600" dirty="0" smtClean="0">
                 <a:solidFill>
                   <a:schemeClr val="tx1"/>
                 </a:solidFill>
@@ -5570,7 +5452,7 @@
               </a:rPr>
               <a:t> для трансформации текста</a:t>
             </a:r>
-            <a:endParaRPr lang="en-US" sz="2400" dirty="0" smtClean="0">
+            <a:endParaRPr lang="en-US" sz="2600" dirty="0" smtClean="0">
               <a:solidFill>
                 <a:schemeClr val="tx1"/>
               </a:solidFill>
@@ -5594,7 +5476,7 @@
               <a:buAutoNum type="arabicPeriod"/>
             </a:pPr>
             <a:r>
-              <a:rPr lang="ru-RU" sz="2400" dirty="0" smtClean="0">
+              <a:rPr lang="ru-RU" sz="2600" dirty="0" smtClean="0">
                 <a:solidFill>
                   <a:schemeClr val="tx1"/>
                 </a:solidFill>
@@ -5605,7 +5487,7 @@
               <a:t>Разработка правил</a:t>
             </a:r>
             <a:r>
-              <a:rPr lang="en-US" sz="2400" dirty="0" smtClean="0">
+              <a:rPr lang="en-US" sz="2600" dirty="0" smtClean="0">
                 <a:solidFill>
                   <a:schemeClr val="tx1"/>
                 </a:solidFill>
@@ -5616,7 +5498,7 @@
               <a:t> </a:t>
             </a:r>
             <a:r>
-              <a:rPr lang="ru-RU" sz="2400" dirty="0" smtClean="0">
+              <a:rPr lang="ru-RU" sz="2600" dirty="0" smtClean="0">
                 <a:solidFill>
                   <a:schemeClr val="tx1"/>
                 </a:solidFill>
@@ -6870,23 +6752,24 @@
         </p:nvSpPr>
         <p:spPr>
           <a:xfrm>
-            <a:off x="946404" y="365760"/>
-            <a:ext cx="7269480" cy="728749"/>
+            <a:off x="516221" y="365760"/>
+            <a:ext cx="7699663" cy="1005840"/>
           </a:xfrm>
         </p:spPr>
         <p:txBody>
           <a:bodyPr>
-            <a:normAutofit fontScale="90000"/>
+            <a:noAutofit/>
           </a:bodyPr>
           <a:lstStyle/>
           <a:p>
+            <a:pPr algn="ctr"/>
             <a:r>
               <a:rPr lang="ru-RU" sz="2400" dirty="0" smtClean="0">
                 <a:latin typeface="Tahoma" charset="0"/>
                 <a:ea typeface="Tahoma" charset="0"/>
                 <a:cs typeface="Tahoma" charset="0"/>
               </a:rPr>
-              <a:t>Для сравнения предыдущие попытки </a:t>
+              <a:t>Предыдущие решения реализации </a:t>
             </a:r>
             <a:r>
               <a:rPr lang="ru-RU" sz="2400" dirty="0" err="1" smtClean="0">
@@ -6902,7 +6785,46 @@
                 <a:ea typeface="Tahoma" charset="0"/>
                 <a:cs typeface="Tahoma" charset="0"/>
               </a:rPr>
-              <a:t> зачастую использовали привязку к зависимостям</a:t>
+              <a:t> зачастую использовали привязку </a:t>
+            </a:r>
+            <a:r>
+              <a:rPr lang="en-US" sz="2400" dirty="0" smtClean="0">
+                <a:latin typeface="Tahoma" charset="0"/>
+                <a:ea typeface="Tahoma" charset="0"/>
+                <a:cs typeface="Tahoma" charset="0"/>
+              </a:rPr>
+              <a:t/>
+            </a:r>
+            <a:br>
+              <a:rPr lang="en-US" sz="2400" dirty="0" smtClean="0">
+                <a:latin typeface="Tahoma" charset="0"/>
+                <a:ea typeface="Tahoma" charset="0"/>
+                <a:cs typeface="Tahoma" charset="0"/>
+              </a:rPr>
+            </a:br>
+            <a:r>
+              <a:rPr lang="ru-RU" sz="2400" dirty="0" smtClean="0">
+                <a:latin typeface="Tahoma" charset="0"/>
+                <a:ea typeface="Tahoma" charset="0"/>
+                <a:cs typeface="Tahoma" charset="0"/>
+              </a:rPr>
+              <a:t>к</a:t>
+            </a:r>
+            <a:r>
+              <a:rPr lang="en-US" sz="2400" dirty="0" smtClean="0">
+                <a:latin typeface="Tahoma" charset="0"/>
+                <a:ea typeface="Tahoma" charset="0"/>
+                <a:cs typeface="Tahoma" charset="0"/>
+              </a:rPr>
+              <a:t> </a:t>
+            </a:r>
+            <a:r>
+              <a:rPr lang="ru-RU" sz="2400" dirty="0" smtClean="0">
+                <a:latin typeface="Tahoma" charset="0"/>
+                <a:ea typeface="Tahoma" charset="0"/>
+                <a:cs typeface="Tahoma" charset="0"/>
+              </a:rPr>
+              <a:t>зависимостям</a:t>
             </a:r>
             <a:endParaRPr lang="en-US" sz="2400" dirty="0">
               <a:latin typeface="Tahoma" charset="0"/>
@@ -6934,7 +6856,7 @@
         </p:blipFill>
         <p:spPr>
           <a:xfrm>
-            <a:off x="516221" y="1818408"/>
+            <a:off x="516221" y="1984668"/>
             <a:ext cx="7810500" cy="2654300"/>
           </a:xfrm>
           <a:prstGeom prst="rect">
@@ -6951,7 +6873,7 @@
         <p:spPr>
           <a:xfrm>
             <a:off x="516221" y="5070764"/>
-            <a:ext cx="7699663" cy="400110"/>
+            <a:ext cx="7699663" cy="1200329"/>
           </a:xfrm>
           <a:prstGeom prst="rect">
             <a:avLst/>
@@ -6965,14 +6887,49 @@
           <a:lstStyle/>
           <a:p>
             <a:r>
-              <a:rPr lang="ru-RU" sz="2000" dirty="0" smtClean="0">
-                <a:latin typeface="Tahoma" charset="0"/>
-                <a:ea typeface="Tahoma" charset="0"/>
-                <a:cs typeface="Tahoma" charset="0"/>
-              </a:rPr>
-              <a:t>Обход такого графа часто приводил к множеству рекурсий</a:t>
-            </a:r>
-            <a:endParaRPr lang="en-US" sz="2000" dirty="0">
+              <a:rPr lang="ru-RU" sz="2400" b="1" dirty="0" smtClean="0">
+                <a:solidFill>
+                  <a:schemeClr val="accent1"/>
+                </a:solidFill>
+                <a:latin typeface="Tahoma" charset="0"/>
+                <a:ea typeface="Tahoma" charset="0"/>
+                <a:cs typeface="Tahoma" charset="0"/>
+              </a:rPr>
+              <a:t>Недостаток: </a:t>
+            </a:r>
+            <a:r>
+              <a:rPr lang="ru-RU" sz="2400" dirty="0" smtClean="0">
+                <a:latin typeface="Tahoma" charset="0"/>
+                <a:ea typeface="Tahoma" charset="0"/>
+                <a:cs typeface="Tahoma" charset="0"/>
+              </a:rPr>
+              <a:t>обход такого графа часто приводил к большому количеству </a:t>
+            </a:r>
+            <a:r>
+              <a:rPr lang="ru-RU" sz="2400" dirty="0" smtClean="0">
+                <a:latin typeface="Tahoma" charset="0"/>
+                <a:ea typeface="Tahoma" charset="0"/>
+                <a:cs typeface="Tahoma" charset="0"/>
+              </a:rPr>
+              <a:t>рекурсий</a:t>
+            </a:r>
+            <a:r>
+              <a:rPr lang="en-US" sz="2400" dirty="0" smtClean="0">
+                <a:latin typeface="Tahoma" charset="0"/>
+                <a:ea typeface="Tahoma" charset="0"/>
+                <a:cs typeface="Tahoma" charset="0"/>
+              </a:rPr>
+              <a:t>, </a:t>
+            </a:r>
+            <a:r>
+              <a:rPr lang="ru-RU" sz="2400" dirty="0" smtClean="0">
+                <a:latin typeface="Tahoma" charset="0"/>
+                <a:ea typeface="Tahoma" charset="0"/>
+                <a:cs typeface="Tahoma" charset="0"/>
+              </a:rPr>
+              <a:t>что значительно влияло на время выполнения алгоритма.</a:t>
+            </a:r>
+            <a:endParaRPr lang="en-US" sz="2400" dirty="0">
               <a:latin typeface="Tahoma" charset="0"/>
               <a:ea typeface="Tahoma" charset="0"/>
               <a:cs typeface="Tahoma" charset="0"/>
@@ -8130,54 +8087,38 @@
                 <a:ea typeface="Tahoma" charset="0"/>
                 <a:cs typeface="Tahoma" charset="0"/>
               </a:rPr>
+              <a:t>) (NN </a:t>
+            </a:r>
+            <a:r>
+              <a:rPr lang="mr-IN" sz="1400" dirty="0" err="1">
+                <a:latin typeface="Tahoma" charset="0"/>
+                <a:ea typeface="Tahoma" charset="0"/>
+                <a:cs typeface="Tahoma" charset="0"/>
+              </a:rPr>
+              <a:t>TemporalInstrument</a:t>
+            </a:r>
+            <a:r>
+              <a:rPr lang="mr-IN" sz="1400" dirty="0">
+                <a:latin typeface="Tahoma" charset="0"/>
+                <a:ea typeface="Tahoma" charset="0"/>
+                <a:cs typeface="Tahoma" charset="0"/>
+              </a:rPr>
               <a:t>) </a:t>
-            </a:r>
-            <a:r>
-              <a:rPr lang="mr-IN" sz="1400" b="1" dirty="0">
-                <a:latin typeface="Tahoma" charset="0"/>
-                <a:ea typeface="Tahoma" charset="0"/>
-                <a:cs typeface="Tahoma" charset="0"/>
-              </a:rPr>
-              <a:t>(NN </a:t>
-            </a:r>
-            <a:r>
-              <a:rPr lang="mr-IN" sz="1400" b="1" dirty="0" err="1">
-                <a:latin typeface="Tahoma" charset="0"/>
-                <a:ea typeface="Tahoma" charset="0"/>
-                <a:cs typeface="Tahoma" charset="0"/>
-              </a:rPr>
-              <a:t>TemporalInstrument</a:t>
-            </a:r>
-            <a:r>
-              <a:rPr lang="mr-IN" sz="1400" b="1" dirty="0">
-                <a:latin typeface="Tahoma" charset="0"/>
-                <a:ea typeface="Tahoma" charset="0"/>
-                <a:cs typeface="Tahoma" charset="0"/>
-              </a:rPr>
-              <a:t>)</a:t>
-            </a:r>
-            <a:r>
-              <a:rPr lang="mr-IN" sz="1400" dirty="0">
-                <a:latin typeface="Tahoma" charset="0"/>
-                <a:ea typeface="Tahoma" charset="0"/>
-                <a:cs typeface="Tahoma" charset="0"/>
-              </a:rPr>
-              <a:t>  </a:t>
             </a:r>
             <a:r>
               <a:rPr lang="mr-IN" sz="1400" b="1" dirty="0">
                 <a:solidFill>
-                  <a:srgbClr val="C00000"/>
+                  <a:srgbClr val="00B0F0"/>
                 </a:solidFill>
                 <a:latin typeface="Tahoma" charset="0"/>
                 <a:ea typeface="Tahoma" charset="0"/>
                 <a:cs typeface="Tahoma" charset="0"/>
               </a:rPr>
-              <a:t>     </a:t>
+              <a:t>      </a:t>
             </a:r>
             <a:endParaRPr lang="ru-RU" sz="1400" b="1" dirty="0" smtClean="0">
               <a:solidFill>
-                <a:srgbClr val="C00000"/>
+                <a:srgbClr val="00B0F0"/>
               </a:solidFill>
               <a:latin typeface="Tahoma" charset="0"/>
               <a:ea typeface="Tahoma" charset="0"/>
@@ -8435,7 +8376,105 @@
                 <a:ea typeface="Tahoma" charset="0"/>
                 <a:cs typeface="Tahoma" charset="0"/>
               </a:rPr>
-              <a:t>PP (IN of)                 </a:t>
+              <a:t>PP </a:t>
+            </a:r>
+            <a:r>
+              <a:rPr lang="mr-IN" sz="1400" b="1" dirty="0">
+                <a:solidFill>
+                  <a:srgbClr val="FF9300"/>
+                </a:solidFill>
+                <a:latin typeface="Tahoma" charset="0"/>
+                <a:ea typeface="Tahoma" charset="0"/>
+                <a:cs typeface="Tahoma" charset="0"/>
+              </a:rPr>
+              <a:t>(IN of)                 </a:t>
+            </a:r>
+            <a:endParaRPr lang="ru-RU" sz="1400" b="1" dirty="0" smtClean="0">
+              <a:solidFill>
+                <a:srgbClr val="FF9300"/>
+              </a:solidFill>
+              <a:latin typeface="Tahoma" charset="0"/>
+              <a:ea typeface="Tahoma" charset="0"/>
+              <a:cs typeface="Tahoma" charset="0"/>
+            </a:endParaRPr>
+          </a:p>
+          <a:p>
+            <a:pPr>
+              <a:lnSpc>
+                <a:spcPct val="150000"/>
+              </a:lnSpc>
+            </a:pPr>
+            <a:r>
+              <a:rPr lang="ru-RU" sz="1400" dirty="0" smtClean="0">
+                <a:latin typeface="Tahoma" charset="0"/>
+                <a:ea typeface="Tahoma" charset="0"/>
+                <a:cs typeface="Tahoma" charset="0"/>
+              </a:rPr>
+              <a:t>	</a:t>
+            </a:r>
+            <a:r>
+              <a:rPr lang="mr-IN" sz="1400" dirty="0" smtClean="0">
+                <a:latin typeface="Tahoma" charset="0"/>
+                <a:ea typeface="Tahoma" charset="0"/>
+                <a:cs typeface="Tahoma" charset="0"/>
+              </a:rPr>
+              <a:t> </a:t>
+            </a:r>
+            <a:r>
+              <a:rPr lang="mr-IN" sz="1400" dirty="0">
+                <a:latin typeface="Tahoma" charset="0"/>
+                <a:ea typeface="Tahoma" charset="0"/>
+                <a:cs typeface="Tahoma" charset="0"/>
+              </a:rPr>
+              <a:t>(NP (DT </a:t>
+            </a:r>
+            <a:r>
+              <a:rPr lang="mr-IN" sz="1400" dirty="0" err="1">
+                <a:latin typeface="Tahoma" charset="0"/>
+                <a:ea typeface="Tahoma" charset="0"/>
+                <a:cs typeface="Tahoma" charset="0"/>
+              </a:rPr>
+              <a:t>a</a:t>
+            </a:r>
+            <a:r>
+              <a:rPr lang="mr-IN" sz="1400" dirty="0">
+                <a:latin typeface="Tahoma" charset="0"/>
+                <a:ea typeface="Tahoma" charset="0"/>
+                <a:cs typeface="Tahoma" charset="0"/>
+              </a:rPr>
+              <a:t>) (NN </a:t>
+            </a:r>
+            <a:r>
+              <a:rPr lang="mr-IN" sz="1400" dirty="0" err="1">
+                <a:latin typeface="Tahoma" charset="0"/>
+                <a:ea typeface="Tahoma" charset="0"/>
+                <a:cs typeface="Tahoma" charset="0"/>
+              </a:rPr>
+              <a:t>TemporalMeasure</a:t>
+            </a:r>
+            <a:r>
+              <a:rPr lang="mr-IN" sz="1400" dirty="0" smtClean="0">
+                <a:latin typeface="Tahoma" charset="0"/>
+                <a:ea typeface="Tahoma" charset="0"/>
+                <a:cs typeface="Tahoma" charset="0"/>
+              </a:rPr>
+              <a:t>)</a:t>
+            </a:r>
+            <a:r>
+              <a:rPr lang="en-US" sz="1400" dirty="0" smtClean="0">
+                <a:latin typeface="Tahoma" charset="0"/>
+                <a:ea typeface="Tahoma" charset="0"/>
+                <a:cs typeface="Tahoma" charset="0"/>
+              </a:rPr>
+              <a:t>)</a:t>
+            </a:r>
+            <a:r>
+              <a:rPr lang="mr-IN" sz="1400" dirty="0" smtClean="0">
+                <a:latin typeface="Tahoma" charset="0"/>
+                <a:ea typeface="Tahoma" charset="0"/>
+                <a:cs typeface="Tahoma" charset="0"/>
+              </a:rPr>
+              <a:t> </a:t>
             </a:r>
             <a:endParaRPr lang="ru-RU" sz="1400" dirty="0" smtClean="0">
               <a:latin typeface="Tahoma" charset="0"/>
@@ -8450,98 +8489,6 @@
               </a:lnSpc>
             </a:pPr>
             <a:r>
-              <a:rPr lang="ru-RU" sz="1400" dirty="0" smtClean="0">
-                <a:latin typeface="Tahoma" charset="0"/>
-                <a:ea typeface="Tahoma" charset="0"/>
-                <a:cs typeface="Tahoma" charset="0"/>
-              </a:rPr>
-              <a:t>	</a:t>
-            </a:r>
-            <a:r>
-              <a:rPr lang="mr-IN" sz="1400" dirty="0" smtClean="0">
-                <a:latin typeface="Tahoma" charset="0"/>
-                <a:ea typeface="Tahoma" charset="0"/>
-                <a:cs typeface="Tahoma" charset="0"/>
-              </a:rPr>
-              <a:t> </a:t>
-            </a:r>
-            <a:r>
-              <a:rPr lang="mr-IN" sz="1400" dirty="0">
-                <a:latin typeface="Tahoma" charset="0"/>
-                <a:ea typeface="Tahoma" charset="0"/>
-                <a:cs typeface="Tahoma" charset="0"/>
-              </a:rPr>
-              <a:t>(NP (DT </a:t>
-            </a:r>
-            <a:r>
-              <a:rPr lang="mr-IN" sz="1400" dirty="0" err="1">
-                <a:latin typeface="Tahoma" charset="0"/>
-                <a:ea typeface="Tahoma" charset="0"/>
-                <a:cs typeface="Tahoma" charset="0"/>
-              </a:rPr>
-              <a:t>a</a:t>
-            </a:r>
-            <a:r>
-              <a:rPr lang="mr-IN" sz="1400" dirty="0">
-                <a:latin typeface="Tahoma" charset="0"/>
-                <a:ea typeface="Tahoma" charset="0"/>
-                <a:cs typeface="Tahoma" charset="0"/>
-              </a:rPr>
-              <a:t>) </a:t>
-            </a:r>
-            <a:r>
-              <a:rPr lang="mr-IN" sz="1400" b="1" dirty="0">
-                <a:latin typeface="Tahoma" charset="0"/>
-                <a:ea typeface="Tahoma" charset="0"/>
-                <a:cs typeface="Tahoma" charset="0"/>
-              </a:rPr>
-              <a:t>(NN </a:t>
-            </a:r>
-            <a:r>
-              <a:rPr lang="mr-IN" sz="1400" b="1" dirty="0" err="1">
-                <a:latin typeface="Tahoma" charset="0"/>
-                <a:ea typeface="Tahoma" charset="0"/>
-                <a:cs typeface="Tahoma" charset="0"/>
-              </a:rPr>
-              <a:t>TemporalMeasure</a:t>
-            </a:r>
-            <a:r>
-              <a:rPr lang="mr-IN" sz="1400" b="1" dirty="0" smtClean="0">
-                <a:latin typeface="Tahoma" charset="0"/>
-                <a:ea typeface="Tahoma" charset="0"/>
-                <a:cs typeface="Tahoma" charset="0"/>
-              </a:rPr>
-              <a:t>)</a:t>
-            </a:r>
-            <a:r>
-              <a:rPr lang="en-US" sz="1400" dirty="0" smtClean="0">
-                <a:latin typeface="Tahoma" charset="0"/>
-                <a:ea typeface="Tahoma" charset="0"/>
-                <a:cs typeface="Tahoma" charset="0"/>
-              </a:rPr>
-              <a:t>)</a:t>
-            </a:r>
-            <a:r>
-              <a:rPr lang="mr-IN" sz="1400" dirty="0" smtClean="0">
-                <a:latin typeface="Tahoma" charset="0"/>
-                <a:ea typeface="Tahoma" charset="0"/>
-                <a:cs typeface="Tahoma" charset="0"/>
-              </a:rPr>
-              <a:t> </a:t>
-            </a:r>
-            <a:endParaRPr lang="ru-RU" sz="1400" dirty="0" smtClean="0">
-              <a:latin typeface="Tahoma" charset="0"/>
-              <a:ea typeface="Tahoma" charset="0"/>
-              <a:cs typeface="Tahoma" charset="0"/>
-            </a:endParaRPr>
-          </a:p>
-          <a:p>
-            <a:pPr>
-              <a:lnSpc>
-                <a:spcPct val="150000"/>
-              </a:lnSpc>
-            </a:pPr>
-            <a:r>
               <a:rPr lang="mr-IN" sz="1400" dirty="0" smtClean="0">
                 <a:latin typeface="Tahoma" charset="0"/>
                 <a:ea typeface="Tahoma" charset="0"/>
@@ -8574,7 +8521,7 @@
         <p:spPr>
           <a:xfrm>
             <a:off x="564573" y="1130398"/>
-            <a:ext cx="7516589" cy="1015663"/>
+            <a:ext cx="7516589" cy="1077218"/>
           </a:xfrm>
           <a:prstGeom prst="rect">
             <a:avLst/>
@@ -8587,9 +8534,9 @@
           </a:bodyPr>
           <a:lstStyle/>
           <a:p>
-            <a:pPr algn="r"/>
-            <a:r>
-              <a:rPr lang="en-US" dirty="0">
+            <a:pPr algn="ctr"/>
+            <a:r>
+              <a:rPr lang="en-US" sz="2000" dirty="0">
                 <a:latin typeface="Tahoma" charset="0"/>
                 <a:ea typeface="Tahoma" charset="0"/>
                 <a:cs typeface="Tahoma" charset="0"/>
@@ -8597,7 +8544,7 @@
               <a:t>A Clock is a </a:t>
             </a:r>
             <a:r>
-              <a:rPr lang="en-US" dirty="0" err="1">
+              <a:rPr lang="en-US" sz="2000" dirty="0" err="1">
                 <a:latin typeface="Tahoma" charset="0"/>
                 <a:ea typeface="Tahoma" charset="0"/>
                 <a:cs typeface="Tahoma" charset="0"/>
@@ -8605,7 +8552,7 @@
               <a:t>TemporalInstrument</a:t>
             </a:r>
             <a:r>
-              <a:rPr lang="en-US" dirty="0">
+              <a:rPr lang="en-US" sz="2000" dirty="0">
                 <a:latin typeface="Tahoma" charset="0"/>
                 <a:ea typeface="Tahoma" charset="0"/>
                 <a:cs typeface="Tahoma" charset="0"/>
@@ -8613,23 +8560,23 @@
               <a:t> to </a:t>
             </a:r>
             <a:r>
-              <a:rPr lang="en-US" dirty="0" smtClean="0">
+              <a:rPr lang="en-US" sz="2000" dirty="0" smtClean="0">
                 <a:latin typeface="Tahoma" charset="0"/>
                 <a:ea typeface="Tahoma" charset="0"/>
                 <a:cs typeface="Tahoma" charset="0"/>
               </a:rPr>
               <a:t>generate the instances</a:t>
             </a:r>
-            <a:endParaRPr lang="ru-RU" dirty="0" smtClean="0">
+            <a:endParaRPr lang="ru-RU" sz="2000" dirty="0" smtClean="0">
               <a:latin typeface="Tahoma" charset="0"/>
               <a:ea typeface="Tahoma" charset="0"/>
               <a:cs typeface="Tahoma" charset="0"/>
             </a:endParaRPr>
           </a:p>
           <a:p>
-            <a:pPr algn="r"/>
-            <a:r>
-              <a:rPr lang="en-US" dirty="0" smtClean="0">
+            <a:pPr algn="ctr"/>
+            <a:r>
+              <a:rPr lang="en-US" sz="2000" dirty="0" smtClean="0">
                 <a:latin typeface="Tahoma" charset="0"/>
                 <a:ea typeface="Tahoma" charset="0"/>
                 <a:cs typeface="Tahoma" charset="0"/>
@@ -8637,7 +8584,7 @@
               <a:t> </a:t>
             </a:r>
             <a:r>
-              <a:rPr lang="en-US" dirty="0">
+              <a:rPr lang="en-US" sz="2000" dirty="0">
                 <a:latin typeface="Tahoma" charset="0"/>
                 <a:ea typeface="Tahoma" charset="0"/>
                 <a:cs typeface="Tahoma" charset="0"/>
@@ -8645,7 +8592,7 @@
               <a:t>of a </a:t>
             </a:r>
             <a:r>
-              <a:rPr lang="en-US" dirty="0" err="1">
+              <a:rPr lang="en-US" sz="2000" dirty="0" err="1">
                 <a:latin typeface="Tahoma" charset="0"/>
                 <a:ea typeface="Tahoma" charset="0"/>
                 <a:cs typeface="Tahoma" charset="0"/>
@@ -8653,14 +8600,14 @@
               <a:t>TemporalMeasure</a:t>
             </a:r>
             <a:r>
-              <a:rPr lang="en-US" dirty="0">
+              <a:rPr lang="en-US" sz="2000" dirty="0">
                 <a:latin typeface="Tahoma" charset="0"/>
                 <a:ea typeface="Tahoma" charset="0"/>
                 <a:cs typeface="Tahoma" charset="0"/>
               </a:rPr>
               <a:t>. </a:t>
             </a:r>
-            <a:endParaRPr lang="en-US" b="1" dirty="0">
+            <a:endParaRPr lang="en-US" sz="2000" b="1" dirty="0">
               <a:latin typeface="Tahoma" charset="0"/>
               <a:ea typeface="Tahoma" charset="0"/>
               <a:cs typeface="Tahoma" charset="0"/>
@@ -8765,7 +8712,7 @@
               <a:gd name="adj1" fmla="val 63608"/>
             </a:avLst>
           </a:prstGeom>
-          <a:ln w="22225">
+          <a:ln w="19050">
             <a:solidFill>
               <a:srgbClr val="00B0F0"/>
             </a:solidFill>
@@ -8804,12 +8751,123 @@
               <a:gd name="adj1" fmla="val 75458"/>
             </a:avLst>
           </a:prstGeom>
-          <a:ln w="25400">
+          <a:ln w="19050">
             <a:solidFill>
               <a:srgbClr val="92D050"/>
             </a:solidFill>
             <a:prstDash val="sysDash"/>
             <a:tailEnd type="triangle"/>
+          </a:ln>
+        </p:spPr>
+        <p:style>
+          <a:lnRef idx="1">
+            <a:schemeClr val="accent1"/>
+          </a:lnRef>
+          <a:fillRef idx="0">
+            <a:schemeClr val="accent1"/>
+          </a:fillRef>
+          <a:effectRef idx="0">
+            <a:schemeClr val="accent1"/>
+          </a:effectRef>
+          <a:fontRef idx="minor">
+            <a:schemeClr val="tx1"/>
+          </a:fontRef>
+        </p:style>
+      </p:cxnSp>
+      <p:cxnSp>
+        <p:nvCxnSpPr>
+          <p:cNvPr id="3" name="Elbow Connector 2"/>
+          <p:cNvCxnSpPr/>
+          <p:nvPr/>
+        </p:nvCxnSpPr>
+        <p:spPr>
+          <a:xfrm flipV="1">
+            <a:off x="2867891" y="5326387"/>
+            <a:ext cx="3685310" cy="929007"/>
+          </a:xfrm>
+          <a:prstGeom prst="bentConnector3">
+            <a:avLst>
+              <a:gd name="adj1" fmla="val 100000"/>
+            </a:avLst>
+          </a:prstGeom>
+          <a:ln w="19050">
+            <a:solidFill>
+              <a:srgbClr val="FF9300"/>
+            </a:solidFill>
+            <a:prstDash val="sysDash"/>
+            <a:tailEnd type="triangle"/>
+          </a:ln>
+        </p:spPr>
+        <p:style>
+          <a:lnRef idx="1">
+            <a:schemeClr val="accent1"/>
+          </a:lnRef>
+          <a:fillRef idx="0">
+            <a:schemeClr val="accent1"/>
+          </a:fillRef>
+          <a:effectRef idx="0">
+            <a:schemeClr val="accent1"/>
+          </a:effectRef>
+          <a:fontRef idx="minor">
+            <a:schemeClr val="tx1"/>
+          </a:fontRef>
+        </p:style>
+      </p:cxnSp>
+      <p:cxnSp>
+        <p:nvCxnSpPr>
+          <p:cNvPr id="17" name="Straight Connector 16"/>
+          <p:cNvCxnSpPr/>
+          <p:nvPr/>
+        </p:nvCxnSpPr>
+        <p:spPr>
+          <a:xfrm>
+            <a:off x="2867891" y="5591129"/>
+            <a:ext cx="13854" cy="663195"/>
+          </a:xfrm>
+          <a:prstGeom prst="line">
+            <a:avLst/>
+          </a:prstGeom>
+          <a:ln w="19050">
+            <a:solidFill>
+              <a:srgbClr val="FF9300"/>
+            </a:solidFill>
+            <a:prstDash val="sysDash"/>
+          </a:ln>
+        </p:spPr>
+        <p:style>
+          <a:lnRef idx="1">
+            <a:schemeClr val="accent1"/>
+          </a:lnRef>
+          <a:fillRef idx="0">
+            <a:schemeClr val="accent1"/>
+          </a:fillRef>
+          <a:effectRef idx="0">
+            <a:schemeClr val="accent1"/>
+          </a:effectRef>
+          <a:fontRef idx="minor">
+            <a:schemeClr val="tx1"/>
+          </a:fontRef>
+        </p:style>
+      </p:cxnSp>
+      <p:cxnSp>
+        <p:nvCxnSpPr>
+          <p:cNvPr id="19" name="Straight Connector 18"/>
+          <p:cNvCxnSpPr/>
+          <p:nvPr/>
+        </p:nvCxnSpPr>
+        <p:spPr>
+          <a:xfrm flipH="1">
+            <a:off x="2559357" y="5591129"/>
+            <a:ext cx="322388" cy="1"/>
+          </a:xfrm>
+          <a:prstGeom prst="line">
+            <a:avLst/>
+          </a:prstGeom>
+          <a:ln w="19050">
+            <a:solidFill>
+              <a:srgbClr val="FF9300"/>
+            </a:solidFill>
+            <a:prstDash val="sysDash"/>
           </a:ln>
         </p:spPr>
         <p:style>
